--- a/slides/On-Campus/14_02_SearchingAndSorting.pptx
+++ b/slides/On-Campus/14_02_SearchingAndSorting.pptx
@@ -5,18 +5,22 @@
     <p:sldMasterId id="2147483648" r:id="rId1"/>
   </p:sldMasterIdLst>
   <p:notesMasterIdLst>
-    <p:notesMasterId r:id="rId8"/>
+    <p:notesMasterId r:id="rId12"/>
   </p:notesMasterIdLst>
   <p:handoutMasterIdLst>
-    <p:handoutMasterId r:id="rId9"/>
+    <p:handoutMasterId r:id="rId13"/>
   </p:handoutMasterIdLst>
   <p:sldIdLst>
     <p:sldId id="256" r:id="rId2"/>
-    <p:sldId id="257" r:id="rId3"/>
-    <p:sldId id="258" r:id="rId4"/>
-    <p:sldId id="259" r:id="rId5"/>
-    <p:sldId id="260" r:id="rId6"/>
-    <p:sldId id="261" r:id="rId7"/>
+    <p:sldId id="271" r:id="rId3"/>
+    <p:sldId id="257" r:id="rId4"/>
+    <p:sldId id="258" r:id="rId5"/>
+    <p:sldId id="259" r:id="rId6"/>
+    <p:sldId id="260" r:id="rId7"/>
+    <p:sldId id="261" r:id="rId8"/>
+    <p:sldId id="263" r:id="rId9"/>
+    <p:sldId id="272" r:id="rId10"/>
+    <p:sldId id="273" r:id="rId11"/>
   </p:sldIdLst>
   <p:sldSz cx="13817600" cy="7772400"/>
   <p:notesSz cx="6858000" cy="9144000"/>
@@ -137,6 +141,263 @@
 </p:presentation>
 </file>
 
+<file path=ppt/changesInfos/changesInfo1.xml><?xml version="1.0" encoding="utf-8"?>
+<pc:chgInfo xmlns:a="http://schemas.openxmlformats.org/drawingml/2006/main" xmlns:r="http://schemas.openxmlformats.org/officeDocument/2006/relationships" xmlns:ac="http://schemas.microsoft.com/office/drawing/2013/main/command" xmlns:pc="http://schemas.microsoft.com/office/powerpoint/2013/main/command">
+  <pc:docChgLst>
+    <pc:chgData name="Marcia Moraes" userId="c9c67e8a-58e2-4733-9a1c-5d44fec4775b" providerId="ADAL" clId="{91CB0012-E2AD-4D5B-8AB0-9F1296A68D82}"/>
+    <pc:docChg chg="undo custSel addSld modSld">
+      <pc:chgData name="Marcia Moraes" userId="c9c67e8a-58e2-4733-9a1c-5d44fec4775b" providerId="ADAL" clId="{91CB0012-E2AD-4D5B-8AB0-9F1296A68D82}" dt="2021-11-30T18:51:39.274" v="466" actId="14100"/>
+      <pc:docMkLst>
+        <pc:docMk/>
+      </pc:docMkLst>
+      <pc:sldChg chg="addSp delSp modSp addAnim delAnim">
+        <pc:chgData name="Marcia Moraes" userId="c9c67e8a-58e2-4733-9a1c-5d44fec4775b" providerId="ADAL" clId="{91CB0012-E2AD-4D5B-8AB0-9F1296A68D82}" dt="2021-11-30T16:53:32.254" v="31" actId="313"/>
+        <pc:sldMkLst>
+          <pc:docMk/>
+          <pc:sldMk cId="138825677" sldId="257"/>
+        </pc:sldMkLst>
+        <pc:spChg chg="add del">
+          <ac:chgData name="Marcia Moraes" userId="c9c67e8a-58e2-4733-9a1c-5d44fec4775b" providerId="ADAL" clId="{91CB0012-E2AD-4D5B-8AB0-9F1296A68D82}" dt="2021-11-30T16:53:15.919" v="22" actId="478"/>
+          <ac:spMkLst>
+            <pc:docMk/>
+            <pc:sldMk cId="138825677" sldId="257"/>
+            <ac:spMk id="24" creationId="{44472B7B-FEBF-124C-AFB6-66EBD72ADCD8}"/>
+          </ac:spMkLst>
+        </pc:spChg>
+        <pc:spChg chg="mod">
+          <ac:chgData name="Marcia Moraes" userId="c9c67e8a-58e2-4733-9a1c-5d44fec4775b" providerId="ADAL" clId="{91CB0012-E2AD-4D5B-8AB0-9F1296A68D82}" dt="2021-11-30T16:53:32.254" v="31" actId="313"/>
+          <ac:spMkLst>
+            <pc:docMk/>
+            <pc:sldMk cId="138825677" sldId="257"/>
+            <ac:spMk id="30" creationId="{32ECFFC1-0C21-D44C-B9FC-3FD74DFCFC0A}"/>
+          </ac:spMkLst>
+        </pc:spChg>
+      </pc:sldChg>
+      <pc:sldChg chg="addSp delSp modSp add">
+        <pc:chgData name="Marcia Moraes" userId="c9c67e8a-58e2-4733-9a1c-5d44fec4775b" providerId="ADAL" clId="{91CB0012-E2AD-4D5B-8AB0-9F1296A68D82}" dt="2021-11-30T18:44:35.795" v="421" actId="1076"/>
+        <pc:sldMkLst>
+          <pc:docMk/>
+          <pc:sldMk cId="2436844951" sldId="263"/>
+        </pc:sldMkLst>
+        <pc:spChg chg="mod">
+          <ac:chgData name="Marcia Moraes" userId="c9c67e8a-58e2-4733-9a1c-5d44fec4775b" providerId="ADAL" clId="{91CB0012-E2AD-4D5B-8AB0-9F1296A68D82}" dt="2021-11-30T18:12:02.863" v="293" actId="20577"/>
+          <ac:spMkLst>
+            <pc:docMk/>
+            <pc:sldMk cId="2436844951" sldId="263"/>
+            <ac:spMk id="2" creationId="{0EA0677C-5E9D-BA45-B9ED-0DB234643271}"/>
+          </ac:spMkLst>
+        </pc:spChg>
+        <pc:spChg chg="mod">
+          <ac:chgData name="Marcia Moraes" userId="c9c67e8a-58e2-4733-9a1c-5d44fec4775b" providerId="ADAL" clId="{91CB0012-E2AD-4D5B-8AB0-9F1296A68D82}" dt="2021-11-30T18:16:00.223" v="296" actId="20577"/>
+          <ac:spMkLst>
+            <pc:docMk/>
+            <pc:sldMk cId="2436844951" sldId="263"/>
+            <ac:spMk id="5" creationId="{0A6AD85F-6D71-420D-9CF4-AFEA9B4374F9}"/>
+          </ac:spMkLst>
+        </pc:spChg>
+        <pc:spChg chg="mod topLvl">
+          <ac:chgData name="Marcia Moraes" userId="c9c67e8a-58e2-4733-9a1c-5d44fec4775b" providerId="ADAL" clId="{91CB0012-E2AD-4D5B-8AB0-9F1296A68D82}" dt="2021-11-30T18:09:57.167" v="125" actId="1076"/>
+          <ac:spMkLst>
+            <pc:docMk/>
+            <pc:sldMk cId="2436844951" sldId="263"/>
+            <ac:spMk id="21" creationId="{7E2E6D36-BB32-497D-9F5F-231FA657E416}"/>
+          </ac:spMkLst>
+        </pc:spChg>
+        <pc:spChg chg="mod">
+          <ac:chgData name="Marcia Moraes" userId="c9c67e8a-58e2-4733-9a1c-5d44fec4775b" providerId="ADAL" clId="{91CB0012-E2AD-4D5B-8AB0-9F1296A68D82}" dt="2021-11-30T18:17:11.085" v="302" actId="20577"/>
+          <ac:spMkLst>
+            <pc:docMk/>
+            <pc:sldMk cId="2436844951" sldId="263"/>
+            <ac:spMk id="23" creationId="{95D75E0E-DCBC-4805-92F9-66CC43352DFE}"/>
+          </ac:spMkLst>
+        </pc:spChg>
+        <pc:spChg chg="add mod">
+          <ac:chgData name="Marcia Moraes" userId="c9c67e8a-58e2-4733-9a1c-5d44fec4775b" providerId="ADAL" clId="{91CB0012-E2AD-4D5B-8AB0-9F1296A68D82}" dt="2021-11-30T18:41:11.612" v="414" actId="20577"/>
+          <ac:spMkLst>
+            <pc:docMk/>
+            <pc:sldMk cId="2436844951" sldId="263"/>
+            <ac:spMk id="26" creationId="{AB8C9E9E-3B3D-4859-9276-20ACC059D474}"/>
+          </ac:spMkLst>
+        </pc:spChg>
+        <pc:grpChg chg="mod topLvl">
+          <ac:chgData name="Marcia Moraes" userId="c9c67e8a-58e2-4733-9a1c-5d44fec4775b" providerId="ADAL" clId="{91CB0012-E2AD-4D5B-8AB0-9F1296A68D82}" dt="2021-11-30T18:09:47.693" v="123" actId="14100"/>
+          <ac:grpSpMkLst>
+            <pc:docMk/>
+            <pc:sldMk cId="2436844951" sldId="263"/>
+            <ac:grpSpMk id="3" creationId="{AA9849B9-8FBB-4ECF-9A86-877FE9297356}"/>
+          </ac:grpSpMkLst>
+        </pc:grpChg>
+        <pc:grpChg chg="del">
+          <ac:chgData name="Marcia Moraes" userId="c9c67e8a-58e2-4733-9a1c-5d44fec4775b" providerId="ADAL" clId="{91CB0012-E2AD-4D5B-8AB0-9F1296A68D82}" dt="2021-11-30T18:08:34.628" v="95" actId="165"/>
+          <ac:grpSpMkLst>
+            <pc:docMk/>
+            <pc:sldMk cId="2436844951" sldId="263"/>
+            <ac:grpSpMk id="16" creationId="{4C5FB7FF-BAFB-4D54-9981-06A67064EA38}"/>
+          </ac:grpSpMkLst>
+        </pc:grpChg>
+        <pc:grpChg chg="mod topLvl">
+          <ac:chgData name="Marcia Moraes" userId="c9c67e8a-58e2-4733-9a1c-5d44fec4775b" providerId="ADAL" clId="{91CB0012-E2AD-4D5B-8AB0-9F1296A68D82}" dt="2021-11-30T18:09:57.167" v="125" actId="1076"/>
+          <ac:grpSpMkLst>
+            <pc:docMk/>
+            <pc:sldMk cId="2436844951" sldId="263"/>
+            <ac:grpSpMk id="17" creationId="{FE06C3B8-9BB0-41C2-A480-4BEEFB612331}"/>
+          </ac:grpSpMkLst>
+        </pc:grpChg>
+        <pc:grpChg chg="add mod">
+          <ac:chgData name="Marcia Moraes" userId="c9c67e8a-58e2-4733-9a1c-5d44fec4775b" providerId="ADAL" clId="{91CB0012-E2AD-4D5B-8AB0-9F1296A68D82}" dt="2021-11-30T18:17:07.907" v="298" actId="1076"/>
+          <ac:grpSpMkLst>
+            <pc:docMk/>
+            <pc:sldMk cId="2436844951" sldId="263"/>
+            <ac:grpSpMk id="22" creationId="{BC3E255D-6342-41E7-8F19-57BD38A53C80}"/>
+          </ac:grpSpMkLst>
+        </pc:grpChg>
+        <pc:picChg chg="add del mod">
+          <ac:chgData name="Marcia Moraes" userId="c9c67e8a-58e2-4733-9a1c-5d44fec4775b" providerId="ADAL" clId="{91CB0012-E2AD-4D5B-8AB0-9F1296A68D82}" dt="2021-11-30T18:44:13.672" v="418"/>
+          <ac:picMkLst>
+            <pc:docMk/>
+            <pc:sldMk cId="2436844951" sldId="263"/>
+            <ac:picMk id="8" creationId="{82B58C53-BBFC-4F10-8D9D-36A22D27DFB4}"/>
+          </ac:picMkLst>
+        </pc:picChg>
+        <pc:picChg chg="add mod">
+          <ac:chgData name="Marcia Moraes" userId="c9c67e8a-58e2-4733-9a1c-5d44fec4775b" providerId="ADAL" clId="{91CB0012-E2AD-4D5B-8AB0-9F1296A68D82}" dt="2021-11-30T18:44:35.795" v="421" actId="1076"/>
+          <ac:picMkLst>
+            <pc:docMk/>
+            <pc:sldMk cId="2436844951" sldId="263"/>
+            <ac:picMk id="9" creationId="{B371F548-53BF-4D50-8EE9-972337FD34F1}"/>
+          </ac:picMkLst>
+        </pc:picChg>
+        <pc:cxnChg chg="mod topLvl">
+          <ac:chgData name="Marcia Moraes" userId="c9c67e8a-58e2-4733-9a1c-5d44fec4775b" providerId="ADAL" clId="{91CB0012-E2AD-4D5B-8AB0-9F1296A68D82}" dt="2021-11-30T18:10:01.487" v="126" actId="14100"/>
+          <ac:cxnSpMkLst>
+            <pc:docMk/>
+            <pc:sldMk cId="2436844951" sldId="263"/>
+            <ac:cxnSpMk id="6" creationId="{F39C838C-3152-46AC-A09D-119445C51C0B}"/>
+          </ac:cxnSpMkLst>
+        </pc:cxnChg>
+      </pc:sldChg>
+      <pc:sldChg chg="modSp add">
+        <pc:chgData name="Marcia Moraes" userId="c9c67e8a-58e2-4733-9a1c-5d44fec4775b" providerId="ADAL" clId="{91CB0012-E2AD-4D5B-8AB0-9F1296A68D82}" dt="2021-11-30T16:51:38.896" v="20" actId="6549"/>
+        <pc:sldMkLst>
+          <pc:docMk/>
+          <pc:sldMk cId="926474781" sldId="271"/>
+        </pc:sldMkLst>
+        <pc:spChg chg="mod">
+          <ac:chgData name="Marcia Moraes" userId="c9c67e8a-58e2-4733-9a1c-5d44fec4775b" providerId="ADAL" clId="{91CB0012-E2AD-4D5B-8AB0-9F1296A68D82}" dt="2021-11-30T16:51:38.896" v="20" actId="6549"/>
+          <ac:spMkLst>
+            <pc:docMk/>
+            <pc:sldMk cId="926474781" sldId="271"/>
+            <ac:spMk id="5" creationId="{1BBD0DB5-379A-304F-9307-E7B1A89B08F7}"/>
+          </ac:spMkLst>
+        </pc:spChg>
+        <pc:spChg chg="mod">
+          <ac:chgData name="Marcia Moraes" userId="c9c67e8a-58e2-4733-9a1c-5d44fec4775b" providerId="ADAL" clId="{91CB0012-E2AD-4D5B-8AB0-9F1296A68D82}" dt="2021-11-30T16:51:33.278" v="19" actId="20577"/>
+          <ac:spMkLst>
+            <pc:docMk/>
+            <pc:sldMk cId="926474781" sldId="271"/>
+            <ac:spMk id="7" creationId="{BF16D510-BC74-4FA5-AFD2-193B039115A5}"/>
+          </ac:spMkLst>
+        </pc:spChg>
+      </pc:sldChg>
+      <pc:sldChg chg="addSp delSp modSp add">
+        <pc:chgData name="Marcia Moraes" userId="c9c67e8a-58e2-4733-9a1c-5d44fec4775b" providerId="ADAL" clId="{91CB0012-E2AD-4D5B-8AB0-9F1296A68D82}" dt="2021-11-30T18:49:02.098" v="435" actId="478"/>
+        <pc:sldMkLst>
+          <pc:docMk/>
+          <pc:sldMk cId="1035711711" sldId="272"/>
+        </pc:sldMkLst>
+        <pc:spChg chg="mod">
+          <ac:chgData name="Marcia Moraes" userId="c9c67e8a-58e2-4733-9a1c-5d44fec4775b" providerId="ADAL" clId="{91CB0012-E2AD-4D5B-8AB0-9F1296A68D82}" dt="2021-11-30T18:48:31.876" v="429" actId="20577"/>
+          <ac:spMkLst>
+            <pc:docMk/>
+            <pc:sldMk cId="1035711711" sldId="272"/>
+            <ac:spMk id="2" creationId="{0A758FF7-8D14-DF4E-A32F-9B533CE1BFA8}"/>
+          </ac:spMkLst>
+        </pc:spChg>
+        <pc:spChg chg="del">
+          <ac:chgData name="Marcia Moraes" userId="c9c67e8a-58e2-4733-9a1c-5d44fec4775b" providerId="ADAL" clId="{91CB0012-E2AD-4D5B-8AB0-9F1296A68D82}" dt="2021-11-30T18:48:34.735" v="430" actId="478"/>
+          <ac:spMkLst>
+            <pc:docMk/>
+            <pc:sldMk cId="1035711711" sldId="272"/>
+            <ac:spMk id="3" creationId="{82C45DBC-350E-4F40-9B01-F13A8BC203D8}"/>
+          </ac:spMkLst>
+        </pc:spChg>
+        <pc:spChg chg="add del mod">
+          <ac:chgData name="Marcia Moraes" userId="c9c67e8a-58e2-4733-9a1c-5d44fec4775b" providerId="ADAL" clId="{91CB0012-E2AD-4D5B-8AB0-9F1296A68D82}" dt="2021-11-30T18:49:02.098" v="435" actId="478"/>
+          <ac:spMkLst>
+            <pc:docMk/>
+            <pc:sldMk cId="1035711711" sldId="272"/>
+            <ac:spMk id="5" creationId="{996BA529-5BB8-4A60-8813-AA8756C0C84E}"/>
+          </ac:spMkLst>
+        </pc:spChg>
+        <pc:spChg chg="add mod">
+          <ac:chgData name="Marcia Moraes" userId="c9c67e8a-58e2-4733-9a1c-5d44fec4775b" providerId="ADAL" clId="{91CB0012-E2AD-4D5B-8AB0-9F1296A68D82}" dt="2021-11-30T18:48:59.350" v="434" actId="1076"/>
+          <ac:spMkLst>
+            <pc:docMk/>
+            <pc:sldMk cId="1035711711" sldId="272"/>
+            <ac:spMk id="6" creationId="{8ED0C47D-BC17-44BF-B794-1EBF50A776A9}"/>
+          </ac:spMkLst>
+        </pc:spChg>
+      </pc:sldChg>
+      <pc:sldChg chg="addSp delSp modSp add">
+        <pc:chgData name="Marcia Moraes" userId="c9c67e8a-58e2-4733-9a1c-5d44fec4775b" providerId="ADAL" clId="{91CB0012-E2AD-4D5B-8AB0-9F1296A68D82}" dt="2021-11-30T18:51:39.274" v="466" actId="14100"/>
+        <pc:sldMkLst>
+          <pc:docMk/>
+          <pc:sldMk cId="3183979242" sldId="273"/>
+        </pc:sldMkLst>
+        <pc:spChg chg="mod">
+          <ac:chgData name="Marcia Moraes" userId="c9c67e8a-58e2-4733-9a1c-5d44fec4775b" providerId="ADAL" clId="{91CB0012-E2AD-4D5B-8AB0-9F1296A68D82}" dt="2021-11-30T18:51:14.760" v="461" actId="1076"/>
+          <ac:spMkLst>
+            <pc:docMk/>
+            <pc:sldMk cId="3183979242" sldId="273"/>
+            <ac:spMk id="2" creationId="{0A758FF7-8D14-DF4E-A32F-9B533CE1BFA8}"/>
+          </ac:spMkLst>
+        </pc:spChg>
+        <pc:spChg chg="del">
+          <ac:chgData name="Marcia Moraes" userId="c9c67e8a-58e2-4733-9a1c-5d44fec4775b" providerId="ADAL" clId="{91CB0012-E2AD-4D5B-8AB0-9F1296A68D82}" dt="2021-11-30T18:49:24.814" v="447" actId="478"/>
+          <ac:spMkLst>
+            <pc:docMk/>
+            <pc:sldMk cId="3183979242" sldId="273"/>
+            <ac:spMk id="3" creationId="{82C45DBC-350E-4F40-9B01-F13A8BC203D8}"/>
+          </ac:spMkLst>
+        </pc:spChg>
+        <pc:spChg chg="add mod">
+          <ac:chgData name="Marcia Moraes" userId="c9c67e8a-58e2-4733-9a1c-5d44fec4775b" providerId="ADAL" clId="{91CB0012-E2AD-4D5B-8AB0-9F1296A68D82}" dt="2021-11-30T18:49:24.814" v="447" actId="478"/>
+          <ac:spMkLst>
+            <pc:docMk/>
+            <pc:sldMk cId="3183979242" sldId="273"/>
+            <ac:spMk id="5" creationId="{480C80AB-ADBE-4FB8-8F49-DFA7F97C276E}"/>
+          </ac:spMkLst>
+        </pc:spChg>
+        <pc:spChg chg="add mod">
+          <ac:chgData name="Marcia Moraes" userId="c9c67e8a-58e2-4733-9a1c-5d44fec4775b" providerId="ADAL" clId="{91CB0012-E2AD-4D5B-8AB0-9F1296A68D82}" dt="2021-11-30T18:51:39.274" v="466" actId="14100"/>
+          <ac:spMkLst>
+            <pc:docMk/>
+            <pc:sldMk cId="3183979242" sldId="273"/>
+            <ac:spMk id="6" creationId="{6BEB9876-5868-48AB-95A3-D57AA3409AE2}"/>
+          </ac:spMkLst>
+        </pc:spChg>
+        <pc:spChg chg="add del">
+          <ac:chgData name="Marcia Moraes" userId="c9c67e8a-58e2-4733-9a1c-5d44fec4775b" providerId="ADAL" clId="{91CB0012-E2AD-4D5B-8AB0-9F1296A68D82}" dt="2021-11-30T18:51:07.301" v="460"/>
+          <ac:spMkLst>
+            <pc:docMk/>
+            <pc:sldMk cId="3183979242" sldId="273"/>
+            <ac:spMk id="7" creationId="{65207D69-EC00-48C6-9A5F-26819E5E94BB}"/>
+          </ac:spMkLst>
+        </pc:spChg>
+        <pc:spChg chg="add mod">
+          <ac:chgData name="Marcia Moraes" userId="c9c67e8a-58e2-4733-9a1c-5d44fec4775b" providerId="ADAL" clId="{91CB0012-E2AD-4D5B-8AB0-9F1296A68D82}" dt="2021-11-30T18:51:35.403" v="465" actId="1076"/>
+          <ac:spMkLst>
+            <pc:docMk/>
+            <pc:sldMk cId="3183979242" sldId="273"/>
+            <ac:spMk id="8" creationId="{5549D7F9-D735-4E3F-A201-B0B565E07944}"/>
+          </ac:spMkLst>
+        </pc:spChg>
+      </pc:sldChg>
+    </pc:docChg>
+  </pc:docChgLst>
+</pc:chgInfo>
+</file>
+
 <file path=ppt/handoutMasters/handoutMaster1.xml><?xml version="1.0" encoding="utf-8"?>
 <p:handoutMaster xmlns:a="http://schemas.openxmlformats.org/drawingml/2006/main" xmlns:r="http://schemas.openxmlformats.org/officeDocument/2006/relationships" xmlns:p="http://schemas.openxmlformats.org/presentationml/2006/main">
   <p:cSld>
@@ -219,7 +480,7 @@
           <a:p>
             <a:fld id="{4D7E51A5-B478-1E40-8CBB-0DAA8831E99D}" type="datetimeFigureOut">
               <a:rPr lang="en-US" smtClean="0"/>
-              <a:t>4/24/20</a:t>
+              <a:t>11/30/2021</a:t>
             </a:fld>
             <a:endParaRPr lang="en-US"/>
           </a:p>
@@ -384,7 +645,7 @@
           <a:p>
             <a:fld id="{D0ED587F-861E-6740-9643-E3DDAE89B8D6}" type="datetimeFigureOut">
               <a:rPr lang="en-US" smtClean="0"/>
-              <a:t>4/24/20</a:t>
+              <a:t>11/29/2021</a:t>
             </a:fld>
             <a:endParaRPr lang="en-US"/>
           </a:p>
@@ -4011,6 +4272,602 @@
 </p:sldLayout>
 </file>
 
+<file path=ppt/slideLayouts/slideLayout25.xml><?xml version="1.0" encoding="utf-8"?>
+<p:sldLayout xmlns:a="http://schemas.openxmlformats.org/drawingml/2006/main" xmlns:r="http://schemas.openxmlformats.org/officeDocument/2006/relationships" xmlns:p="http://schemas.openxmlformats.org/presentationml/2006/main" matchingName="Title and Content">
+  <p:cSld name="1_Title and Content">
+    <p:spTree>
+      <p:nvGrpSpPr>
+        <p:cNvPr id="1" name="Shape 53"/>
+        <p:cNvGrpSpPr/>
+        <p:nvPr/>
+      </p:nvGrpSpPr>
+      <p:grpSpPr>
+        <a:xfrm>
+          <a:off x="0" y="0"/>
+          <a:ext cx="0" cy="0"/>
+          <a:chOff x="0" y="0"/>
+          <a:chExt cx="0" cy="0"/>
+        </a:xfrm>
+      </p:grpSpPr>
+      <p:grpSp>
+        <p:nvGrpSpPr>
+          <p:cNvPr id="54" name="Google Shape;54;p14"/>
+          <p:cNvGrpSpPr/>
+          <p:nvPr/>
+        </p:nvGrpSpPr>
+        <p:grpSpPr>
+          <a:xfrm>
+            <a:off x="0" y="7372875"/>
+            <a:ext cx="13849756" cy="400074"/>
+            <a:chOff x="0" y="7372350"/>
+            <a:chExt cx="13817700" cy="400053"/>
+          </a:xfrm>
+        </p:grpSpPr>
+        <p:sp>
+          <p:nvSpPr>
+            <p:cNvPr id="55" name="Google Shape;55;p14"/>
+            <p:cNvSpPr/>
+            <p:nvPr/>
+          </p:nvSpPr>
+          <p:spPr>
+            <a:xfrm>
+              <a:off x="0" y="7372350"/>
+              <a:ext cx="13817700" cy="399900"/>
+            </a:xfrm>
+            <a:prstGeom prst="rect">
+              <a:avLst/>
+            </a:prstGeom>
+            <a:solidFill>
+              <a:schemeClr val="dk2"/>
+            </a:solidFill>
+            <a:ln>
+              <a:noFill/>
+            </a:ln>
+          </p:spPr>
+          <p:txBody>
+            <a:bodyPr spcFirstLastPara="1" wrap="square" lIns="60500" tIns="30250" rIns="60500" bIns="30250" anchor="ctr" anchorCtr="0">
+              <a:noAutofit/>
+            </a:bodyPr>
+            <a:lstStyle/>
+            <a:p>
+              <a:pPr marL="0" marR="0" lvl="0" indent="0" algn="ctr" rtl="0">
+                <a:spcBef>
+                  <a:spcPts val="0"/>
+                </a:spcBef>
+                <a:spcAft>
+                  <a:spcPts val="0"/>
+                </a:spcAft>
+                <a:buNone/>
+              </a:pPr>
+              <a:endParaRPr sz="1964" b="0" i="0" u="none" strike="noStrike" cap="none">
+                <a:solidFill>
+                  <a:schemeClr val="lt1"/>
+                </a:solidFill>
+                <a:latin typeface="Arial"/>
+                <a:ea typeface="Arial"/>
+                <a:cs typeface="Arial"/>
+                <a:sym typeface="Arial"/>
+              </a:endParaRPr>
+            </a:p>
+          </p:txBody>
+        </p:sp>
+        <p:pic>
+          <p:nvPicPr>
+            <p:cNvPr id="56" name="Google Shape;56;p14"/>
+            <p:cNvPicPr preferRelativeResize="0"/>
+            <p:nvPr/>
+          </p:nvPicPr>
+          <p:blipFill rotWithShape="1">
+            <a:blip r:embed="rId2">
+              <a:alphaModFix/>
+            </a:blip>
+            <a:srcRect/>
+            <a:stretch/>
+          </p:blipFill>
+          <p:spPr>
+            <a:xfrm>
+              <a:off x="152257" y="7372351"/>
+              <a:ext cx="1788558" cy="400050"/>
+            </a:xfrm>
+            <a:prstGeom prst="rect">
+              <a:avLst/>
+            </a:prstGeom>
+            <a:noFill/>
+            <a:ln>
+              <a:noFill/>
+            </a:ln>
+          </p:spPr>
+        </p:pic>
+        <p:sp>
+          <p:nvSpPr>
+            <p:cNvPr id="57" name="Google Shape;57;p14"/>
+            <p:cNvSpPr/>
+            <p:nvPr/>
+          </p:nvSpPr>
+          <p:spPr>
+            <a:xfrm>
+              <a:off x="0" y="7372351"/>
+              <a:ext cx="13817700" cy="399900"/>
+            </a:xfrm>
+            <a:prstGeom prst="rect">
+              <a:avLst/>
+            </a:prstGeom>
+            <a:solidFill>
+              <a:schemeClr val="dk2"/>
+            </a:solidFill>
+            <a:ln>
+              <a:noFill/>
+            </a:ln>
+          </p:spPr>
+          <p:txBody>
+            <a:bodyPr spcFirstLastPara="1" wrap="square" lIns="60500" tIns="30250" rIns="60500" bIns="30250" anchor="ctr" anchorCtr="0">
+              <a:noAutofit/>
+            </a:bodyPr>
+            <a:lstStyle/>
+            <a:p>
+              <a:pPr marL="0" marR="0" lvl="0" indent="0" algn="ctr" rtl="0">
+                <a:spcBef>
+                  <a:spcPts val="0"/>
+                </a:spcBef>
+                <a:spcAft>
+                  <a:spcPts val="0"/>
+                </a:spcAft>
+                <a:buNone/>
+              </a:pPr>
+              <a:endParaRPr sz="1964" b="0" i="0" u="none" strike="noStrike" cap="none">
+                <a:solidFill>
+                  <a:schemeClr val="lt1"/>
+                </a:solidFill>
+                <a:latin typeface="Arial"/>
+                <a:ea typeface="Arial"/>
+                <a:cs typeface="Arial"/>
+                <a:sym typeface="Arial"/>
+              </a:endParaRPr>
+            </a:p>
+          </p:txBody>
+        </p:sp>
+        <p:pic>
+          <p:nvPicPr>
+            <p:cNvPr id="58" name="Google Shape;58;p14"/>
+            <p:cNvPicPr preferRelativeResize="0"/>
+            <p:nvPr/>
+          </p:nvPicPr>
+          <p:blipFill rotWithShape="1">
+            <a:blip r:embed="rId2">
+              <a:alphaModFix/>
+            </a:blip>
+            <a:srcRect/>
+            <a:stretch/>
+          </p:blipFill>
+          <p:spPr>
+            <a:xfrm>
+              <a:off x="152257" y="7372352"/>
+              <a:ext cx="1788558" cy="400050"/>
+            </a:xfrm>
+            <a:prstGeom prst="rect">
+              <a:avLst/>
+            </a:prstGeom>
+            <a:noFill/>
+            <a:ln>
+              <a:noFill/>
+            </a:ln>
+          </p:spPr>
+        </p:pic>
+      </p:grpSp>
+      <p:sp>
+        <p:nvSpPr>
+          <p:cNvPr id="59" name="Google Shape;59;p14"/>
+          <p:cNvSpPr txBox="1">
+            <a:spLocks noGrp="1"/>
+          </p:cNvSpPr>
+          <p:nvPr>
+            <p:ph type="title"/>
+          </p:nvPr>
+        </p:nvSpPr>
+        <p:spPr>
+          <a:xfrm>
+            <a:off x="628075" y="905258"/>
+            <a:ext cx="12561413" cy="1015467"/>
+          </a:xfrm>
+          <a:prstGeom prst="rect">
+            <a:avLst/>
+          </a:prstGeom>
+          <a:noFill/>
+          <a:ln>
+            <a:noFill/>
+          </a:ln>
+        </p:spPr>
+        <p:txBody>
+          <a:bodyPr spcFirstLastPara="1" wrap="square" lIns="60500" tIns="60500" rIns="60500" bIns="60500" anchor="b" anchorCtr="0">
+            <a:noAutofit/>
+          </a:bodyPr>
+          <a:lstStyle>
+            <a:lvl1pPr marR="0" lvl="0" algn="l" rtl="0">
+              <a:spcBef>
+                <a:spcPts val="0"/>
+              </a:spcBef>
+              <a:spcAft>
+                <a:spcPts val="0"/>
+              </a:spcAft>
+              <a:buClr>
+                <a:schemeClr val="dk2"/>
+              </a:buClr>
+              <a:buSzPts val="3600"/>
+              <a:buFont typeface="Arial"/>
+              <a:buNone/>
+              <a:defRPr sz="5440" b="0" i="0" u="none" strike="noStrike" cap="none">
+                <a:solidFill>
+                  <a:schemeClr val="dk2"/>
+                </a:solidFill>
+                <a:latin typeface="Arial"/>
+                <a:ea typeface="Arial"/>
+                <a:cs typeface="Arial"/>
+                <a:sym typeface="Arial"/>
+              </a:defRPr>
+            </a:lvl1pPr>
+            <a:lvl2pPr lvl="1" rtl="0">
+              <a:spcBef>
+                <a:spcPts val="0"/>
+              </a:spcBef>
+              <a:spcAft>
+                <a:spcPts val="0"/>
+              </a:spcAft>
+              <a:buSzPts val="900"/>
+              <a:buNone/>
+              <a:defRPr sz="1813"/>
+            </a:lvl2pPr>
+            <a:lvl3pPr lvl="2" rtl="0">
+              <a:spcBef>
+                <a:spcPts val="0"/>
+              </a:spcBef>
+              <a:spcAft>
+                <a:spcPts val="0"/>
+              </a:spcAft>
+              <a:buSzPts val="900"/>
+              <a:buNone/>
+              <a:defRPr sz="1813"/>
+            </a:lvl3pPr>
+            <a:lvl4pPr lvl="3" rtl="0">
+              <a:spcBef>
+                <a:spcPts val="0"/>
+              </a:spcBef>
+              <a:spcAft>
+                <a:spcPts val="0"/>
+              </a:spcAft>
+              <a:buSzPts val="900"/>
+              <a:buNone/>
+              <a:defRPr sz="1813"/>
+            </a:lvl4pPr>
+            <a:lvl5pPr lvl="4" rtl="0">
+              <a:spcBef>
+                <a:spcPts val="0"/>
+              </a:spcBef>
+              <a:spcAft>
+                <a:spcPts val="0"/>
+              </a:spcAft>
+              <a:buSzPts val="900"/>
+              <a:buNone/>
+              <a:defRPr sz="1813"/>
+            </a:lvl5pPr>
+            <a:lvl6pPr lvl="5" rtl="0">
+              <a:spcBef>
+                <a:spcPts val="0"/>
+              </a:spcBef>
+              <a:spcAft>
+                <a:spcPts val="0"/>
+              </a:spcAft>
+              <a:buSzPts val="900"/>
+              <a:buNone/>
+              <a:defRPr sz="1813"/>
+            </a:lvl6pPr>
+            <a:lvl7pPr lvl="6" rtl="0">
+              <a:spcBef>
+                <a:spcPts val="0"/>
+              </a:spcBef>
+              <a:spcAft>
+                <a:spcPts val="0"/>
+              </a:spcAft>
+              <a:buSzPts val="900"/>
+              <a:buNone/>
+              <a:defRPr sz="1813"/>
+            </a:lvl7pPr>
+            <a:lvl8pPr lvl="7" rtl="0">
+              <a:spcBef>
+                <a:spcPts val="0"/>
+              </a:spcBef>
+              <a:spcAft>
+                <a:spcPts val="0"/>
+              </a:spcAft>
+              <a:buSzPts val="900"/>
+              <a:buNone/>
+              <a:defRPr sz="1813"/>
+            </a:lvl8pPr>
+            <a:lvl9pPr lvl="8" rtl="0">
+              <a:spcBef>
+                <a:spcPts val="0"/>
+              </a:spcBef>
+              <a:spcAft>
+                <a:spcPts val="0"/>
+              </a:spcAft>
+              <a:buSzPts val="900"/>
+              <a:buNone/>
+              <a:defRPr sz="1813"/>
+            </a:lvl9pPr>
+          </a:lstStyle>
+          <a:p>
+            <a:endParaRPr/>
+          </a:p>
+        </p:txBody>
+      </p:sp>
+      <p:sp>
+        <p:nvSpPr>
+          <p:cNvPr id="60" name="Google Shape;60;p14"/>
+          <p:cNvSpPr txBox="1">
+            <a:spLocks noGrp="1"/>
+          </p:cNvSpPr>
+          <p:nvPr>
+            <p:ph type="body" idx="1"/>
+          </p:nvPr>
+        </p:nvSpPr>
+        <p:spPr>
+          <a:xfrm>
+            <a:off x="628075" y="2487883"/>
+            <a:ext cx="12561413" cy="2015520"/>
+          </a:xfrm>
+          <a:prstGeom prst="rect">
+            <a:avLst/>
+          </a:prstGeom>
+          <a:noFill/>
+          <a:ln>
+            <a:noFill/>
+          </a:ln>
+        </p:spPr>
+        <p:txBody>
+          <a:bodyPr spcFirstLastPara="1" wrap="square" lIns="60500" tIns="60500" rIns="60500" bIns="60500" anchor="t" anchorCtr="0">
+            <a:noAutofit/>
+          </a:bodyPr>
+          <a:lstStyle>
+            <a:lvl1pPr marL="690875" marR="0" lvl="0" indent="-460583" algn="l" rtl="0">
+              <a:lnSpc>
+                <a:spcPct val="120000"/>
+              </a:lnSpc>
+              <a:spcBef>
+                <a:spcPts val="604"/>
+              </a:spcBef>
+              <a:spcAft>
+                <a:spcPts val="0"/>
+              </a:spcAft>
+              <a:buClr>
+                <a:schemeClr val="dk1"/>
+              </a:buClr>
+              <a:buSzPts val="1200"/>
+              <a:buFont typeface="Arial"/>
+              <a:buChar char="•"/>
+              <a:defRPr sz="1813" b="0" i="0" u="none" strike="noStrike" cap="none">
+                <a:solidFill>
+                  <a:schemeClr val="dk1"/>
+                </a:solidFill>
+                <a:latin typeface="Proxima Nova"/>
+                <a:ea typeface="Proxima Nova"/>
+                <a:cs typeface="Proxima Nova"/>
+                <a:sym typeface="Proxima Nova"/>
+              </a:defRPr>
+            </a:lvl1pPr>
+            <a:lvl2pPr marL="1381750" marR="0" lvl="1" indent="-450988" algn="l" rtl="0">
+              <a:lnSpc>
+                <a:spcPct val="120000"/>
+              </a:lnSpc>
+              <a:spcBef>
+                <a:spcPts val="604"/>
+              </a:spcBef>
+              <a:spcAft>
+                <a:spcPts val="0"/>
+              </a:spcAft>
+              <a:buClr>
+                <a:schemeClr val="dk1"/>
+              </a:buClr>
+              <a:buSzPts val="1100"/>
+              <a:buFont typeface="Arial"/>
+              <a:buChar char="–"/>
+              <a:defRPr sz="1662" b="0" i="0" u="none" strike="noStrike" cap="none">
+                <a:solidFill>
+                  <a:schemeClr val="dk1"/>
+                </a:solidFill>
+                <a:latin typeface="Proxima Nova"/>
+                <a:ea typeface="Proxima Nova"/>
+                <a:cs typeface="Proxima Nova"/>
+                <a:sym typeface="Proxima Nova"/>
+              </a:defRPr>
+            </a:lvl2pPr>
+            <a:lvl3pPr marL="2072625" marR="0" lvl="2" indent="-450988" algn="l" rtl="0">
+              <a:lnSpc>
+                <a:spcPct val="120000"/>
+              </a:lnSpc>
+              <a:spcBef>
+                <a:spcPts val="604"/>
+              </a:spcBef>
+              <a:spcAft>
+                <a:spcPts val="0"/>
+              </a:spcAft>
+              <a:buClr>
+                <a:schemeClr val="dk1"/>
+              </a:buClr>
+              <a:buSzPts val="1100"/>
+              <a:buFont typeface="Arial"/>
+              <a:buChar char="•"/>
+              <a:defRPr sz="1662" b="0" i="0" u="none" strike="noStrike" cap="none">
+                <a:solidFill>
+                  <a:schemeClr val="dk1"/>
+                </a:solidFill>
+                <a:latin typeface="Proxima Nova"/>
+                <a:ea typeface="Proxima Nova"/>
+                <a:cs typeface="Proxima Nova"/>
+                <a:sym typeface="Proxima Nova"/>
+              </a:defRPr>
+            </a:lvl3pPr>
+            <a:lvl4pPr marL="2763500" marR="0" lvl="3" indent="-450988" algn="l" rtl="0">
+              <a:lnSpc>
+                <a:spcPct val="120000"/>
+              </a:lnSpc>
+              <a:spcBef>
+                <a:spcPts val="604"/>
+              </a:spcBef>
+              <a:spcAft>
+                <a:spcPts val="0"/>
+              </a:spcAft>
+              <a:buClr>
+                <a:schemeClr val="dk1"/>
+              </a:buClr>
+              <a:buSzPts val="1100"/>
+              <a:buFont typeface="Arial"/>
+              <a:buChar char="–"/>
+              <a:defRPr sz="1662" b="0" i="0" u="none" strike="noStrike" cap="none">
+                <a:solidFill>
+                  <a:schemeClr val="dk1"/>
+                </a:solidFill>
+                <a:latin typeface="Proxima Nova"/>
+                <a:ea typeface="Proxima Nova"/>
+                <a:cs typeface="Proxima Nova"/>
+                <a:sym typeface="Proxima Nova"/>
+              </a:defRPr>
+            </a:lvl4pPr>
+            <a:lvl5pPr marL="3454375" marR="0" lvl="4" indent="-450988" algn="l" rtl="0">
+              <a:spcBef>
+                <a:spcPts val="604"/>
+              </a:spcBef>
+              <a:spcAft>
+                <a:spcPts val="0"/>
+              </a:spcAft>
+              <a:buClr>
+                <a:schemeClr val="dk1"/>
+              </a:buClr>
+              <a:buSzPts val="1100"/>
+              <a:buFont typeface="Arial"/>
+              <a:buChar char="»"/>
+              <a:defRPr sz="1662" b="0" i="0" u="none" strike="noStrike" cap="none">
+                <a:solidFill>
+                  <a:schemeClr val="dk1"/>
+                </a:solidFill>
+                <a:latin typeface="Source Sans Pro"/>
+                <a:ea typeface="Source Sans Pro"/>
+                <a:cs typeface="Source Sans Pro"/>
+                <a:sym typeface="Source Sans Pro"/>
+              </a:defRPr>
+            </a:lvl5pPr>
+            <a:lvl6pPr marL="4145250" marR="0" lvl="5" indent="-537347" algn="l" rtl="0">
+              <a:spcBef>
+                <a:spcPts val="604"/>
+              </a:spcBef>
+              <a:spcAft>
+                <a:spcPts val="0"/>
+              </a:spcAft>
+              <a:buClr>
+                <a:schemeClr val="dk1"/>
+              </a:buClr>
+              <a:buSzPts val="2000"/>
+              <a:buFont typeface="Arial"/>
+              <a:buChar char="•"/>
+              <a:defRPr sz="3022" b="0" i="0" u="none" strike="noStrike" cap="none">
+                <a:solidFill>
+                  <a:schemeClr val="dk1"/>
+                </a:solidFill>
+                <a:latin typeface="Arial"/>
+                <a:ea typeface="Arial"/>
+                <a:cs typeface="Arial"/>
+                <a:sym typeface="Arial"/>
+              </a:defRPr>
+            </a:lvl6pPr>
+            <a:lvl7pPr marL="4836124" marR="0" lvl="6" indent="-537347" algn="l" rtl="0">
+              <a:spcBef>
+                <a:spcPts val="604"/>
+              </a:spcBef>
+              <a:spcAft>
+                <a:spcPts val="0"/>
+              </a:spcAft>
+              <a:buClr>
+                <a:schemeClr val="dk1"/>
+              </a:buClr>
+              <a:buSzPts val="2000"/>
+              <a:buFont typeface="Arial"/>
+              <a:buChar char="•"/>
+              <a:defRPr sz="3022" b="0" i="0" u="none" strike="noStrike" cap="none">
+                <a:solidFill>
+                  <a:schemeClr val="dk1"/>
+                </a:solidFill>
+                <a:latin typeface="Arial"/>
+                <a:ea typeface="Arial"/>
+                <a:cs typeface="Arial"/>
+                <a:sym typeface="Arial"/>
+              </a:defRPr>
+            </a:lvl7pPr>
+            <a:lvl8pPr marL="5526999" marR="0" lvl="7" indent="-537347" algn="l" rtl="0">
+              <a:spcBef>
+                <a:spcPts val="604"/>
+              </a:spcBef>
+              <a:spcAft>
+                <a:spcPts val="0"/>
+              </a:spcAft>
+              <a:buClr>
+                <a:schemeClr val="dk1"/>
+              </a:buClr>
+              <a:buSzPts val="2000"/>
+              <a:buFont typeface="Arial"/>
+              <a:buChar char="•"/>
+              <a:defRPr sz="3022" b="0" i="0" u="none" strike="noStrike" cap="none">
+                <a:solidFill>
+                  <a:schemeClr val="dk1"/>
+                </a:solidFill>
+                <a:latin typeface="Arial"/>
+                <a:ea typeface="Arial"/>
+                <a:cs typeface="Arial"/>
+                <a:sym typeface="Arial"/>
+              </a:defRPr>
+            </a:lvl8pPr>
+            <a:lvl9pPr marL="6217874" marR="0" lvl="8" indent="-537347" algn="l" rtl="0">
+              <a:spcBef>
+                <a:spcPts val="604"/>
+              </a:spcBef>
+              <a:spcAft>
+                <a:spcPts val="0"/>
+              </a:spcAft>
+              <a:buClr>
+                <a:schemeClr val="dk1"/>
+              </a:buClr>
+              <a:buSzPts val="2000"/>
+              <a:buFont typeface="Arial"/>
+              <a:buChar char="•"/>
+              <a:defRPr sz="3022" b="0" i="0" u="none" strike="noStrike" cap="none">
+                <a:solidFill>
+                  <a:schemeClr val="dk1"/>
+                </a:solidFill>
+                <a:latin typeface="Arial"/>
+                <a:ea typeface="Arial"/>
+                <a:cs typeface="Arial"/>
+                <a:sym typeface="Arial"/>
+              </a:defRPr>
+            </a:lvl9pPr>
+          </a:lstStyle>
+          <a:p>
+            <a:endParaRPr/>
+          </a:p>
+        </p:txBody>
+      </p:sp>
+    </p:spTree>
+    <p:extLst>
+      <p:ext uri="{BB962C8B-B14F-4D97-AF65-F5344CB8AC3E}">
+        <p14:creationId xmlns:p14="http://schemas.microsoft.com/office/powerpoint/2010/main" val="2874998535"/>
+      </p:ext>
+    </p:extLst>
+  </p:cSld>
+  <p:clrMapOvr>
+    <a:masterClrMapping/>
+  </p:clrMapOvr>
+  <p:transition>
+    <p:fade/>
+  </p:transition>
+</p:sldLayout>
+</file>
+
 <file path=ppt/slideLayouts/slideLayout3.xml><?xml version="1.0" encoding="utf-8"?>
 <p:sldLayout xmlns:a="http://schemas.openxmlformats.org/drawingml/2006/main" xmlns:r="http://schemas.openxmlformats.org/officeDocument/2006/relationships" xmlns:p="http://schemas.openxmlformats.org/presentationml/2006/main" preserve="1" userDrawn="1">
   <p:cSld name="Title Green Ram CSU">
@@ -6316,6 +7173,7 @@
     <p:sldLayoutId id="2147483677" r:id="rId22"/>
     <p:sldLayoutId id="2147483692" r:id="rId23"/>
     <p:sldLayoutId id="2147483672" r:id="rId24"/>
+    <p:sldLayoutId id="2147483693" r:id="rId25"/>
   </p:sldLayoutIdLst>
   <mc:AlternateContent xmlns:mc="http://schemas.openxmlformats.org/markup-compatibility/2006" xmlns:p14="http://schemas.microsoft.com/office/powerpoint/2010/main">
     <mc:Choice Requires="p14">
@@ -6716,7 +7574,3108 @@
 </p:sld>
 </file>
 
+<file path=ppt/slides/slide10.xml><?xml version="1.0" encoding="utf-8"?>
+<p:sld xmlns:a="http://schemas.openxmlformats.org/drawingml/2006/main" xmlns:r="http://schemas.openxmlformats.org/officeDocument/2006/relationships" xmlns:p="http://schemas.openxmlformats.org/presentationml/2006/main">
+  <p:cSld>
+    <p:spTree>
+      <p:nvGrpSpPr>
+        <p:cNvPr id="1" name=""/>
+        <p:cNvGrpSpPr/>
+        <p:nvPr/>
+      </p:nvGrpSpPr>
+      <p:grpSpPr>
+        <a:xfrm>
+          <a:off x="0" y="0"/>
+          <a:ext cx="0" cy="0"/>
+          <a:chOff x="0" y="0"/>
+          <a:chExt cx="0" cy="0"/>
+        </a:xfrm>
+      </p:grpSpPr>
+      <p:sp>
+        <p:nvSpPr>
+          <p:cNvPr id="2" name="Title 1">
+            <a:extLst>
+              <a:ext uri="{FF2B5EF4-FFF2-40B4-BE49-F238E27FC236}">
+                <a16:creationId xmlns:a16="http://schemas.microsoft.com/office/drawing/2014/main" id="{0A758FF7-8D14-DF4E-A32F-9B533CE1BFA8}"/>
+              </a:ext>
+            </a:extLst>
+          </p:cNvPr>
+          <p:cNvSpPr>
+            <a:spLocks noGrp="1"/>
+          </p:cNvSpPr>
+          <p:nvPr>
+            <p:ph type="title"/>
+          </p:nvPr>
+        </p:nvSpPr>
+        <p:spPr>
+          <a:xfrm>
+            <a:off x="372893" y="76246"/>
+            <a:ext cx="12561453" cy="1015663"/>
+          </a:xfrm>
+        </p:spPr>
+        <p:txBody>
+          <a:bodyPr/>
+          <a:lstStyle/>
+          <a:p>
+            <a:r>
+              <a:rPr lang="en-US" dirty="0" err="1"/>
+              <a:t>ListCountry</a:t>
+            </a:r>
+            <a:endParaRPr lang="en-US" dirty="0"/>
+          </a:p>
+        </p:txBody>
+      </p:sp>
+      <p:sp>
+        <p:nvSpPr>
+          <p:cNvPr id="5" name="Text Placeholder 4">
+            <a:extLst>
+              <a:ext uri="{FF2B5EF4-FFF2-40B4-BE49-F238E27FC236}">
+                <a16:creationId xmlns:a16="http://schemas.microsoft.com/office/drawing/2014/main" id="{480C80AB-ADBE-4FB8-8F49-DFA7F97C276E}"/>
+              </a:ext>
+            </a:extLst>
+          </p:cNvPr>
+          <p:cNvSpPr>
+            <a:spLocks noGrp="1"/>
+          </p:cNvSpPr>
+          <p:nvPr>
+            <p:ph type="body" sz="quarter" idx="10"/>
+          </p:nvPr>
+        </p:nvSpPr>
+        <p:spPr/>
+        <p:txBody>
+          <a:bodyPr/>
+          <a:lstStyle/>
+          <a:p>
+            <a:endParaRPr lang="en-US" dirty="0"/>
+          </a:p>
+        </p:txBody>
+      </p:sp>
+      <p:sp>
+        <p:nvSpPr>
+          <p:cNvPr id="6" name="Rectangle 1">
+            <a:extLst>
+              <a:ext uri="{FF2B5EF4-FFF2-40B4-BE49-F238E27FC236}">
+                <a16:creationId xmlns:a16="http://schemas.microsoft.com/office/drawing/2014/main" id="{6BEB9876-5868-48AB-95A3-D57AA3409AE2}"/>
+              </a:ext>
+            </a:extLst>
+          </p:cNvPr>
+          <p:cNvSpPr>
+            <a:spLocks noChangeArrowheads="1"/>
+          </p:cNvSpPr>
+          <p:nvPr/>
+        </p:nvSpPr>
+        <p:spPr bwMode="auto">
+          <a:xfrm>
+            <a:off x="372893" y="955847"/>
+            <a:ext cx="6357516" cy="6740307"/>
+          </a:xfrm>
+          <a:prstGeom prst="rect">
+            <a:avLst/>
+          </a:prstGeom>
+          <a:solidFill>
+            <a:srgbClr val="2B2B2B"/>
+          </a:solidFill>
+          <a:ln>
+            <a:noFill/>
+          </a:ln>
+          <a:effectLst/>
+          <a:extLst>
+            <a:ext uri="{91240B29-F687-4F45-9708-019B960494DF}">
+              <a14:hiddenLine xmlns:a14="http://schemas.microsoft.com/office/drawing/2010/main" w="9525">
+                <a:solidFill>
+                  <a:schemeClr val="tx1"/>
+                </a:solidFill>
+                <a:miter lim="800000"/>
+                <a:headEnd/>
+                <a:tailEnd/>
+              </a14:hiddenLine>
+            </a:ext>
+            <a:ext uri="{AF507438-7753-43E0-B8FC-AC1667EBCBE1}">
+              <a14:hiddenEffects xmlns:a14="http://schemas.microsoft.com/office/drawing/2010/main">
+                <a:effectLst>
+                  <a:outerShdw dist="35921" dir="2700000" algn="ctr" rotWithShape="0">
+                    <a:schemeClr val="bg2"/>
+                  </a:outerShdw>
+                </a:effectLst>
+              </a14:hiddenEffects>
+            </a:ext>
+          </a:extLst>
+        </p:spPr>
+        <p:txBody>
+          <a:bodyPr vert="horz" wrap="square" lIns="91440" tIns="45720" rIns="91440" bIns="45720" numCol="1" anchor="ctr" anchorCtr="0" compatLnSpc="1">
+            <a:prstTxWarp prst="textNoShape">
+              <a:avLst/>
+            </a:prstTxWarp>
+            <a:spAutoFit/>
+          </a:bodyPr>
+          <a:lstStyle/>
+          <a:p>
+            <a:pPr marL="0" marR="0" lvl="0" indent="0" algn="l" defTabSz="914400" rtl="0" eaLnBrk="0" fontAlgn="base" latinLnBrk="0" hangingPunct="0">
+              <a:lnSpc>
+                <a:spcPct val="100000"/>
+              </a:lnSpc>
+              <a:spcBef>
+                <a:spcPct val="0"/>
+              </a:spcBef>
+              <a:spcAft>
+                <a:spcPct val="0"/>
+              </a:spcAft>
+              <a:buClrTx/>
+              <a:buSzTx/>
+              <a:buFontTx/>
+              <a:buNone/>
+              <a:tabLst/>
+            </a:pPr>
+            <a:r>
+              <a:rPr kumimoji="0" lang="en-US" altLang="en-US" sz="1800" b="0" i="0" u="none" strike="noStrike" cap="none" normalizeH="0" baseline="0" dirty="0">
+                <a:ln>
+                  <a:noFill/>
+                </a:ln>
+                <a:solidFill>
+                  <a:srgbClr val="CC7832"/>
+                </a:solidFill>
+                <a:effectLst/>
+                <a:latin typeface="JetBrains Mono"/>
+              </a:rPr>
+              <a:t>import </a:t>
+            </a:r>
+            <a:r>
+              <a:rPr kumimoji="0" lang="en-US" altLang="en-US" sz="1800" b="0" i="0" u="none" strike="noStrike" cap="none" normalizeH="0" baseline="0" dirty="0" err="1">
+                <a:ln>
+                  <a:noFill/>
+                </a:ln>
+                <a:solidFill>
+                  <a:srgbClr val="A9B7C6"/>
+                </a:solidFill>
+                <a:effectLst/>
+                <a:latin typeface="JetBrains Mono"/>
+              </a:rPr>
+              <a:t>java.io.File</a:t>
+            </a:r>
+            <a:r>
+              <a:rPr kumimoji="0" lang="en-US" altLang="en-US" sz="1800" b="0" i="0" u="none" strike="noStrike" cap="none" normalizeH="0" baseline="0" dirty="0">
+                <a:ln>
+                  <a:noFill/>
+                </a:ln>
+                <a:solidFill>
+                  <a:srgbClr val="CC7832"/>
+                </a:solidFill>
+                <a:effectLst/>
+                <a:latin typeface="JetBrains Mono"/>
+              </a:rPr>
+              <a:t>;</a:t>
+            </a:r>
+            <a:br>
+              <a:rPr kumimoji="0" lang="en-US" altLang="en-US" sz="1800" b="0" i="0" u="none" strike="noStrike" cap="none" normalizeH="0" baseline="0" dirty="0">
+                <a:ln>
+                  <a:noFill/>
+                </a:ln>
+                <a:solidFill>
+                  <a:srgbClr val="CC7832"/>
+                </a:solidFill>
+                <a:effectLst/>
+                <a:latin typeface="JetBrains Mono"/>
+              </a:rPr>
+            </a:br>
+            <a:r>
+              <a:rPr kumimoji="0" lang="en-US" altLang="en-US" sz="1800" b="0" i="0" u="none" strike="noStrike" cap="none" normalizeH="0" baseline="0" dirty="0">
+                <a:ln>
+                  <a:noFill/>
+                </a:ln>
+                <a:solidFill>
+                  <a:srgbClr val="CC7832"/>
+                </a:solidFill>
+                <a:effectLst/>
+                <a:latin typeface="JetBrains Mono"/>
+              </a:rPr>
+              <a:t>import </a:t>
+            </a:r>
+            <a:r>
+              <a:rPr kumimoji="0" lang="en-US" altLang="en-US" sz="1800" b="0" i="0" u="none" strike="noStrike" cap="none" normalizeH="0" baseline="0" dirty="0" err="1">
+                <a:ln>
+                  <a:noFill/>
+                </a:ln>
+                <a:solidFill>
+                  <a:srgbClr val="A9B7C6"/>
+                </a:solidFill>
+                <a:effectLst/>
+                <a:latin typeface="JetBrains Mono"/>
+              </a:rPr>
+              <a:t>java.io.FileNotFoundException</a:t>
+            </a:r>
+            <a:r>
+              <a:rPr kumimoji="0" lang="en-US" altLang="en-US" sz="1800" b="0" i="0" u="none" strike="noStrike" cap="none" normalizeH="0" baseline="0" dirty="0">
+                <a:ln>
+                  <a:noFill/>
+                </a:ln>
+                <a:solidFill>
+                  <a:srgbClr val="CC7832"/>
+                </a:solidFill>
+                <a:effectLst/>
+                <a:latin typeface="JetBrains Mono"/>
+              </a:rPr>
+              <a:t>;</a:t>
+            </a:r>
+            <a:br>
+              <a:rPr kumimoji="0" lang="en-US" altLang="en-US" sz="1800" b="0" i="0" u="none" strike="noStrike" cap="none" normalizeH="0" baseline="0" dirty="0">
+                <a:ln>
+                  <a:noFill/>
+                </a:ln>
+                <a:solidFill>
+                  <a:srgbClr val="CC7832"/>
+                </a:solidFill>
+                <a:effectLst/>
+                <a:latin typeface="JetBrains Mono"/>
+              </a:rPr>
+            </a:br>
+            <a:r>
+              <a:rPr kumimoji="0" lang="en-US" altLang="en-US" sz="1800" b="0" i="0" u="none" strike="noStrike" cap="none" normalizeH="0" baseline="0" dirty="0">
+                <a:ln>
+                  <a:noFill/>
+                </a:ln>
+                <a:solidFill>
+                  <a:srgbClr val="CC7832"/>
+                </a:solidFill>
+                <a:effectLst/>
+                <a:latin typeface="JetBrains Mono"/>
+              </a:rPr>
+              <a:t>import </a:t>
+            </a:r>
+            <a:r>
+              <a:rPr kumimoji="0" lang="en-US" altLang="en-US" sz="1800" b="0" i="0" u="none" strike="noStrike" cap="none" normalizeH="0" baseline="0" dirty="0" err="1">
+                <a:ln>
+                  <a:noFill/>
+                </a:ln>
+                <a:solidFill>
+                  <a:srgbClr val="A9B7C6"/>
+                </a:solidFill>
+                <a:effectLst/>
+                <a:latin typeface="JetBrains Mono"/>
+              </a:rPr>
+              <a:t>java.util.ArrayList</a:t>
+            </a:r>
+            <a:r>
+              <a:rPr kumimoji="0" lang="en-US" altLang="en-US" sz="1800" b="0" i="0" u="none" strike="noStrike" cap="none" normalizeH="0" baseline="0" dirty="0">
+                <a:ln>
+                  <a:noFill/>
+                </a:ln>
+                <a:solidFill>
+                  <a:srgbClr val="CC7832"/>
+                </a:solidFill>
+                <a:effectLst/>
+                <a:latin typeface="JetBrains Mono"/>
+              </a:rPr>
+              <a:t>;</a:t>
+            </a:r>
+            <a:br>
+              <a:rPr kumimoji="0" lang="en-US" altLang="en-US" sz="1800" b="0" i="0" u="none" strike="noStrike" cap="none" normalizeH="0" baseline="0" dirty="0">
+                <a:ln>
+                  <a:noFill/>
+                </a:ln>
+                <a:solidFill>
+                  <a:srgbClr val="CC7832"/>
+                </a:solidFill>
+                <a:effectLst/>
+                <a:latin typeface="JetBrains Mono"/>
+              </a:rPr>
+            </a:br>
+            <a:r>
+              <a:rPr kumimoji="0" lang="en-US" altLang="en-US" sz="1800" b="0" i="0" u="none" strike="noStrike" cap="none" normalizeH="0" baseline="0" dirty="0">
+                <a:ln>
+                  <a:noFill/>
+                </a:ln>
+                <a:solidFill>
+                  <a:srgbClr val="CC7832"/>
+                </a:solidFill>
+                <a:effectLst/>
+                <a:latin typeface="JetBrains Mono"/>
+              </a:rPr>
+              <a:t>import </a:t>
+            </a:r>
+            <a:r>
+              <a:rPr kumimoji="0" lang="en-US" altLang="en-US" sz="1800" b="0" i="0" u="none" strike="noStrike" cap="none" normalizeH="0" baseline="0" dirty="0" err="1">
+                <a:ln>
+                  <a:noFill/>
+                </a:ln>
+                <a:solidFill>
+                  <a:srgbClr val="A9B7C6"/>
+                </a:solidFill>
+                <a:effectLst/>
+                <a:latin typeface="JetBrains Mono"/>
+              </a:rPr>
+              <a:t>java.util.Collections</a:t>
+            </a:r>
+            <a:r>
+              <a:rPr kumimoji="0" lang="en-US" altLang="en-US" sz="1800" b="0" i="0" u="none" strike="noStrike" cap="none" normalizeH="0" baseline="0" dirty="0">
+                <a:ln>
+                  <a:noFill/>
+                </a:ln>
+                <a:solidFill>
+                  <a:srgbClr val="CC7832"/>
+                </a:solidFill>
+                <a:effectLst/>
+                <a:latin typeface="JetBrains Mono"/>
+              </a:rPr>
+              <a:t>;</a:t>
+            </a:r>
+            <a:br>
+              <a:rPr kumimoji="0" lang="en-US" altLang="en-US" sz="1800" b="0" i="0" u="none" strike="noStrike" cap="none" normalizeH="0" baseline="0" dirty="0">
+                <a:ln>
+                  <a:noFill/>
+                </a:ln>
+                <a:solidFill>
+                  <a:srgbClr val="CC7832"/>
+                </a:solidFill>
+                <a:effectLst/>
+                <a:latin typeface="JetBrains Mono"/>
+              </a:rPr>
+            </a:br>
+            <a:r>
+              <a:rPr kumimoji="0" lang="en-US" altLang="en-US" sz="1800" b="0" i="0" u="none" strike="noStrike" cap="none" normalizeH="0" baseline="0" dirty="0">
+                <a:ln>
+                  <a:noFill/>
+                </a:ln>
+                <a:solidFill>
+                  <a:srgbClr val="CC7832"/>
+                </a:solidFill>
+                <a:effectLst/>
+                <a:latin typeface="JetBrains Mono"/>
+              </a:rPr>
+              <a:t>import </a:t>
+            </a:r>
+            <a:r>
+              <a:rPr kumimoji="0" lang="en-US" altLang="en-US" sz="1800" b="0" i="0" u="none" strike="noStrike" cap="none" normalizeH="0" baseline="0" dirty="0" err="1">
+                <a:ln>
+                  <a:noFill/>
+                </a:ln>
+                <a:solidFill>
+                  <a:srgbClr val="A9B7C6"/>
+                </a:solidFill>
+                <a:effectLst/>
+                <a:latin typeface="JetBrains Mono"/>
+              </a:rPr>
+              <a:t>java.util.Scanner</a:t>
+            </a:r>
+            <a:r>
+              <a:rPr kumimoji="0" lang="en-US" altLang="en-US" sz="1800" b="0" i="0" u="none" strike="noStrike" cap="none" normalizeH="0" baseline="0" dirty="0">
+                <a:ln>
+                  <a:noFill/>
+                </a:ln>
+                <a:solidFill>
+                  <a:srgbClr val="CC7832"/>
+                </a:solidFill>
+                <a:effectLst/>
+                <a:latin typeface="JetBrains Mono"/>
+              </a:rPr>
+              <a:t>;</a:t>
+            </a:r>
+            <a:br>
+              <a:rPr kumimoji="0" lang="en-US" altLang="en-US" sz="1800" b="0" i="0" u="none" strike="noStrike" cap="none" normalizeH="0" baseline="0" dirty="0">
+                <a:ln>
+                  <a:noFill/>
+                </a:ln>
+                <a:solidFill>
+                  <a:srgbClr val="CC7832"/>
+                </a:solidFill>
+                <a:effectLst/>
+                <a:latin typeface="JetBrains Mono"/>
+              </a:rPr>
+            </a:br>
+            <a:br>
+              <a:rPr kumimoji="0" lang="en-US" altLang="en-US" sz="1800" b="0" i="0" u="none" strike="noStrike" cap="none" normalizeH="0" baseline="0" dirty="0">
+                <a:ln>
+                  <a:noFill/>
+                </a:ln>
+                <a:solidFill>
+                  <a:srgbClr val="CC7832"/>
+                </a:solidFill>
+                <a:effectLst/>
+                <a:latin typeface="JetBrains Mono"/>
+              </a:rPr>
+            </a:br>
+            <a:r>
+              <a:rPr kumimoji="0" lang="en-US" altLang="en-US" sz="1800" b="0" i="0" u="none" strike="noStrike" cap="none" normalizeH="0" baseline="0" dirty="0">
+                <a:ln>
+                  <a:noFill/>
+                </a:ln>
+                <a:solidFill>
+                  <a:srgbClr val="CC7832"/>
+                </a:solidFill>
+                <a:effectLst/>
+                <a:latin typeface="JetBrains Mono"/>
+              </a:rPr>
+              <a:t>public class </a:t>
+            </a:r>
+            <a:r>
+              <a:rPr kumimoji="0" lang="en-US" altLang="en-US" sz="1800" b="0" i="0" u="none" strike="noStrike" cap="none" normalizeH="0" baseline="0" dirty="0" err="1">
+                <a:ln>
+                  <a:noFill/>
+                </a:ln>
+                <a:solidFill>
+                  <a:srgbClr val="A9B7C6"/>
+                </a:solidFill>
+                <a:effectLst/>
+                <a:latin typeface="JetBrains Mono"/>
+              </a:rPr>
+              <a:t>ListCountry</a:t>
+            </a:r>
+            <a:r>
+              <a:rPr kumimoji="0" lang="en-US" altLang="en-US" sz="1800" b="0" i="0" u="none" strike="noStrike" cap="none" normalizeH="0" baseline="0" dirty="0">
+                <a:ln>
+                  <a:noFill/>
+                </a:ln>
+                <a:solidFill>
+                  <a:srgbClr val="A9B7C6"/>
+                </a:solidFill>
+                <a:effectLst/>
+                <a:latin typeface="JetBrains Mono"/>
+              </a:rPr>
+              <a:t> {</a:t>
+            </a:r>
+            <a:br>
+              <a:rPr kumimoji="0" lang="en-US" altLang="en-US" sz="1800" b="0" i="0" u="none" strike="noStrike" cap="none" normalizeH="0" baseline="0" dirty="0">
+                <a:ln>
+                  <a:noFill/>
+                </a:ln>
+                <a:solidFill>
+                  <a:srgbClr val="A9B7C6"/>
+                </a:solidFill>
+                <a:effectLst/>
+                <a:latin typeface="JetBrains Mono"/>
+              </a:rPr>
+            </a:br>
+            <a:r>
+              <a:rPr kumimoji="0" lang="en-US" altLang="en-US" sz="1800" b="0" i="0" u="none" strike="noStrike" cap="none" normalizeH="0" baseline="0" dirty="0">
+                <a:ln>
+                  <a:noFill/>
+                </a:ln>
+                <a:solidFill>
+                  <a:srgbClr val="A9B7C6"/>
+                </a:solidFill>
+                <a:effectLst/>
+                <a:latin typeface="JetBrains Mono"/>
+              </a:rPr>
+              <a:t>    </a:t>
+            </a:r>
+            <a:r>
+              <a:rPr kumimoji="0" lang="en-US" altLang="en-US" sz="1800" b="0" i="0" u="none" strike="noStrike" cap="none" normalizeH="0" baseline="0" dirty="0" err="1">
+                <a:ln>
+                  <a:noFill/>
+                </a:ln>
+                <a:solidFill>
+                  <a:srgbClr val="A9B7C6"/>
+                </a:solidFill>
+                <a:effectLst/>
+                <a:latin typeface="JetBrains Mono"/>
+              </a:rPr>
+              <a:t>ArrayList</a:t>
+            </a:r>
+            <a:r>
+              <a:rPr kumimoji="0" lang="en-US" altLang="en-US" sz="1800" b="0" i="0" u="none" strike="noStrike" cap="none" normalizeH="0" baseline="0" dirty="0">
+                <a:ln>
+                  <a:noFill/>
+                </a:ln>
+                <a:solidFill>
+                  <a:srgbClr val="A9B7C6"/>
+                </a:solidFill>
+                <a:effectLst/>
+                <a:latin typeface="JetBrains Mono"/>
+              </a:rPr>
+              <a:t>&lt;Country&gt; </a:t>
+            </a:r>
+            <a:r>
+              <a:rPr kumimoji="0" lang="en-US" altLang="en-US" sz="1800" b="0" i="0" u="none" strike="noStrike" cap="none" normalizeH="0" baseline="0" dirty="0">
+                <a:ln>
+                  <a:noFill/>
+                </a:ln>
+                <a:solidFill>
+                  <a:srgbClr val="9876AA"/>
+                </a:solidFill>
+                <a:effectLst/>
+                <a:latin typeface="JetBrains Mono"/>
+              </a:rPr>
+              <a:t>countries </a:t>
+            </a:r>
+            <a:r>
+              <a:rPr kumimoji="0" lang="en-US" altLang="en-US" sz="1800" b="0" i="0" u="none" strike="noStrike" cap="none" normalizeH="0" baseline="0" dirty="0">
+                <a:ln>
+                  <a:noFill/>
+                </a:ln>
+                <a:solidFill>
+                  <a:srgbClr val="A9B7C6"/>
+                </a:solidFill>
+                <a:effectLst/>
+                <a:latin typeface="JetBrains Mono"/>
+              </a:rPr>
+              <a:t>= </a:t>
+            </a:r>
+            <a:r>
+              <a:rPr kumimoji="0" lang="en-US" altLang="en-US" sz="1800" b="0" i="0" u="none" strike="noStrike" cap="none" normalizeH="0" baseline="0" dirty="0">
+                <a:ln>
+                  <a:noFill/>
+                </a:ln>
+                <a:solidFill>
+                  <a:srgbClr val="CC7832"/>
+                </a:solidFill>
+                <a:effectLst/>
+                <a:latin typeface="JetBrains Mono"/>
+              </a:rPr>
+              <a:t>new </a:t>
+            </a:r>
+            <a:r>
+              <a:rPr kumimoji="0" lang="en-US" altLang="en-US" sz="1800" b="0" i="0" u="none" strike="noStrike" cap="none" normalizeH="0" baseline="0" dirty="0" err="1">
+                <a:ln>
+                  <a:noFill/>
+                </a:ln>
+                <a:solidFill>
+                  <a:srgbClr val="A9B7C6"/>
+                </a:solidFill>
+                <a:effectLst/>
+                <a:latin typeface="JetBrains Mono"/>
+              </a:rPr>
+              <a:t>ArrayList</a:t>
+            </a:r>
+            <a:r>
+              <a:rPr kumimoji="0" lang="en-US" altLang="en-US" sz="1800" b="0" i="0" u="none" strike="noStrike" cap="none" normalizeH="0" baseline="0" dirty="0">
+                <a:ln>
+                  <a:noFill/>
+                </a:ln>
+                <a:solidFill>
+                  <a:srgbClr val="A9B7C6"/>
+                </a:solidFill>
+                <a:effectLst/>
+                <a:latin typeface="JetBrains Mono"/>
+              </a:rPr>
+              <a:t>&lt;Country&gt;()</a:t>
+            </a:r>
+            <a:r>
+              <a:rPr kumimoji="0" lang="en-US" altLang="en-US" sz="1800" b="0" i="0" u="none" strike="noStrike" cap="none" normalizeH="0" baseline="0" dirty="0">
+                <a:ln>
+                  <a:noFill/>
+                </a:ln>
+                <a:solidFill>
+                  <a:srgbClr val="CC7832"/>
+                </a:solidFill>
+                <a:effectLst/>
+                <a:latin typeface="JetBrains Mono"/>
+              </a:rPr>
+              <a:t>;</a:t>
+            </a:r>
+            <a:br>
+              <a:rPr kumimoji="0" lang="en-US" altLang="en-US" sz="1800" b="0" i="0" u="none" strike="noStrike" cap="none" normalizeH="0" baseline="0" dirty="0">
+                <a:ln>
+                  <a:noFill/>
+                </a:ln>
+                <a:solidFill>
+                  <a:srgbClr val="CC7832"/>
+                </a:solidFill>
+                <a:effectLst/>
+                <a:latin typeface="JetBrains Mono"/>
+              </a:rPr>
+            </a:br>
+            <a:br>
+              <a:rPr kumimoji="0" lang="en-US" altLang="en-US" sz="1800" b="0" i="0" u="none" strike="noStrike" cap="none" normalizeH="0" baseline="0" dirty="0">
+                <a:ln>
+                  <a:noFill/>
+                </a:ln>
+                <a:solidFill>
+                  <a:srgbClr val="CC7832"/>
+                </a:solidFill>
+                <a:effectLst/>
+                <a:latin typeface="JetBrains Mono"/>
+              </a:rPr>
+            </a:br>
+            <a:r>
+              <a:rPr kumimoji="0" lang="en-US" altLang="en-US" sz="1800" b="0" i="0" u="none" strike="noStrike" cap="none" normalizeH="0" baseline="0" dirty="0">
+                <a:ln>
+                  <a:noFill/>
+                </a:ln>
+                <a:solidFill>
+                  <a:srgbClr val="CC7832"/>
+                </a:solidFill>
+                <a:effectLst/>
+                <a:latin typeface="JetBrains Mono"/>
+              </a:rPr>
+              <a:t>    public void </a:t>
+            </a:r>
+            <a:r>
+              <a:rPr kumimoji="0" lang="en-US" altLang="en-US" sz="1800" b="0" i="0" u="none" strike="noStrike" cap="none" normalizeH="0" baseline="0" dirty="0" err="1">
+                <a:ln>
+                  <a:noFill/>
+                </a:ln>
+                <a:solidFill>
+                  <a:srgbClr val="FFC66D"/>
+                </a:solidFill>
+                <a:effectLst/>
+                <a:latin typeface="JetBrains Mono"/>
+              </a:rPr>
+              <a:t>readCountries</a:t>
+            </a:r>
+            <a:r>
+              <a:rPr kumimoji="0" lang="en-US" altLang="en-US" sz="1800" b="0" i="0" u="none" strike="noStrike" cap="none" normalizeH="0" baseline="0" dirty="0">
+                <a:ln>
+                  <a:noFill/>
+                </a:ln>
+                <a:solidFill>
+                  <a:srgbClr val="A9B7C6"/>
+                </a:solidFill>
+                <a:effectLst/>
+                <a:latin typeface="JetBrains Mono"/>
+              </a:rPr>
+              <a:t>(String filename) {</a:t>
+            </a:r>
+            <a:br>
+              <a:rPr kumimoji="0" lang="en-US" altLang="en-US" sz="1800" b="0" i="0" u="none" strike="noStrike" cap="none" normalizeH="0" baseline="0" dirty="0">
+                <a:ln>
+                  <a:noFill/>
+                </a:ln>
+                <a:solidFill>
+                  <a:srgbClr val="A9B7C6"/>
+                </a:solidFill>
+                <a:effectLst/>
+                <a:latin typeface="JetBrains Mono"/>
+              </a:rPr>
+            </a:br>
+            <a:r>
+              <a:rPr kumimoji="0" lang="en-US" altLang="en-US" sz="1800" b="0" i="0" u="none" strike="noStrike" cap="none" normalizeH="0" baseline="0" dirty="0">
+                <a:ln>
+                  <a:noFill/>
+                </a:ln>
+                <a:solidFill>
+                  <a:srgbClr val="A9B7C6"/>
+                </a:solidFill>
+                <a:effectLst/>
+                <a:latin typeface="JetBrains Mono"/>
+              </a:rPr>
+              <a:t>        </a:t>
+            </a:r>
+            <a:r>
+              <a:rPr kumimoji="0" lang="en-US" altLang="en-US" sz="1800" b="0" i="0" u="none" strike="noStrike" cap="none" normalizeH="0" baseline="0" dirty="0">
+                <a:ln>
+                  <a:noFill/>
+                </a:ln>
+                <a:solidFill>
+                  <a:srgbClr val="CC7832"/>
+                </a:solidFill>
+                <a:effectLst/>
+                <a:latin typeface="JetBrains Mono"/>
+              </a:rPr>
+              <a:t>try </a:t>
+            </a:r>
+            <a:r>
+              <a:rPr kumimoji="0" lang="en-US" altLang="en-US" sz="1800" b="0" i="0" u="none" strike="noStrike" cap="none" normalizeH="0" baseline="0" dirty="0">
+                <a:ln>
+                  <a:noFill/>
+                </a:ln>
+                <a:solidFill>
+                  <a:srgbClr val="A9B7C6"/>
+                </a:solidFill>
+                <a:effectLst/>
+                <a:latin typeface="JetBrains Mono"/>
+              </a:rPr>
+              <a:t>{</a:t>
+            </a:r>
+            <a:br>
+              <a:rPr kumimoji="0" lang="en-US" altLang="en-US" sz="1800" b="0" i="0" u="none" strike="noStrike" cap="none" normalizeH="0" baseline="0" dirty="0">
+                <a:ln>
+                  <a:noFill/>
+                </a:ln>
+                <a:solidFill>
+                  <a:srgbClr val="A9B7C6"/>
+                </a:solidFill>
+                <a:effectLst/>
+                <a:latin typeface="JetBrains Mono"/>
+              </a:rPr>
+            </a:br>
+            <a:r>
+              <a:rPr kumimoji="0" lang="en-US" altLang="en-US" sz="1800" b="0" i="0" u="none" strike="noStrike" cap="none" normalizeH="0" baseline="0" dirty="0">
+                <a:ln>
+                  <a:noFill/>
+                </a:ln>
+                <a:solidFill>
+                  <a:srgbClr val="A9B7C6"/>
+                </a:solidFill>
+                <a:effectLst/>
+                <a:latin typeface="JetBrains Mono"/>
+              </a:rPr>
+              <a:t>            Scanner </a:t>
+            </a:r>
+            <a:r>
+              <a:rPr kumimoji="0" lang="en-US" altLang="en-US" sz="1800" b="0" i="0" u="none" strike="noStrike" cap="none" normalizeH="0" baseline="0" dirty="0" err="1">
+                <a:ln>
+                  <a:noFill/>
+                </a:ln>
+                <a:solidFill>
+                  <a:srgbClr val="A9B7C6"/>
+                </a:solidFill>
+                <a:effectLst/>
+                <a:latin typeface="JetBrains Mono"/>
+              </a:rPr>
+              <a:t>scnr</a:t>
+            </a:r>
+            <a:r>
+              <a:rPr kumimoji="0" lang="en-US" altLang="en-US" sz="1800" b="0" i="0" u="none" strike="noStrike" cap="none" normalizeH="0" baseline="0" dirty="0">
+                <a:ln>
+                  <a:noFill/>
+                </a:ln>
+                <a:solidFill>
+                  <a:srgbClr val="A9B7C6"/>
+                </a:solidFill>
+                <a:effectLst/>
+                <a:latin typeface="JetBrains Mono"/>
+              </a:rPr>
+              <a:t> = </a:t>
+            </a:r>
+            <a:r>
+              <a:rPr kumimoji="0" lang="en-US" altLang="en-US" sz="1800" b="0" i="0" u="none" strike="noStrike" cap="none" normalizeH="0" baseline="0" dirty="0">
+                <a:ln>
+                  <a:noFill/>
+                </a:ln>
+                <a:solidFill>
+                  <a:srgbClr val="CC7832"/>
+                </a:solidFill>
+                <a:effectLst/>
+                <a:latin typeface="JetBrains Mono"/>
+              </a:rPr>
+              <a:t>new </a:t>
+            </a:r>
+            <a:r>
+              <a:rPr kumimoji="0" lang="en-US" altLang="en-US" sz="1800" b="0" i="0" u="none" strike="noStrike" cap="none" normalizeH="0" baseline="0" dirty="0">
+                <a:ln>
+                  <a:noFill/>
+                </a:ln>
+                <a:solidFill>
+                  <a:srgbClr val="A9B7C6"/>
+                </a:solidFill>
+                <a:effectLst/>
+                <a:latin typeface="JetBrains Mono"/>
+              </a:rPr>
+              <a:t>Scanner(</a:t>
+            </a:r>
+            <a:r>
+              <a:rPr kumimoji="0" lang="en-US" altLang="en-US" sz="1800" b="0" i="0" u="none" strike="noStrike" cap="none" normalizeH="0" baseline="0" dirty="0">
+                <a:ln>
+                  <a:noFill/>
+                </a:ln>
+                <a:solidFill>
+                  <a:srgbClr val="CC7832"/>
+                </a:solidFill>
+                <a:effectLst/>
+                <a:latin typeface="JetBrains Mono"/>
+              </a:rPr>
+              <a:t>new </a:t>
+            </a:r>
+            <a:r>
+              <a:rPr kumimoji="0" lang="en-US" altLang="en-US" sz="1800" b="0" i="0" u="none" strike="noStrike" cap="none" normalizeH="0" baseline="0" dirty="0">
+                <a:ln>
+                  <a:noFill/>
+                </a:ln>
+                <a:solidFill>
+                  <a:srgbClr val="A9B7C6"/>
+                </a:solidFill>
+                <a:effectLst/>
+                <a:latin typeface="JetBrains Mono"/>
+              </a:rPr>
+              <a:t>File(filename))</a:t>
+            </a:r>
+            <a:r>
+              <a:rPr kumimoji="0" lang="en-US" altLang="en-US" sz="1800" b="0" i="0" u="none" strike="noStrike" cap="none" normalizeH="0" baseline="0" dirty="0">
+                <a:ln>
+                  <a:noFill/>
+                </a:ln>
+                <a:solidFill>
+                  <a:srgbClr val="CC7832"/>
+                </a:solidFill>
+                <a:effectLst/>
+                <a:latin typeface="JetBrains Mono"/>
+              </a:rPr>
+              <a:t>;</a:t>
+            </a:r>
+            <a:br>
+              <a:rPr kumimoji="0" lang="en-US" altLang="en-US" sz="1800" b="0" i="0" u="none" strike="noStrike" cap="none" normalizeH="0" baseline="0" dirty="0">
+                <a:ln>
+                  <a:noFill/>
+                </a:ln>
+                <a:solidFill>
+                  <a:srgbClr val="CC7832"/>
+                </a:solidFill>
+                <a:effectLst/>
+                <a:latin typeface="JetBrains Mono"/>
+              </a:rPr>
+            </a:br>
+            <a:r>
+              <a:rPr kumimoji="0" lang="en-US" altLang="en-US" sz="1800" b="0" i="0" u="none" strike="noStrike" cap="none" normalizeH="0" baseline="0" dirty="0">
+                <a:ln>
+                  <a:noFill/>
+                </a:ln>
+                <a:solidFill>
+                  <a:srgbClr val="CC7832"/>
+                </a:solidFill>
+                <a:effectLst/>
+                <a:latin typeface="JetBrains Mono"/>
+              </a:rPr>
+              <a:t>            while</a:t>
+            </a:r>
+            <a:r>
+              <a:rPr kumimoji="0" lang="en-US" altLang="en-US" sz="1800" b="0" i="0" u="none" strike="noStrike" cap="none" normalizeH="0" baseline="0" dirty="0">
+                <a:ln>
+                  <a:noFill/>
+                </a:ln>
+                <a:solidFill>
+                  <a:srgbClr val="A9B7C6"/>
+                </a:solidFill>
+                <a:effectLst/>
+                <a:latin typeface="JetBrains Mono"/>
+              </a:rPr>
+              <a:t>(</a:t>
+            </a:r>
+            <a:r>
+              <a:rPr kumimoji="0" lang="en-US" altLang="en-US" sz="1800" b="0" i="0" u="none" strike="noStrike" cap="none" normalizeH="0" baseline="0" dirty="0" err="1">
+                <a:ln>
+                  <a:noFill/>
+                </a:ln>
+                <a:solidFill>
+                  <a:srgbClr val="A9B7C6"/>
+                </a:solidFill>
+                <a:effectLst/>
+                <a:latin typeface="JetBrains Mono"/>
+              </a:rPr>
+              <a:t>scnr.hasNextLine</a:t>
+            </a:r>
+            <a:r>
+              <a:rPr kumimoji="0" lang="en-US" altLang="en-US" sz="1800" b="0" i="0" u="none" strike="noStrike" cap="none" normalizeH="0" baseline="0" dirty="0">
+                <a:ln>
+                  <a:noFill/>
+                </a:ln>
+                <a:solidFill>
+                  <a:srgbClr val="A9B7C6"/>
+                </a:solidFill>
+                <a:effectLst/>
+                <a:latin typeface="JetBrains Mono"/>
+              </a:rPr>
+              <a:t>()) {</a:t>
+            </a:r>
+            <a:br>
+              <a:rPr kumimoji="0" lang="en-US" altLang="en-US" sz="1800" b="0" i="0" u="none" strike="noStrike" cap="none" normalizeH="0" baseline="0" dirty="0">
+                <a:ln>
+                  <a:noFill/>
+                </a:ln>
+                <a:solidFill>
+                  <a:srgbClr val="A9B7C6"/>
+                </a:solidFill>
+                <a:effectLst/>
+                <a:latin typeface="JetBrains Mono"/>
+              </a:rPr>
+            </a:br>
+            <a:r>
+              <a:rPr kumimoji="0" lang="en-US" altLang="en-US" sz="1800" b="0" i="0" u="none" strike="noStrike" cap="none" normalizeH="0" baseline="0" dirty="0">
+                <a:ln>
+                  <a:noFill/>
+                </a:ln>
+                <a:solidFill>
+                  <a:srgbClr val="A9B7C6"/>
+                </a:solidFill>
+                <a:effectLst/>
+                <a:latin typeface="JetBrains Mono"/>
+              </a:rPr>
+              <a:t>                String name = </a:t>
+            </a:r>
+            <a:r>
+              <a:rPr kumimoji="0" lang="en-US" altLang="en-US" sz="1800" b="0" i="0" u="none" strike="noStrike" cap="none" normalizeH="0" baseline="0" dirty="0" err="1">
+                <a:ln>
+                  <a:noFill/>
+                </a:ln>
+                <a:solidFill>
+                  <a:srgbClr val="A9B7C6"/>
+                </a:solidFill>
+                <a:effectLst/>
+                <a:latin typeface="JetBrains Mono"/>
+              </a:rPr>
+              <a:t>scnr.next</a:t>
+            </a:r>
+            <a:r>
+              <a:rPr kumimoji="0" lang="en-US" altLang="en-US" sz="1800" b="0" i="0" u="none" strike="noStrike" cap="none" normalizeH="0" baseline="0" dirty="0">
+                <a:ln>
+                  <a:noFill/>
+                </a:ln>
+                <a:solidFill>
+                  <a:srgbClr val="A9B7C6"/>
+                </a:solidFill>
+                <a:effectLst/>
+                <a:latin typeface="JetBrains Mono"/>
+              </a:rPr>
+              <a:t>()</a:t>
+            </a:r>
+            <a:r>
+              <a:rPr kumimoji="0" lang="en-US" altLang="en-US" sz="1800" b="0" i="0" u="none" strike="noStrike" cap="none" normalizeH="0" baseline="0" dirty="0">
+                <a:ln>
+                  <a:noFill/>
+                </a:ln>
+                <a:solidFill>
+                  <a:srgbClr val="CC7832"/>
+                </a:solidFill>
+                <a:effectLst/>
+                <a:latin typeface="JetBrains Mono"/>
+              </a:rPr>
+              <a:t>;</a:t>
+            </a:r>
+            <a:br>
+              <a:rPr kumimoji="0" lang="en-US" altLang="en-US" sz="1800" b="0" i="0" u="none" strike="noStrike" cap="none" normalizeH="0" baseline="0" dirty="0">
+                <a:ln>
+                  <a:noFill/>
+                </a:ln>
+                <a:solidFill>
+                  <a:srgbClr val="CC7832"/>
+                </a:solidFill>
+                <a:effectLst/>
+                <a:latin typeface="JetBrains Mono"/>
+              </a:rPr>
+            </a:br>
+            <a:r>
+              <a:rPr kumimoji="0" lang="en-US" altLang="en-US" sz="1800" b="0" i="0" u="none" strike="noStrike" cap="none" normalizeH="0" baseline="0" dirty="0">
+                <a:ln>
+                  <a:noFill/>
+                </a:ln>
+                <a:solidFill>
+                  <a:srgbClr val="CC7832"/>
+                </a:solidFill>
+                <a:effectLst/>
+                <a:latin typeface="JetBrains Mono"/>
+              </a:rPr>
+              <a:t>                double </a:t>
+            </a:r>
+            <a:r>
+              <a:rPr kumimoji="0" lang="en-US" altLang="en-US" sz="1800" b="0" i="0" u="none" strike="noStrike" cap="none" normalizeH="0" baseline="0" dirty="0">
+                <a:ln>
+                  <a:noFill/>
+                </a:ln>
+                <a:solidFill>
+                  <a:srgbClr val="A9B7C6"/>
+                </a:solidFill>
+                <a:effectLst/>
+                <a:latin typeface="JetBrains Mono"/>
+              </a:rPr>
+              <a:t>area = </a:t>
+            </a:r>
+            <a:r>
+              <a:rPr kumimoji="0" lang="en-US" altLang="en-US" sz="1800" b="0" i="0" u="none" strike="noStrike" cap="none" normalizeH="0" baseline="0" dirty="0" err="1">
+                <a:ln>
+                  <a:noFill/>
+                </a:ln>
+                <a:solidFill>
+                  <a:srgbClr val="A9B7C6"/>
+                </a:solidFill>
+                <a:effectLst/>
+                <a:latin typeface="JetBrains Mono"/>
+              </a:rPr>
+              <a:t>scnr.nextInt</a:t>
+            </a:r>
+            <a:r>
+              <a:rPr kumimoji="0" lang="en-US" altLang="en-US" sz="1800" b="0" i="0" u="none" strike="noStrike" cap="none" normalizeH="0" baseline="0" dirty="0">
+                <a:ln>
+                  <a:noFill/>
+                </a:ln>
+                <a:solidFill>
+                  <a:srgbClr val="A9B7C6"/>
+                </a:solidFill>
+                <a:effectLst/>
+                <a:latin typeface="JetBrains Mono"/>
+              </a:rPr>
+              <a:t>()</a:t>
+            </a:r>
+            <a:r>
+              <a:rPr kumimoji="0" lang="en-US" altLang="en-US" sz="1800" b="0" i="0" u="none" strike="noStrike" cap="none" normalizeH="0" baseline="0" dirty="0">
+                <a:ln>
+                  <a:noFill/>
+                </a:ln>
+                <a:solidFill>
+                  <a:srgbClr val="CC7832"/>
+                </a:solidFill>
+                <a:effectLst/>
+                <a:latin typeface="JetBrains Mono"/>
+              </a:rPr>
+              <a:t>;</a:t>
+            </a:r>
+            <a:br>
+              <a:rPr kumimoji="0" lang="en-US" altLang="en-US" sz="1800" b="0" i="0" u="none" strike="noStrike" cap="none" normalizeH="0" baseline="0" dirty="0">
+                <a:ln>
+                  <a:noFill/>
+                </a:ln>
+                <a:solidFill>
+                  <a:srgbClr val="CC7832"/>
+                </a:solidFill>
+                <a:effectLst/>
+                <a:latin typeface="JetBrains Mono"/>
+              </a:rPr>
+            </a:br>
+            <a:r>
+              <a:rPr kumimoji="0" lang="en-US" altLang="en-US" sz="1800" b="0" i="0" u="none" strike="noStrike" cap="none" normalizeH="0" baseline="0" dirty="0">
+                <a:ln>
+                  <a:noFill/>
+                </a:ln>
+                <a:solidFill>
+                  <a:srgbClr val="CC7832"/>
+                </a:solidFill>
+                <a:effectLst/>
+                <a:latin typeface="JetBrains Mono"/>
+              </a:rPr>
+              <a:t>                </a:t>
+            </a:r>
+            <a:r>
+              <a:rPr kumimoji="0" lang="en-US" altLang="en-US" sz="1800" b="0" i="0" u="none" strike="noStrike" cap="none" normalizeH="0" baseline="0" dirty="0" err="1">
+                <a:ln>
+                  <a:noFill/>
+                </a:ln>
+                <a:solidFill>
+                  <a:srgbClr val="9876AA"/>
+                </a:solidFill>
+                <a:effectLst/>
+                <a:latin typeface="JetBrains Mono"/>
+              </a:rPr>
+              <a:t>countries</a:t>
+            </a:r>
+            <a:r>
+              <a:rPr kumimoji="0" lang="en-US" altLang="en-US" sz="1800" b="0" i="0" u="none" strike="noStrike" cap="none" normalizeH="0" baseline="0" dirty="0" err="1">
+                <a:ln>
+                  <a:noFill/>
+                </a:ln>
+                <a:solidFill>
+                  <a:srgbClr val="A9B7C6"/>
+                </a:solidFill>
+                <a:effectLst/>
+                <a:latin typeface="JetBrains Mono"/>
+              </a:rPr>
+              <a:t>.add</a:t>
+            </a:r>
+            <a:r>
+              <a:rPr kumimoji="0" lang="en-US" altLang="en-US" sz="1800" b="0" i="0" u="none" strike="noStrike" cap="none" normalizeH="0" baseline="0" dirty="0">
+                <a:ln>
+                  <a:noFill/>
+                </a:ln>
+                <a:solidFill>
+                  <a:srgbClr val="A9B7C6"/>
+                </a:solidFill>
+                <a:effectLst/>
+                <a:latin typeface="JetBrains Mono"/>
+              </a:rPr>
+              <a:t>(</a:t>
+            </a:r>
+            <a:r>
+              <a:rPr kumimoji="0" lang="en-US" altLang="en-US" sz="1800" b="0" i="0" u="none" strike="noStrike" cap="none" normalizeH="0" baseline="0" dirty="0">
+                <a:ln>
+                  <a:noFill/>
+                </a:ln>
+                <a:solidFill>
+                  <a:srgbClr val="CC7832"/>
+                </a:solidFill>
+                <a:effectLst/>
+                <a:latin typeface="JetBrains Mono"/>
+              </a:rPr>
+              <a:t>new </a:t>
+            </a:r>
+            <a:r>
+              <a:rPr kumimoji="0" lang="en-US" altLang="en-US" sz="1800" b="0" i="0" u="none" strike="noStrike" cap="none" normalizeH="0" baseline="0" dirty="0">
+                <a:ln>
+                  <a:noFill/>
+                </a:ln>
+                <a:solidFill>
+                  <a:srgbClr val="A9B7C6"/>
+                </a:solidFill>
+                <a:effectLst/>
+                <a:latin typeface="JetBrains Mono"/>
+              </a:rPr>
+              <a:t>Country(name</a:t>
+            </a:r>
+            <a:r>
+              <a:rPr kumimoji="0" lang="en-US" altLang="en-US" sz="1800" b="0" i="0" u="none" strike="noStrike" cap="none" normalizeH="0" baseline="0" dirty="0">
+                <a:ln>
+                  <a:noFill/>
+                </a:ln>
+                <a:solidFill>
+                  <a:srgbClr val="CC7832"/>
+                </a:solidFill>
+                <a:effectLst/>
+                <a:latin typeface="JetBrains Mono"/>
+              </a:rPr>
+              <a:t>, </a:t>
+            </a:r>
+            <a:r>
+              <a:rPr kumimoji="0" lang="en-US" altLang="en-US" sz="1800" b="0" i="0" u="none" strike="noStrike" cap="none" normalizeH="0" baseline="0" dirty="0">
+                <a:ln>
+                  <a:noFill/>
+                </a:ln>
+                <a:solidFill>
+                  <a:srgbClr val="A9B7C6"/>
+                </a:solidFill>
+                <a:effectLst/>
+                <a:latin typeface="JetBrains Mono"/>
+              </a:rPr>
+              <a:t>area))</a:t>
+            </a:r>
+            <a:r>
+              <a:rPr kumimoji="0" lang="en-US" altLang="en-US" sz="1800" b="0" i="0" u="none" strike="noStrike" cap="none" normalizeH="0" baseline="0" dirty="0">
+                <a:ln>
+                  <a:noFill/>
+                </a:ln>
+                <a:solidFill>
+                  <a:srgbClr val="CC7832"/>
+                </a:solidFill>
+                <a:effectLst/>
+                <a:latin typeface="JetBrains Mono"/>
+              </a:rPr>
+              <a:t>;</a:t>
+            </a:r>
+            <a:br>
+              <a:rPr kumimoji="0" lang="en-US" altLang="en-US" sz="1800" b="0" i="0" u="none" strike="noStrike" cap="none" normalizeH="0" baseline="0" dirty="0">
+                <a:ln>
+                  <a:noFill/>
+                </a:ln>
+                <a:solidFill>
+                  <a:srgbClr val="CC7832"/>
+                </a:solidFill>
+                <a:effectLst/>
+                <a:latin typeface="JetBrains Mono"/>
+              </a:rPr>
+            </a:br>
+            <a:r>
+              <a:rPr kumimoji="0" lang="en-US" altLang="en-US" sz="1800" b="0" i="0" u="none" strike="noStrike" cap="none" normalizeH="0" baseline="0" dirty="0">
+                <a:ln>
+                  <a:noFill/>
+                </a:ln>
+                <a:solidFill>
+                  <a:srgbClr val="CC7832"/>
+                </a:solidFill>
+                <a:effectLst/>
+                <a:latin typeface="JetBrains Mono"/>
+              </a:rPr>
+              <a:t>            </a:t>
+            </a:r>
+            <a:r>
+              <a:rPr kumimoji="0" lang="en-US" altLang="en-US" sz="1800" b="0" i="0" u="none" strike="noStrike" cap="none" normalizeH="0" baseline="0" dirty="0">
+                <a:ln>
+                  <a:noFill/>
+                </a:ln>
+                <a:solidFill>
+                  <a:srgbClr val="A9B7C6"/>
+                </a:solidFill>
+                <a:effectLst/>
+                <a:latin typeface="JetBrains Mono"/>
+              </a:rPr>
+              <a:t>}</a:t>
+            </a:r>
+            <a:br>
+              <a:rPr kumimoji="0" lang="en-US" altLang="en-US" sz="1800" b="0" i="0" u="none" strike="noStrike" cap="none" normalizeH="0" baseline="0" dirty="0">
+                <a:ln>
+                  <a:noFill/>
+                </a:ln>
+                <a:solidFill>
+                  <a:srgbClr val="A9B7C6"/>
+                </a:solidFill>
+                <a:effectLst/>
+                <a:latin typeface="JetBrains Mono"/>
+              </a:rPr>
+            </a:br>
+            <a:r>
+              <a:rPr kumimoji="0" lang="en-US" altLang="en-US" sz="1800" b="0" i="0" u="none" strike="noStrike" cap="none" normalizeH="0" baseline="0" dirty="0">
+                <a:ln>
+                  <a:noFill/>
+                </a:ln>
+                <a:solidFill>
+                  <a:srgbClr val="A9B7C6"/>
+                </a:solidFill>
+                <a:effectLst/>
+                <a:latin typeface="JetBrains Mono"/>
+              </a:rPr>
+              <a:t>        } </a:t>
+            </a:r>
+            <a:r>
+              <a:rPr kumimoji="0" lang="en-US" altLang="en-US" sz="1800" b="0" i="0" u="none" strike="noStrike" cap="none" normalizeH="0" baseline="0" dirty="0">
+                <a:ln>
+                  <a:noFill/>
+                </a:ln>
+                <a:solidFill>
+                  <a:srgbClr val="CC7832"/>
+                </a:solidFill>
+                <a:effectLst/>
+                <a:latin typeface="JetBrains Mono"/>
+              </a:rPr>
+              <a:t>catch </a:t>
+            </a:r>
+            <a:r>
+              <a:rPr kumimoji="0" lang="en-US" altLang="en-US" sz="1800" b="0" i="0" u="none" strike="noStrike" cap="none" normalizeH="0" baseline="0" dirty="0">
+                <a:ln>
+                  <a:noFill/>
+                </a:ln>
+                <a:solidFill>
+                  <a:srgbClr val="A9B7C6"/>
+                </a:solidFill>
+                <a:effectLst/>
+                <a:latin typeface="JetBrains Mono"/>
+              </a:rPr>
+              <a:t>(</a:t>
+            </a:r>
+            <a:r>
+              <a:rPr kumimoji="0" lang="en-US" altLang="en-US" sz="1800" b="0" i="0" u="none" strike="noStrike" cap="none" normalizeH="0" baseline="0" dirty="0" err="1">
+                <a:ln>
+                  <a:noFill/>
+                </a:ln>
+                <a:solidFill>
+                  <a:srgbClr val="A9B7C6"/>
+                </a:solidFill>
+                <a:effectLst/>
+                <a:latin typeface="JetBrains Mono"/>
+              </a:rPr>
+              <a:t>FileNotFoundException</a:t>
+            </a:r>
+            <a:r>
+              <a:rPr kumimoji="0" lang="en-US" altLang="en-US" sz="1800" b="0" i="0" u="none" strike="noStrike" cap="none" normalizeH="0" baseline="0" dirty="0">
+                <a:ln>
+                  <a:noFill/>
+                </a:ln>
+                <a:solidFill>
+                  <a:srgbClr val="A9B7C6"/>
+                </a:solidFill>
+                <a:effectLst/>
+                <a:latin typeface="JetBrains Mono"/>
+              </a:rPr>
+              <a:t> e) {</a:t>
+            </a:r>
+            <a:br>
+              <a:rPr kumimoji="0" lang="en-US" altLang="en-US" sz="1800" b="0" i="0" u="none" strike="noStrike" cap="none" normalizeH="0" baseline="0" dirty="0">
+                <a:ln>
+                  <a:noFill/>
+                </a:ln>
+                <a:solidFill>
+                  <a:srgbClr val="A9B7C6"/>
+                </a:solidFill>
+                <a:effectLst/>
+                <a:latin typeface="JetBrains Mono"/>
+              </a:rPr>
+            </a:br>
+            <a:r>
+              <a:rPr kumimoji="0" lang="en-US" altLang="en-US" sz="1800" b="0" i="0" u="none" strike="noStrike" cap="none" normalizeH="0" baseline="0" dirty="0">
+                <a:ln>
+                  <a:noFill/>
+                </a:ln>
+                <a:solidFill>
+                  <a:srgbClr val="A9B7C6"/>
+                </a:solidFill>
+                <a:effectLst/>
+                <a:latin typeface="JetBrains Mono"/>
+              </a:rPr>
+              <a:t>            </a:t>
+            </a:r>
+            <a:r>
+              <a:rPr kumimoji="0" lang="en-US" altLang="en-US" sz="1800" b="0" i="0" u="none" strike="noStrike" cap="none" normalizeH="0" baseline="0" dirty="0" err="1">
+                <a:ln>
+                  <a:noFill/>
+                </a:ln>
+                <a:solidFill>
+                  <a:srgbClr val="A9B7C6"/>
+                </a:solidFill>
+                <a:effectLst/>
+                <a:latin typeface="JetBrains Mono"/>
+              </a:rPr>
+              <a:t>e.printStackTrace</a:t>
+            </a:r>
+            <a:r>
+              <a:rPr kumimoji="0" lang="en-US" altLang="en-US" sz="1800" b="0" i="0" u="none" strike="noStrike" cap="none" normalizeH="0" baseline="0" dirty="0">
+                <a:ln>
+                  <a:noFill/>
+                </a:ln>
+                <a:solidFill>
+                  <a:srgbClr val="A9B7C6"/>
+                </a:solidFill>
+                <a:effectLst/>
+                <a:latin typeface="JetBrains Mono"/>
+              </a:rPr>
+              <a:t>()</a:t>
+            </a:r>
+            <a:r>
+              <a:rPr kumimoji="0" lang="en-US" altLang="en-US" sz="1800" b="0" i="0" u="none" strike="noStrike" cap="none" normalizeH="0" baseline="0" dirty="0">
+                <a:ln>
+                  <a:noFill/>
+                </a:ln>
+                <a:solidFill>
+                  <a:srgbClr val="CC7832"/>
+                </a:solidFill>
+                <a:effectLst/>
+                <a:latin typeface="JetBrains Mono"/>
+              </a:rPr>
+              <a:t>;</a:t>
+            </a:r>
+            <a:br>
+              <a:rPr kumimoji="0" lang="en-US" altLang="en-US" sz="1800" b="0" i="0" u="none" strike="noStrike" cap="none" normalizeH="0" baseline="0" dirty="0">
+                <a:ln>
+                  <a:noFill/>
+                </a:ln>
+                <a:solidFill>
+                  <a:srgbClr val="CC7832"/>
+                </a:solidFill>
+                <a:effectLst/>
+                <a:latin typeface="JetBrains Mono"/>
+              </a:rPr>
+            </a:br>
+            <a:r>
+              <a:rPr kumimoji="0" lang="en-US" altLang="en-US" sz="1800" b="0" i="0" u="none" strike="noStrike" cap="none" normalizeH="0" baseline="0" dirty="0">
+                <a:ln>
+                  <a:noFill/>
+                </a:ln>
+                <a:solidFill>
+                  <a:srgbClr val="CC7832"/>
+                </a:solidFill>
+                <a:effectLst/>
+                <a:latin typeface="JetBrains Mono"/>
+              </a:rPr>
+              <a:t>        </a:t>
+            </a:r>
+            <a:r>
+              <a:rPr kumimoji="0" lang="en-US" altLang="en-US" sz="1800" b="0" i="0" u="none" strike="noStrike" cap="none" normalizeH="0" baseline="0" dirty="0">
+                <a:ln>
+                  <a:noFill/>
+                </a:ln>
+                <a:solidFill>
+                  <a:srgbClr val="A9B7C6"/>
+                </a:solidFill>
+                <a:effectLst/>
+                <a:latin typeface="JetBrains Mono"/>
+              </a:rPr>
+              <a:t>}</a:t>
+            </a:r>
+            <a:br>
+              <a:rPr kumimoji="0" lang="en-US" altLang="en-US" sz="1800" b="0" i="0" u="none" strike="noStrike" cap="none" normalizeH="0" baseline="0" dirty="0">
+                <a:ln>
+                  <a:noFill/>
+                </a:ln>
+                <a:solidFill>
+                  <a:srgbClr val="A9B7C6"/>
+                </a:solidFill>
+                <a:effectLst/>
+                <a:latin typeface="JetBrains Mono"/>
+              </a:rPr>
+            </a:br>
+            <a:r>
+              <a:rPr kumimoji="0" lang="en-US" altLang="en-US" sz="1800" b="0" i="0" u="none" strike="noStrike" cap="none" normalizeH="0" baseline="0" dirty="0">
+                <a:ln>
+                  <a:noFill/>
+                </a:ln>
+                <a:solidFill>
+                  <a:srgbClr val="A9B7C6"/>
+                </a:solidFill>
+                <a:effectLst/>
+                <a:latin typeface="JetBrains Mono"/>
+              </a:rPr>
+              <a:t>    }</a:t>
+            </a:r>
+            <a:br>
+              <a:rPr kumimoji="0" lang="en-US" altLang="en-US" sz="1800" b="0" i="0" u="none" strike="noStrike" cap="none" normalizeH="0" baseline="0" dirty="0">
+                <a:ln>
+                  <a:noFill/>
+                </a:ln>
+                <a:solidFill>
+                  <a:srgbClr val="A9B7C6"/>
+                </a:solidFill>
+                <a:effectLst/>
+                <a:latin typeface="JetBrains Mono"/>
+              </a:rPr>
+            </a:br>
+            <a:r>
+              <a:rPr kumimoji="0" lang="en-US" altLang="en-US" sz="1800" b="0" i="0" u="none" strike="noStrike" cap="none" normalizeH="0" baseline="0" dirty="0">
+                <a:ln>
+                  <a:noFill/>
+                </a:ln>
+                <a:solidFill>
+                  <a:srgbClr val="A9B7C6"/>
+                </a:solidFill>
+                <a:effectLst/>
+                <a:latin typeface="JetBrains Mono"/>
+              </a:rPr>
+              <a:t>    </a:t>
+            </a:r>
+            <a:r>
+              <a:rPr kumimoji="0" lang="en-US" altLang="en-US" sz="1800" b="0" i="0" u="none" strike="noStrike" cap="none" normalizeH="0" baseline="0" dirty="0">
+                <a:ln>
+                  <a:noFill/>
+                </a:ln>
+                <a:solidFill>
+                  <a:srgbClr val="CC7832"/>
+                </a:solidFill>
+                <a:effectLst/>
+                <a:latin typeface="JetBrains Mono"/>
+              </a:rPr>
+              <a:t>public void </a:t>
+            </a:r>
+            <a:r>
+              <a:rPr kumimoji="0" lang="en-US" altLang="en-US" sz="1800" b="0" i="0" u="none" strike="noStrike" cap="none" normalizeH="0" baseline="0" dirty="0" err="1">
+                <a:ln>
+                  <a:noFill/>
+                </a:ln>
+                <a:solidFill>
+                  <a:srgbClr val="FFC66D"/>
+                </a:solidFill>
+                <a:effectLst/>
+                <a:latin typeface="JetBrains Mono"/>
+              </a:rPr>
+              <a:t>sortList</a:t>
+            </a:r>
+            <a:r>
+              <a:rPr kumimoji="0" lang="en-US" altLang="en-US" sz="1800" b="0" i="0" u="none" strike="noStrike" cap="none" normalizeH="0" baseline="0" dirty="0">
+                <a:ln>
+                  <a:noFill/>
+                </a:ln>
+                <a:solidFill>
+                  <a:srgbClr val="A9B7C6"/>
+                </a:solidFill>
+                <a:effectLst/>
+                <a:latin typeface="JetBrains Mono"/>
+              </a:rPr>
+              <a:t>(String check) {</a:t>
+            </a:r>
+            <a:br>
+              <a:rPr kumimoji="0" lang="en-US" altLang="en-US" sz="1800" b="0" i="0" u="none" strike="noStrike" cap="none" normalizeH="0" baseline="0" dirty="0">
+                <a:ln>
+                  <a:noFill/>
+                </a:ln>
+                <a:solidFill>
+                  <a:srgbClr val="A9B7C6"/>
+                </a:solidFill>
+                <a:effectLst/>
+                <a:latin typeface="JetBrains Mono"/>
+              </a:rPr>
+            </a:br>
+            <a:r>
+              <a:rPr kumimoji="0" lang="en-US" altLang="en-US" sz="1800" b="0" i="0" u="none" strike="noStrike" cap="none" normalizeH="0" baseline="0" dirty="0">
+                <a:ln>
+                  <a:noFill/>
+                </a:ln>
+                <a:solidFill>
+                  <a:srgbClr val="A9B7C6"/>
+                </a:solidFill>
+                <a:effectLst/>
+                <a:latin typeface="JetBrains Mono"/>
+              </a:rPr>
+              <a:t>        </a:t>
+            </a:r>
+            <a:r>
+              <a:rPr kumimoji="0" lang="en-US" altLang="en-US" sz="1800" b="0" i="0" u="none" strike="noStrike" cap="none" normalizeH="0" baseline="0" dirty="0">
+                <a:ln>
+                  <a:noFill/>
+                </a:ln>
+                <a:solidFill>
+                  <a:srgbClr val="808080"/>
+                </a:solidFill>
+                <a:effectLst/>
+                <a:latin typeface="JetBrains Mono"/>
+              </a:rPr>
+              <a:t>//needs to be implemented</a:t>
+            </a:r>
+            <a:br>
+              <a:rPr kumimoji="0" lang="en-US" altLang="en-US" sz="1800" b="0" i="0" u="none" strike="noStrike" cap="none" normalizeH="0" baseline="0" dirty="0">
+                <a:ln>
+                  <a:noFill/>
+                </a:ln>
+                <a:solidFill>
+                  <a:srgbClr val="808080"/>
+                </a:solidFill>
+                <a:effectLst/>
+                <a:latin typeface="JetBrains Mono"/>
+              </a:rPr>
+            </a:br>
+            <a:r>
+              <a:rPr kumimoji="0" lang="en-US" altLang="en-US" sz="1800" b="0" i="0" u="none" strike="noStrike" cap="none" normalizeH="0" baseline="0" dirty="0">
+                <a:ln>
+                  <a:noFill/>
+                </a:ln>
+                <a:solidFill>
+                  <a:srgbClr val="808080"/>
+                </a:solidFill>
+                <a:effectLst/>
+                <a:latin typeface="JetBrains Mono"/>
+              </a:rPr>
+              <a:t>    </a:t>
+            </a:r>
+            <a:r>
+              <a:rPr kumimoji="0" lang="en-US" altLang="en-US" sz="1800" b="0" i="0" u="none" strike="noStrike" cap="none" normalizeH="0" baseline="0" dirty="0">
+                <a:ln>
+                  <a:noFill/>
+                </a:ln>
+                <a:solidFill>
+                  <a:srgbClr val="A9B7C6"/>
+                </a:solidFill>
+                <a:effectLst/>
+                <a:latin typeface="JetBrains Mono"/>
+              </a:rPr>
+              <a:t>}</a:t>
+            </a:r>
+            <a:endParaRPr kumimoji="0" lang="en-US" altLang="en-US" sz="1800" b="0" i="0" u="none" strike="noStrike" cap="none" normalizeH="0" baseline="0" dirty="0">
+              <a:ln>
+                <a:noFill/>
+              </a:ln>
+              <a:solidFill>
+                <a:schemeClr val="tx1"/>
+              </a:solidFill>
+              <a:effectLst/>
+              <a:latin typeface="Arial" panose="020B0604020202020204" pitchFamily="34" charset="0"/>
+            </a:endParaRPr>
+          </a:p>
+        </p:txBody>
+      </p:sp>
+      <p:sp>
+        <p:nvSpPr>
+          <p:cNvPr id="8" name="Rectangle 2">
+            <a:extLst>
+              <a:ext uri="{FF2B5EF4-FFF2-40B4-BE49-F238E27FC236}">
+                <a16:creationId xmlns:a16="http://schemas.microsoft.com/office/drawing/2014/main" id="{5549D7F9-D735-4E3F-A201-B0B565E07944}"/>
+              </a:ext>
+            </a:extLst>
+          </p:cNvPr>
+          <p:cNvSpPr>
+            <a:spLocks noChangeArrowheads="1"/>
+          </p:cNvSpPr>
+          <p:nvPr/>
+        </p:nvSpPr>
+        <p:spPr bwMode="auto">
+          <a:xfrm>
+            <a:off x="7536875" y="955847"/>
+            <a:ext cx="5667153" cy="5355312"/>
+          </a:xfrm>
+          <a:prstGeom prst="rect">
+            <a:avLst/>
+          </a:prstGeom>
+          <a:solidFill>
+            <a:srgbClr val="2B2B2B"/>
+          </a:solidFill>
+          <a:ln>
+            <a:noFill/>
+          </a:ln>
+          <a:effectLst/>
+          <a:extLst>
+            <a:ext uri="{91240B29-F687-4F45-9708-019B960494DF}">
+              <a14:hiddenLine xmlns:a14="http://schemas.microsoft.com/office/drawing/2010/main" w="9525">
+                <a:solidFill>
+                  <a:schemeClr val="tx1"/>
+                </a:solidFill>
+                <a:miter lim="800000"/>
+                <a:headEnd/>
+                <a:tailEnd/>
+              </a14:hiddenLine>
+            </a:ext>
+            <a:ext uri="{AF507438-7753-43E0-B8FC-AC1667EBCBE1}">
+              <a14:hiddenEffects xmlns:a14="http://schemas.microsoft.com/office/drawing/2010/main">
+                <a:effectLst>
+                  <a:outerShdw dist="35921" dir="2700000" algn="ctr" rotWithShape="0">
+                    <a:schemeClr val="bg2"/>
+                  </a:outerShdw>
+                </a:effectLst>
+              </a14:hiddenEffects>
+            </a:ext>
+          </a:extLst>
+        </p:spPr>
+        <p:txBody>
+          <a:bodyPr vert="horz" wrap="square" lIns="91440" tIns="45720" rIns="91440" bIns="45720" numCol="1" anchor="ctr" anchorCtr="0" compatLnSpc="1">
+            <a:prstTxWarp prst="textNoShape">
+              <a:avLst/>
+            </a:prstTxWarp>
+            <a:spAutoFit/>
+          </a:bodyPr>
+          <a:lstStyle/>
+          <a:p>
+            <a:pPr marL="0" marR="0" lvl="0" indent="0" algn="l" defTabSz="914400" rtl="0" eaLnBrk="0" fontAlgn="base" latinLnBrk="0" hangingPunct="0">
+              <a:lnSpc>
+                <a:spcPct val="100000"/>
+              </a:lnSpc>
+              <a:spcBef>
+                <a:spcPct val="0"/>
+              </a:spcBef>
+              <a:spcAft>
+                <a:spcPct val="0"/>
+              </a:spcAft>
+              <a:buClrTx/>
+              <a:buSzTx/>
+              <a:buFontTx/>
+              <a:buNone/>
+              <a:tabLst/>
+            </a:pPr>
+            <a:r>
+              <a:rPr kumimoji="0" lang="en-US" altLang="en-US" sz="1800" b="0" i="0" u="none" strike="noStrike" cap="none" normalizeH="0" baseline="0">
+                <a:ln>
+                  <a:noFill/>
+                </a:ln>
+                <a:solidFill>
+                  <a:srgbClr val="CC7832"/>
+                </a:solidFill>
+                <a:effectLst/>
+                <a:latin typeface="JetBrains Mono"/>
+              </a:rPr>
+              <a:t>public </a:t>
+            </a:r>
+            <a:r>
+              <a:rPr kumimoji="0" lang="en-US" altLang="en-US" sz="1800" b="0" i="0" u="none" strike="noStrike" cap="none" normalizeH="0" baseline="0">
+                <a:ln>
+                  <a:noFill/>
+                </a:ln>
+                <a:solidFill>
+                  <a:srgbClr val="A9B7C6"/>
+                </a:solidFill>
+                <a:effectLst/>
+                <a:latin typeface="JetBrains Mono"/>
+              </a:rPr>
+              <a:t>String </a:t>
+            </a:r>
+            <a:r>
+              <a:rPr kumimoji="0" lang="en-US" altLang="en-US" sz="1800" b="0" i="0" u="none" strike="noStrike" cap="none" normalizeH="0" baseline="0">
+                <a:ln>
+                  <a:noFill/>
+                </a:ln>
+                <a:solidFill>
+                  <a:srgbClr val="FFC66D"/>
+                </a:solidFill>
+                <a:effectLst/>
+                <a:latin typeface="JetBrains Mono"/>
+              </a:rPr>
+              <a:t>toString</a:t>
+            </a:r>
+            <a:r>
+              <a:rPr kumimoji="0" lang="en-US" altLang="en-US" sz="1800" b="0" i="0" u="none" strike="noStrike" cap="none" normalizeH="0" baseline="0">
+                <a:ln>
+                  <a:noFill/>
+                </a:ln>
+                <a:solidFill>
+                  <a:srgbClr val="A9B7C6"/>
+                </a:solidFill>
+                <a:effectLst/>
+                <a:latin typeface="JetBrains Mono"/>
+              </a:rPr>
+              <a:t>() {</a:t>
+            </a:r>
+            <a:br>
+              <a:rPr kumimoji="0" lang="en-US" altLang="en-US" sz="1800" b="0" i="0" u="none" strike="noStrike" cap="none" normalizeH="0" baseline="0">
+                <a:ln>
+                  <a:noFill/>
+                </a:ln>
+                <a:solidFill>
+                  <a:srgbClr val="A9B7C6"/>
+                </a:solidFill>
+                <a:effectLst/>
+                <a:latin typeface="JetBrains Mono"/>
+              </a:rPr>
+            </a:br>
+            <a:r>
+              <a:rPr kumimoji="0" lang="en-US" altLang="en-US" sz="1800" b="0" i="0" u="none" strike="noStrike" cap="none" normalizeH="0" baseline="0">
+                <a:ln>
+                  <a:noFill/>
+                </a:ln>
+                <a:solidFill>
+                  <a:srgbClr val="A9B7C6"/>
+                </a:solidFill>
+                <a:effectLst/>
+                <a:latin typeface="JetBrains Mono"/>
+              </a:rPr>
+              <a:t>        StringBuilder s = </a:t>
+            </a:r>
+            <a:r>
+              <a:rPr kumimoji="0" lang="en-US" altLang="en-US" sz="1800" b="0" i="0" u="none" strike="noStrike" cap="none" normalizeH="0" baseline="0">
+                <a:ln>
+                  <a:noFill/>
+                </a:ln>
+                <a:solidFill>
+                  <a:srgbClr val="CC7832"/>
+                </a:solidFill>
+                <a:effectLst/>
+                <a:latin typeface="JetBrains Mono"/>
+              </a:rPr>
+              <a:t>new </a:t>
+            </a:r>
+            <a:r>
+              <a:rPr kumimoji="0" lang="en-US" altLang="en-US" sz="1800" b="0" i="0" u="none" strike="noStrike" cap="none" normalizeH="0" baseline="0">
+                <a:ln>
+                  <a:noFill/>
+                </a:ln>
+                <a:solidFill>
+                  <a:srgbClr val="A9B7C6"/>
+                </a:solidFill>
+                <a:effectLst/>
+                <a:latin typeface="JetBrains Mono"/>
+              </a:rPr>
+              <a:t>StringBuilder()</a:t>
+            </a:r>
+            <a:r>
+              <a:rPr kumimoji="0" lang="en-US" altLang="en-US" sz="1800" b="0" i="0" u="none" strike="noStrike" cap="none" normalizeH="0" baseline="0">
+                <a:ln>
+                  <a:noFill/>
+                </a:ln>
+                <a:solidFill>
+                  <a:srgbClr val="CC7832"/>
+                </a:solidFill>
+                <a:effectLst/>
+                <a:latin typeface="JetBrains Mono"/>
+              </a:rPr>
+              <a:t>;</a:t>
+            </a:r>
+            <a:br>
+              <a:rPr kumimoji="0" lang="en-US" altLang="en-US" sz="1800" b="0" i="0" u="none" strike="noStrike" cap="none" normalizeH="0" baseline="0">
+                <a:ln>
+                  <a:noFill/>
+                </a:ln>
+                <a:solidFill>
+                  <a:srgbClr val="CC7832"/>
+                </a:solidFill>
+                <a:effectLst/>
+                <a:latin typeface="JetBrains Mono"/>
+              </a:rPr>
+            </a:br>
+            <a:r>
+              <a:rPr kumimoji="0" lang="en-US" altLang="en-US" sz="1800" b="0" i="0" u="none" strike="noStrike" cap="none" normalizeH="0" baseline="0">
+                <a:ln>
+                  <a:noFill/>
+                </a:ln>
+                <a:solidFill>
+                  <a:srgbClr val="CC7832"/>
+                </a:solidFill>
+                <a:effectLst/>
+                <a:latin typeface="JetBrains Mono"/>
+              </a:rPr>
+              <a:t>        for</a:t>
+            </a:r>
+            <a:r>
+              <a:rPr kumimoji="0" lang="en-US" altLang="en-US" sz="1800" b="0" i="0" u="none" strike="noStrike" cap="none" normalizeH="0" baseline="0">
+                <a:ln>
+                  <a:noFill/>
+                </a:ln>
+                <a:solidFill>
+                  <a:srgbClr val="A9B7C6"/>
+                </a:solidFill>
+                <a:effectLst/>
+                <a:latin typeface="JetBrains Mono"/>
+              </a:rPr>
+              <a:t>(Country c : </a:t>
+            </a:r>
+            <a:r>
+              <a:rPr kumimoji="0" lang="en-US" altLang="en-US" sz="1800" b="0" i="0" u="none" strike="noStrike" cap="none" normalizeH="0" baseline="0">
+                <a:ln>
+                  <a:noFill/>
+                </a:ln>
+                <a:solidFill>
+                  <a:srgbClr val="9876AA"/>
+                </a:solidFill>
+                <a:effectLst/>
+                <a:latin typeface="JetBrains Mono"/>
+              </a:rPr>
+              <a:t>countries</a:t>
+            </a:r>
+            <a:r>
+              <a:rPr kumimoji="0" lang="en-US" altLang="en-US" sz="1800" b="0" i="0" u="none" strike="noStrike" cap="none" normalizeH="0" baseline="0">
+                <a:ln>
+                  <a:noFill/>
+                </a:ln>
+                <a:solidFill>
+                  <a:srgbClr val="A9B7C6"/>
+                </a:solidFill>
+                <a:effectLst/>
+                <a:latin typeface="JetBrains Mono"/>
+              </a:rPr>
+              <a:t>) {</a:t>
+            </a:r>
+            <a:br>
+              <a:rPr kumimoji="0" lang="en-US" altLang="en-US" sz="1800" b="0" i="0" u="none" strike="noStrike" cap="none" normalizeH="0" baseline="0">
+                <a:ln>
+                  <a:noFill/>
+                </a:ln>
+                <a:solidFill>
+                  <a:srgbClr val="A9B7C6"/>
+                </a:solidFill>
+                <a:effectLst/>
+                <a:latin typeface="JetBrains Mono"/>
+              </a:rPr>
+            </a:br>
+            <a:r>
+              <a:rPr kumimoji="0" lang="en-US" altLang="en-US" sz="1800" b="0" i="0" u="none" strike="noStrike" cap="none" normalizeH="0" baseline="0">
+                <a:ln>
+                  <a:noFill/>
+                </a:ln>
+                <a:solidFill>
+                  <a:srgbClr val="A9B7C6"/>
+                </a:solidFill>
+                <a:effectLst/>
+                <a:latin typeface="JetBrains Mono"/>
+              </a:rPr>
+              <a:t>            s.append(c)</a:t>
+            </a:r>
+            <a:r>
+              <a:rPr kumimoji="0" lang="en-US" altLang="en-US" sz="1800" b="0" i="0" u="none" strike="noStrike" cap="none" normalizeH="0" baseline="0">
+                <a:ln>
+                  <a:noFill/>
+                </a:ln>
+                <a:solidFill>
+                  <a:srgbClr val="CC7832"/>
+                </a:solidFill>
+                <a:effectLst/>
+                <a:latin typeface="JetBrains Mono"/>
+              </a:rPr>
+              <a:t>;</a:t>
+            </a:r>
+            <a:br>
+              <a:rPr kumimoji="0" lang="en-US" altLang="en-US" sz="1800" b="0" i="0" u="none" strike="noStrike" cap="none" normalizeH="0" baseline="0">
+                <a:ln>
+                  <a:noFill/>
+                </a:ln>
+                <a:solidFill>
+                  <a:srgbClr val="CC7832"/>
+                </a:solidFill>
+                <a:effectLst/>
+                <a:latin typeface="JetBrains Mono"/>
+              </a:rPr>
+            </a:br>
+            <a:r>
+              <a:rPr kumimoji="0" lang="en-US" altLang="en-US" sz="1800" b="0" i="0" u="none" strike="noStrike" cap="none" normalizeH="0" baseline="0">
+                <a:ln>
+                  <a:noFill/>
+                </a:ln>
+                <a:solidFill>
+                  <a:srgbClr val="CC7832"/>
+                </a:solidFill>
+                <a:effectLst/>
+                <a:latin typeface="JetBrains Mono"/>
+              </a:rPr>
+              <a:t>            </a:t>
+            </a:r>
+            <a:r>
+              <a:rPr kumimoji="0" lang="en-US" altLang="en-US" sz="1800" b="0" i="0" u="none" strike="noStrike" cap="none" normalizeH="0" baseline="0">
+                <a:ln>
+                  <a:noFill/>
+                </a:ln>
+                <a:solidFill>
+                  <a:srgbClr val="A9B7C6"/>
+                </a:solidFill>
+                <a:effectLst/>
+                <a:latin typeface="JetBrains Mono"/>
+              </a:rPr>
+              <a:t>s.append(</a:t>
+            </a:r>
+            <a:r>
+              <a:rPr kumimoji="0" lang="en-US" altLang="en-US" sz="1800" b="0" i="0" u="none" strike="noStrike" cap="none" normalizeH="0" baseline="0">
+                <a:ln>
+                  <a:noFill/>
+                </a:ln>
+                <a:solidFill>
+                  <a:srgbClr val="6A8759"/>
+                </a:solidFill>
+                <a:effectLst/>
+                <a:latin typeface="JetBrains Mono"/>
+              </a:rPr>
+              <a:t>'</a:t>
+            </a:r>
+            <a:r>
+              <a:rPr kumimoji="0" lang="en-US" altLang="en-US" sz="1800" b="0" i="0" u="none" strike="noStrike" cap="none" normalizeH="0" baseline="0">
+                <a:ln>
+                  <a:noFill/>
+                </a:ln>
+                <a:solidFill>
+                  <a:srgbClr val="CC7832"/>
+                </a:solidFill>
+                <a:effectLst/>
+                <a:latin typeface="JetBrains Mono"/>
+              </a:rPr>
+              <a:t>\n</a:t>
+            </a:r>
+            <a:r>
+              <a:rPr kumimoji="0" lang="en-US" altLang="en-US" sz="1800" b="0" i="0" u="none" strike="noStrike" cap="none" normalizeH="0" baseline="0">
+                <a:ln>
+                  <a:noFill/>
+                </a:ln>
+                <a:solidFill>
+                  <a:srgbClr val="6A8759"/>
+                </a:solidFill>
+                <a:effectLst/>
+                <a:latin typeface="JetBrains Mono"/>
+              </a:rPr>
+              <a:t>'</a:t>
+            </a:r>
+            <a:r>
+              <a:rPr kumimoji="0" lang="en-US" altLang="en-US" sz="1800" b="0" i="0" u="none" strike="noStrike" cap="none" normalizeH="0" baseline="0">
+                <a:ln>
+                  <a:noFill/>
+                </a:ln>
+                <a:solidFill>
+                  <a:srgbClr val="A9B7C6"/>
+                </a:solidFill>
+                <a:effectLst/>
+                <a:latin typeface="JetBrains Mono"/>
+              </a:rPr>
+              <a:t>)</a:t>
+            </a:r>
+            <a:r>
+              <a:rPr kumimoji="0" lang="en-US" altLang="en-US" sz="1800" b="0" i="0" u="none" strike="noStrike" cap="none" normalizeH="0" baseline="0">
+                <a:ln>
+                  <a:noFill/>
+                </a:ln>
+                <a:solidFill>
+                  <a:srgbClr val="CC7832"/>
+                </a:solidFill>
+                <a:effectLst/>
+                <a:latin typeface="JetBrains Mono"/>
+              </a:rPr>
+              <a:t>;</a:t>
+            </a:r>
+            <a:br>
+              <a:rPr kumimoji="0" lang="en-US" altLang="en-US" sz="1800" b="0" i="0" u="none" strike="noStrike" cap="none" normalizeH="0" baseline="0">
+                <a:ln>
+                  <a:noFill/>
+                </a:ln>
+                <a:solidFill>
+                  <a:srgbClr val="CC7832"/>
+                </a:solidFill>
+                <a:effectLst/>
+                <a:latin typeface="JetBrains Mono"/>
+              </a:rPr>
+            </a:br>
+            <a:r>
+              <a:rPr kumimoji="0" lang="en-US" altLang="en-US" sz="1800" b="0" i="0" u="none" strike="noStrike" cap="none" normalizeH="0" baseline="0">
+                <a:ln>
+                  <a:noFill/>
+                </a:ln>
+                <a:solidFill>
+                  <a:srgbClr val="CC7832"/>
+                </a:solidFill>
+                <a:effectLst/>
+                <a:latin typeface="JetBrains Mono"/>
+              </a:rPr>
+              <a:t>        </a:t>
+            </a:r>
+            <a:r>
+              <a:rPr kumimoji="0" lang="en-US" altLang="en-US" sz="1800" b="0" i="0" u="none" strike="noStrike" cap="none" normalizeH="0" baseline="0">
+                <a:ln>
+                  <a:noFill/>
+                </a:ln>
+                <a:solidFill>
+                  <a:srgbClr val="A9B7C6"/>
+                </a:solidFill>
+                <a:effectLst/>
+                <a:latin typeface="JetBrains Mono"/>
+              </a:rPr>
+              <a:t>}</a:t>
+            </a:r>
+            <a:br>
+              <a:rPr kumimoji="0" lang="en-US" altLang="en-US" sz="1800" b="0" i="0" u="none" strike="noStrike" cap="none" normalizeH="0" baseline="0">
+                <a:ln>
+                  <a:noFill/>
+                </a:ln>
+                <a:solidFill>
+                  <a:srgbClr val="A9B7C6"/>
+                </a:solidFill>
+                <a:effectLst/>
+                <a:latin typeface="JetBrains Mono"/>
+              </a:rPr>
+            </a:br>
+            <a:r>
+              <a:rPr kumimoji="0" lang="en-US" altLang="en-US" sz="1800" b="0" i="0" u="none" strike="noStrike" cap="none" normalizeH="0" baseline="0">
+                <a:ln>
+                  <a:noFill/>
+                </a:ln>
+                <a:solidFill>
+                  <a:srgbClr val="A9B7C6"/>
+                </a:solidFill>
+                <a:effectLst/>
+                <a:latin typeface="JetBrains Mono"/>
+              </a:rPr>
+              <a:t>        </a:t>
+            </a:r>
+            <a:r>
+              <a:rPr kumimoji="0" lang="en-US" altLang="en-US" sz="1800" b="0" i="0" u="none" strike="noStrike" cap="none" normalizeH="0" baseline="0">
+                <a:ln>
+                  <a:noFill/>
+                </a:ln>
+                <a:solidFill>
+                  <a:srgbClr val="CC7832"/>
+                </a:solidFill>
+                <a:effectLst/>
+                <a:latin typeface="JetBrains Mono"/>
+              </a:rPr>
+              <a:t>return </a:t>
+            </a:r>
+            <a:r>
+              <a:rPr kumimoji="0" lang="en-US" altLang="en-US" sz="1800" b="0" i="0" u="none" strike="noStrike" cap="none" normalizeH="0" baseline="0">
+                <a:ln>
+                  <a:noFill/>
+                </a:ln>
+                <a:solidFill>
+                  <a:srgbClr val="A9B7C6"/>
+                </a:solidFill>
+                <a:effectLst/>
+                <a:latin typeface="JetBrains Mono"/>
+              </a:rPr>
+              <a:t>s.toString()</a:t>
+            </a:r>
+            <a:r>
+              <a:rPr kumimoji="0" lang="en-US" altLang="en-US" sz="1800" b="0" i="0" u="none" strike="noStrike" cap="none" normalizeH="0" baseline="0">
+                <a:ln>
+                  <a:noFill/>
+                </a:ln>
+                <a:solidFill>
+                  <a:srgbClr val="CC7832"/>
+                </a:solidFill>
+                <a:effectLst/>
+                <a:latin typeface="JetBrains Mono"/>
+              </a:rPr>
+              <a:t>;</a:t>
+            </a:r>
+            <a:br>
+              <a:rPr kumimoji="0" lang="en-US" altLang="en-US" sz="1800" b="0" i="0" u="none" strike="noStrike" cap="none" normalizeH="0" baseline="0">
+                <a:ln>
+                  <a:noFill/>
+                </a:ln>
+                <a:solidFill>
+                  <a:srgbClr val="CC7832"/>
+                </a:solidFill>
+                <a:effectLst/>
+                <a:latin typeface="JetBrains Mono"/>
+              </a:rPr>
+            </a:br>
+            <a:r>
+              <a:rPr kumimoji="0" lang="en-US" altLang="en-US" sz="1800" b="0" i="0" u="none" strike="noStrike" cap="none" normalizeH="0" baseline="0">
+                <a:ln>
+                  <a:noFill/>
+                </a:ln>
+                <a:solidFill>
+                  <a:srgbClr val="CC7832"/>
+                </a:solidFill>
+                <a:effectLst/>
+                <a:latin typeface="JetBrains Mono"/>
+              </a:rPr>
+              <a:t>    </a:t>
+            </a:r>
+            <a:r>
+              <a:rPr kumimoji="0" lang="en-US" altLang="en-US" sz="1800" b="0" i="0" u="none" strike="noStrike" cap="none" normalizeH="0" baseline="0">
+                <a:ln>
+                  <a:noFill/>
+                </a:ln>
+                <a:solidFill>
+                  <a:srgbClr val="A9B7C6"/>
+                </a:solidFill>
+                <a:effectLst/>
+                <a:latin typeface="JetBrains Mono"/>
+              </a:rPr>
+              <a:t>}</a:t>
+            </a:r>
+            <a:br>
+              <a:rPr kumimoji="0" lang="en-US" altLang="en-US" sz="1800" b="0" i="0" u="none" strike="noStrike" cap="none" normalizeH="0" baseline="0">
+                <a:ln>
+                  <a:noFill/>
+                </a:ln>
+                <a:solidFill>
+                  <a:srgbClr val="A9B7C6"/>
+                </a:solidFill>
+                <a:effectLst/>
+                <a:latin typeface="JetBrains Mono"/>
+              </a:rPr>
+            </a:br>
+            <a:br>
+              <a:rPr kumimoji="0" lang="en-US" altLang="en-US" sz="1800" b="0" i="0" u="none" strike="noStrike" cap="none" normalizeH="0" baseline="0">
+                <a:ln>
+                  <a:noFill/>
+                </a:ln>
+                <a:solidFill>
+                  <a:srgbClr val="A9B7C6"/>
+                </a:solidFill>
+                <a:effectLst/>
+                <a:latin typeface="JetBrains Mono"/>
+              </a:rPr>
+            </a:br>
+            <a:r>
+              <a:rPr kumimoji="0" lang="en-US" altLang="en-US" sz="1800" b="0" i="0" u="none" strike="noStrike" cap="none" normalizeH="0" baseline="0">
+                <a:ln>
+                  <a:noFill/>
+                </a:ln>
+                <a:solidFill>
+                  <a:srgbClr val="A9B7C6"/>
+                </a:solidFill>
+                <a:effectLst/>
+                <a:latin typeface="JetBrains Mono"/>
+              </a:rPr>
+              <a:t>    </a:t>
+            </a:r>
+            <a:r>
+              <a:rPr kumimoji="0" lang="en-US" altLang="en-US" sz="1800" b="0" i="0" u="none" strike="noStrike" cap="none" normalizeH="0" baseline="0">
+                <a:ln>
+                  <a:noFill/>
+                </a:ln>
+                <a:solidFill>
+                  <a:srgbClr val="CC7832"/>
+                </a:solidFill>
+                <a:effectLst/>
+                <a:latin typeface="JetBrains Mono"/>
+              </a:rPr>
+              <a:t>public static void </a:t>
+            </a:r>
+            <a:r>
+              <a:rPr kumimoji="0" lang="en-US" altLang="en-US" sz="1800" b="0" i="0" u="none" strike="noStrike" cap="none" normalizeH="0" baseline="0">
+                <a:ln>
+                  <a:noFill/>
+                </a:ln>
+                <a:solidFill>
+                  <a:srgbClr val="FFC66D"/>
+                </a:solidFill>
+                <a:effectLst/>
+                <a:latin typeface="JetBrains Mono"/>
+              </a:rPr>
+              <a:t>main</a:t>
+            </a:r>
+            <a:r>
+              <a:rPr kumimoji="0" lang="en-US" altLang="en-US" sz="1800" b="0" i="0" u="none" strike="noStrike" cap="none" normalizeH="0" baseline="0">
+                <a:ln>
+                  <a:noFill/>
+                </a:ln>
+                <a:solidFill>
+                  <a:srgbClr val="A9B7C6"/>
+                </a:solidFill>
+                <a:effectLst/>
+                <a:latin typeface="JetBrains Mono"/>
+              </a:rPr>
+              <a:t>(String args[]){</a:t>
+            </a:r>
+            <a:br>
+              <a:rPr kumimoji="0" lang="en-US" altLang="en-US" sz="1800" b="0" i="0" u="none" strike="noStrike" cap="none" normalizeH="0" baseline="0">
+                <a:ln>
+                  <a:noFill/>
+                </a:ln>
+                <a:solidFill>
+                  <a:srgbClr val="A9B7C6"/>
+                </a:solidFill>
+                <a:effectLst/>
+                <a:latin typeface="JetBrains Mono"/>
+              </a:rPr>
+            </a:br>
+            <a:r>
+              <a:rPr kumimoji="0" lang="en-US" altLang="en-US" sz="1800" b="0" i="0" u="none" strike="noStrike" cap="none" normalizeH="0" baseline="0">
+                <a:ln>
+                  <a:noFill/>
+                </a:ln>
+                <a:solidFill>
+                  <a:srgbClr val="A9B7C6"/>
+                </a:solidFill>
+                <a:effectLst/>
+                <a:latin typeface="JetBrains Mono"/>
+              </a:rPr>
+              <a:t>        ListCountry listCountry = </a:t>
+            </a:r>
+            <a:r>
+              <a:rPr kumimoji="0" lang="en-US" altLang="en-US" sz="1800" b="0" i="0" u="none" strike="noStrike" cap="none" normalizeH="0" baseline="0">
+                <a:ln>
+                  <a:noFill/>
+                </a:ln>
+                <a:solidFill>
+                  <a:srgbClr val="CC7832"/>
+                </a:solidFill>
+                <a:effectLst/>
+                <a:latin typeface="JetBrains Mono"/>
+              </a:rPr>
+              <a:t>new </a:t>
+            </a:r>
+            <a:r>
+              <a:rPr kumimoji="0" lang="en-US" altLang="en-US" sz="1800" b="0" i="0" u="none" strike="noStrike" cap="none" normalizeH="0" baseline="0">
+                <a:ln>
+                  <a:noFill/>
+                </a:ln>
+                <a:solidFill>
+                  <a:srgbClr val="A9B7C6"/>
+                </a:solidFill>
+                <a:effectLst/>
+                <a:latin typeface="JetBrains Mono"/>
+              </a:rPr>
+              <a:t>ListCountry()</a:t>
+            </a:r>
+            <a:r>
+              <a:rPr kumimoji="0" lang="en-US" altLang="en-US" sz="1800" b="0" i="0" u="none" strike="noStrike" cap="none" normalizeH="0" baseline="0">
+                <a:ln>
+                  <a:noFill/>
+                </a:ln>
+                <a:solidFill>
+                  <a:srgbClr val="CC7832"/>
+                </a:solidFill>
+                <a:effectLst/>
+                <a:latin typeface="JetBrains Mono"/>
+              </a:rPr>
+              <a:t>;</a:t>
+            </a:r>
+            <a:br>
+              <a:rPr kumimoji="0" lang="en-US" altLang="en-US" sz="1800" b="0" i="0" u="none" strike="noStrike" cap="none" normalizeH="0" baseline="0">
+                <a:ln>
+                  <a:noFill/>
+                </a:ln>
+                <a:solidFill>
+                  <a:srgbClr val="CC7832"/>
+                </a:solidFill>
+                <a:effectLst/>
+                <a:latin typeface="JetBrains Mono"/>
+              </a:rPr>
+            </a:br>
+            <a:r>
+              <a:rPr kumimoji="0" lang="en-US" altLang="en-US" sz="1800" b="0" i="0" u="none" strike="noStrike" cap="none" normalizeH="0" baseline="0">
+                <a:ln>
+                  <a:noFill/>
+                </a:ln>
+                <a:solidFill>
+                  <a:srgbClr val="CC7832"/>
+                </a:solidFill>
+                <a:effectLst/>
+                <a:latin typeface="JetBrains Mono"/>
+              </a:rPr>
+              <a:t>        </a:t>
+            </a:r>
+            <a:r>
+              <a:rPr kumimoji="0" lang="en-US" altLang="en-US" sz="1800" b="0" i="0" u="none" strike="noStrike" cap="none" normalizeH="0" baseline="0">
+                <a:ln>
+                  <a:noFill/>
+                </a:ln>
+                <a:solidFill>
+                  <a:srgbClr val="A9B7C6"/>
+                </a:solidFill>
+                <a:effectLst/>
+                <a:latin typeface="JetBrains Mono"/>
+              </a:rPr>
+              <a:t>listCountry.readCountries(</a:t>
+            </a:r>
+            <a:r>
+              <a:rPr kumimoji="0" lang="en-US" altLang="en-US" sz="1800" b="0" i="0" u="none" strike="noStrike" cap="none" normalizeH="0" baseline="0">
+                <a:ln>
+                  <a:noFill/>
+                </a:ln>
+                <a:solidFill>
+                  <a:srgbClr val="6A8759"/>
+                </a:solidFill>
+                <a:effectLst/>
+                <a:latin typeface="JetBrains Mono"/>
+              </a:rPr>
+              <a:t>"countries.txt"</a:t>
+            </a:r>
+            <a:r>
+              <a:rPr kumimoji="0" lang="en-US" altLang="en-US" sz="1800" b="0" i="0" u="none" strike="noStrike" cap="none" normalizeH="0" baseline="0">
+                <a:ln>
+                  <a:noFill/>
+                </a:ln>
+                <a:solidFill>
+                  <a:srgbClr val="A9B7C6"/>
+                </a:solidFill>
+                <a:effectLst/>
+                <a:latin typeface="JetBrains Mono"/>
+              </a:rPr>
+              <a:t>)</a:t>
+            </a:r>
+            <a:r>
+              <a:rPr kumimoji="0" lang="en-US" altLang="en-US" sz="1800" b="0" i="0" u="none" strike="noStrike" cap="none" normalizeH="0" baseline="0">
+                <a:ln>
+                  <a:noFill/>
+                </a:ln>
+                <a:solidFill>
+                  <a:srgbClr val="CC7832"/>
+                </a:solidFill>
+                <a:effectLst/>
+                <a:latin typeface="JetBrains Mono"/>
+              </a:rPr>
+              <a:t>;</a:t>
+            </a:r>
+            <a:br>
+              <a:rPr kumimoji="0" lang="en-US" altLang="en-US" sz="1800" b="0" i="0" u="none" strike="noStrike" cap="none" normalizeH="0" baseline="0">
+                <a:ln>
+                  <a:noFill/>
+                </a:ln>
+                <a:solidFill>
+                  <a:srgbClr val="CC7832"/>
+                </a:solidFill>
+                <a:effectLst/>
+                <a:latin typeface="JetBrains Mono"/>
+              </a:rPr>
+            </a:br>
+            <a:r>
+              <a:rPr kumimoji="0" lang="en-US" altLang="en-US" sz="1800" b="0" i="0" u="none" strike="noStrike" cap="none" normalizeH="0" baseline="0">
+                <a:ln>
+                  <a:noFill/>
+                </a:ln>
+                <a:solidFill>
+                  <a:srgbClr val="CC7832"/>
+                </a:solidFill>
+                <a:effectLst/>
+                <a:latin typeface="JetBrains Mono"/>
+              </a:rPr>
+              <a:t>        </a:t>
+            </a:r>
+            <a:r>
+              <a:rPr kumimoji="0" lang="en-US" altLang="en-US" sz="1800" b="0" i="0" u="none" strike="noStrike" cap="none" normalizeH="0" baseline="0">
+                <a:ln>
+                  <a:noFill/>
+                </a:ln>
+                <a:solidFill>
+                  <a:srgbClr val="A9B7C6"/>
+                </a:solidFill>
+                <a:effectLst/>
+                <a:latin typeface="JetBrains Mono"/>
+              </a:rPr>
+              <a:t>listCountry.sortList(</a:t>
+            </a:r>
+            <a:r>
+              <a:rPr kumimoji="0" lang="en-US" altLang="en-US" sz="1800" b="0" i="0" u="none" strike="noStrike" cap="none" normalizeH="0" baseline="0">
+                <a:ln>
+                  <a:noFill/>
+                </a:ln>
+                <a:solidFill>
+                  <a:srgbClr val="6A8759"/>
+                </a:solidFill>
+                <a:effectLst/>
+                <a:latin typeface="JetBrains Mono"/>
+              </a:rPr>
+              <a:t>"name"</a:t>
+            </a:r>
+            <a:r>
+              <a:rPr kumimoji="0" lang="en-US" altLang="en-US" sz="1800" b="0" i="0" u="none" strike="noStrike" cap="none" normalizeH="0" baseline="0">
+                <a:ln>
+                  <a:noFill/>
+                </a:ln>
+                <a:solidFill>
+                  <a:srgbClr val="A9B7C6"/>
+                </a:solidFill>
+                <a:effectLst/>
+                <a:latin typeface="JetBrains Mono"/>
+              </a:rPr>
+              <a:t>)</a:t>
+            </a:r>
+            <a:r>
+              <a:rPr kumimoji="0" lang="en-US" altLang="en-US" sz="1800" b="0" i="0" u="none" strike="noStrike" cap="none" normalizeH="0" baseline="0">
+                <a:ln>
+                  <a:noFill/>
+                </a:ln>
+                <a:solidFill>
+                  <a:srgbClr val="CC7832"/>
+                </a:solidFill>
+                <a:effectLst/>
+                <a:latin typeface="JetBrains Mono"/>
+              </a:rPr>
+              <a:t>;</a:t>
+            </a:r>
+            <a:br>
+              <a:rPr kumimoji="0" lang="en-US" altLang="en-US" sz="1800" b="0" i="0" u="none" strike="noStrike" cap="none" normalizeH="0" baseline="0">
+                <a:ln>
+                  <a:noFill/>
+                </a:ln>
+                <a:solidFill>
+                  <a:srgbClr val="CC7832"/>
+                </a:solidFill>
+                <a:effectLst/>
+                <a:latin typeface="JetBrains Mono"/>
+              </a:rPr>
+            </a:br>
+            <a:r>
+              <a:rPr kumimoji="0" lang="en-US" altLang="en-US" sz="1800" b="0" i="0" u="none" strike="noStrike" cap="none" normalizeH="0" baseline="0">
+                <a:ln>
+                  <a:noFill/>
+                </a:ln>
+                <a:solidFill>
+                  <a:srgbClr val="CC7832"/>
+                </a:solidFill>
+                <a:effectLst/>
+                <a:latin typeface="JetBrains Mono"/>
+              </a:rPr>
+              <a:t>        </a:t>
+            </a:r>
+            <a:r>
+              <a:rPr kumimoji="0" lang="en-US" altLang="en-US" sz="1800" b="0" i="0" u="none" strike="noStrike" cap="none" normalizeH="0" baseline="0">
+                <a:ln>
+                  <a:noFill/>
+                </a:ln>
+                <a:solidFill>
+                  <a:srgbClr val="A9B7C6"/>
+                </a:solidFill>
+                <a:effectLst/>
+                <a:latin typeface="JetBrains Mono"/>
+              </a:rPr>
+              <a:t>System.</a:t>
+            </a:r>
+            <a:r>
+              <a:rPr kumimoji="0" lang="en-US" altLang="en-US" sz="1800" b="0" i="1" u="none" strike="noStrike" cap="none" normalizeH="0" baseline="0">
+                <a:ln>
+                  <a:noFill/>
+                </a:ln>
+                <a:solidFill>
+                  <a:srgbClr val="9876AA"/>
+                </a:solidFill>
+                <a:effectLst/>
+                <a:latin typeface="JetBrains Mono"/>
+              </a:rPr>
+              <a:t>out</a:t>
+            </a:r>
+            <a:r>
+              <a:rPr kumimoji="0" lang="en-US" altLang="en-US" sz="1800" b="0" i="0" u="none" strike="noStrike" cap="none" normalizeH="0" baseline="0">
+                <a:ln>
+                  <a:noFill/>
+                </a:ln>
+                <a:solidFill>
+                  <a:srgbClr val="A9B7C6"/>
+                </a:solidFill>
+                <a:effectLst/>
+                <a:latin typeface="JetBrains Mono"/>
+              </a:rPr>
+              <a:t>.println(listCountry)</a:t>
+            </a:r>
+            <a:r>
+              <a:rPr kumimoji="0" lang="en-US" altLang="en-US" sz="1800" b="0" i="0" u="none" strike="noStrike" cap="none" normalizeH="0" baseline="0">
+                <a:ln>
+                  <a:noFill/>
+                </a:ln>
+                <a:solidFill>
+                  <a:srgbClr val="CC7832"/>
+                </a:solidFill>
+                <a:effectLst/>
+                <a:latin typeface="JetBrains Mono"/>
+              </a:rPr>
+              <a:t>;</a:t>
+            </a:r>
+            <a:br>
+              <a:rPr kumimoji="0" lang="en-US" altLang="en-US" sz="1800" b="0" i="0" u="none" strike="noStrike" cap="none" normalizeH="0" baseline="0">
+                <a:ln>
+                  <a:noFill/>
+                </a:ln>
+                <a:solidFill>
+                  <a:srgbClr val="CC7832"/>
+                </a:solidFill>
+                <a:effectLst/>
+                <a:latin typeface="JetBrains Mono"/>
+              </a:rPr>
+            </a:br>
+            <a:r>
+              <a:rPr kumimoji="0" lang="en-US" altLang="en-US" sz="1800" b="0" i="0" u="none" strike="noStrike" cap="none" normalizeH="0" baseline="0">
+                <a:ln>
+                  <a:noFill/>
+                </a:ln>
+                <a:solidFill>
+                  <a:srgbClr val="CC7832"/>
+                </a:solidFill>
+                <a:effectLst/>
+                <a:latin typeface="JetBrains Mono"/>
+              </a:rPr>
+              <a:t>        </a:t>
+            </a:r>
+            <a:r>
+              <a:rPr kumimoji="0" lang="en-US" altLang="en-US" sz="1800" b="0" i="0" u="none" strike="noStrike" cap="none" normalizeH="0" baseline="0">
+                <a:ln>
+                  <a:noFill/>
+                </a:ln>
+                <a:solidFill>
+                  <a:srgbClr val="A9B7C6"/>
+                </a:solidFill>
+                <a:effectLst/>
+                <a:latin typeface="JetBrains Mono"/>
+              </a:rPr>
+              <a:t>listCountry.sortList(</a:t>
+            </a:r>
+            <a:r>
+              <a:rPr kumimoji="0" lang="en-US" altLang="en-US" sz="1800" b="0" i="0" u="none" strike="noStrike" cap="none" normalizeH="0" baseline="0">
+                <a:ln>
+                  <a:noFill/>
+                </a:ln>
+                <a:solidFill>
+                  <a:srgbClr val="6A8759"/>
+                </a:solidFill>
+                <a:effectLst/>
+                <a:latin typeface="JetBrains Mono"/>
+              </a:rPr>
+              <a:t>"area"</a:t>
+            </a:r>
+            <a:r>
+              <a:rPr kumimoji="0" lang="en-US" altLang="en-US" sz="1800" b="0" i="0" u="none" strike="noStrike" cap="none" normalizeH="0" baseline="0">
+                <a:ln>
+                  <a:noFill/>
+                </a:ln>
+                <a:solidFill>
+                  <a:srgbClr val="A9B7C6"/>
+                </a:solidFill>
+                <a:effectLst/>
+                <a:latin typeface="JetBrains Mono"/>
+              </a:rPr>
+              <a:t>)</a:t>
+            </a:r>
+            <a:r>
+              <a:rPr kumimoji="0" lang="en-US" altLang="en-US" sz="1800" b="0" i="0" u="none" strike="noStrike" cap="none" normalizeH="0" baseline="0">
+                <a:ln>
+                  <a:noFill/>
+                </a:ln>
+                <a:solidFill>
+                  <a:srgbClr val="CC7832"/>
+                </a:solidFill>
+                <a:effectLst/>
+                <a:latin typeface="JetBrains Mono"/>
+              </a:rPr>
+              <a:t>;</a:t>
+            </a:r>
+            <a:br>
+              <a:rPr kumimoji="0" lang="en-US" altLang="en-US" sz="1800" b="0" i="0" u="none" strike="noStrike" cap="none" normalizeH="0" baseline="0">
+                <a:ln>
+                  <a:noFill/>
+                </a:ln>
+                <a:solidFill>
+                  <a:srgbClr val="CC7832"/>
+                </a:solidFill>
+                <a:effectLst/>
+                <a:latin typeface="JetBrains Mono"/>
+              </a:rPr>
+            </a:br>
+            <a:r>
+              <a:rPr kumimoji="0" lang="en-US" altLang="en-US" sz="1800" b="0" i="0" u="none" strike="noStrike" cap="none" normalizeH="0" baseline="0">
+                <a:ln>
+                  <a:noFill/>
+                </a:ln>
+                <a:solidFill>
+                  <a:srgbClr val="CC7832"/>
+                </a:solidFill>
+                <a:effectLst/>
+                <a:latin typeface="JetBrains Mono"/>
+              </a:rPr>
+              <a:t>        </a:t>
+            </a:r>
+            <a:r>
+              <a:rPr kumimoji="0" lang="en-US" altLang="en-US" sz="1800" b="0" i="0" u="none" strike="noStrike" cap="none" normalizeH="0" baseline="0">
+                <a:ln>
+                  <a:noFill/>
+                </a:ln>
+                <a:solidFill>
+                  <a:srgbClr val="A9B7C6"/>
+                </a:solidFill>
+                <a:effectLst/>
+                <a:latin typeface="JetBrains Mono"/>
+              </a:rPr>
+              <a:t>System.</a:t>
+            </a:r>
+            <a:r>
+              <a:rPr kumimoji="0" lang="en-US" altLang="en-US" sz="1800" b="0" i="1" u="none" strike="noStrike" cap="none" normalizeH="0" baseline="0">
+                <a:ln>
+                  <a:noFill/>
+                </a:ln>
+                <a:solidFill>
+                  <a:srgbClr val="9876AA"/>
+                </a:solidFill>
+                <a:effectLst/>
+                <a:latin typeface="JetBrains Mono"/>
+              </a:rPr>
+              <a:t>out</a:t>
+            </a:r>
+            <a:r>
+              <a:rPr kumimoji="0" lang="en-US" altLang="en-US" sz="1800" b="0" i="0" u="none" strike="noStrike" cap="none" normalizeH="0" baseline="0">
+                <a:ln>
+                  <a:noFill/>
+                </a:ln>
+                <a:solidFill>
+                  <a:srgbClr val="A9B7C6"/>
+                </a:solidFill>
+                <a:effectLst/>
+                <a:latin typeface="JetBrains Mono"/>
+              </a:rPr>
+              <a:t>.println(listCountry)</a:t>
+            </a:r>
+            <a:r>
+              <a:rPr kumimoji="0" lang="en-US" altLang="en-US" sz="1800" b="0" i="0" u="none" strike="noStrike" cap="none" normalizeH="0" baseline="0">
+                <a:ln>
+                  <a:noFill/>
+                </a:ln>
+                <a:solidFill>
+                  <a:srgbClr val="CC7832"/>
+                </a:solidFill>
+                <a:effectLst/>
+                <a:latin typeface="JetBrains Mono"/>
+              </a:rPr>
+              <a:t>;</a:t>
+            </a:r>
+            <a:br>
+              <a:rPr kumimoji="0" lang="en-US" altLang="en-US" sz="1800" b="0" i="0" u="none" strike="noStrike" cap="none" normalizeH="0" baseline="0">
+                <a:ln>
+                  <a:noFill/>
+                </a:ln>
+                <a:solidFill>
+                  <a:srgbClr val="CC7832"/>
+                </a:solidFill>
+                <a:effectLst/>
+                <a:latin typeface="JetBrains Mono"/>
+              </a:rPr>
+            </a:br>
+            <a:r>
+              <a:rPr kumimoji="0" lang="en-US" altLang="en-US" sz="1800" b="0" i="0" u="none" strike="noStrike" cap="none" normalizeH="0" baseline="0">
+                <a:ln>
+                  <a:noFill/>
+                </a:ln>
+                <a:solidFill>
+                  <a:srgbClr val="CC7832"/>
+                </a:solidFill>
+                <a:effectLst/>
+                <a:latin typeface="JetBrains Mono"/>
+              </a:rPr>
+              <a:t>    </a:t>
+            </a:r>
+            <a:r>
+              <a:rPr kumimoji="0" lang="en-US" altLang="en-US" sz="1800" b="0" i="0" u="none" strike="noStrike" cap="none" normalizeH="0" baseline="0">
+                <a:ln>
+                  <a:noFill/>
+                </a:ln>
+                <a:solidFill>
+                  <a:srgbClr val="A9B7C6"/>
+                </a:solidFill>
+                <a:effectLst/>
+                <a:latin typeface="JetBrains Mono"/>
+              </a:rPr>
+              <a:t>}</a:t>
+            </a:r>
+            <a:br>
+              <a:rPr kumimoji="0" lang="en-US" altLang="en-US" sz="1800" b="0" i="0" u="none" strike="noStrike" cap="none" normalizeH="0" baseline="0">
+                <a:ln>
+                  <a:noFill/>
+                </a:ln>
+                <a:solidFill>
+                  <a:srgbClr val="A9B7C6"/>
+                </a:solidFill>
+                <a:effectLst/>
+                <a:latin typeface="JetBrains Mono"/>
+              </a:rPr>
+            </a:br>
+            <a:r>
+              <a:rPr kumimoji="0" lang="en-US" altLang="en-US" sz="1800" b="0" i="0" u="none" strike="noStrike" cap="none" normalizeH="0" baseline="0">
+                <a:ln>
+                  <a:noFill/>
+                </a:ln>
+                <a:solidFill>
+                  <a:srgbClr val="A9B7C6"/>
+                </a:solidFill>
+                <a:effectLst/>
+                <a:latin typeface="JetBrains Mono"/>
+              </a:rPr>
+              <a:t>}</a:t>
+            </a:r>
+            <a:br>
+              <a:rPr kumimoji="0" lang="en-US" altLang="en-US" sz="1800" b="0" i="0" u="none" strike="noStrike" cap="none" normalizeH="0" baseline="0">
+                <a:ln>
+                  <a:noFill/>
+                </a:ln>
+                <a:solidFill>
+                  <a:srgbClr val="A9B7C6"/>
+                </a:solidFill>
+                <a:effectLst/>
+                <a:latin typeface="JetBrains Mono"/>
+              </a:rPr>
+            </a:br>
+            <a:endParaRPr kumimoji="0" lang="en-US" altLang="en-US" sz="1800" b="0" i="0" u="none" strike="noStrike" cap="none" normalizeH="0" baseline="0">
+              <a:ln>
+                <a:noFill/>
+              </a:ln>
+              <a:solidFill>
+                <a:schemeClr val="tx1"/>
+              </a:solidFill>
+              <a:effectLst/>
+              <a:latin typeface="Arial" panose="020B0604020202020204" pitchFamily="34" charset="0"/>
+            </a:endParaRPr>
+          </a:p>
+        </p:txBody>
+      </p:sp>
+    </p:spTree>
+    <p:extLst>
+      <p:ext uri="{BB962C8B-B14F-4D97-AF65-F5344CB8AC3E}">
+        <p14:creationId xmlns:p14="http://schemas.microsoft.com/office/powerpoint/2010/main" val="3183979242"/>
+      </p:ext>
+    </p:extLst>
+  </p:cSld>
+  <p:clrMapOvr>
+    <a:masterClrMapping/>
+  </p:clrMapOvr>
+  <mc:AlternateContent xmlns:mc="http://schemas.openxmlformats.org/markup-compatibility/2006" xmlns:p14="http://schemas.microsoft.com/office/powerpoint/2010/main">
+    <mc:Choice Requires="p14">
+      <p:transition p14:dur="300">
+        <p:fade/>
+      </p:transition>
+    </mc:Choice>
+    <mc:Fallback xmlns="">
+      <p:transition>
+        <p:fade/>
+      </p:transition>
+    </mc:Fallback>
+  </mc:AlternateContent>
+</p:sld>
+</file>
+
 <file path=ppt/slides/slide2.xml><?xml version="1.0" encoding="utf-8"?>
+<p:sld xmlns:a="http://schemas.openxmlformats.org/drawingml/2006/main" xmlns:r="http://schemas.openxmlformats.org/officeDocument/2006/relationships" xmlns:p="http://schemas.openxmlformats.org/presentationml/2006/main">
+  <p:cSld>
+    <p:spTree>
+      <p:nvGrpSpPr>
+        <p:cNvPr id="1" name=""/>
+        <p:cNvGrpSpPr/>
+        <p:nvPr/>
+      </p:nvGrpSpPr>
+      <p:grpSpPr>
+        <a:xfrm>
+          <a:off x="0" y="0"/>
+          <a:ext cx="0" cy="0"/>
+          <a:chOff x="0" y="0"/>
+          <a:chExt cx="0" cy="0"/>
+        </a:xfrm>
+      </p:grpSpPr>
+      <p:sp>
+        <p:nvSpPr>
+          <p:cNvPr id="4" name="Title 3">
+            <a:extLst>
+              <a:ext uri="{FF2B5EF4-FFF2-40B4-BE49-F238E27FC236}">
+                <a16:creationId xmlns:a16="http://schemas.microsoft.com/office/drawing/2014/main" id="{119AD8F2-D5DB-A84B-A5B3-F7935E3E6D1D}"/>
+              </a:ext>
+            </a:extLst>
+          </p:cNvPr>
+          <p:cNvSpPr>
+            <a:spLocks noGrp="1"/>
+          </p:cNvSpPr>
+          <p:nvPr>
+            <p:ph type="title"/>
+          </p:nvPr>
+        </p:nvSpPr>
+        <p:spPr>
+          <a:xfrm>
+            <a:off x="628076" y="607804"/>
+            <a:ext cx="5642096" cy="916848"/>
+          </a:xfrm>
+        </p:spPr>
+        <p:txBody>
+          <a:bodyPr/>
+          <a:lstStyle/>
+          <a:p>
+            <a:r>
+              <a:rPr lang="en-US" dirty="0"/>
+              <a:t>Announcements</a:t>
+            </a:r>
+          </a:p>
+        </p:txBody>
+      </p:sp>
+      <p:sp>
+        <p:nvSpPr>
+          <p:cNvPr id="5" name="Text Placeholder 4">
+            <a:extLst>
+              <a:ext uri="{FF2B5EF4-FFF2-40B4-BE49-F238E27FC236}">
+                <a16:creationId xmlns:a16="http://schemas.microsoft.com/office/drawing/2014/main" id="{1BBD0DB5-379A-304F-9307-E7B1A89B08F7}"/>
+              </a:ext>
+            </a:extLst>
+          </p:cNvPr>
+          <p:cNvSpPr>
+            <a:spLocks noGrp="1"/>
+          </p:cNvSpPr>
+          <p:nvPr>
+            <p:ph type="body" idx="1"/>
+          </p:nvPr>
+        </p:nvSpPr>
+        <p:spPr>
+          <a:xfrm>
+            <a:off x="628076" y="1826093"/>
+            <a:ext cx="8704610" cy="3311805"/>
+          </a:xfrm>
+        </p:spPr>
+        <p:txBody>
+          <a:bodyPr>
+            <a:normAutofit fontScale="85000" lnSpcReduction="20000"/>
+          </a:bodyPr>
+          <a:lstStyle/>
+          <a:p>
+            <a:r>
+              <a:rPr lang="en-US" dirty="0"/>
+              <a:t>Make sure to attend the </a:t>
+            </a:r>
+            <a:r>
+              <a:rPr lang="en-US" b="1" dirty="0"/>
+              <a:t>help sessions and labs</a:t>
+            </a:r>
+            <a:r>
+              <a:rPr lang="en-US" dirty="0"/>
+              <a:t>! </a:t>
+            </a:r>
+          </a:p>
+          <a:p>
+            <a:r>
+              <a:rPr lang="en-US" dirty="0"/>
+              <a:t>Remaining Course Schedule</a:t>
+            </a:r>
+          </a:p>
+          <a:p>
+            <a:r>
+              <a:rPr lang="en-US" dirty="0"/>
+              <a:t>Wednesday, Friday – Final course topics</a:t>
+            </a:r>
+          </a:p>
+          <a:p>
+            <a:pPr lvl="1"/>
+            <a:r>
+              <a:rPr lang="en-US" dirty="0"/>
+              <a:t>Tuesday and Thursday – last labs (they help with CS 165!)</a:t>
+            </a:r>
+          </a:p>
+          <a:p>
+            <a:r>
+              <a:rPr lang="en-US" dirty="0"/>
+              <a:t>NEXT Week (week before finals)</a:t>
+            </a:r>
+          </a:p>
+          <a:p>
+            <a:pPr lvl="1"/>
+            <a:r>
+              <a:rPr lang="en-US" dirty="0"/>
+              <a:t>Monday, Wednesday – Review Lectures</a:t>
+            </a:r>
+          </a:p>
+          <a:p>
+            <a:pPr lvl="1"/>
+            <a:r>
+              <a:rPr lang="en-US" dirty="0"/>
+              <a:t>Friday – Early Take Option, Final Exam</a:t>
+            </a:r>
+          </a:p>
+          <a:p>
+            <a:pPr lvl="1"/>
+            <a:r>
+              <a:rPr lang="en-US" dirty="0"/>
+              <a:t>Help Desk Closes on the *due date* of the last assignment (not late window)</a:t>
+            </a:r>
+          </a:p>
+          <a:p>
+            <a:r>
+              <a:rPr lang="en-US" dirty="0"/>
+              <a:t>Finals Week</a:t>
+            </a:r>
+          </a:p>
+          <a:p>
+            <a:pPr lvl="1"/>
+            <a:r>
+              <a:rPr lang="en-US" dirty="0"/>
+              <a:t>Monday – early take option, and then scheduled exam time</a:t>
+            </a:r>
+          </a:p>
+          <a:p>
+            <a:pPr marL="230292" indent="0">
+              <a:buNone/>
+            </a:pPr>
+            <a:endParaRPr lang="en-US" dirty="0"/>
+          </a:p>
+        </p:txBody>
+      </p:sp>
+      <p:sp>
+        <p:nvSpPr>
+          <p:cNvPr id="6" name="TextBox 5">
+            <a:extLst>
+              <a:ext uri="{FF2B5EF4-FFF2-40B4-BE49-F238E27FC236}">
+                <a16:creationId xmlns:a16="http://schemas.microsoft.com/office/drawing/2014/main" id="{32A3B87A-BBC0-704B-AC99-3984206450D5}"/>
+              </a:ext>
+            </a:extLst>
+          </p:cNvPr>
+          <p:cNvSpPr txBox="1"/>
+          <p:nvPr/>
+        </p:nvSpPr>
+        <p:spPr>
+          <a:xfrm>
+            <a:off x="9634356" y="1660010"/>
+            <a:ext cx="3892958" cy="2875915"/>
+          </a:xfrm>
+          <a:prstGeom prst="rect">
+            <a:avLst/>
+          </a:prstGeom>
+          <a:noFill/>
+        </p:spPr>
+        <p:txBody>
+          <a:bodyPr wrap="square" rtlCol="0">
+            <a:spAutoFit/>
+          </a:bodyPr>
+          <a:lstStyle/>
+          <a:p>
+            <a:r>
+              <a:rPr lang="en-US" sz="3022" dirty="0" err="1"/>
+              <a:t>Todo</a:t>
+            </a:r>
+            <a:r>
+              <a:rPr lang="en-US" sz="3022" dirty="0"/>
+              <a:t>:</a:t>
+            </a:r>
+          </a:p>
+          <a:p>
+            <a:r>
+              <a:rPr lang="en-US" sz="3022" dirty="0"/>
+              <a:t>Labs this week </a:t>
+            </a:r>
+          </a:p>
+          <a:p>
+            <a:endParaRPr lang="en-US" sz="3022" dirty="0"/>
+          </a:p>
+          <a:p>
+            <a:r>
+              <a:rPr lang="en-US" sz="3022" dirty="0"/>
+              <a:t>Work on Practical 5</a:t>
+            </a:r>
+          </a:p>
+          <a:p>
+            <a:r>
+              <a:rPr lang="en-US" dirty="0"/>
+              <a:t>You should be 1/2 - 2/3 done</a:t>
+            </a:r>
+          </a:p>
+          <a:p>
+            <a:r>
+              <a:rPr lang="en-US" dirty="0"/>
+              <a:t>COME TO OFFICE HOURS </a:t>
+            </a:r>
+            <a:br>
+              <a:rPr lang="en-US" dirty="0"/>
+            </a:br>
+            <a:r>
+              <a:rPr lang="en-US" dirty="0"/>
+              <a:t>(if behind)</a:t>
+            </a:r>
+          </a:p>
+        </p:txBody>
+      </p:sp>
+      <p:sp>
+        <p:nvSpPr>
+          <p:cNvPr id="7" name="TextBox 6">
+            <a:extLst>
+              <a:ext uri="{FF2B5EF4-FFF2-40B4-BE49-F238E27FC236}">
+                <a16:creationId xmlns:a16="http://schemas.microsoft.com/office/drawing/2014/main" id="{BF16D510-BC74-4FA5-AFD2-193B039115A5}"/>
+              </a:ext>
+            </a:extLst>
+          </p:cNvPr>
+          <p:cNvSpPr txBox="1"/>
+          <p:nvPr/>
+        </p:nvSpPr>
+        <p:spPr>
+          <a:xfrm>
+            <a:off x="7228114" y="362857"/>
+            <a:ext cx="6125029" cy="707886"/>
+          </a:xfrm>
+          <a:prstGeom prst="rect">
+            <a:avLst/>
+          </a:prstGeom>
+          <a:solidFill>
+            <a:schemeClr val="accent2"/>
+          </a:solidFill>
+        </p:spPr>
+        <p:txBody>
+          <a:bodyPr wrap="square" rtlCol="0">
+            <a:spAutoFit/>
+          </a:bodyPr>
+          <a:lstStyle/>
+          <a:p>
+            <a:r>
+              <a:rPr lang="en-US" b="1" dirty="0"/>
+              <a:t>Opening Question: </a:t>
+            </a:r>
+          </a:p>
+          <a:p>
+            <a:r>
+              <a:rPr lang="en-US" dirty="0"/>
+              <a:t>How is your Practical 5?</a:t>
+            </a:r>
+          </a:p>
+        </p:txBody>
+      </p:sp>
+      <p:sp>
+        <p:nvSpPr>
+          <p:cNvPr id="8" name="TextBox 7">
+            <a:extLst>
+              <a:ext uri="{FF2B5EF4-FFF2-40B4-BE49-F238E27FC236}">
+                <a16:creationId xmlns:a16="http://schemas.microsoft.com/office/drawing/2014/main" id="{BAB4692C-71C9-4BC4-AAC6-FCD7E7C27E03}"/>
+              </a:ext>
+            </a:extLst>
+          </p:cNvPr>
+          <p:cNvSpPr txBox="1"/>
+          <p:nvPr/>
+        </p:nvSpPr>
+        <p:spPr>
+          <a:xfrm>
+            <a:off x="1469903" y="5591807"/>
+            <a:ext cx="12057411" cy="1754326"/>
+          </a:xfrm>
+          <a:prstGeom prst="rect">
+            <a:avLst/>
+          </a:prstGeom>
+          <a:noFill/>
+          <a:ln>
+            <a:solidFill>
+              <a:schemeClr val="accent5"/>
+            </a:solidFill>
+          </a:ln>
+        </p:spPr>
+        <p:txBody>
+          <a:bodyPr wrap="square">
+            <a:spAutoFit/>
+          </a:bodyPr>
+          <a:lstStyle/>
+          <a:p>
+            <a:r>
+              <a:rPr lang="en-US" sz="1800" dirty="0"/>
+              <a:t>CS 165 – Next Course In Sequence (also 201 is popular with 165)</a:t>
+            </a:r>
+          </a:p>
+          <a:p>
+            <a:pPr marL="342900" indent="-342900">
+              <a:buFont typeface="Arial" panose="020B0604020202020204" pitchFamily="34" charset="0"/>
+              <a:buChar char="•"/>
+            </a:pPr>
+            <a:r>
+              <a:rPr lang="en-US" sz="1800" dirty="0"/>
+              <a:t>CO Jobs Report 2021 – 77% of *all* new jobs in Colorado require programming</a:t>
+            </a:r>
+          </a:p>
+          <a:p>
+            <a:pPr marL="342900" indent="-342900">
+              <a:buFont typeface="Arial" panose="020B0604020202020204" pitchFamily="34" charset="0"/>
+              <a:buChar char="•"/>
+            </a:pPr>
+            <a:r>
+              <a:rPr lang="en-US" sz="1800" dirty="0"/>
+              <a:t>60% of all STEM jobs requires *advanced* (200-300 level) </a:t>
+            </a:r>
+          </a:p>
+          <a:p>
+            <a:pPr marL="342900" indent="-342900">
+              <a:buFont typeface="Arial" panose="020B0604020202020204" pitchFamily="34" charset="0"/>
+              <a:buChar char="•"/>
+            </a:pPr>
+            <a:r>
+              <a:rPr lang="en-US" sz="1800" dirty="0"/>
+              <a:t>31% of all Bachelor of Arts degree titled jobs also required coding skills </a:t>
+            </a:r>
+          </a:p>
+          <a:p>
+            <a:pPr marL="342900" indent="-342900">
+              <a:buFont typeface="Arial" panose="020B0604020202020204" pitchFamily="34" charset="0"/>
+              <a:buChar char="•"/>
+            </a:pPr>
+            <a:r>
+              <a:rPr lang="en-US" sz="1800" dirty="0"/>
+              <a:t>2016 Report found on average jobs that require coding skills paid $22,000 more</a:t>
+            </a:r>
+          </a:p>
+          <a:p>
+            <a:pPr marL="342900" indent="-342900">
+              <a:buFont typeface="Arial" panose="020B0604020202020204" pitchFamily="34" charset="0"/>
+              <a:buChar char="•"/>
+            </a:pPr>
+            <a:r>
+              <a:rPr lang="en-US" sz="1800" dirty="0"/>
+              <a:t>Math and Stats majors, at least consider CS 220 (Discrete Structures) – substitutes in your program requirements</a:t>
+            </a:r>
+          </a:p>
+        </p:txBody>
+      </p:sp>
+    </p:spTree>
+    <p:extLst>
+      <p:ext uri="{BB962C8B-B14F-4D97-AF65-F5344CB8AC3E}">
+        <p14:creationId xmlns:p14="http://schemas.microsoft.com/office/powerpoint/2010/main" val="926474781"/>
+      </p:ext>
+    </p:extLst>
+  </p:cSld>
+  <p:clrMapOvr>
+    <a:masterClrMapping/>
+  </p:clrMapOvr>
+  <p:transition>
+    <p:fade/>
+  </p:transition>
+</p:sld>
+</file>
+
+<file path=ppt/slides/slide3.xml><?xml version="1.0" encoding="utf-8"?>
 <p:sld xmlns:a="http://schemas.openxmlformats.org/drawingml/2006/main" xmlns:r="http://schemas.openxmlformats.org/officeDocument/2006/relationships" xmlns:p="http://schemas.openxmlformats.org/presentationml/2006/main">
   <p:cSld>
     <p:spTree>
@@ -8438,7 +12397,7 @@
         <p:spPr>
           <a:xfrm>
             <a:off x="2253511" y="4724176"/>
-            <a:ext cx="7912112" cy="954107"/>
+            <a:ext cx="7912112" cy="1384995"/>
           </a:xfrm>
           <a:prstGeom prst="rect">
             <a:avLst/>
@@ -8495,6 +12454,453 @@
                 <a:cs typeface="Consolas" panose="020B0609020204030204" pitchFamily="49" charset="0"/>
               </a:rPr>
               <a:t>) {</a:t>
+            </a:r>
+          </a:p>
+          <a:p>
+            <a:r>
+              <a:rPr lang="en-US" sz="1400" dirty="0">
+                <a:latin typeface="Consolas" panose="020B0609020204030204" pitchFamily="49" charset="0"/>
+                <a:cs typeface="Consolas" panose="020B0609020204030204" pitchFamily="49" charset="0"/>
+              </a:rPr>
+              <a:t>    </a:t>
+            </a:r>
+            <a:r>
+              <a:rPr lang="en-US" sz="1400" dirty="0" err="1">
+                <a:latin typeface="Consolas" panose="020B0609020204030204" pitchFamily="49" charset="0"/>
+                <a:cs typeface="Consolas" panose="020B0609020204030204" pitchFamily="49" charset="0"/>
+              </a:rPr>
+              <a:t>System.</a:t>
+            </a:r>
+            <a:r>
+              <a:rPr lang="en-US" sz="1400" i="1" dirty="0" err="1">
+                <a:solidFill>
+                  <a:srgbClr val="9876AA"/>
+                </a:solidFill>
+                <a:latin typeface="Consolas" panose="020B0609020204030204" pitchFamily="49" charset="0"/>
+                <a:cs typeface="Consolas" panose="020B0609020204030204" pitchFamily="49" charset="0"/>
+              </a:rPr>
+              <a:t>out</a:t>
+            </a:r>
+            <a:r>
+              <a:rPr lang="en-US" sz="1400" dirty="0" err="1">
+                <a:latin typeface="Consolas" panose="020B0609020204030204" pitchFamily="49" charset="0"/>
+                <a:cs typeface="Consolas" panose="020B0609020204030204" pitchFamily="49" charset="0"/>
+              </a:rPr>
+              <a:t>.println</a:t>
+            </a:r>
+            <a:r>
+              <a:rPr lang="en-US" sz="1400" dirty="0">
+                <a:latin typeface="Consolas" panose="020B0609020204030204" pitchFamily="49" charset="0"/>
+                <a:cs typeface="Consolas" panose="020B0609020204030204" pitchFamily="49" charset="0"/>
+              </a:rPr>
+              <a:t>(</a:t>
+            </a:r>
+            <a:r>
+              <a:rPr lang="en-US" sz="1400" i="1" dirty="0" err="1">
+                <a:latin typeface="Consolas" panose="020B0609020204030204" pitchFamily="49" charset="0"/>
+                <a:cs typeface="Consolas" panose="020B0609020204030204" pitchFamily="49" charset="0"/>
+              </a:rPr>
+              <a:t>linearSearch</a:t>
+            </a:r>
+            <a:r>
+              <a:rPr lang="en-US" sz="1400" dirty="0">
+                <a:latin typeface="Consolas" panose="020B0609020204030204" pitchFamily="49" charset="0"/>
+                <a:cs typeface="Consolas" panose="020B0609020204030204" pitchFamily="49" charset="0"/>
+              </a:rPr>
+              <a:t>(</a:t>
+            </a:r>
+            <a:r>
+              <a:rPr lang="en-US" sz="1400" dirty="0">
+                <a:solidFill>
+                  <a:srgbClr val="6A8759"/>
+                </a:solidFill>
+                <a:latin typeface="Consolas" panose="020B0609020204030204" pitchFamily="49" charset="0"/>
+                <a:cs typeface="Consolas" panose="020B0609020204030204" pitchFamily="49" charset="0"/>
+              </a:rPr>
+              <a:t>‘</a:t>
+            </a:r>
+            <a:r>
+              <a:rPr lang="en-US" sz="1400" dirty="0" err="1">
+                <a:solidFill>
+                  <a:srgbClr val="6A8759"/>
+                </a:solidFill>
+                <a:latin typeface="Consolas" panose="020B0609020204030204" pitchFamily="49" charset="0"/>
+                <a:cs typeface="Consolas" panose="020B0609020204030204" pitchFamily="49" charset="0"/>
+              </a:rPr>
+              <a:t>i</a:t>
+            </a:r>
+            <a:r>
+              <a:rPr lang="en-US" sz="1400" dirty="0">
+                <a:solidFill>
+                  <a:srgbClr val="6A8759"/>
+                </a:solidFill>
+                <a:latin typeface="Consolas" panose="020B0609020204030204" pitchFamily="49" charset="0"/>
+                <a:cs typeface="Consolas" panose="020B0609020204030204" pitchFamily="49" charset="0"/>
+              </a:rPr>
+              <a:t>'</a:t>
+            </a:r>
+            <a:r>
+              <a:rPr lang="en-US" sz="1400" dirty="0">
+                <a:solidFill>
+                  <a:srgbClr val="CC7832"/>
+                </a:solidFill>
+                <a:latin typeface="Consolas" panose="020B0609020204030204" pitchFamily="49" charset="0"/>
+                <a:cs typeface="Consolas" panose="020B0609020204030204" pitchFamily="49" charset="0"/>
+              </a:rPr>
+              <a:t>,</a:t>
+            </a:r>
+            <a:br>
+              <a:rPr lang="en-US" sz="1400" dirty="0">
+                <a:solidFill>
+                  <a:srgbClr val="CC7832"/>
+                </a:solidFill>
+                <a:latin typeface="Consolas" panose="020B0609020204030204" pitchFamily="49" charset="0"/>
+                <a:cs typeface="Consolas" panose="020B0609020204030204" pitchFamily="49" charset="0"/>
+              </a:rPr>
+            </a:br>
+            <a:r>
+              <a:rPr lang="en-US" sz="1400" dirty="0">
+                <a:solidFill>
+                  <a:srgbClr val="CC7832"/>
+                </a:solidFill>
+                <a:latin typeface="Consolas" panose="020B0609020204030204" pitchFamily="49" charset="0"/>
+                <a:cs typeface="Consolas" panose="020B0609020204030204" pitchFamily="49" charset="0"/>
+              </a:rPr>
+              <a:t>            new char</a:t>
+            </a:r>
+            <a:r>
+              <a:rPr lang="en-US" sz="1400" dirty="0">
+                <a:latin typeface="Consolas" panose="020B0609020204030204" pitchFamily="49" charset="0"/>
+                <a:cs typeface="Consolas" panose="020B0609020204030204" pitchFamily="49" charset="0"/>
+              </a:rPr>
+              <a:t>[]{</a:t>
+            </a:r>
+            <a:r>
+              <a:rPr lang="en-US" sz="1400" dirty="0">
+                <a:solidFill>
+                  <a:srgbClr val="6A8759"/>
+                </a:solidFill>
+                <a:latin typeface="Consolas" panose="020B0609020204030204" pitchFamily="49" charset="0"/>
+                <a:cs typeface="Consolas" panose="020B0609020204030204" pitchFamily="49" charset="0"/>
+              </a:rPr>
+              <a:t>'k'</a:t>
+            </a:r>
+            <a:r>
+              <a:rPr lang="en-US" sz="1400" dirty="0">
+                <a:solidFill>
+                  <a:srgbClr val="CC7832"/>
+                </a:solidFill>
+                <a:latin typeface="Consolas" panose="020B0609020204030204" pitchFamily="49" charset="0"/>
+                <a:cs typeface="Consolas" panose="020B0609020204030204" pitchFamily="49" charset="0"/>
+              </a:rPr>
+              <a:t>, </a:t>
+            </a:r>
+            <a:r>
+              <a:rPr lang="en-US" sz="1400" dirty="0">
+                <a:solidFill>
+                  <a:srgbClr val="6A8759"/>
+                </a:solidFill>
+                <a:latin typeface="Consolas" panose="020B0609020204030204" pitchFamily="49" charset="0"/>
+                <a:cs typeface="Consolas" panose="020B0609020204030204" pitchFamily="49" charset="0"/>
+              </a:rPr>
+              <a:t>'</a:t>
+            </a:r>
+            <a:r>
+              <a:rPr lang="en-US" sz="1400" dirty="0" err="1">
+                <a:solidFill>
+                  <a:srgbClr val="6A8759"/>
+                </a:solidFill>
+                <a:latin typeface="Consolas" panose="020B0609020204030204" pitchFamily="49" charset="0"/>
+                <a:cs typeface="Consolas" panose="020B0609020204030204" pitchFamily="49" charset="0"/>
+              </a:rPr>
+              <a:t>i</a:t>
+            </a:r>
+            <a:r>
+              <a:rPr lang="en-US" sz="1400" dirty="0">
+                <a:solidFill>
+                  <a:srgbClr val="6A8759"/>
+                </a:solidFill>
+                <a:latin typeface="Consolas" panose="020B0609020204030204" pitchFamily="49" charset="0"/>
+                <a:cs typeface="Consolas" panose="020B0609020204030204" pitchFamily="49" charset="0"/>
+              </a:rPr>
+              <a:t>'</a:t>
+            </a:r>
+            <a:r>
+              <a:rPr lang="en-US" sz="1400" dirty="0">
+                <a:solidFill>
+                  <a:srgbClr val="CC7832"/>
+                </a:solidFill>
+                <a:latin typeface="Consolas" panose="020B0609020204030204" pitchFamily="49" charset="0"/>
+                <a:cs typeface="Consolas" panose="020B0609020204030204" pitchFamily="49" charset="0"/>
+              </a:rPr>
+              <a:t>,</a:t>
+            </a:r>
+            <a:r>
+              <a:rPr lang="en-US" sz="1400" dirty="0">
+                <a:solidFill>
+                  <a:srgbClr val="6A8759"/>
+                </a:solidFill>
+                <a:latin typeface="Consolas" panose="020B0609020204030204" pitchFamily="49" charset="0"/>
+                <a:cs typeface="Consolas" panose="020B0609020204030204" pitchFamily="49" charset="0"/>
+              </a:rPr>
+              <a:t>'</a:t>
+            </a:r>
+            <a:r>
+              <a:rPr lang="en-US" sz="1400" dirty="0" err="1">
+                <a:solidFill>
+                  <a:srgbClr val="6A8759"/>
+                </a:solidFill>
+                <a:latin typeface="Consolas" panose="020B0609020204030204" pitchFamily="49" charset="0"/>
+                <a:cs typeface="Consolas" panose="020B0609020204030204" pitchFamily="49" charset="0"/>
+              </a:rPr>
+              <a:t>n'</a:t>
+            </a:r>
+            <a:r>
+              <a:rPr lang="en-US" sz="1400" dirty="0" err="1">
+                <a:solidFill>
+                  <a:srgbClr val="CC7832"/>
+                </a:solidFill>
+                <a:latin typeface="Consolas" panose="020B0609020204030204" pitchFamily="49" charset="0"/>
+                <a:cs typeface="Consolas" panose="020B0609020204030204" pitchFamily="49" charset="0"/>
+              </a:rPr>
+              <a:t>,</a:t>
+            </a:r>
+            <a:r>
+              <a:rPr lang="en-US" sz="1400" dirty="0" err="1">
+                <a:solidFill>
+                  <a:srgbClr val="6A8759"/>
+                </a:solidFill>
+                <a:latin typeface="Consolas" panose="020B0609020204030204" pitchFamily="49" charset="0"/>
+                <a:cs typeface="Consolas" panose="020B0609020204030204" pitchFamily="49" charset="0"/>
+              </a:rPr>
+              <a:t>'n</a:t>
+            </a:r>
+            <a:r>
+              <a:rPr lang="en-US" sz="1400" dirty="0">
+                <a:solidFill>
+                  <a:srgbClr val="6A8759"/>
+                </a:solidFill>
+                <a:latin typeface="Consolas" panose="020B0609020204030204" pitchFamily="49" charset="0"/>
+                <a:cs typeface="Consolas" panose="020B0609020204030204" pitchFamily="49" charset="0"/>
+              </a:rPr>
+              <a:t>'</a:t>
+            </a:r>
+            <a:r>
+              <a:rPr lang="en-US" sz="1400" dirty="0">
+                <a:solidFill>
+                  <a:srgbClr val="CC7832"/>
+                </a:solidFill>
+                <a:latin typeface="Consolas" panose="020B0609020204030204" pitchFamily="49" charset="0"/>
+                <a:cs typeface="Consolas" panose="020B0609020204030204" pitchFamily="49" charset="0"/>
+              </a:rPr>
+              <a:t>, </a:t>
+            </a:r>
+            <a:r>
+              <a:rPr lang="en-US" sz="1400" dirty="0">
+                <a:solidFill>
+                  <a:srgbClr val="6A8759"/>
+                </a:solidFill>
+                <a:latin typeface="Consolas" panose="020B0609020204030204" pitchFamily="49" charset="0"/>
+                <a:cs typeface="Consolas" panose="020B0609020204030204" pitchFamily="49" charset="0"/>
+              </a:rPr>
+              <a:t>'</a:t>
+            </a:r>
+            <a:r>
+              <a:rPr lang="en-US" sz="1400" dirty="0" err="1">
+                <a:solidFill>
+                  <a:srgbClr val="6A8759"/>
+                </a:solidFill>
+                <a:latin typeface="Consolas" panose="020B0609020204030204" pitchFamily="49" charset="0"/>
+                <a:cs typeface="Consolas" panose="020B0609020204030204" pitchFamily="49" charset="0"/>
+              </a:rPr>
+              <a:t>i</a:t>
+            </a:r>
+            <a:r>
+              <a:rPr lang="en-US" sz="1400" dirty="0">
+                <a:solidFill>
+                  <a:srgbClr val="6A8759"/>
+                </a:solidFill>
+                <a:latin typeface="Consolas" panose="020B0609020204030204" pitchFamily="49" charset="0"/>
+                <a:cs typeface="Consolas" panose="020B0609020204030204" pitchFamily="49" charset="0"/>
+              </a:rPr>
+              <a:t>'</a:t>
+            </a:r>
+            <a:r>
+              <a:rPr lang="en-US" sz="1400" dirty="0">
+                <a:solidFill>
+                  <a:srgbClr val="CC7832"/>
+                </a:solidFill>
+                <a:latin typeface="Consolas" panose="020B0609020204030204" pitchFamily="49" charset="0"/>
+                <a:cs typeface="Consolas" panose="020B0609020204030204" pitchFamily="49" charset="0"/>
+              </a:rPr>
+              <a:t>, </a:t>
+            </a:r>
+            <a:r>
+              <a:rPr lang="en-US" sz="1400" dirty="0">
+                <a:solidFill>
+                  <a:srgbClr val="6A8759"/>
+                </a:solidFill>
+                <a:latin typeface="Consolas" panose="020B0609020204030204" pitchFamily="49" charset="0"/>
+                <a:cs typeface="Consolas" panose="020B0609020204030204" pitchFamily="49" charset="0"/>
+              </a:rPr>
+              <a:t>'k'</a:t>
+            </a:r>
+            <a:r>
+              <a:rPr lang="en-US" sz="1400" dirty="0">
+                <a:solidFill>
+                  <a:srgbClr val="CC7832"/>
+                </a:solidFill>
+                <a:latin typeface="Consolas" panose="020B0609020204030204" pitchFamily="49" charset="0"/>
+                <a:cs typeface="Consolas" panose="020B0609020204030204" pitchFamily="49" charset="0"/>
+              </a:rPr>
+              <a:t>, </a:t>
+            </a:r>
+            <a:r>
+              <a:rPr lang="en-US" sz="1400" dirty="0">
+                <a:solidFill>
+                  <a:srgbClr val="6A8759"/>
+                </a:solidFill>
+                <a:latin typeface="Consolas" panose="020B0609020204030204" pitchFamily="49" charset="0"/>
+                <a:cs typeface="Consolas" panose="020B0609020204030204" pitchFamily="49" charset="0"/>
+              </a:rPr>
+              <a:t>'</a:t>
+            </a:r>
+            <a:r>
+              <a:rPr lang="en-US" sz="1400" dirty="0" err="1">
+                <a:solidFill>
+                  <a:srgbClr val="6A8759"/>
+                </a:solidFill>
+                <a:latin typeface="Consolas" panose="020B0609020204030204" pitchFamily="49" charset="0"/>
+                <a:cs typeface="Consolas" panose="020B0609020204030204" pitchFamily="49" charset="0"/>
+              </a:rPr>
+              <a:t>i</a:t>
+            </a:r>
+            <a:r>
+              <a:rPr lang="en-US" sz="1400" dirty="0">
+                <a:solidFill>
+                  <a:srgbClr val="6A8759"/>
+                </a:solidFill>
+                <a:latin typeface="Consolas" panose="020B0609020204030204" pitchFamily="49" charset="0"/>
+                <a:cs typeface="Consolas" panose="020B0609020204030204" pitchFamily="49" charset="0"/>
+              </a:rPr>
+              <a:t>'</a:t>
+            </a:r>
+            <a:r>
+              <a:rPr lang="en-US" sz="1400" dirty="0">
+                <a:solidFill>
+                  <a:srgbClr val="CC7832"/>
+                </a:solidFill>
+                <a:latin typeface="Consolas" panose="020B0609020204030204" pitchFamily="49" charset="0"/>
+                <a:cs typeface="Consolas" panose="020B0609020204030204" pitchFamily="49" charset="0"/>
+              </a:rPr>
+              <a:t>, </a:t>
+            </a:r>
+            <a:r>
+              <a:rPr lang="en-US" sz="1400" dirty="0">
+                <a:solidFill>
+                  <a:srgbClr val="6A8759"/>
+                </a:solidFill>
+                <a:latin typeface="Consolas" panose="020B0609020204030204" pitchFamily="49" charset="0"/>
+                <a:cs typeface="Consolas" panose="020B0609020204030204" pitchFamily="49" charset="0"/>
+              </a:rPr>
+              <a:t>'n'</a:t>
+            </a:r>
+            <a:r>
+              <a:rPr lang="en-US" sz="1400" dirty="0">
+                <a:solidFill>
+                  <a:srgbClr val="CC7832"/>
+                </a:solidFill>
+                <a:latin typeface="Consolas" panose="020B0609020204030204" pitchFamily="49" charset="0"/>
+                <a:cs typeface="Consolas" panose="020B0609020204030204" pitchFamily="49" charset="0"/>
+              </a:rPr>
+              <a:t>, </a:t>
+            </a:r>
+            <a:r>
+              <a:rPr lang="en-US" sz="1400" dirty="0">
+                <a:solidFill>
+                  <a:srgbClr val="6A8759"/>
+                </a:solidFill>
+                <a:latin typeface="Consolas" panose="020B0609020204030204" pitchFamily="49" charset="0"/>
+                <a:cs typeface="Consolas" panose="020B0609020204030204" pitchFamily="49" charset="0"/>
+              </a:rPr>
+              <a:t>'n'</a:t>
+            </a:r>
+            <a:r>
+              <a:rPr lang="en-US" sz="1400" dirty="0">
+                <a:solidFill>
+                  <a:srgbClr val="CC7832"/>
+                </a:solidFill>
+                <a:latin typeface="Consolas" panose="020B0609020204030204" pitchFamily="49" charset="0"/>
+                <a:cs typeface="Consolas" panose="020B0609020204030204" pitchFamily="49" charset="0"/>
+              </a:rPr>
+              <a:t>, </a:t>
+            </a:r>
+            <a:r>
+              <a:rPr lang="en-US" sz="1400" dirty="0">
+                <a:solidFill>
+                  <a:srgbClr val="6A8759"/>
+                </a:solidFill>
+                <a:latin typeface="Consolas" panose="020B0609020204030204" pitchFamily="49" charset="0"/>
+                <a:cs typeface="Consolas" panose="020B0609020204030204" pitchFamily="49" charset="0"/>
+              </a:rPr>
+              <a:t>'</a:t>
+            </a:r>
+            <a:r>
+              <a:rPr lang="en-US" sz="1400" dirty="0" err="1">
+                <a:solidFill>
+                  <a:srgbClr val="6A8759"/>
+                </a:solidFill>
+                <a:latin typeface="Consolas" panose="020B0609020204030204" pitchFamily="49" charset="0"/>
+                <a:cs typeface="Consolas" panose="020B0609020204030204" pitchFamily="49" charset="0"/>
+              </a:rPr>
+              <a:t>i</a:t>
+            </a:r>
+            <a:r>
+              <a:rPr lang="en-US" sz="1400" dirty="0">
+                <a:solidFill>
+                  <a:srgbClr val="6A8759"/>
+                </a:solidFill>
+                <a:latin typeface="Consolas" panose="020B0609020204030204" pitchFamily="49" charset="0"/>
+                <a:cs typeface="Consolas" panose="020B0609020204030204" pitchFamily="49" charset="0"/>
+              </a:rPr>
+              <a:t>'</a:t>
+            </a:r>
+            <a:r>
+              <a:rPr lang="en-US" sz="1400" dirty="0">
+                <a:solidFill>
+                  <a:srgbClr val="CC7832"/>
+                </a:solidFill>
+                <a:latin typeface="Consolas" panose="020B0609020204030204" pitchFamily="49" charset="0"/>
+                <a:cs typeface="Consolas" panose="020B0609020204030204" pitchFamily="49" charset="0"/>
+              </a:rPr>
+              <a:t>, </a:t>
+            </a:r>
+            <a:r>
+              <a:rPr lang="en-US" sz="1400" dirty="0">
+                <a:solidFill>
+                  <a:srgbClr val="6A8759"/>
+                </a:solidFill>
+                <a:latin typeface="Consolas" panose="020B0609020204030204" pitchFamily="49" charset="0"/>
+                <a:cs typeface="Consolas" panose="020B0609020204030204" pitchFamily="49" charset="0"/>
+              </a:rPr>
+              <a:t>'k'</a:t>
+            </a:r>
+            <a:r>
+              <a:rPr lang="en-US" sz="1400" dirty="0">
+                <a:latin typeface="Consolas" panose="020B0609020204030204" pitchFamily="49" charset="0"/>
+                <a:cs typeface="Consolas" panose="020B0609020204030204" pitchFamily="49" charset="0"/>
+              </a:rPr>
+              <a:t>}))</a:t>
+            </a:r>
+            <a:r>
+              <a:rPr lang="en-US" sz="1400" dirty="0">
+                <a:solidFill>
+                  <a:srgbClr val="CC7832"/>
+                </a:solidFill>
+                <a:latin typeface="Consolas" panose="020B0609020204030204" pitchFamily="49" charset="0"/>
+                <a:cs typeface="Consolas" panose="020B0609020204030204" pitchFamily="49" charset="0"/>
+              </a:rPr>
+              <a:t>;</a:t>
             </a:r>
             <a:br>
               <a:rPr lang="en-US" sz="1400" dirty="0">
@@ -9119,15 +13525,10 @@
                             </p:stCondLst>
                             <p:childTnLst>
                               <p:par>
-                                <p:cTn id="10" presetID="9" presetClass="entr" presetSubtype="0" fill="hold" grpId="0" nodeType="clickEffect" nodePh="1">
+                                <p:cTn id="10" presetID="9" presetClass="entr" presetSubtype="0" fill="hold" grpId="0" nodeType="clickEffect">
                                   <p:stCondLst>
                                     <p:cond delay="0"/>
                                   </p:stCondLst>
-                                  <p:endCondLst>
-                                    <p:cond evt="begin" delay="0">
-                                      <p:tn val="10"/>
-                                    </p:cond>
-                                  </p:endCondLst>
                                   <p:childTnLst>
                                     <p:set>
                                       <p:cBhvr>
@@ -9212,15 +13613,10 @@
                             </p:stCondLst>
                             <p:childTnLst>
                               <p:par>
-                                <p:cTn id="18" presetID="9" presetClass="entr" presetSubtype="0" fill="hold" grpId="0" nodeType="afterEffect" nodePh="1">
+                                <p:cTn id="18" presetID="9" presetClass="entr" presetSubtype="0" fill="hold" grpId="0" nodeType="afterEffect">
                                   <p:stCondLst>
                                     <p:cond delay="0"/>
                                   </p:stCondLst>
-                                  <p:endCondLst>
-                                    <p:cond evt="begin" delay="0">
-                                      <p:tn val="18"/>
-                                    </p:cond>
-                                  </p:endCondLst>
                                   <p:childTnLst>
                                     <p:set>
                                       <p:cBhvr>
@@ -9727,15 +14123,10 @@
                             </p:stCondLst>
                             <p:childTnLst>
                               <p:par>
-                                <p:cTn id="64" presetID="9" presetClass="entr" presetSubtype="0" fill="hold" grpId="0" nodeType="afterEffect" nodePh="1">
+                                <p:cTn id="64" presetID="9" presetClass="entr" presetSubtype="0" fill="hold" grpId="0" nodeType="afterEffect">
                                   <p:stCondLst>
                                     <p:cond delay="0"/>
                                   </p:stCondLst>
-                                  <p:endCondLst>
-                                    <p:cond evt="begin" delay="0">
-                                      <p:tn val="64"/>
-                                    </p:cond>
-                                  </p:endCondLst>
                                   <p:childTnLst>
                                     <p:set>
                                       <p:cBhvr>
@@ -9958,7 +14349,7 @@
 </p:sld>
 </file>
 
-<file path=ppt/slides/slide3.xml><?xml version="1.0" encoding="utf-8"?>
+<file path=ppt/slides/slide4.xml><?xml version="1.0" encoding="utf-8"?>
 <p:sld xmlns:a="http://schemas.openxmlformats.org/drawingml/2006/main" xmlns:r="http://schemas.openxmlformats.org/officeDocument/2006/relationships" xmlns:p="http://schemas.openxmlformats.org/presentationml/2006/main">
   <p:cSld>
     <p:spTree>
@@ -11454,7 +15845,7 @@
 </p:sld>
 </file>
 
-<file path=ppt/slides/slide4.xml><?xml version="1.0" encoding="utf-8"?>
+<file path=ppt/slides/slide5.xml><?xml version="1.0" encoding="utf-8"?>
 <p:sld xmlns:a="http://schemas.openxmlformats.org/drawingml/2006/main" xmlns:r="http://schemas.openxmlformats.org/officeDocument/2006/relationships" xmlns:p="http://schemas.openxmlformats.org/presentationml/2006/main">
   <p:cSld>
     <p:spTree>
@@ -12637,7 +17028,7 @@
 </p:sld>
 </file>
 
-<file path=ppt/slides/slide5.xml><?xml version="1.0" encoding="utf-8"?>
+<file path=ppt/slides/slide6.xml><?xml version="1.0" encoding="utf-8"?>
 <p:sld xmlns:a="http://schemas.openxmlformats.org/drawingml/2006/main" xmlns:r="http://schemas.openxmlformats.org/officeDocument/2006/relationships" xmlns:p="http://schemas.openxmlformats.org/presentationml/2006/main">
   <p:cSld>
     <p:spTree>
@@ -13771,7 +18162,7 @@
 </p:sld>
 </file>
 
-<file path=ppt/slides/slide6.xml><?xml version="1.0" encoding="utf-8"?>
+<file path=ppt/slides/slide7.xml><?xml version="1.0" encoding="utf-8"?>
 <p:sld xmlns:a="http://schemas.openxmlformats.org/drawingml/2006/main" xmlns:r="http://schemas.openxmlformats.org/officeDocument/2006/relationships" xmlns:p="http://schemas.openxmlformats.org/presentationml/2006/main">
   <p:cSld>
     <p:spTree>
@@ -13950,6 +18341,2554 @@
     <p:extLst>
       <p:ext uri="{BB962C8B-B14F-4D97-AF65-F5344CB8AC3E}">
         <p14:creationId xmlns:p14="http://schemas.microsoft.com/office/powerpoint/2010/main" val="2059576891"/>
+      </p:ext>
+    </p:extLst>
+  </p:cSld>
+  <p:clrMapOvr>
+    <a:masterClrMapping/>
+  </p:clrMapOvr>
+  <mc:AlternateContent xmlns:mc="http://schemas.openxmlformats.org/markup-compatibility/2006" xmlns:p14="http://schemas.microsoft.com/office/powerpoint/2010/main">
+    <mc:Choice Requires="p14">
+      <p:transition p14:dur="300">
+        <p:fade/>
+      </p:transition>
+    </mc:Choice>
+    <mc:Fallback xmlns="">
+      <p:transition>
+        <p:fade/>
+      </p:transition>
+    </mc:Fallback>
+  </mc:AlternateContent>
+</p:sld>
+</file>
+
+<file path=ppt/slides/slide8.xml><?xml version="1.0" encoding="utf-8"?>
+<p:sld xmlns:a="http://schemas.openxmlformats.org/drawingml/2006/main" xmlns:r="http://schemas.openxmlformats.org/officeDocument/2006/relationships" xmlns:p="http://schemas.openxmlformats.org/presentationml/2006/main">
+  <p:cSld>
+    <p:spTree>
+      <p:nvGrpSpPr>
+        <p:cNvPr id="1" name=""/>
+        <p:cNvGrpSpPr/>
+        <p:nvPr/>
+      </p:nvGrpSpPr>
+      <p:grpSpPr>
+        <a:xfrm>
+          <a:off x="0" y="0"/>
+          <a:ext cx="0" cy="0"/>
+          <a:chOff x="0" y="0"/>
+          <a:chExt cx="0" cy="0"/>
+        </a:xfrm>
+      </p:grpSpPr>
+      <p:sp>
+        <p:nvSpPr>
+          <p:cNvPr id="2" name="Title 1">
+            <a:extLst>
+              <a:ext uri="{FF2B5EF4-FFF2-40B4-BE49-F238E27FC236}">
+                <a16:creationId xmlns:a16="http://schemas.microsoft.com/office/drawing/2014/main" id="{0EA0677C-5E9D-BA45-B9ED-0DB234643271}"/>
+              </a:ext>
+            </a:extLst>
+          </p:cNvPr>
+          <p:cNvSpPr>
+            <a:spLocks noGrp="1"/>
+          </p:cNvSpPr>
+          <p:nvPr>
+            <p:ph type="title"/>
+          </p:nvPr>
+        </p:nvSpPr>
+        <p:spPr/>
+        <p:txBody>
+          <a:bodyPr/>
+          <a:lstStyle/>
+          <a:p>
+            <a:r>
+              <a:rPr lang="en-US" dirty="0"/>
+              <a:t>Practice using sort from Collections</a:t>
+            </a:r>
+          </a:p>
+        </p:txBody>
+      </p:sp>
+      <p:sp>
+        <p:nvSpPr>
+          <p:cNvPr id="5" name="Text Placeholder 4">
+            <a:extLst>
+              <a:ext uri="{FF2B5EF4-FFF2-40B4-BE49-F238E27FC236}">
+                <a16:creationId xmlns:a16="http://schemas.microsoft.com/office/drawing/2014/main" id="{0A6AD85F-6D71-420D-9CF4-AFEA9B4374F9}"/>
+              </a:ext>
+            </a:extLst>
+          </p:cNvPr>
+          <p:cNvSpPr>
+            <a:spLocks noGrp="1"/>
+          </p:cNvSpPr>
+          <p:nvPr>
+            <p:ph type="body" sz="quarter" idx="10"/>
+          </p:nvPr>
+        </p:nvSpPr>
+        <p:spPr>
+          <a:xfrm>
+            <a:off x="479220" y="1500415"/>
+            <a:ext cx="11567468" cy="1300099"/>
+          </a:xfrm>
+        </p:spPr>
+        <p:txBody>
+          <a:bodyPr/>
+          <a:lstStyle/>
+          <a:p>
+            <a:r>
+              <a:rPr lang="en-US" dirty="0"/>
+              <a:t>Implement a list of Countries that can be ordered either by their area or name. If the class attribute </a:t>
+            </a:r>
+            <a:r>
+              <a:rPr lang="en-US" dirty="0" err="1"/>
+              <a:t>compareData</a:t>
+            </a:r>
+            <a:r>
+              <a:rPr lang="en-US" dirty="0"/>
+              <a:t> is true, the comparison will be occur by name. If it is false the comparison will be by area.</a:t>
+            </a:r>
+          </a:p>
+          <a:p>
+            <a:r>
+              <a:rPr lang="en-US" dirty="0"/>
+              <a:t>Need to implement interface Comparable and the method </a:t>
+            </a:r>
+            <a:r>
+              <a:rPr lang="en-US" dirty="0" err="1"/>
+              <a:t>compareTo</a:t>
+            </a:r>
+            <a:r>
+              <a:rPr lang="en-US" dirty="0"/>
+              <a:t>.</a:t>
+            </a:r>
+          </a:p>
+        </p:txBody>
+      </p:sp>
+      <p:grpSp>
+        <p:nvGrpSpPr>
+          <p:cNvPr id="3" name="Group 2">
+            <a:extLst>
+              <a:ext uri="{FF2B5EF4-FFF2-40B4-BE49-F238E27FC236}">
+                <a16:creationId xmlns:a16="http://schemas.microsoft.com/office/drawing/2014/main" id="{AA9849B9-8FBB-4ECF-9A86-877FE9297356}"/>
+              </a:ext>
+            </a:extLst>
+          </p:cNvPr>
+          <p:cNvGrpSpPr/>
+          <p:nvPr/>
+        </p:nvGrpSpPr>
+        <p:grpSpPr>
+          <a:xfrm>
+            <a:off x="238220" y="3720429"/>
+            <a:ext cx="4167205" cy="1405012"/>
+            <a:chOff x="716685" y="3720429"/>
+            <a:chExt cx="4255220" cy="1405012"/>
+          </a:xfrm>
+        </p:grpSpPr>
+        <p:sp>
+          <p:nvSpPr>
+            <p:cNvPr id="12" name="TextBox 11">
+              <a:extLst>
+                <a:ext uri="{FF2B5EF4-FFF2-40B4-BE49-F238E27FC236}">
+                  <a16:creationId xmlns:a16="http://schemas.microsoft.com/office/drawing/2014/main" id="{ED58F786-1812-422E-B987-C775EB766395}"/>
+                </a:ext>
+              </a:extLst>
+            </p:cNvPr>
+            <p:cNvSpPr txBox="1"/>
+            <p:nvPr/>
+          </p:nvSpPr>
+          <p:spPr>
+            <a:xfrm>
+              <a:off x="911722" y="3826916"/>
+              <a:ext cx="3687228" cy="329562"/>
+            </a:xfrm>
+            <a:prstGeom prst="rect">
+              <a:avLst/>
+            </a:prstGeom>
+            <a:noFill/>
+          </p:spPr>
+          <p:txBody>
+            <a:bodyPr wrap="none" rtlCol="0">
+              <a:spAutoFit/>
+            </a:bodyPr>
+            <a:lstStyle/>
+            <a:p>
+              <a:r>
+                <a:rPr lang="en-US" dirty="0"/>
+                <a:t>&lt;&lt;interface&gt;&gt; Comparable&lt;T&gt;</a:t>
+              </a:r>
+            </a:p>
+          </p:txBody>
+        </p:sp>
+        <p:sp>
+          <p:nvSpPr>
+            <p:cNvPr id="13" name="Rectangle 12">
+              <a:extLst>
+                <a:ext uri="{FF2B5EF4-FFF2-40B4-BE49-F238E27FC236}">
+                  <a16:creationId xmlns:a16="http://schemas.microsoft.com/office/drawing/2014/main" id="{FD15437E-50F2-4BB0-A7FD-E143BD858646}"/>
+                </a:ext>
+              </a:extLst>
+            </p:cNvPr>
+            <p:cNvSpPr/>
+            <p:nvPr/>
+          </p:nvSpPr>
+          <p:spPr>
+            <a:xfrm>
+              <a:off x="716687" y="3720429"/>
+              <a:ext cx="4201469" cy="1405012"/>
+            </a:xfrm>
+            <a:prstGeom prst="rect">
+              <a:avLst/>
+            </a:prstGeom>
+            <a:noFill/>
+            <a:ln>
+              <a:solidFill>
+                <a:schemeClr val="tx1"/>
+              </a:solidFill>
+            </a:ln>
+            <a:effectLst/>
+          </p:spPr>
+          <p:style>
+            <a:lnRef idx="1">
+              <a:schemeClr val="accent1"/>
+            </a:lnRef>
+            <a:fillRef idx="3">
+              <a:schemeClr val="accent1"/>
+            </a:fillRef>
+            <a:effectRef idx="2">
+              <a:schemeClr val="accent1"/>
+            </a:effectRef>
+            <a:fontRef idx="minor">
+              <a:schemeClr val="lt1"/>
+            </a:fontRef>
+          </p:style>
+          <p:txBody>
+            <a:bodyPr lIns="274320" tIns="182880" rIns="274320" bIns="182880" rtlCol="0" anchor="ctr"/>
+            <a:lstStyle/>
+            <a:p>
+              <a:pPr algn="ctr"/>
+              <a:endParaRPr lang="en-US" dirty="0">
+                <a:latin typeface="Proxima Nova" charset="0"/>
+                <a:ea typeface="Proxima Nova" charset="0"/>
+                <a:cs typeface="Proxima Nova" charset="0"/>
+              </a:endParaRPr>
+            </a:p>
+          </p:txBody>
+        </p:sp>
+        <p:cxnSp>
+          <p:nvCxnSpPr>
+            <p:cNvPr id="14" name="Straight Connector 13">
+              <a:extLst>
+                <a:ext uri="{FF2B5EF4-FFF2-40B4-BE49-F238E27FC236}">
+                  <a16:creationId xmlns:a16="http://schemas.microsoft.com/office/drawing/2014/main" id="{BCE183C0-FCF0-4AA0-A098-4AC367E67DD3}"/>
+                </a:ext>
+              </a:extLst>
+            </p:cNvPr>
+            <p:cNvCxnSpPr>
+              <a:cxnSpLocks/>
+            </p:cNvCxnSpPr>
+            <p:nvPr/>
+          </p:nvCxnSpPr>
+          <p:spPr>
+            <a:xfrm>
+              <a:off x="716685" y="4271253"/>
+              <a:ext cx="4201471" cy="0"/>
+            </a:xfrm>
+            <a:prstGeom prst="line">
+              <a:avLst/>
+            </a:prstGeom>
+            <a:ln>
+              <a:solidFill>
+                <a:schemeClr val="tx1"/>
+              </a:solidFill>
+            </a:ln>
+          </p:spPr>
+          <p:style>
+            <a:lnRef idx="2">
+              <a:schemeClr val="accent1"/>
+            </a:lnRef>
+            <a:fillRef idx="0">
+              <a:schemeClr val="accent1"/>
+            </a:fillRef>
+            <a:effectRef idx="1">
+              <a:schemeClr val="accent1"/>
+            </a:effectRef>
+            <a:fontRef idx="minor">
+              <a:schemeClr val="tx1"/>
+            </a:fontRef>
+          </p:style>
+        </p:cxnSp>
+        <p:sp>
+          <p:nvSpPr>
+            <p:cNvPr id="15" name="TextBox 14">
+              <a:extLst>
+                <a:ext uri="{FF2B5EF4-FFF2-40B4-BE49-F238E27FC236}">
+                  <a16:creationId xmlns:a16="http://schemas.microsoft.com/office/drawing/2014/main" id="{4DE9E1B7-5B2E-48DB-8698-BB14D000CC3A}"/>
+                </a:ext>
+              </a:extLst>
+            </p:cNvPr>
+            <p:cNvSpPr txBox="1"/>
+            <p:nvPr/>
+          </p:nvSpPr>
+          <p:spPr>
+            <a:xfrm>
+              <a:off x="877933" y="4417554"/>
+              <a:ext cx="4093972" cy="707886"/>
+            </a:xfrm>
+            <a:prstGeom prst="rect">
+              <a:avLst/>
+            </a:prstGeom>
+            <a:noFill/>
+          </p:spPr>
+          <p:txBody>
+            <a:bodyPr wrap="square" rtlCol="0">
+              <a:spAutoFit/>
+            </a:bodyPr>
+            <a:lstStyle/>
+            <a:p>
+              <a:r>
+                <a:rPr lang="en-US" dirty="0"/>
+                <a:t>+</a:t>
+              </a:r>
+              <a:r>
+                <a:rPr lang="en-US" dirty="0" err="1"/>
+                <a:t>compareTo</a:t>
+              </a:r>
+              <a:r>
+                <a:rPr lang="en-US" dirty="0"/>
+                <a:t>(O : T): int</a:t>
+              </a:r>
+            </a:p>
+            <a:p>
+              <a:endParaRPr lang="en-US" dirty="0"/>
+            </a:p>
+          </p:txBody>
+        </p:sp>
+      </p:grpSp>
+      <p:grpSp>
+        <p:nvGrpSpPr>
+          <p:cNvPr id="17" name="Group 16">
+            <a:extLst>
+              <a:ext uri="{FF2B5EF4-FFF2-40B4-BE49-F238E27FC236}">
+                <a16:creationId xmlns:a16="http://schemas.microsoft.com/office/drawing/2014/main" id="{FE06C3B8-9BB0-41C2-A480-4BEEFB612331}"/>
+              </a:ext>
+            </a:extLst>
+          </p:cNvPr>
+          <p:cNvGrpSpPr/>
+          <p:nvPr/>
+        </p:nvGrpSpPr>
+        <p:grpSpPr>
+          <a:xfrm>
+            <a:off x="5089450" y="3051553"/>
+            <a:ext cx="4201471" cy="3677724"/>
+            <a:chOff x="9248714" y="4049072"/>
+            <a:chExt cx="4201471" cy="3189602"/>
+          </a:xfrm>
+        </p:grpSpPr>
+        <p:sp>
+          <p:nvSpPr>
+            <p:cNvPr id="18" name="TextBox 17">
+              <a:extLst>
+                <a:ext uri="{FF2B5EF4-FFF2-40B4-BE49-F238E27FC236}">
+                  <a16:creationId xmlns:a16="http://schemas.microsoft.com/office/drawing/2014/main" id="{EFA9229F-6343-479F-B2AC-EEECECABCD59}"/>
+                </a:ext>
+              </a:extLst>
+            </p:cNvPr>
+            <p:cNvSpPr txBox="1"/>
+            <p:nvPr/>
+          </p:nvSpPr>
+          <p:spPr>
+            <a:xfrm>
+              <a:off x="10668739" y="4183386"/>
+              <a:ext cx="1082348" cy="400110"/>
+            </a:xfrm>
+            <a:prstGeom prst="rect">
+              <a:avLst/>
+            </a:prstGeom>
+            <a:noFill/>
+          </p:spPr>
+          <p:txBody>
+            <a:bodyPr wrap="none" rtlCol="0">
+              <a:spAutoFit/>
+            </a:bodyPr>
+            <a:lstStyle/>
+            <a:p>
+              <a:r>
+                <a:rPr lang="en-US" dirty="0"/>
+                <a:t>Country</a:t>
+              </a:r>
+            </a:p>
+          </p:txBody>
+        </p:sp>
+        <p:sp>
+          <p:nvSpPr>
+            <p:cNvPr id="19" name="Rectangle 18">
+              <a:extLst>
+                <a:ext uri="{FF2B5EF4-FFF2-40B4-BE49-F238E27FC236}">
+                  <a16:creationId xmlns:a16="http://schemas.microsoft.com/office/drawing/2014/main" id="{4E269A84-14CA-4DEE-8CCC-A22B0F8F3B93}"/>
+                </a:ext>
+              </a:extLst>
+            </p:cNvPr>
+            <p:cNvSpPr/>
+            <p:nvPr/>
+          </p:nvSpPr>
+          <p:spPr>
+            <a:xfrm>
+              <a:off x="9248716" y="4049072"/>
+              <a:ext cx="4201469" cy="3189602"/>
+            </a:xfrm>
+            <a:prstGeom prst="rect">
+              <a:avLst/>
+            </a:prstGeom>
+            <a:noFill/>
+            <a:ln>
+              <a:solidFill>
+                <a:schemeClr val="tx1"/>
+              </a:solidFill>
+            </a:ln>
+            <a:effectLst/>
+          </p:spPr>
+          <p:style>
+            <a:lnRef idx="1">
+              <a:schemeClr val="accent1"/>
+            </a:lnRef>
+            <a:fillRef idx="3">
+              <a:schemeClr val="accent1"/>
+            </a:fillRef>
+            <a:effectRef idx="2">
+              <a:schemeClr val="accent1"/>
+            </a:effectRef>
+            <a:fontRef idx="minor">
+              <a:schemeClr val="lt1"/>
+            </a:fontRef>
+          </p:style>
+          <p:txBody>
+            <a:bodyPr lIns="274320" tIns="182880" rIns="274320" bIns="182880" rtlCol="0" anchor="ctr"/>
+            <a:lstStyle/>
+            <a:p>
+              <a:pPr algn="ctr"/>
+              <a:endParaRPr lang="en-US" dirty="0">
+                <a:latin typeface="Proxima Nova" charset="0"/>
+                <a:ea typeface="Proxima Nova" charset="0"/>
+                <a:cs typeface="Proxima Nova" charset="0"/>
+              </a:endParaRPr>
+            </a:p>
+          </p:txBody>
+        </p:sp>
+        <p:cxnSp>
+          <p:nvCxnSpPr>
+            <p:cNvPr id="20" name="Straight Connector 19">
+              <a:extLst>
+                <a:ext uri="{FF2B5EF4-FFF2-40B4-BE49-F238E27FC236}">
+                  <a16:creationId xmlns:a16="http://schemas.microsoft.com/office/drawing/2014/main" id="{0D0C0586-16F5-4E74-97CB-A717EED823E0}"/>
+                </a:ext>
+              </a:extLst>
+            </p:cNvPr>
+            <p:cNvCxnSpPr>
+              <a:cxnSpLocks/>
+            </p:cNvCxnSpPr>
+            <p:nvPr/>
+          </p:nvCxnSpPr>
+          <p:spPr>
+            <a:xfrm>
+              <a:off x="9248714" y="4717809"/>
+              <a:ext cx="4201471" cy="0"/>
+            </a:xfrm>
+            <a:prstGeom prst="line">
+              <a:avLst/>
+            </a:prstGeom>
+            <a:ln>
+              <a:solidFill>
+                <a:schemeClr val="tx1"/>
+              </a:solidFill>
+            </a:ln>
+          </p:spPr>
+          <p:style>
+            <a:lnRef idx="2">
+              <a:schemeClr val="accent1"/>
+            </a:lnRef>
+            <a:fillRef idx="0">
+              <a:schemeClr val="accent1"/>
+            </a:fillRef>
+            <a:effectRef idx="1">
+              <a:schemeClr val="accent1"/>
+            </a:effectRef>
+            <a:fontRef idx="minor">
+              <a:schemeClr val="tx1"/>
+            </a:fontRef>
+          </p:style>
+        </p:cxnSp>
+      </p:grpSp>
+      <p:sp>
+        <p:nvSpPr>
+          <p:cNvPr id="21" name="TextBox 20">
+            <a:extLst>
+              <a:ext uri="{FF2B5EF4-FFF2-40B4-BE49-F238E27FC236}">
+                <a16:creationId xmlns:a16="http://schemas.microsoft.com/office/drawing/2014/main" id="{7E2E6D36-BB32-497D-9F5F-231FA657E416}"/>
+              </a:ext>
+            </a:extLst>
+          </p:cNvPr>
+          <p:cNvSpPr txBox="1"/>
+          <p:nvPr/>
+        </p:nvSpPr>
+        <p:spPr>
+          <a:xfrm>
+            <a:off x="5196949" y="3844793"/>
+            <a:ext cx="4093972" cy="3170099"/>
+          </a:xfrm>
+          <a:prstGeom prst="rect">
+            <a:avLst/>
+          </a:prstGeom>
+          <a:noFill/>
+        </p:spPr>
+        <p:txBody>
+          <a:bodyPr wrap="square" rtlCol="0">
+            <a:spAutoFit/>
+          </a:bodyPr>
+          <a:lstStyle/>
+          <a:p>
+            <a:r>
+              <a:rPr lang="en-US" dirty="0"/>
+              <a:t>-name: String</a:t>
+            </a:r>
+          </a:p>
+          <a:p>
+            <a:r>
+              <a:rPr lang="en-US" dirty="0"/>
+              <a:t>-area: double</a:t>
+            </a:r>
+          </a:p>
+          <a:p>
+            <a:r>
+              <a:rPr lang="en-US" u="sng" dirty="0"/>
+              <a:t>+</a:t>
+            </a:r>
+            <a:r>
+              <a:rPr lang="en-US" u="sng" dirty="0" err="1"/>
+              <a:t>compareData</a:t>
+            </a:r>
+            <a:r>
+              <a:rPr lang="en-US" dirty="0"/>
+              <a:t>: </a:t>
+            </a:r>
+            <a:r>
+              <a:rPr lang="en-US" dirty="0" err="1"/>
+              <a:t>boolean</a:t>
+            </a:r>
+            <a:endParaRPr lang="en-US" dirty="0"/>
+          </a:p>
+          <a:p>
+            <a:r>
+              <a:rPr lang="en-US" dirty="0"/>
+              <a:t>+Country(</a:t>
+            </a:r>
+            <a:r>
+              <a:rPr lang="en-US" dirty="0" err="1"/>
+              <a:t>name:String</a:t>
+            </a:r>
+            <a:r>
+              <a:rPr lang="en-US" dirty="0"/>
+              <a:t>, </a:t>
+            </a:r>
+            <a:r>
+              <a:rPr lang="en-US" dirty="0" err="1"/>
+              <a:t>area:double</a:t>
+            </a:r>
+            <a:r>
+              <a:rPr lang="en-US" dirty="0"/>
+              <a:t>)</a:t>
+            </a:r>
+          </a:p>
+          <a:p>
+            <a:r>
+              <a:rPr lang="en-US" dirty="0"/>
+              <a:t>+</a:t>
+            </a:r>
+            <a:r>
+              <a:rPr lang="en-US" dirty="0" err="1"/>
+              <a:t>getName</a:t>
+            </a:r>
+            <a:r>
+              <a:rPr lang="en-US" dirty="0"/>
+              <a:t>():String</a:t>
+            </a:r>
+          </a:p>
+          <a:p>
+            <a:r>
+              <a:rPr lang="en-US" dirty="0"/>
+              <a:t>+</a:t>
+            </a:r>
+            <a:r>
+              <a:rPr lang="en-US" dirty="0" err="1"/>
+              <a:t>getArea</a:t>
+            </a:r>
+            <a:r>
+              <a:rPr lang="en-US" dirty="0"/>
+              <a:t>():double</a:t>
+            </a:r>
+          </a:p>
+          <a:p>
+            <a:r>
+              <a:rPr lang="en-US" dirty="0"/>
+              <a:t>+</a:t>
+            </a:r>
+            <a:r>
+              <a:rPr lang="en-US" dirty="0" err="1"/>
+              <a:t>compareTo</a:t>
+            </a:r>
+            <a:r>
+              <a:rPr lang="en-US" dirty="0"/>
+              <a:t>(other: Country): int</a:t>
+            </a:r>
+          </a:p>
+          <a:p>
+            <a:r>
+              <a:rPr lang="en-US" dirty="0"/>
+              <a:t>+equals(obj: Object): </a:t>
+            </a:r>
+            <a:r>
+              <a:rPr lang="en-US" dirty="0" err="1"/>
+              <a:t>boolean</a:t>
+            </a:r>
+            <a:endParaRPr lang="en-US" dirty="0"/>
+          </a:p>
+          <a:p>
+            <a:endParaRPr lang="en-US" dirty="0"/>
+          </a:p>
+        </p:txBody>
+      </p:sp>
+      <p:cxnSp>
+        <p:nvCxnSpPr>
+          <p:cNvPr id="6" name="Straight Arrow Connector 5">
+            <a:extLst>
+              <a:ext uri="{FF2B5EF4-FFF2-40B4-BE49-F238E27FC236}">
+                <a16:creationId xmlns:a16="http://schemas.microsoft.com/office/drawing/2014/main" id="{F39C838C-3152-46AC-A09D-119445C51C0B}"/>
+              </a:ext>
+            </a:extLst>
+          </p:cNvPr>
+          <p:cNvCxnSpPr>
+            <a:cxnSpLocks/>
+          </p:cNvCxnSpPr>
+          <p:nvPr/>
+        </p:nvCxnSpPr>
+        <p:spPr>
+          <a:xfrm flipH="1">
+            <a:off x="4352788" y="4124953"/>
+            <a:ext cx="736664" cy="1331"/>
+          </a:xfrm>
+          <a:prstGeom prst="straightConnector1">
+            <a:avLst/>
+          </a:prstGeom>
+          <a:ln>
+            <a:prstDash val="lgDash"/>
+            <a:tailEnd type="triangle"/>
+          </a:ln>
+        </p:spPr>
+        <p:style>
+          <a:lnRef idx="2">
+            <a:schemeClr val="dk1"/>
+          </a:lnRef>
+          <a:fillRef idx="0">
+            <a:schemeClr val="dk1"/>
+          </a:fillRef>
+          <a:effectRef idx="1">
+            <a:schemeClr val="dk1"/>
+          </a:effectRef>
+          <a:fontRef idx="minor">
+            <a:schemeClr val="tx1"/>
+          </a:fontRef>
+        </p:style>
+      </p:cxnSp>
+      <p:grpSp>
+        <p:nvGrpSpPr>
+          <p:cNvPr id="22" name="Group 21">
+            <a:extLst>
+              <a:ext uri="{FF2B5EF4-FFF2-40B4-BE49-F238E27FC236}">
+                <a16:creationId xmlns:a16="http://schemas.microsoft.com/office/drawing/2014/main" id="{BC3E255D-6342-41E7-8F19-57BD38A53C80}"/>
+              </a:ext>
+            </a:extLst>
+          </p:cNvPr>
+          <p:cNvGrpSpPr/>
+          <p:nvPr/>
+        </p:nvGrpSpPr>
+        <p:grpSpPr>
+          <a:xfrm>
+            <a:off x="9443321" y="3051553"/>
+            <a:ext cx="4201471" cy="3677724"/>
+            <a:chOff x="9248714" y="4049072"/>
+            <a:chExt cx="4201471" cy="3189602"/>
+          </a:xfrm>
+        </p:grpSpPr>
+        <p:sp>
+          <p:nvSpPr>
+            <p:cNvPr id="23" name="TextBox 22">
+              <a:extLst>
+                <a:ext uri="{FF2B5EF4-FFF2-40B4-BE49-F238E27FC236}">
+                  <a16:creationId xmlns:a16="http://schemas.microsoft.com/office/drawing/2014/main" id="{95D75E0E-DCBC-4805-92F9-66CC43352DFE}"/>
+                </a:ext>
+              </a:extLst>
+            </p:cNvPr>
+            <p:cNvSpPr txBox="1"/>
+            <p:nvPr/>
+          </p:nvSpPr>
+          <p:spPr>
+            <a:xfrm>
+              <a:off x="10668739" y="4183386"/>
+              <a:ext cx="1481496" cy="347006"/>
+            </a:xfrm>
+            <a:prstGeom prst="rect">
+              <a:avLst/>
+            </a:prstGeom>
+            <a:noFill/>
+          </p:spPr>
+          <p:txBody>
+            <a:bodyPr wrap="none" rtlCol="0">
+              <a:spAutoFit/>
+            </a:bodyPr>
+            <a:lstStyle/>
+            <a:p>
+              <a:r>
+                <a:rPr lang="en-US" dirty="0" err="1"/>
+                <a:t>ListCountry</a:t>
+              </a:r>
+              <a:endParaRPr lang="en-US" dirty="0"/>
+            </a:p>
+          </p:txBody>
+        </p:sp>
+        <p:sp>
+          <p:nvSpPr>
+            <p:cNvPr id="24" name="Rectangle 23">
+              <a:extLst>
+                <a:ext uri="{FF2B5EF4-FFF2-40B4-BE49-F238E27FC236}">
+                  <a16:creationId xmlns:a16="http://schemas.microsoft.com/office/drawing/2014/main" id="{B0641330-32E8-414B-B5D0-1A3857DEA959}"/>
+                </a:ext>
+              </a:extLst>
+            </p:cNvPr>
+            <p:cNvSpPr/>
+            <p:nvPr/>
+          </p:nvSpPr>
+          <p:spPr>
+            <a:xfrm>
+              <a:off x="9248716" y="4049072"/>
+              <a:ext cx="4201469" cy="3189602"/>
+            </a:xfrm>
+            <a:prstGeom prst="rect">
+              <a:avLst/>
+            </a:prstGeom>
+            <a:noFill/>
+            <a:ln>
+              <a:solidFill>
+                <a:schemeClr val="tx1"/>
+              </a:solidFill>
+            </a:ln>
+            <a:effectLst/>
+          </p:spPr>
+          <p:style>
+            <a:lnRef idx="1">
+              <a:schemeClr val="accent1"/>
+            </a:lnRef>
+            <a:fillRef idx="3">
+              <a:schemeClr val="accent1"/>
+            </a:fillRef>
+            <a:effectRef idx="2">
+              <a:schemeClr val="accent1"/>
+            </a:effectRef>
+            <a:fontRef idx="minor">
+              <a:schemeClr val="lt1"/>
+            </a:fontRef>
+          </p:style>
+          <p:txBody>
+            <a:bodyPr lIns="274320" tIns="182880" rIns="274320" bIns="182880" rtlCol="0" anchor="ctr"/>
+            <a:lstStyle/>
+            <a:p>
+              <a:pPr algn="ctr"/>
+              <a:endParaRPr lang="en-US" dirty="0">
+                <a:latin typeface="Proxima Nova" charset="0"/>
+                <a:ea typeface="Proxima Nova" charset="0"/>
+                <a:cs typeface="Proxima Nova" charset="0"/>
+              </a:endParaRPr>
+            </a:p>
+          </p:txBody>
+        </p:sp>
+        <p:cxnSp>
+          <p:nvCxnSpPr>
+            <p:cNvPr id="25" name="Straight Connector 24">
+              <a:extLst>
+                <a:ext uri="{FF2B5EF4-FFF2-40B4-BE49-F238E27FC236}">
+                  <a16:creationId xmlns:a16="http://schemas.microsoft.com/office/drawing/2014/main" id="{54C94C60-1897-493D-BFF4-EEDCAC585D3E}"/>
+                </a:ext>
+              </a:extLst>
+            </p:cNvPr>
+            <p:cNvCxnSpPr>
+              <a:cxnSpLocks/>
+            </p:cNvCxnSpPr>
+            <p:nvPr/>
+          </p:nvCxnSpPr>
+          <p:spPr>
+            <a:xfrm>
+              <a:off x="9248714" y="4717809"/>
+              <a:ext cx="4201471" cy="0"/>
+            </a:xfrm>
+            <a:prstGeom prst="line">
+              <a:avLst/>
+            </a:prstGeom>
+            <a:ln>
+              <a:solidFill>
+                <a:schemeClr val="tx1"/>
+              </a:solidFill>
+            </a:ln>
+          </p:spPr>
+          <p:style>
+            <a:lnRef idx="2">
+              <a:schemeClr val="accent1"/>
+            </a:lnRef>
+            <a:fillRef idx="0">
+              <a:schemeClr val="accent1"/>
+            </a:fillRef>
+            <a:effectRef idx="1">
+              <a:schemeClr val="accent1"/>
+            </a:effectRef>
+            <a:fontRef idx="minor">
+              <a:schemeClr val="tx1"/>
+            </a:fontRef>
+          </p:style>
+        </p:cxnSp>
+      </p:grpSp>
+      <p:sp>
+        <p:nvSpPr>
+          <p:cNvPr id="26" name="TextBox 25">
+            <a:extLst>
+              <a:ext uri="{FF2B5EF4-FFF2-40B4-BE49-F238E27FC236}">
+                <a16:creationId xmlns:a16="http://schemas.microsoft.com/office/drawing/2014/main" id="{AB8C9E9E-3B3D-4859-9276-20ACC059D474}"/>
+              </a:ext>
+            </a:extLst>
+          </p:cNvPr>
+          <p:cNvSpPr txBox="1"/>
+          <p:nvPr/>
+        </p:nvSpPr>
+        <p:spPr>
+          <a:xfrm>
+            <a:off x="9497070" y="3880658"/>
+            <a:ext cx="4093972" cy="1938992"/>
+          </a:xfrm>
+          <a:prstGeom prst="rect">
+            <a:avLst/>
+          </a:prstGeom>
+          <a:noFill/>
+        </p:spPr>
+        <p:txBody>
+          <a:bodyPr wrap="square" rtlCol="0">
+            <a:spAutoFit/>
+          </a:bodyPr>
+          <a:lstStyle/>
+          <a:p>
+            <a:r>
+              <a:rPr lang="en-US" dirty="0"/>
+              <a:t>-countries: </a:t>
+            </a:r>
+            <a:r>
+              <a:rPr lang="en-US" dirty="0" err="1"/>
+              <a:t>ArrayList</a:t>
+            </a:r>
+            <a:r>
+              <a:rPr lang="en-US" dirty="0"/>
+              <a:t>&lt;Country&gt;</a:t>
+            </a:r>
+          </a:p>
+          <a:p>
+            <a:r>
+              <a:rPr lang="en-US" dirty="0"/>
+              <a:t>+</a:t>
+            </a:r>
+            <a:r>
+              <a:rPr lang="en-US" dirty="0" err="1"/>
+              <a:t>readCountries</a:t>
+            </a:r>
+            <a:r>
+              <a:rPr lang="en-US" dirty="0"/>
+              <a:t>(filename: String)</a:t>
+            </a:r>
+          </a:p>
+          <a:p>
+            <a:r>
+              <a:rPr lang="en-US" dirty="0"/>
+              <a:t>+</a:t>
+            </a:r>
+            <a:r>
+              <a:rPr lang="en-US" dirty="0" err="1"/>
+              <a:t>sortList</a:t>
+            </a:r>
+            <a:r>
+              <a:rPr lang="en-US" dirty="0"/>
+              <a:t>(</a:t>
+            </a:r>
+            <a:r>
+              <a:rPr lang="en-US" dirty="0" err="1"/>
+              <a:t>check:String</a:t>
+            </a:r>
+            <a:r>
+              <a:rPr lang="en-US" dirty="0"/>
+              <a:t>)</a:t>
+            </a:r>
+          </a:p>
+          <a:p>
+            <a:r>
+              <a:rPr lang="en-US" dirty="0"/>
+              <a:t>+</a:t>
+            </a:r>
+            <a:r>
+              <a:rPr lang="en-US" dirty="0" err="1"/>
+              <a:t>toString</a:t>
+            </a:r>
+            <a:r>
+              <a:rPr lang="en-US" dirty="0"/>
+              <a:t>(): String</a:t>
+            </a:r>
+          </a:p>
+          <a:p>
+            <a:endParaRPr lang="en-US" dirty="0"/>
+          </a:p>
+          <a:p>
+            <a:endParaRPr lang="en-US" dirty="0"/>
+          </a:p>
+        </p:txBody>
+      </p:sp>
+      <p:pic>
+        <p:nvPicPr>
+          <p:cNvPr id="9" name="Picture 8">
+            <a:extLst>
+              <a:ext uri="{FF2B5EF4-FFF2-40B4-BE49-F238E27FC236}">
+                <a16:creationId xmlns:a16="http://schemas.microsoft.com/office/drawing/2014/main" id="{B371F548-53BF-4D50-8EE9-972337FD34F1}"/>
+              </a:ext>
+            </a:extLst>
+          </p:cNvPr>
+          <p:cNvPicPr>
+            <a:picLocks noChangeAspect="1"/>
+          </p:cNvPicPr>
+          <p:nvPr/>
+        </p:nvPicPr>
+        <p:blipFill>
+          <a:blip r:embed="rId2"/>
+          <a:stretch>
+            <a:fillRect/>
+          </a:stretch>
+        </p:blipFill>
+        <p:spPr>
+          <a:xfrm>
+            <a:off x="225890" y="5298744"/>
+            <a:ext cx="2517296" cy="1946481"/>
+          </a:xfrm>
+          <a:prstGeom prst="rect">
+            <a:avLst/>
+          </a:prstGeom>
+        </p:spPr>
+      </p:pic>
+    </p:spTree>
+    <p:extLst>
+      <p:ext uri="{BB962C8B-B14F-4D97-AF65-F5344CB8AC3E}">
+        <p14:creationId xmlns:p14="http://schemas.microsoft.com/office/powerpoint/2010/main" val="2436844951"/>
+      </p:ext>
+    </p:extLst>
+  </p:cSld>
+  <p:clrMapOvr>
+    <a:masterClrMapping/>
+  </p:clrMapOvr>
+  <mc:AlternateContent xmlns:mc="http://schemas.openxmlformats.org/markup-compatibility/2006" xmlns:p14="http://schemas.microsoft.com/office/powerpoint/2010/main">
+    <mc:Choice Requires="p14">
+      <p:transition p14:dur="300">
+        <p:fade/>
+      </p:transition>
+    </mc:Choice>
+    <mc:Fallback xmlns="">
+      <p:transition>
+        <p:fade/>
+      </p:transition>
+    </mc:Fallback>
+  </mc:AlternateContent>
+</p:sld>
+</file>
+
+<file path=ppt/slides/slide9.xml><?xml version="1.0" encoding="utf-8"?>
+<p:sld xmlns:a="http://schemas.openxmlformats.org/drawingml/2006/main" xmlns:r="http://schemas.openxmlformats.org/officeDocument/2006/relationships" xmlns:p="http://schemas.openxmlformats.org/presentationml/2006/main">
+  <p:cSld>
+    <p:spTree>
+      <p:nvGrpSpPr>
+        <p:cNvPr id="1" name=""/>
+        <p:cNvGrpSpPr/>
+        <p:nvPr/>
+      </p:nvGrpSpPr>
+      <p:grpSpPr>
+        <a:xfrm>
+          <a:off x="0" y="0"/>
+          <a:ext cx="0" cy="0"/>
+          <a:chOff x="0" y="0"/>
+          <a:chExt cx="0" cy="0"/>
+        </a:xfrm>
+      </p:grpSpPr>
+      <p:sp>
+        <p:nvSpPr>
+          <p:cNvPr id="2" name="Title 1">
+            <a:extLst>
+              <a:ext uri="{FF2B5EF4-FFF2-40B4-BE49-F238E27FC236}">
+                <a16:creationId xmlns:a16="http://schemas.microsoft.com/office/drawing/2014/main" id="{0A758FF7-8D14-DF4E-A32F-9B533CE1BFA8}"/>
+              </a:ext>
+            </a:extLst>
+          </p:cNvPr>
+          <p:cNvSpPr>
+            <a:spLocks noGrp="1"/>
+          </p:cNvSpPr>
+          <p:nvPr>
+            <p:ph type="title"/>
+          </p:nvPr>
+        </p:nvSpPr>
+        <p:spPr/>
+        <p:txBody>
+          <a:bodyPr/>
+          <a:lstStyle/>
+          <a:p>
+            <a:r>
+              <a:rPr lang="en-US" dirty="0"/>
+              <a:t>Country</a:t>
+            </a:r>
+          </a:p>
+        </p:txBody>
+      </p:sp>
+      <p:sp>
+        <p:nvSpPr>
+          <p:cNvPr id="6" name="Rectangle 1">
+            <a:extLst>
+              <a:ext uri="{FF2B5EF4-FFF2-40B4-BE49-F238E27FC236}">
+                <a16:creationId xmlns:a16="http://schemas.microsoft.com/office/drawing/2014/main" id="{8ED0C47D-BC17-44BF-B794-1EBF50A776A9}"/>
+              </a:ext>
+            </a:extLst>
+          </p:cNvPr>
+          <p:cNvSpPr>
+            <a:spLocks noChangeArrowheads="1"/>
+          </p:cNvSpPr>
+          <p:nvPr/>
+        </p:nvSpPr>
+        <p:spPr bwMode="auto">
+          <a:xfrm>
+            <a:off x="3880884" y="422081"/>
+            <a:ext cx="7464056" cy="6740307"/>
+          </a:xfrm>
+          <a:prstGeom prst="rect">
+            <a:avLst/>
+          </a:prstGeom>
+          <a:solidFill>
+            <a:srgbClr val="2B2B2B"/>
+          </a:solidFill>
+          <a:ln>
+            <a:noFill/>
+          </a:ln>
+          <a:effectLst/>
+          <a:extLst>
+            <a:ext uri="{91240B29-F687-4F45-9708-019B960494DF}">
+              <a14:hiddenLine xmlns:a14="http://schemas.microsoft.com/office/drawing/2010/main" w="9525">
+                <a:solidFill>
+                  <a:schemeClr val="tx1"/>
+                </a:solidFill>
+                <a:miter lim="800000"/>
+                <a:headEnd/>
+                <a:tailEnd/>
+              </a14:hiddenLine>
+            </a:ext>
+            <a:ext uri="{AF507438-7753-43E0-B8FC-AC1667EBCBE1}">
+              <a14:hiddenEffects xmlns:a14="http://schemas.microsoft.com/office/drawing/2010/main">
+                <a:effectLst>
+                  <a:outerShdw dist="35921" dir="2700000" algn="ctr" rotWithShape="0">
+                    <a:schemeClr val="bg2"/>
+                  </a:outerShdw>
+                </a:effectLst>
+              </a14:hiddenEffects>
+            </a:ext>
+          </a:extLst>
+        </p:spPr>
+        <p:txBody>
+          <a:bodyPr vert="horz" wrap="square" lIns="91440" tIns="45720" rIns="91440" bIns="45720" numCol="1" anchor="ctr" anchorCtr="0" compatLnSpc="1">
+            <a:prstTxWarp prst="textNoShape">
+              <a:avLst/>
+            </a:prstTxWarp>
+            <a:spAutoFit/>
+          </a:bodyPr>
+          <a:lstStyle/>
+          <a:p>
+            <a:pPr marL="0" marR="0" lvl="0" indent="0" algn="l" defTabSz="914400" rtl="0" eaLnBrk="0" fontAlgn="base" latinLnBrk="0" hangingPunct="0">
+              <a:lnSpc>
+                <a:spcPct val="100000"/>
+              </a:lnSpc>
+              <a:spcBef>
+                <a:spcPct val="0"/>
+              </a:spcBef>
+              <a:spcAft>
+                <a:spcPct val="0"/>
+              </a:spcAft>
+              <a:buClrTx/>
+              <a:buSzTx/>
+              <a:buFontTx/>
+              <a:buNone/>
+              <a:tabLst/>
+            </a:pPr>
+            <a:r>
+              <a:rPr kumimoji="0" lang="en-US" altLang="en-US" sz="1800" b="0" i="0" u="none" strike="noStrike" cap="none" normalizeH="0" baseline="0">
+                <a:ln>
+                  <a:noFill/>
+                </a:ln>
+                <a:solidFill>
+                  <a:srgbClr val="CC7832"/>
+                </a:solidFill>
+                <a:effectLst/>
+                <a:latin typeface="JetBrains Mono"/>
+              </a:rPr>
+              <a:t>public class </a:t>
+            </a:r>
+            <a:r>
+              <a:rPr kumimoji="0" lang="en-US" altLang="en-US" sz="1800" b="0" i="0" u="none" strike="noStrike" cap="none" normalizeH="0" baseline="0">
+                <a:ln>
+                  <a:noFill/>
+                </a:ln>
+                <a:solidFill>
+                  <a:srgbClr val="A9B7C6"/>
+                </a:solidFill>
+                <a:effectLst/>
+                <a:latin typeface="JetBrains Mono"/>
+              </a:rPr>
+              <a:t>Country </a:t>
+            </a:r>
+            <a:r>
+              <a:rPr kumimoji="0" lang="en-US" altLang="en-US" sz="1800" b="0" i="0" u="none" strike="noStrike" cap="none" normalizeH="0" baseline="0">
+                <a:ln>
+                  <a:noFill/>
+                </a:ln>
+                <a:solidFill>
+                  <a:srgbClr val="CC7832"/>
+                </a:solidFill>
+                <a:effectLst/>
+                <a:latin typeface="JetBrains Mono"/>
+              </a:rPr>
+              <a:t>implements </a:t>
+            </a:r>
+            <a:r>
+              <a:rPr kumimoji="0" lang="en-US" altLang="en-US" sz="1800" b="0" i="0" u="none" strike="noStrike" cap="none" normalizeH="0" baseline="0">
+                <a:ln>
+                  <a:noFill/>
+                </a:ln>
+                <a:solidFill>
+                  <a:srgbClr val="A9B7C6"/>
+                </a:solidFill>
+                <a:effectLst/>
+                <a:latin typeface="JetBrains Mono"/>
+              </a:rPr>
+              <a:t>Comparable&lt;Country&gt;{</a:t>
+            </a:r>
+            <a:br>
+              <a:rPr kumimoji="0" lang="en-US" altLang="en-US" sz="1800" b="0" i="0" u="none" strike="noStrike" cap="none" normalizeH="0" baseline="0">
+                <a:ln>
+                  <a:noFill/>
+                </a:ln>
+                <a:solidFill>
+                  <a:srgbClr val="A9B7C6"/>
+                </a:solidFill>
+                <a:effectLst/>
+                <a:latin typeface="JetBrains Mono"/>
+              </a:rPr>
+            </a:br>
+            <a:r>
+              <a:rPr kumimoji="0" lang="en-US" altLang="en-US" sz="1800" b="0" i="0" u="none" strike="noStrike" cap="none" normalizeH="0" baseline="0">
+                <a:ln>
+                  <a:noFill/>
+                </a:ln>
+                <a:solidFill>
+                  <a:srgbClr val="A9B7C6"/>
+                </a:solidFill>
+                <a:effectLst/>
+                <a:latin typeface="JetBrains Mono"/>
+              </a:rPr>
+              <a:t>    </a:t>
+            </a:r>
+            <a:r>
+              <a:rPr kumimoji="0" lang="en-US" altLang="en-US" sz="1800" b="0" i="0" u="none" strike="noStrike" cap="none" normalizeH="0" baseline="0">
+                <a:ln>
+                  <a:noFill/>
+                </a:ln>
+                <a:solidFill>
+                  <a:srgbClr val="CC7832"/>
+                </a:solidFill>
+                <a:effectLst/>
+                <a:latin typeface="JetBrains Mono"/>
+              </a:rPr>
+              <a:t>private </a:t>
+            </a:r>
+            <a:r>
+              <a:rPr kumimoji="0" lang="en-US" altLang="en-US" sz="1800" b="0" i="0" u="none" strike="noStrike" cap="none" normalizeH="0" baseline="0">
+                <a:ln>
+                  <a:noFill/>
+                </a:ln>
+                <a:solidFill>
+                  <a:srgbClr val="A9B7C6"/>
+                </a:solidFill>
+                <a:effectLst/>
+                <a:latin typeface="JetBrains Mono"/>
+              </a:rPr>
+              <a:t>String </a:t>
+            </a:r>
+            <a:r>
+              <a:rPr kumimoji="0" lang="en-US" altLang="en-US" sz="1800" b="0" i="0" u="none" strike="noStrike" cap="none" normalizeH="0" baseline="0">
+                <a:ln>
+                  <a:noFill/>
+                </a:ln>
+                <a:solidFill>
+                  <a:srgbClr val="9876AA"/>
+                </a:solidFill>
+                <a:effectLst/>
+                <a:latin typeface="JetBrains Mono"/>
+              </a:rPr>
+              <a:t>name</a:t>
+            </a:r>
+            <a:r>
+              <a:rPr kumimoji="0" lang="en-US" altLang="en-US" sz="1800" b="0" i="0" u="none" strike="noStrike" cap="none" normalizeH="0" baseline="0">
+                <a:ln>
+                  <a:noFill/>
+                </a:ln>
+                <a:solidFill>
+                  <a:srgbClr val="CC7832"/>
+                </a:solidFill>
+                <a:effectLst/>
+                <a:latin typeface="JetBrains Mono"/>
+              </a:rPr>
+              <a:t>;</a:t>
+            </a:r>
+            <a:br>
+              <a:rPr kumimoji="0" lang="en-US" altLang="en-US" sz="1800" b="0" i="0" u="none" strike="noStrike" cap="none" normalizeH="0" baseline="0">
+                <a:ln>
+                  <a:noFill/>
+                </a:ln>
+                <a:solidFill>
+                  <a:srgbClr val="CC7832"/>
+                </a:solidFill>
+                <a:effectLst/>
+                <a:latin typeface="JetBrains Mono"/>
+              </a:rPr>
+            </a:br>
+            <a:r>
+              <a:rPr kumimoji="0" lang="en-US" altLang="en-US" sz="1800" b="0" i="0" u="none" strike="noStrike" cap="none" normalizeH="0" baseline="0">
+                <a:ln>
+                  <a:noFill/>
+                </a:ln>
+                <a:solidFill>
+                  <a:srgbClr val="CC7832"/>
+                </a:solidFill>
+                <a:effectLst/>
+                <a:latin typeface="JetBrains Mono"/>
+              </a:rPr>
+              <a:t>    private double </a:t>
+            </a:r>
+            <a:r>
+              <a:rPr kumimoji="0" lang="en-US" altLang="en-US" sz="1800" b="0" i="0" u="none" strike="noStrike" cap="none" normalizeH="0" baseline="0">
+                <a:ln>
+                  <a:noFill/>
+                </a:ln>
+                <a:solidFill>
+                  <a:srgbClr val="9876AA"/>
+                </a:solidFill>
+                <a:effectLst/>
+                <a:latin typeface="JetBrains Mono"/>
+              </a:rPr>
+              <a:t>area</a:t>
+            </a:r>
+            <a:r>
+              <a:rPr kumimoji="0" lang="en-US" altLang="en-US" sz="1800" b="0" i="0" u="none" strike="noStrike" cap="none" normalizeH="0" baseline="0">
+                <a:ln>
+                  <a:noFill/>
+                </a:ln>
+                <a:solidFill>
+                  <a:srgbClr val="CC7832"/>
+                </a:solidFill>
+                <a:effectLst/>
+                <a:latin typeface="JetBrains Mono"/>
+              </a:rPr>
+              <a:t>;</a:t>
+            </a:r>
+            <a:br>
+              <a:rPr kumimoji="0" lang="en-US" altLang="en-US" sz="1800" b="0" i="0" u="none" strike="noStrike" cap="none" normalizeH="0" baseline="0">
+                <a:ln>
+                  <a:noFill/>
+                </a:ln>
+                <a:solidFill>
+                  <a:srgbClr val="CC7832"/>
+                </a:solidFill>
+                <a:effectLst/>
+                <a:latin typeface="JetBrains Mono"/>
+              </a:rPr>
+            </a:br>
+            <a:r>
+              <a:rPr kumimoji="0" lang="en-US" altLang="en-US" sz="1800" b="0" i="0" u="none" strike="noStrike" cap="none" normalizeH="0" baseline="0">
+                <a:ln>
+                  <a:noFill/>
+                </a:ln>
+                <a:solidFill>
+                  <a:srgbClr val="CC7832"/>
+                </a:solidFill>
+                <a:effectLst/>
+                <a:latin typeface="JetBrains Mono"/>
+              </a:rPr>
+              <a:t>    static boolean </a:t>
+            </a:r>
+            <a:r>
+              <a:rPr kumimoji="0" lang="en-US" altLang="en-US" sz="1800" b="0" i="1" u="none" strike="noStrike" cap="none" normalizeH="0" baseline="0">
+                <a:ln>
+                  <a:noFill/>
+                </a:ln>
+                <a:solidFill>
+                  <a:srgbClr val="9876AA"/>
+                </a:solidFill>
+                <a:effectLst/>
+                <a:latin typeface="JetBrains Mono"/>
+              </a:rPr>
+              <a:t>compareData</a:t>
+            </a:r>
+            <a:r>
+              <a:rPr kumimoji="0" lang="en-US" altLang="en-US" sz="1800" b="0" i="0" u="none" strike="noStrike" cap="none" normalizeH="0" baseline="0">
+                <a:ln>
+                  <a:noFill/>
+                </a:ln>
+                <a:solidFill>
+                  <a:srgbClr val="CC7832"/>
+                </a:solidFill>
+                <a:effectLst/>
+                <a:latin typeface="JetBrains Mono"/>
+              </a:rPr>
+              <a:t>;</a:t>
+            </a:r>
+            <a:br>
+              <a:rPr kumimoji="0" lang="en-US" altLang="en-US" sz="1800" b="0" i="0" u="none" strike="noStrike" cap="none" normalizeH="0" baseline="0">
+                <a:ln>
+                  <a:noFill/>
+                </a:ln>
+                <a:solidFill>
+                  <a:srgbClr val="CC7832"/>
+                </a:solidFill>
+                <a:effectLst/>
+                <a:latin typeface="JetBrains Mono"/>
+              </a:rPr>
+            </a:br>
+            <a:r>
+              <a:rPr kumimoji="0" lang="en-US" altLang="en-US" sz="1800" b="0" i="0" u="none" strike="noStrike" cap="none" normalizeH="0" baseline="0">
+                <a:ln>
+                  <a:noFill/>
+                </a:ln>
+                <a:solidFill>
+                  <a:srgbClr val="CC7832"/>
+                </a:solidFill>
+                <a:effectLst/>
+                <a:latin typeface="JetBrains Mono"/>
+              </a:rPr>
+              <a:t>    public </a:t>
+            </a:r>
+            <a:r>
+              <a:rPr kumimoji="0" lang="en-US" altLang="en-US" sz="1800" b="0" i="0" u="none" strike="noStrike" cap="none" normalizeH="0" baseline="0">
+                <a:ln>
+                  <a:noFill/>
+                </a:ln>
+                <a:solidFill>
+                  <a:srgbClr val="FFC66D"/>
+                </a:solidFill>
+                <a:effectLst/>
+                <a:latin typeface="JetBrains Mono"/>
+              </a:rPr>
+              <a:t>Country</a:t>
+            </a:r>
+            <a:r>
+              <a:rPr kumimoji="0" lang="en-US" altLang="en-US" sz="1800" b="0" i="0" u="none" strike="noStrike" cap="none" normalizeH="0" baseline="0">
+                <a:ln>
+                  <a:noFill/>
+                </a:ln>
+                <a:solidFill>
+                  <a:srgbClr val="A9B7C6"/>
+                </a:solidFill>
+                <a:effectLst/>
+                <a:latin typeface="JetBrains Mono"/>
+              </a:rPr>
+              <a:t>(String name</a:t>
+            </a:r>
+            <a:r>
+              <a:rPr kumimoji="0" lang="en-US" altLang="en-US" sz="1800" b="0" i="0" u="none" strike="noStrike" cap="none" normalizeH="0" baseline="0">
+                <a:ln>
+                  <a:noFill/>
+                </a:ln>
+                <a:solidFill>
+                  <a:srgbClr val="CC7832"/>
+                </a:solidFill>
+                <a:effectLst/>
+                <a:latin typeface="JetBrains Mono"/>
+              </a:rPr>
+              <a:t>, double </a:t>
+            </a:r>
+            <a:r>
+              <a:rPr kumimoji="0" lang="en-US" altLang="en-US" sz="1800" b="0" i="0" u="none" strike="noStrike" cap="none" normalizeH="0" baseline="0">
+                <a:ln>
+                  <a:noFill/>
+                </a:ln>
+                <a:solidFill>
+                  <a:srgbClr val="A9B7C6"/>
+                </a:solidFill>
+                <a:effectLst/>
+                <a:latin typeface="JetBrains Mono"/>
+              </a:rPr>
+              <a:t>area){</a:t>
+            </a:r>
+            <a:br>
+              <a:rPr kumimoji="0" lang="en-US" altLang="en-US" sz="1800" b="0" i="0" u="none" strike="noStrike" cap="none" normalizeH="0" baseline="0">
+                <a:ln>
+                  <a:noFill/>
+                </a:ln>
+                <a:solidFill>
+                  <a:srgbClr val="A9B7C6"/>
+                </a:solidFill>
+                <a:effectLst/>
+                <a:latin typeface="JetBrains Mono"/>
+              </a:rPr>
+            </a:br>
+            <a:r>
+              <a:rPr kumimoji="0" lang="en-US" altLang="en-US" sz="1800" b="0" i="0" u="none" strike="noStrike" cap="none" normalizeH="0" baseline="0">
+                <a:ln>
+                  <a:noFill/>
+                </a:ln>
+                <a:solidFill>
+                  <a:srgbClr val="A9B7C6"/>
+                </a:solidFill>
+                <a:effectLst/>
+                <a:latin typeface="JetBrains Mono"/>
+              </a:rPr>
+              <a:t>        </a:t>
+            </a:r>
+            <a:r>
+              <a:rPr kumimoji="0" lang="en-US" altLang="en-US" sz="1800" b="0" i="0" u="none" strike="noStrike" cap="none" normalizeH="0" baseline="0">
+                <a:ln>
+                  <a:noFill/>
+                </a:ln>
+                <a:solidFill>
+                  <a:srgbClr val="CC7832"/>
+                </a:solidFill>
+                <a:effectLst/>
+                <a:latin typeface="JetBrains Mono"/>
+              </a:rPr>
+              <a:t>this</a:t>
+            </a:r>
+            <a:r>
+              <a:rPr kumimoji="0" lang="en-US" altLang="en-US" sz="1800" b="0" i="0" u="none" strike="noStrike" cap="none" normalizeH="0" baseline="0">
+                <a:ln>
+                  <a:noFill/>
+                </a:ln>
+                <a:solidFill>
+                  <a:srgbClr val="A9B7C6"/>
+                </a:solidFill>
+                <a:effectLst/>
+                <a:latin typeface="JetBrains Mono"/>
+              </a:rPr>
+              <a:t>.</a:t>
+            </a:r>
+            <a:r>
+              <a:rPr kumimoji="0" lang="en-US" altLang="en-US" sz="1800" b="0" i="0" u="none" strike="noStrike" cap="none" normalizeH="0" baseline="0">
+                <a:ln>
+                  <a:noFill/>
+                </a:ln>
+                <a:solidFill>
+                  <a:srgbClr val="9876AA"/>
+                </a:solidFill>
+                <a:effectLst/>
+                <a:latin typeface="JetBrains Mono"/>
+              </a:rPr>
+              <a:t>name </a:t>
+            </a:r>
+            <a:r>
+              <a:rPr kumimoji="0" lang="en-US" altLang="en-US" sz="1800" b="0" i="0" u="none" strike="noStrike" cap="none" normalizeH="0" baseline="0">
+                <a:ln>
+                  <a:noFill/>
+                </a:ln>
+                <a:solidFill>
+                  <a:srgbClr val="A9B7C6"/>
+                </a:solidFill>
+                <a:effectLst/>
+                <a:latin typeface="JetBrains Mono"/>
+              </a:rPr>
+              <a:t>= name</a:t>
+            </a:r>
+            <a:r>
+              <a:rPr kumimoji="0" lang="en-US" altLang="en-US" sz="1800" b="0" i="0" u="none" strike="noStrike" cap="none" normalizeH="0" baseline="0">
+                <a:ln>
+                  <a:noFill/>
+                </a:ln>
+                <a:solidFill>
+                  <a:srgbClr val="CC7832"/>
+                </a:solidFill>
+                <a:effectLst/>
+                <a:latin typeface="JetBrains Mono"/>
+              </a:rPr>
+              <a:t>;</a:t>
+            </a:r>
+            <a:br>
+              <a:rPr kumimoji="0" lang="en-US" altLang="en-US" sz="1800" b="0" i="0" u="none" strike="noStrike" cap="none" normalizeH="0" baseline="0">
+                <a:ln>
+                  <a:noFill/>
+                </a:ln>
+                <a:solidFill>
+                  <a:srgbClr val="CC7832"/>
+                </a:solidFill>
+                <a:effectLst/>
+                <a:latin typeface="JetBrains Mono"/>
+              </a:rPr>
+            </a:br>
+            <a:r>
+              <a:rPr kumimoji="0" lang="en-US" altLang="en-US" sz="1800" b="0" i="0" u="none" strike="noStrike" cap="none" normalizeH="0" baseline="0">
+                <a:ln>
+                  <a:noFill/>
+                </a:ln>
+                <a:solidFill>
+                  <a:srgbClr val="CC7832"/>
+                </a:solidFill>
+                <a:effectLst/>
+                <a:latin typeface="JetBrains Mono"/>
+              </a:rPr>
+              <a:t>        this</a:t>
+            </a:r>
+            <a:r>
+              <a:rPr kumimoji="0" lang="en-US" altLang="en-US" sz="1800" b="0" i="0" u="none" strike="noStrike" cap="none" normalizeH="0" baseline="0">
+                <a:ln>
+                  <a:noFill/>
+                </a:ln>
+                <a:solidFill>
+                  <a:srgbClr val="A9B7C6"/>
+                </a:solidFill>
+                <a:effectLst/>
+                <a:latin typeface="JetBrains Mono"/>
+              </a:rPr>
+              <a:t>.</a:t>
+            </a:r>
+            <a:r>
+              <a:rPr kumimoji="0" lang="en-US" altLang="en-US" sz="1800" b="0" i="0" u="none" strike="noStrike" cap="none" normalizeH="0" baseline="0">
+                <a:ln>
+                  <a:noFill/>
+                </a:ln>
+                <a:solidFill>
+                  <a:srgbClr val="9876AA"/>
+                </a:solidFill>
+                <a:effectLst/>
+                <a:latin typeface="JetBrains Mono"/>
+              </a:rPr>
+              <a:t>area </a:t>
+            </a:r>
+            <a:r>
+              <a:rPr kumimoji="0" lang="en-US" altLang="en-US" sz="1800" b="0" i="0" u="none" strike="noStrike" cap="none" normalizeH="0" baseline="0">
+                <a:ln>
+                  <a:noFill/>
+                </a:ln>
+                <a:solidFill>
+                  <a:srgbClr val="A9B7C6"/>
+                </a:solidFill>
+                <a:effectLst/>
+                <a:latin typeface="JetBrains Mono"/>
+              </a:rPr>
+              <a:t>= area</a:t>
+            </a:r>
+            <a:r>
+              <a:rPr kumimoji="0" lang="en-US" altLang="en-US" sz="1800" b="0" i="0" u="none" strike="noStrike" cap="none" normalizeH="0" baseline="0">
+                <a:ln>
+                  <a:noFill/>
+                </a:ln>
+                <a:solidFill>
+                  <a:srgbClr val="CC7832"/>
+                </a:solidFill>
+                <a:effectLst/>
+                <a:latin typeface="JetBrains Mono"/>
+              </a:rPr>
+              <a:t>;</a:t>
+            </a:r>
+            <a:br>
+              <a:rPr kumimoji="0" lang="en-US" altLang="en-US" sz="1800" b="0" i="0" u="none" strike="noStrike" cap="none" normalizeH="0" baseline="0">
+                <a:ln>
+                  <a:noFill/>
+                </a:ln>
+                <a:solidFill>
+                  <a:srgbClr val="CC7832"/>
+                </a:solidFill>
+                <a:effectLst/>
+                <a:latin typeface="JetBrains Mono"/>
+              </a:rPr>
+            </a:br>
+            <a:r>
+              <a:rPr kumimoji="0" lang="en-US" altLang="en-US" sz="1800" b="0" i="0" u="none" strike="noStrike" cap="none" normalizeH="0" baseline="0">
+                <a:ln>
+                  <a:noFill/>
+                </a:ln>
+                <a:solidFill>
+                  <a:srgbClr val="CC7832"/>
+                </a:solidFill>
+                <a:effectLst/>
+                <a:latin typeface="JetBrains Mono"/>
+              </a:rPr>
+              <a:t>    </a:t>
+            </a:r>
+            <a:r>
+              <a:rPr kumimoji="0" lang="en-US" altLang="en-US" sz="1800" b="0" i="0" u="none" strike="noStrike" cap="none" normalizeH="0" baseline="0">
+                <a:ln>
+                  <a:noFill/>
+                </a:ln>
+                <a:solidFill>
+                  <a:srgbClr val="A9B7C6"/>
+                </a:solidFill>
+                <a:effectLst/>
+                <a:latin typeface="JetBrains Mono"/>
+              </a:rPr>
+              <a:t>}</a:t>
+            </a:r>
+            <a:br>
+              <a:rPr kumimoji="0" lang="en-US" altLang="en-US" sz="1800" b="0" i="0" u="none" strike="noStrike" cap="none" normalizeH="0" baseline="0">
+                <a:ln>
+                  <a:noFill/>
+                </a:ln>
+                <a:solidFill>
+                  <a:srgbClr val="A9B7C6"/>
+                </a:solidFill>
+                <a:effectLst/>
+                <a:latin typeface="JetBrains Mono"/>
+              </a:rPr>
+            </a:br>
+            <a:r>
+              <a:rPr kumimoji="0" lang="en-US" altLang="en-US" sz="1800" b="0" i="0" u="none" strike="noStrike" cap="none" normalizeH="0" baseline="0">
+                <a:ln>
+                  <a:noFill/>
+                </a:ln>
+                <a:solidFill>
+                  <a:srgbClr val="A9B7C6"/>
+                </a:solidFill>
+                <a:effectLst/>
+                <a:latin typeface="JetBrains Mono"/>
+              </a:rPr>
+              <a:t>    </a:t>
+            </a:r>
+            <a:r>
+              <a:rPr kumimoji="0" lang="en-US" altLang="en-US" sz="1800" b="0" i="0" u="none" strike="noStrike" cap="none" normalizeH="0" baseline="0">
+                <a:ln>
+                  <a:noFill/>
+                </a:ln>
+                <a:solidFill>
+                  <a:srgbClr val="CC7832"/>
+                </a:solidFill>
+                <a:effectLst/>
+                <a:latin typeface="JetBrains Mono"/>
+              </a:rPr>
+              <a:t>public double </a:t>
+            </a:r>
+            <a:r>
+              <a:rPr kumimoji="0" lang="en-US" altLang="en-US" sz="1800" b="0" i="0" u="none" strike="noStrike" cap="none" normalizeH="0" baseline="0">
+                <a:ln>
+                  <a:noFill/>
+                </a:ln>
+                <a:solidFill>
+                  <a:srgbClr val="FFC66D"/>
+                </a:solidFill>
+                <a:effectLst/>
+                <a:latin typeface="JetBrains Mono"/>
+              </a:rPr>
+              <a:t>getArea</a:t>
+            </a:r>
+            <a:r>
+              <a:rPr kumimoji="0" lang="en-US" altLang="en-US" sz="1800" b="0" i="0" u="none" strike="noStrike" cap="none" normalizeH="0" baseline="0">
+                <a:ln>
+                  <a:noFill/>
+                </a:ln>
+                <a:solidFill>
+                  <a:srgbClr val="A9B7C6"/>
+                </a:solidFill>
+                <a:effectLst/>
+                <a:latin typeface="JetBrains Mono"/>
+              </a:rPr>
+              <a:t>(){</a:t>
+            </a:r>
+            <a:br>
+              <a:rPr kumimoji="0" lang="en-US" altLang="en-US" sz="1800" b="0" i="0" u="none" strike="noStrike" cap="none" normalizeH="0" baseline="0">
+                <a:ln>
+                  <a:noFill/>
+                </a:ln>
+                <a:solidFill>
+                  <a:srgbClr val="A9B7C6"/>
+                </a:solidFill>
+                <a:effectLst/>
+                <a:latin typeface="JetBrains Mono"/>
+              </a:rPr>
+            </a:br>
+            <a:r>
+              <a:rPr kumimoji="0" lang="en-US" altLang="en-US" sz="1800" b="0" i="0" u="none" strike="noStrike" cap="none" normalizeH="0" baseline="0">
+                <a:ln>
+                  <a:noFill/>
+                </a:ln>
+                <a:solidFill>
+                  <a:srgbClr val="A9B7C6"/>
+                </a:solidFill>
+                <a:effectLst/>
+                <a:latin typeface="JetBrains Mono"/>
+              </a:rPr>
+              <a:t>        </a:t>
+            </a:r>
+            <a:r>
+              <a:rPr kumimoji="0" lang="en-US" altLang="en-US" sz="1800" b="0" i="0" u="none" strike="noStrike" cap="none" normalizeH="0" baseline="0">
+                <a:ln>
+                  <a:noFill/>
+                </a:ln>
+                <a:solidFill>
+                  <a:srgbClr val="CC7832"/>
+                </a:solidFill>
+                <a:effectLst/>
+                <a:latin typeface="JetBrains Mono"/>
+              </a:rPr>
+              <a:t>return </a:t>
+            </a:r>
+            <a:r>
+              <a:rPr kumimoji="0" lang="en-US" altLang="en-US" sz="1800" b="0" i="0" u="none" strike="noStrike" cap="none" normalizeH="0" baseline="0">
+                <a:ln>
+                  <a:noFill/>
+                </a:ln>
+                <a:solidFill>
+                  <a:srgbClr val="9876AA"/>
+                </a:solidFill>
+                <a:effectLst/>
+                <a:latin typeface="JetBrains Mono"/>
+              </a:rPr>
+              <a:t>area</a:t>
+            </a:r>
+            <a:r>
+              <a:rPr kumimoji="0" lang="en-US" altLang="en-US" sz="1800" b="0" i="0" u="none" strike="noStrike" cap="none" normalizeH="0" baseline="0">
+                <a:ln>
+                  <a:noFill/>
+                </a:ln>
+                <a:solidFill>
+                  <a:srgbClr val="CC7832"/>
+                </a:solidFill>
+                <a:effectLst/>
+                <a:latin typeface="JetBrains Mono"/>
+              </a:rPr>
+              <a:t>;</a:t>
+            </a:r>
+            <a:br>
+              <a:rPr kumimoji="0" lang="en-US" altLang="en-US" sz="1800" b="0" i="0" u="none" strike="noStrike" cap="none" normalizeH="0" baseline="0">
+                <a:ln>
+                  <a:noFill/>
+                </a:ln>
+                <a:solidFill>
+                  <a:srgbClr val="CC7832"/>
+                </a:solidFill>
+                <a:effectLst/>
+                <a:latin typeface="JetBrains Mono"/>
+              </a:rPr>
+            </a:br>
+            <a:r>
+              <a:rPr kumimoji="0" lang="en-US" altLang="en-US" sz="1800" b="0" i="0" u="none" strike="noStrike" cap="none" normalizeH="0" baseline="0">
+                <a:ln>
+                  <a:noFill/>
+                </a:ln>
+                <a:solidFill>
+                  <a:srgbClr val="CC7832"/>
+                </a:solidFill>
+                <a:effectLst/>
+                <a:latin typeface="JetBrains Mono"/>
+              </a:rPr>
+              <a:t>    </a:t>
+            </a:r>
+            <a:r>
+              <a:rPr kumimoji="0" lang="en-US" altLang="en-US" sz="1800" b="0" i="0" u="none" strike="noStrike" cap="none" normalizeH="0" baseline="0">
+                <a:ln>
+                  <a:noFill/>
+                </a:ln>
+                <a:solidFill>
+                  <a:srgbClr val="A9B7C6"/>
+                </a:solidFill>
+                <a:effectLst/>
+                <a:latin typeface="JetBrains Mono"/>
+              </a:rPr>
+              <a:t>}</a:t>
+            </a:r>
+            <a:br>
+              <a:rPr kumimoji="0" lang="en-US" altLang="en-US" sz="1800" b="0" i="0" u="none" strike="noStrike" cap="none" normalizeH="0" baseline="0">
+                <a:ln>
+                  <a:noFill/>
+                </a:ln>
+                <a:solidFill>
+                  <a:srgbClr val="A9B7C6"/>
+                </a:solidFill>
+                <a:effectLst/>
+                <a:latin typeface="JetBrains Mono"/>
+              </a:rPr>
+            </a:br>
+            <a:r>
+              <a:rPr kumimoji="0" lang="en-US" altLang="en-US" sz="1800" b="0" i="0" u="none" strike="noStrike" cap="none" normalizeH="0" baseline="0">
+                <a:ln>
+                  <a:noFill/>
+                </a:ln>
+                <a:solidFill>
+                  <a:srgbClr val="A9B7C6"/>
+                </a:solidFill>
+                <a:effectLst/>
+                <a:latin typeface="JetBrains Mono"/>
+              </a:rPr>
+              <a:t>    </a:t>
+            </a:r>
+            <a:r>
+              <a:rPr kumimoji="0" lang="en-US" altLang="en-US" sz="1800" b="0" i="0" u="none" strike="noStrike" cap="none" normalizeH="0" baseline="0">
+                <a:ln>
+                  <a:noFill/>
+                </a:ln>
+                <a:solidFill>
+                  <a:srgbClr val="CC7832"/>
+                </a:solidFill>
+                <a:effectLst/>
+                <a:latin typeface="JetBrains Mono"/>
+              </a:rPr>
+              <a:t>public </a:t>
+            </a:r>
+            <a:r>
+              <a:rPr kumimoji="0" lang="en-US" altLang="en-US" sz="1800" b="0" i="0" u="none" strike="noStrike" cap="none" normalizeH="0" baseline="0">
+                <a:ln>
+                  <a:noFill/>
+                </a:ln>
+                <a:solidFill>
+                  <a:srgbClr val="A9B7C6"/>
+                </a:solidFill>
+                <a:effectLst/>
+                <a:latin typeface="JetBrains Mono"/>
+              </a:rPr>
+              <a:t>String </a:t>
+            </a:r>
+            <a:r>
+              <a:rPr kumimoji="0" lang="en-US" altLang="en-US" sz="1800" b="0" i="0" u="none" strike="noStrike" cap="none" normalizeH="0" baseline="0">
+                <a:ln>
+                  <a:noFill/>
+                </a:ln>
+                <a:solidFill>
+                  <a:srgbClr val="FFC66D"/>
+                </a:solidFill>
+                <a:effectLst/>
+                <a:latin typeface="JetBrains Mono"/>
+              </a:rPr>
+              <a:t>getName</a:t>
+            </a:r>
+            <a:r>
+              <a:rPr kumimoji="0" lang="en-US" altLang="en-US" sz="1800" b="0" i="0" u="none" strike="noStrike" cap="none" normalizeH="0" baseline="0">
+                <a:ln>
+                  <a:noFill/>
+                </a:ln>
+                <a:solidFill>
+                  <a:srgbClr val="A9B7C6"/>
+                </a:solidFill>
+                <a:effectLst/>
+                <a:latin typeface="JetBrains Mono"/>
+              </a:rPr>
+              <a:t>(){ </a:t>
+            </a:r>
+            <a:r>
+              <a:rPr kumimoji="0" lang="en-US" altLang="en-US" sz="1800" b="0" i="0" u="none" strike="noStrike" cap="none" normalizeH="0" baseline="0">
+                <a:ln>
+                  <a:noFill/>
+                </a:ln>
+                <a:solidFill>
+                  <a:srgbClr val="CC7832"/>
+                </a:solidFill>
+                <a:effectLst/>
+                <a:latin typeface="JetBrains Mono"/>
+              </a:rPr>
+              <a:t>return </a:t>
+            </a:r>
+            <a:r>
+              <a:rPr kumimoji="0" lang="en-US" altLang="en-US" sz="1800" b="0" i="0" u="none" strike="noStrike" cap="none" normalizeH="0" baseline="0">
+                <a:ln>
+                  <a:noFill/>
+                </a:ln>
+                <a:solidFill>
+                  <a:srgbClr val="9876AA"/>
+                </a:solidFill>
+                <a:effectLst/>
+                <a:latin typeface="JetBrains Mono"/>
+              </a:rPr>
+              <a:t>name</a:t>
+            </a:r>
+            <a:r>
+              <a:rPr kumimoji="0" lang="en-US" altLang="en-US" sz="1800" b="0" i="0" u="none" strike="noStrike" cap="none" normalizeH="0" baseline="0">
+                <a:ln>
+                  <a:noFill/>
+                </a:ln>
+                <a:solidFill>
+                  <a:srgbClr val="CC7832"/>
+                </a:solidFill>
+                <a:effectLst/>
+                <a:latin typeface="JetBrains Mono"/>
+              </a:rPr>
+              <a:t>; </a:t>
+            </a:r>
+            <a:r>
+              <a:rPr kumimoji="0" lang="en-US" altLang="en-US" sz="1800" b="0" i="0" u="none" strike="noStrike" cap="none" normalizeH="0" baseline="0">
+                <a:ln>
+                  <a:noFill/>
+                </a:ln>
+                <a:solidFill>
+                  <a:srgbClr val="A9B7C6"/>
+                </a:solidFill>
+                <a:effectLst/>
+                <a:latin typeface="JetBrains Mono"/>
+              </a:rPr>
+              <a:t>}</a:t>
+            </a:r>
+            <a:br>
+              <a:rPr kumimoji="0" lang="en-US" altLang="en-US" sz="1800" b="0" i="0" u="none" strike="noStrike" cap="none" normalizeH="0" baseline="0">
+                <a:ln>
+                  <a:noFill/>
+                </a:ln>
+                <a:solidFill>
+                  <a:srgbClr val="A9B7C6"/>
+                </a:solidFill>
+                <a:effectLst/>
+                <a:latin typeface="JetBrains Mono"/>
+              </a:rPr>
+            </a:br>
+            <a:r>
+              <a:rPr kumimoji="0" lang="en-US" altLang="en-US" sz="1800" b="0" i="0" u="none" strike="noStrike" cap="none" normalizeH="0" baseline="0">
+                <a:ln>
+                  <a:noFill/>
+                </a:ln>
+                <a:solidFill>
+                  <a:srgbClr val="A9B7C6"/>
+                </a:solidFill>
+                <a:effectLst/>
+                <a:latin typeface="JetBrains Mono"/>
+              </a:rPr>
+              <a:t>    </a:t>
+            </a:r>
+            <a:r>
+              <a:rPr kumimoji="0" lang="en-US" altLang="en-US" sz="1800" b="0" i="0" u="none" strike="noStrike" cap="none" normalizeH="0" baseline="0">
+                <a:ln>
+                  <a:noFill/>
+                </a:ln>
+                <a:solidFill>
+                  <a:srgbClr val="BBB529"/>
+                </a:solidFill>
+                <a:effectLst/>
+                <a:latin typeface="JetBrains Mono"/>
+              </a:rPr>
+              <a:t>@Override</a:t>
+            </a:r>
+            <a:br>
+              <a:rPr kumimoji="0" lang="en-US" altLang="en-US" sz="1800" b="0" i="0" u="none" strike="noStrike" cap="none" normalizeH="0" baseline="0">
+                <a:ln>
+                  <a:noFill/>
+                </a:ln>
+                <a:solidFill>
+                  <a:srgbClr val="BBB529"/>
+                </a:solidFill>
+                <a:effectLst/>
+                <a:latin typeface="JetBrains Mono"/>
+              </a:rPr>
+            </a:br>
+            <a:r>
+              <a:rPr kumimoji="0" lang="en-US" altLang="en-US" sz="1800" b="0" i="0" u="none" strike="noStrike" cap="none" normalizeH="0" baseline="0">
+                <a:ln>
+                  <a:noFill/>
+                </a:ln>
+                <a:solidFill>
+                  <a:srgbClr val="BBB529"/>
+                </a:solidFill>
+                <a:effectLst/>
+                <a:latin typeface="JetBrains Mono"/>
+              </a:rPr>
+              <a:t>    </a:t>
+            </a:r>
+            <a:r>
+              <a:rPr kumimoji="0" lang="en-US" altLang="en-US" sz="1800" b="0" i="0" u="none" strike="noStrike" cap="none" normalizeH="0" baseline="0">
+                <a:ln>
+                  <a:noFill/>
+                </a:ln>
+                <a:solidFill>
+                  <a:srgbClr val="CC7832"/>
+                </a:solidFill>
+                <a:effectLst/>
+                <a:latin typeface="JetBrains Mono"/>
+              </a:rPr>
+              <a:t>public int </a:t>
+            </a:r>
+            <a:r>
+              <a:rPr kumimoji="0" lang="en-US" altLang="en-US" sz="1800" b="0" i="0" u="none" strike="noStrike" cap="none" normalizeH="0" baseline="0">
+                <a:ln>
+                  <a:noFill/>
+                </a:ln>
+                <a:solidFill>
+                  <a:srgbClr val="FFC66D"/>
+                </a:solidFill>
+                <a:effectLst/>
+                <a:latin typeface="JetBrains Mono"/>
+              </a:rPr>
+              <a:t>compareTo</a:t>
+            </a:r>
+            <a:r>
+              <a:rPr kumimoji="0" lang="en-US" altLang="en-US" sz="1800" b="0" i="0" u="none" strike="noStrike" cap="none" normalizeH="0" baseline="0">
+                <a:ln>
+                  <a:noFill/>
+                </a:ln>
+                <a:solidFill>
+                  <a:srgbClr val="A9B7C6"/>
+                </a:solidFill>
+                <a:effectLst/>
+                <a:latin typeface="JetBrains Mono"/>
+              </a:rPr>
+              <a:t>(Country o) {</a:t>
+            </a:r>
+            <a:br>
+              <a:rPr kumimoji="0" lang="en-US" altLang="en-US" sz="1800" b="0" i="0" u="none" strike="noStrike" cap="none" normalizeH="0" baseline="0">
+                <a:ln>
+                  <a:noFill/>
+                </a:ln>
+                <a:solidFill>
+                  <a:srgbClr val="A9B7C6"/>
+                </a:solidFill>
+                <a:effectLst/>
+                <a:latin typeface="JetBrains Mono"/>
+              </a:rPr>
+            </a:br>
+            <a:r>
+              <a:rPr kumimoji="0" lang="en-US" altLang="en-US" sz="1800" b="0" i="0" u="none" strike="noStrike" cap="none" normalizeH="0" baseline="0">
+                <a:ln>
+                  <a:noFill/>
+                </a:ln>
+                <a:solidFill>
+                  <a:srgbClr val="A9B7C6"/>
+                </a:solidFill>
+                <a:effectLst/>
+                <a:latin typeface="JetBrains Mono"/>
+              </a:rPr>
+              <a:t>        </a:t>
+            </a:r>
+            <a:r>
+              <a:rPr kumimoji="0" lang="en-US" altLang="en-US" sz="1800" b="0" i="0" u="none" strike="noStrike" cap="none" normalizeH="0" baseline="0">
+                <a:ln>
+                  <a:noFill/>
+                </a:ln>
+                <a:solidFill>
+                  <a:srgbClr val="808080"/>
+                </a:solidFill>
+                <a:effectLst/>
+                <a:latin typeface="JetBrains Mono"/>
+              </a:rPr>
+              <a:t>//needs to be implemented</a:t>
+            </a:r>
+            <a:br>
+              <a:rPr kumimoji="0" lang="en-US" altLang="en-US" sz="1800" b="0" i="0" u="none" strike="noStrike" cap="none" normalizeH="0" baseline="0">
+                <a:ln>
+                  <a:noFill/>
+                </a:ln>
+                <a:solidFill>
+                  <a:srgbClr val="808080"/>
+                </a:solidFill>
+                <a:effectLst/>
+                <a:latin typeface="JetBrains Mono"/>
+              </a:rPr>
+            </a:br>
+            <a:r>
+              <a:rPr kumimoji="0" lang="en-US" altLang="en-US" sz="1800" b="0" i="0" u="none" strike="noStrike" cap="none" normalizeH="0" baseline="0">
+                <a:ln>
+                  <a:noFill/>
+                </a:ln>
+                <a:solidFill>
+                  <a:srgbClr val="808080"/>
+                </a:solidFill>
+                <a:effectLst/>
+                <a:latin typeface="JetBrains Mono"/>
+              </a:rPr>
+              <a:t>    </a:t>
+            </a:r>
+            <a:r>
+              <a:rPr kumimoji="0" lang="en-US" altLang="en-US" sz="1800" b="0" i="0" u="none" strike="noStrike" cap="none" normalizeH="0" baseline="0">
+                <a:ln>
+                  <a:noFill/>
+                </a:ln>
+                <a:solidFill>
+                  <a:srgbClr val="A9B7C6"/>
+                </a:solidFill>
+                <a:effectLst/>
+                <a:latin typeface="JetBrains Mono"/>
+              </a:rPr>
+              <a:t>}</a:t>
+            </a:r>
+            <a:br>
+              <a:rPr kumimoji="0" lang="en-US" altLang="en-US" sz="1800" b="0" i="0" u="none" strike="noStrike" cap="none" normalizeH="0" baseline="0">
+                <a:ln>
+                  <a:noFill/>
+                </a:ln>
+                <a:solidFill>
+                  <a:srgbClr val="A9B7C6"/>
+                </a:solidFill>
+                <a:effectLst/>
+                <a:latin typeface="JetBrains Mono"/>
+              </a:rPr>
+            </a:br>
+            <a:r>
+              <a:rPr kumimoji="0" lang="en-US" altLang="en-US" sz="1800" b="0" i="0" u="none" strike="noStrike" cap="none" normalizeH="0" baseline="0">
+                <a:ln>
+                  <a:noFill/>
+                </a:ln>
+                <a:solidFill>
+                  <a:srgbClr val="A9B7C6"/>
+                </a:solidFill>
+                <a:effectLst/>
+                <a:latin typeface="JetBrains Mono"/>
+              </a:rPr>
+              <a:t>    </a:t>
+            </a:r>
+            <a:r>
+              <a:rPr kumimoji="0" lang="en-US" altLang="en-US" sz="1800" b="0" i="0" u="none" strike="noStrike" cap="none" normalizeH="0" baseline="0">
+                <a:ln>
+                  <a:noFill/>
+                </a:ln>
+                <a:solidFill>
+                  <a:srgbClr val="BBB529"/>
+                </a:solidFill>
+                <a:effectLst/>
+                <a:latin typeface="JetBrains Mono"/>
+              </a:rPr>
+              <a:t>@Override</a:t>
+            </a:r>
+            <a:br>
+              <a:rPr kumimoji="0" lang="en-US" altLang="en-US" sz="1800" b="0" i="0" u="none" strike="noStrike" cap="none" normalizeH="0" baseline="0">
+                <a:ln>
+                  <a:noFill/>
+                </a:ln>
+                <a:solidFill>
+                  <a:srgbClr val="BBB529"/>
+                </a:solidFill>
+                <a:effectLst/>
+                <a:latin typeface="JetBrains Mono"/>
+              </a:rPr>
+            </a:br>
+            <a:r>
+              <a:rPr kumimoji="0" lang="en-US" altLang="en-US" sz="1800" b="0" i="0" u="none" strike="noStrike" cap="none" normalizeH="0" baseline="0">
+                <a:ln>
+                  <a:noFill/>
+                </a:ln>
+                <a:solidFill>
+                  <a:srgbClr val="BBB529"/>
+                </a:solidFill>
+                <a:effectLst/>
+                <a:latin typeface="JetBrains Mono"/>
+              </a:rPr>
+              <a:t>    </a:t>
+            </a:r>
+            <a:r>
+              <a:rPr kumimoji="0" lang="en-US" altLang="en-US" sz="1800" b="0" i="0" u="none" strike="noStrike" cap="none" normalizeH="0" baseline="0">
+                <a:ln>
+                  <a:noFill/>
+                </a:ln>
+                <a:solidFill>
+                  <a:srgbClr val="CC7832"/>
+                </a:solidFill>
+                <a:effectLst/>
+                <a:latin typeface="JetBrains Mono"/>
+              </a:rPr>
+              <a:t>public boolean </a:t>
+            </a:r>
+            <a:r>
+              <a:rPr kumimoji="0" lang="en-US" altLang="en-US" sz="1800" b="0" i="0" u="none" strike="noStrike" cap="none" normalizeH="0" baseline="0">
+                <a:ln>
+                  <a:noFill/>
+                </a:ln>
+                <a:solidFill>
+                  <a:srgbClr val="FFC66D"/>
+                </a:solidFill>
+                <a:effectLst/>
+                <a:latin typeface="JetBrains Mono"/>
+              </a:rPr>
+              <a:t>equals</a:t>
+            </a:r>
+            <a:r>
+              <a:rPr kumimoji="0" lang="en-US" altLang="en-US" sz="1800" b="0" i="0" u="none" strike="noStrike" cap="none" normalizeH="0" baseline="0">
+                <a:ln>
+                  <a:noFill/>
+                </a:ln>
+                <a:solidFill>
+                  <a:srgbClr val="A9B7C6"/>
+                </a:solidFill>
+                <a:effectLst/>
+                <a:latin typeface="JetBrains Mono"/>
+              </a:rPr>
+              <a:t>(Object obj) {</a:t>
+            </a:r>
+            <a:br>
+              <a:rPr kumimoji="0" lang="en-US" altLang="en-US" sz="1800" b="0" i="0" u="none" strike="noStrike" cap="none" normalizeH="0" baseline="0">
+                <a:ln>
+                  <a:noFill/>
+                </a:ln>
+                <a:solidFill>
+                  <a:srgbClr val="A9B7C6"/>
+                </a:solidFill>
+                <a:effectLst/>
+                <a:latin typeface="JetBrains Mono"/>
+              </a:rPr>
+            </a:br>
+            <a:r>
+              <a:rPr kumimoji="0" lang="en-US" altLang="en-US" sz="1800" b="0" i="0" u="none" strike="noStrike" cap="none" normalizeH="0" baseline="0">
+                <a:ln>
+                  <a:noFill/>
+                </a:ln>
+                <a:solidFill>
+                  <a:srgbClr val="A9B7C6"/>
+                </a:solidFill>
+                <a:effectLst/>
+                <a:latin typeface="JetBrains Mono"/>
+              </a:rPr>
+              <a:t>        </a:t>
+            </a:r>
+            <a:r>
+              <a:rPr kumimoji="0" lang="en-US" altLang="en-US" sz="1800" b="0" i="0" u="none" strike="noStrike" cap="none" normalizeH="0" baseline="0">
+                <a:ln>
+                  <a:noFill/>
+                </a:ln>
+                <a:solidFill>
+                  <a:srgbClr val="808080"/>
+                </a:solidFill>
+                <a:effectLst/>
+                <a:latin typeface="JetBrains Mono"/>
+              </a:rPr>
+              <a:t>//needs to be implemented</a:t>
+            </a:r>
+            <a:br>
+              <a:rPr kumimoji="0" lang="en-US" altLang="en-US" sz="1800" b="0" i="0" u="none" strike="noStrike" cap="none" normalizeH="0" baseline="0">
+                <a:ln>
+                  <a:noFill/>
+                </a:ln>
+                <a:solidFill>
+                  <a:srgbClr val="808080"/>
+                </a:solidFill>
+                <a:effectLst/>
+                <a:latin typeface="JetBrains Mono"/>
+              </a:rPr>
+            </a:br>
+            <a:r>
+              <a:rPr kumimoji="0" lang="en-US" altLang="en-US" sz="1800" b="0" i="0" u="none" strike="noStrike" cap="none" normalizeH="0" baseline="0">
+                <a:ln>
+                  <a:noFill/>
+                </a:ln>
+                <a:solidFill>
+                  <a:srgbClr val="808080"/>
+                </a:solidFill>
+                <a:effectLst/>
+                <a:latin typeface="JetBrains Mono"/>
+              </a:rPr>
+              <a:t>    </a:t>
+            </a:r>
+            <a:r>
+              <a:rPr kumimoji="0" lang="en-US" altLang="en-US" sz="1800" b="0" i="0" u="none" strike="noStrike" cap="none" normalizeH="0" baseline="0">
+                <a:ln>
+                  <a:noFill/>
+                </a:ln>
+                <a:solidFill>
+                  <a:srgbClr val="A9B7C6"/>
+                </a:solidFill>
+                <a:effectLst/>
+                <a:latin typeface="JetBrains Mono"/>
+              </a:rPr>
+              <a:t>}</a:t>
+            </a:r>
+            <a:br>
+              <a:rPr kumimoji="0" lang="en-US" altLang="en-US" sz="1800" b="0" i="0" u="none" strike="noStrike" cap="none" normalizeH="0" baseline="0">
+                <a:ln>
+                  <a:noFill/>
+                </a:ln>
+                <a:solidFill>
+                  <a:srgbClr val="A9B7C6"/>
+                </a:solidFill>
+                <a:effectLst/>
+                <a:latin typeface="JetBrains Mono"/>
+              </a:rPr>
+            </a:br>
+            <a:r>
+              <a:rPr kumimoji="0" lang="en-US" altLang="en-US" sz="1800" b="0" i="0" u="none" strike="noStrike" cap="none" normalizeH="0" baseline="0">
+                <a:ln>
+                  <a:noFill/>
+                </a:ln>
+                <a:solidFill>
+                  <a:srgbClr val="A9B7C6"/>
+                </a:solidFill>
+                <a:effectLst/>
+                <a:latin typeface="JetBrains Mono"/>
+              </a:rPr>
+              <a:t>    </a:t>
+            </a:r>
+            <a:r>
+              <a:rPr kumimoji="0" lang="en-US" altLang="en-US" sz="1800" b="0" i="0" u="none" strike="noStrike" cap="none" normalizeH="0" baseline="0">
+                <a:ln>
+                  <a:noFill/>
+                </a:ln>
+                <a:solidFill>
+                  <a:srgbClr val="CC7832"/>
+                </a:solidFill>
+                <a:effectLst/>
+                <a:latin typeface="JetBrains Mono"/>
+              </a:rPr>
+              <a:t>public </a:t>
+            </a:r>
+            <a:r>
+              <a:rPr kumimoji="0" lang="en-US" altLang="en-US" sz="1800" b="0" i="0" u="none" strike="noStrike" cap="none" normalizeH="0" baseline="0">
+                <a:ln>
+                  <a:noFill/>
+                </a:ln>
+                <a:solidFill>
+                  <a:srgbClr val="A9B7C6"/>
+                </a:solidFill>
+                <a:effectLst/>
+                <a:latin typeface="JetBrains Mono"/>
+              </a:rPr>
+              <a:t>String </a:t>
+            </a:r>
+            <a:r>
+              <a:rPr kumimoji="0" lang="en-US" altLang="en-US" sz="1800" b="0" i="0" u="none" strike="noStrike" cap="none" normalizeH="0" baseline="0">
+                <a:ln>
+                  <a:noFill/>
+                </a:ln>
+                <a:solidFill>
+                  <a:srgbClr val="FFC66D"/>
+                </a:solidFill>
+                <a:effectLst/>
+                <a:latin typeface="JetBrains Mono"/>
+              </a:rPr>
+              <a:t>toString</a:t>
+            </a:r>
+            <a:r>
+              <a:rPr kumimoji="0" lang="en-US" altLang="en-US" sz="1800" b="0" i="0" u="none" strike="noStrike" cap="none" normalizeH="0" baseline="0">
+                <a:ln>
+                  <a:noFill/>
+                </a:ln>
+                <a:solidFill>
+                  <a:srgbClr val="A9B7C6"/>
+                </a:solidFill>
+                <a:effectLst/>
+                <a:latin typeface="JetBrains Mono"/>
+              </a:rPr>
+              <a:t>(){</a:t>
+            </a:r>
+            <a:br>
+              <a:rPr kumimoji="0" lang="en-US" altLang="en-US" sz="1800" b="0" i="0" u="none" strike="noStrike" cap="none" normalizeH="0" baseline="0">
+                <a:ln>
+                  <a:noFill/>
+                </a:ln>
+                <a:solidFill>
+                  <a:srgbClr val="A9B7C6"/>
+                </a:solidFill>
+                <a:effectLst/>
+                <a:latin typeface="JetBrains Mono"/>
+              </a:rPr>
+            </a:br>
+            <a:r>
+              <a:rPr kumimoji="0" lang="en-US" altLang="en-US" sz="1800" b="0" i="0" u="none" strike="noStrike" cap="none" normalizeH="0" baseline="0">
+                <a:ln>
+                  <a:noFill/>
+                </a:ln>
+                <a:solidFill>
+                  <a:srgbClr val="A9B7C6"/>
+                </a:solidFill>
+                <a:effectLst/>
+                <a:latin typeface="JetBrains Mono"/>
+              </a:rPr>
+              <a:t>        </a:t>
+            </a:r>
+            <a:r>
+              <a:rPr kumimoji="0" lang="en-US" altLang="en-US" sz="1800" b="0" i="0" u="none" strike="noStrike" cap="none" normalizeH="0" baseline="0">
+                <a:ln>
+                  <a:noFill/>
+                </a:ln>
+                <a:solidFill>
+                  <a:srgbClr val="CC7832"/>
+                </a:solidFill>
+                <a:effectLst/>
+                <a:latin typeface="JetBrains Mono"/>
+              </a:rPr>
+              <a:t>return </a:t>
+            </a:r>
+            <a:r>
+              <a:rPr kumimoji="0" lang="en-US" altLang="en-US" sz="1800" b="0" i="0" u="none" strike="noStrike" cap="none" normalizeH="0" baseline="0">
+                <a:ln>
+                  <a:noFill/>
+                </a:ln>
+                <a:solidFill>
+                  <a:srgbClr val="6A8759"/>
+                </a:solidFill>
+                <a:effectLst/>
+                <a:latin typeface="JetBrains Mono"/>
+              </a:rPr>
+              <a:t>"name: " </a:t>
+            </a:r>
+            <a:r>
+              <a:rPr kumimoji="0" lang="en-US" altLang="en-US" sz="1800" b="0" i="0" u="none" strike="noStrike" cap="none" normalizeH="0" baseline="0">
+                <a:ln>
+                  <a:noFill/>
+                </a:ln>
+                <a:solidFill>
+                  <a:srgbClr val="A9B7C6"/>
+                </a:solidFill>
+                <a:effectLst/>
+                <a:latin typeface="JetBrains Mono"/>
+              </a:rPr>
+              <a:t>+ </a:t>
+            </a:r>
+            <a:r>
+              <a:rPr kumimoji="0" lang="en-US" altLang="en-US" sz="1800" b="0" i="0" u="none" strike="noStrike" cap="none" normalizeH="0" baseline="0">
+                <a:ln>
+                  <a:noFill/>
+                </a:ln>
+                <a:solidFill>
+                  <a:srgbClr val="9876AA"/>
+                </a:solidFill>
+                <a:effectLst/>
+                <a:latin typeface="JetBrains Mono"/>
+              </a:rPr>
+              <a:t>name </a:t>
+            </a:r>
+            <a:r>
+              <a:rPr kumimoji="0" lang="en-US" altLang="en-US" sz="1800" b="0" i="0" u="none" strike="noStrike" cap="none" normalizeH="0" baseline="0">
+                <a:ln>
+                  <a:noFill/>
+                </a:ln>
+                <a:solidFill>
+                  <a:srgbClr val="A9B7C6"/>
+                </a:solidFill>
+                <a:effectLst/>
+                <a:latin typeface="JetBrains Mono"/>
+              </a:rPr>
+              <a:t>+ </a:t>
+            </a:r>
+            <a:r>
+              <a:rPr kumimoji="0" lang="en-US" altLang="en-US" sz="1800" b="0" i="0" u="none" strike="noStrike" cap="none" normalizeH="0" baseline="0">
+                <a:ln>
+                  <a:noFill/>
+                </a:ln>
+                <a:solidFill>
+                  <a:srgbClr val="6A8759"/>
+                </a:solidFill>
+                <a:effectLst/>
+                <a:latin typeface="JetBrains Mono"/>
+              </a:rPr>
+              <a:t>" area: " </a:t>
+            </a:r>
+            <a:r>
+              <a:rPr kumimoji="0" lang="en-US" altLang="en-US" sz="1800" b="0" i="0" u="none" strike="noStrike" cap="none" normalizeH="0" baseline="0">
+                <a:ln>
+                  <a:noFill/>
+                </a:ln>
+                <a:solidFill>
+                  <a:srgbClr val="A9B7C6"/>
+                </a:solidFill>
+                <a:effectLst/>
+                <a:latin typeface="JetBrains Mono"/>
+              </a:rPr>
+              <a:t>+ </a:t>
+            </a:r>
+            <a:r>
+              <a:rPr kumimoji="0" lang="en-US" altLang="en-US" sz="1800" b="0" i="0" u="none" strike="noStrike" cap="none" normalizeH="0" baseline="0">
+                <a:ln>
+                  <a:noFill/>
+                </a:ln>
+                <a:solidFill>
+                  <a:srgbClr val="9876AA"/>
+                </a:solidFill>
+                <a:effectLst/>
+                <a:latin typeface="JetBrains Mono"/>
+              </a:rPr>
+              <a:t>area</a:t>
+            </a:r>
+            <a:r>
+              <a:rPr kumimoji="0" lang="en-US" altLang="en-US" sz="1800" b="0" i="0" u="none" strike="noStrike" cap="none" normalizeH="0" baseline="0">
+                <a:ln>
+                  <a:noFill/>
+                </a:ln>
+                <a:solidFill>
+                  <a:srgbClr val="CC7832"/>
+                </a:solidFill>
+                <a:effectLst/>
+                <a:latin typeface="JetBrains Mono"/>
+              </a:rPr>
+              <a:t>;</a:t>
+            </a:r>
+            <a:br>
+              <a:rPr kumimoji="0" lang="en-US" altLang="en-US" sz="1800" b="0" i="0" u="none" strike="noStrike" cap="none" normalizeH="0" baseline="0">
+                <a:ln>
+                  <a:noFill/>
+                </a:ln>
+                <a:solidFill>
+                  <a:srgbClr val="CC7832"/>
+                </a:solidFill>
+                <a:effectLst/>
+                <a:latin typeface="JetBrains Mono"/>
+              </a:rPr>
+            </a:br>
+            <a:r>
+              <a:rPr kumimoji="0" lang="en-US" altLang="en-US" sz="1800" b="0" i="0" u="none" strike="noStrike" cap="none" normalizeH="0" baseline="0">
+                <a:ln>
+                  <a:noFill/>
+                </a:ln>
+                <a:solidFill>
+                  <a:srgbClr val="CC7832"/>
+                </a:solidFill>
+                <a:effectLst/>
+                <a:latin typeface="JetBrains Mono"/>
+              </a:rPr>
+              <a:t>    </a:t>
+            </a:r>
+            <a:r>
+              <a:rPr kumimoji="0" lang="en-US" altLang="en-US" sz="1800" b="0" i="0" u="none" strike="noStrike" cap="none" normalizeH="0" baseline="0">
+                <a:ln>
+                  <a:noFill/>
+                </a:ln>
+                <a:solidFill>
+                  <a:srgbClr val="A9B7C6"/>
+                </a:solidFill>
+                <a:effectLst/>
+                <a:latin typeface="JetBrains Mono"/>
+              </a:rPr>
+              <a:t>}</a:t>
+            </a:r>
+            <a:br>
+              <a:rPr kumimoji="0" lang="en-US" altLang="en-US" sz="1800" b="0" i="0" u="none" strike="noStrike" cap="none" normalizeH="0" baseline="0">
+                <a:ln>
+                  <a:noFill/>
+                </a:ln>
+                <a:solidFill>
+                  <a:srgbClr val="A9B7C6"/>
+                </a:solidFill>
+                <a:effectLst/>
+                <a:latin typeface="JetBrains Mono"/>
+              </a:rPr>
+            </a:br>
+            <a:r>
+              <a:rPr kumimoji="0" lang="en-US" altLang="en-US" sz="1800" b="0" i="0" u="none" strike="noStrike" cap="none" normalizeH="0" baseline="0">
+                <a:ln>
+                  <a:noFill/>
+                </a:ln>
+                <a:solidFill>
+                  <a:srgbClr val="A9B7C6"/>
+                </a:solidFill>
+                <a:effectLst/>
+                <a:latin typeface="JetBrains Mono"/>
+              </a:rPr>
+              <a:t>}</a:t>
+            </a:r>
+            <a:endParaRPr kumimoji="0" lang="en-US" altLang="en-US" sz="1800" b="0" i="0" u="none" strike="noStrike" cap="none" normalizeH="0" baseline="0">
+              <a:ln>
+                <a:noFill/>
+              </a:ln>
+              <a:solidFill>
+                <a:schemeClr val="tx1"/>
+              </a:solidFill>
+              <a:effectLst/>
+              <a:latin typeface="Arial" panose="020B0604020202020204" pitchFamily="34" charset="0"/>
+            </a:endParaRPr>
+          </a:p>
+        </p:txBody>
+      </p:sp>
+    </p:spTree>
+    <p:extLst>
+      <p:ext uri="{BB962C8B-B14F-4D97-AF65-F5344CB8AC3E}">
+        <p14:creationId xmlns:p14="http://schemas.microsoft.com/office/powerpoint/2010/main" val="1035711711"/>
       </p:ext>
     </p:extLst>
   </p:cSld>

--- a/slides/On-Campus/14_02_SearchingAndSorting.pptx
+++ b/slides/On-Campus/14_02_SearchingAndSorting.pptx
@@ -5,10 +5,10 @@
     <p:sldMasterId id="2147483648" r:id="rId1"/>
   </p:sldMasterIdLst>
   <p:notesMasterIdLst>
-    <p:notesMasterId r:id="rId12"/>
+    <p:notesMasterId r:id="rId13"/>
   </p:notesMasterIdLst>
   <p:handoutMasterIdLst>
-    <p:handoutMasterId r:id="rId13"/>
+    <p:handoutMasterId r:id="rId14"/>
   </p:handoutMasterIdLst>
   <p:sldIdLst>
     <p:sldId id="256" r:id="rId2"/>
@@ -16,11 +16,12 @@
     <p:sldId id="257" r:id="rId4"/>
     <p:sldId id="258" r:id="rId5"/>
     <p:sldId id="259" r:id="rId6"/>
-    <p:sldId id="260" r:id="rId7"/>
-    <p:sldId id="261" r:id="rId8"/>
-    <p:sldId id="263" r:id="rId9"/>
-    <p:sldId id="272" r:id="rId10"/>
-    <p:sldId id="273" r:id="rId11"/>
+    <p:sldId id="274" r:id="rId7"/>
+    <p:sldId id="260" r:id="rId8"/>
+    <p:sldId id="261" r:id="rId9"/>
+    <p:sldId id="263" r:id="rId10"/>
+    <p:sldId id="272" r:id="rId11"/>
+    <p:sldId id="273" r:id="rId12"/>
   </p:sldIdLst>
   <p:sldSz cx="13817600" cy="7772400"/>
   <p:notesSz cx="6858000" cy="9144000"/>
@@ -480,7 +481,7 @@
           <a:p>
             <a:fld id="{4D7E51A5-B478-1E40-8CBB-0DAA8831E99D}" type="datetimeFigureOut">
               <a:rPr lang="en-US" smtClean="0"/>
-              <a:t>11/30/2021</a:t>
+              <a:t>11/30/21</a:t>
             </a:fld>
             <a:endParaRPr lang="en-US"/>
           </a:p>
@@ -645,7 +646,7 @@
           <a:p>
             <a:fld id="{D0ED587F-861E-6740-9643-E3DDAE89B8D6}" type="datetimeFigureOut">
               <a:rPr lang="en-US" smtClean="0"/>
-              <a:t>11/29/2021</a:t>
+              <a:t>11/30/21</a:t>
             </a:fld>
             <a:endParaRPr lang="en-US"/>
           </a:p>
@@ -7607,6 +7608,1611 @@
             <p:ph type="title"/>
           </p:nvPr>
         </p:nvSpPr>
+        <p:spPr/>
+        <p:txBody>
+          <a:bodyPr/>
+          <a:lstStyle/>
+          <a:p>
+            <a:r>
+              <a:rPr lang="en-US" dirty="0"/>
+              <a:t>Country</a:t>
+            </a:r>
+          </a:p>
+        </p:txBody>
+      </p:sp>
+      <p:sp>
+        <p:nvSpPr>
+          <p:cNvPr id="6" name="Rectangle 1">
+            <a:extLst>
+              <a:ext uri="{FF2B5EF4-FFF2-40B4-BE49-F238E27FC236}">
+                <a16:creationId xmlns:a16="http://schemas.microsoft.com/office/drawing/2014/main" id="{8ED0C47D-BC17-44BF-B794-1EBF50A776A9}"/>
+              </a:ext>
+            </a:extLst>
+          </p:cNvPr>
+          <p:cNvSpPr>
+            <a:spLocks noChangeArrowheads="1"/>
+          </p:cNvSpPr>
+          <p:nvPr/>
+        </p:nvSpPr>
+        <p:spPr bwMode="auto">
+          <a:xfrm>
+            <a:off x="3880884" y="422081"/>
+            <a:ext cx="7464056" cy="6740307"/>
+          </a:xfrm>
+          <a:prstGeom prst="rect">
+            <a:avLst/>
+          </a:prstGeom>
+          <a:solidFill>
+            <a:srgbClr val="2B2B2B"/>
+          </a:solidFill>
+          <a:ln>
+            <a:noFill/>
+          </a:ln>
+          <a:effectLst/>
+          <a:extLst>
+            <a:ext uri="{91240B29-F687-4F45-9708-019B960494DF}">
+              <a14:hiddenLine xmlns:a14="http://schemas.microsoft.com/office/drawing/2010/main" w="9525">
+                <a:solidFill>
+                  <a:schemeClr val="tx1"/>
+                </a:solidFill>
+                <a:miter lim="800000"/>
+                <a:headEnd/>
+                <a:tailEnd/>
+              </a14:hiddenLine>
+            </a:ext>
+            <a:ext uri="{AF507438-7753-43E0-B8FC-AC1667EBCBE1}">
+              <a14:hiddenEffects xmlns:a14="http://schemas.microsoft.com/office/drawing/2010/main">
+                <a:effectLst>
+                  <a:outerShdw dist="35921" dir="2700000" algn="ctr" rotWithShape="0">
+                    <a:schemeClr val="bg2"/>
+                  </a:outerShdw>
+                </a:effectLst>
+              </a14:hiddenEffects>
+            </a:ext>
+          </a:extLst>
+        </p:spPr>
+        <p:txBody>
+          <a:bodyPr vert="horz" wrap="square" lIns="91440" tIns="45720" rIns="91440" bIns="45720" numCol="1" anchor="ctr" anchorCtr="0" compatLnSpc="1">
+            <a:prstTxWarp prst="textNoShape">
+              <a:avLst/>
+            </a:prstTxWarp>
+            <a:spAutoFit/>
+          </a:bodyPr>
+          <a:lstStyle/>
+          <a:p>
+            <a:pPr marL="0" marR="0" lvl="0" indent="0" algn="l" defTabSz="914400" rtl="0" eaLnBrk="0" fontAlgn="base" latinLnBrk="0" hangingPunct="0">
+              <a:lnSpc>
+                <a:spcPct val="100000"/>
+              </a:lnSpc>
+              <a:spcBef>
+                <a:spcPct val="0"/>
+              </a:spcBef>
+              <a:spcAft>
+                <a:spcPct val="0"/>
+              </a:spcAft>
+              <a:buClrTx/>
+              <a:buSzTx/>
+              <a:buFontTx/>
+              <a:buNone/>
+              <a:tabLst/>
+            </a:pPr>
+            <a:r>
+              <a:rPr kumimoji="0" lang="en-US" altLang="en-US" sz="1800" b="0" i="0" u="none" strike="noStrike" cap="none" normalizeH="0" baseline="0">
+                <a:ln>
+                  <a:noFill/>
+                </a:ln>
+                <a:solidFill>
+                  <a:srgbClr val="CC7832"/>
+                </a:solidFill>
+                <a:effectLst/>
+                <a:latin typeface="JetBrains Mono"/>
+              </a:rPr>
+              <a:t>public class </a:t>
+            </a:r>
+            <a:r>
+              <a:rPr kumimoji="0" lang="en-US" altLang="en-US" sz="1800" b="0" i="0" u="none" strike="noStrike" cap="none" normalizeH="0" baseline="0">
+                <a:ln>
+                  <a:noFill/>
+                </a:ln>
+                <a:solidFill>
+                  <a:srgbClr val="A9B7C6"/>
+                </a:solidFill>
+                <a:effectLst/>
+                <a:latin typeface="JetBrains Mono"/>
+              </a:rPr>
+              <a:t>Country </a:t>
+            </a:r>
+            <a:r>
+              <a:rPr kumimoji="0" lang="en-US" altLang="en-US" sz="1800" b="0" i="0" u="none" strike="noStrike" cap="none" normalizeH="0" baseline="0">
+                <a:ln>
+                  <a:noFill/>
+                </a:ln>
+                <a:solidFill>
+                  <a:srgbClr val="CC7832"/>
+                </a:solidFill>
+                <a:effectLst/>
+                <a:latin typeface="JetBrains Mono"/>
+              </a:rPr>
+              <a:t>implements </a:t>
+            </a:r>
+            <a:r>
+              <a:rPr kumimoji="0" lang="en-US" altLang="en-US" sz="1800" b="0" i="0" u="none" strike="noStrike" cap="none" normalizeH="0" baseline="0">
+                <a:ln>
+                  <a:noFill/>
+                </a:ln>
+                <a:solidFill>
+                  <a:srgbClr val="A9B7C6"/>
+                </a:solidFill>
+                <a:effectLst/>
+                <a:latin typeface="JetBrains Mono"/>
+              </a:rPr>
+              <a:t>Comparable&lt;Country&gt;{</a:t>
+            </a:r>
+            <a:br>
+              <a:rPr kumimoji="0" lang="en-US" altLang="en-US" sz="1800" b="0" i="0" u="none" strike="noStrike" cap="none" normalizeH="0" baseline="0">
+                <a:ln>
+                  <a:noFill/>
+                </a:ln>
+                <a:solidFill>
+                  <a:srgbClr val="A9B7C6"/>
+                </a:solidFill>
+                <a:effectLst/>
+                <a:latin typeface="JetBrains Mono"/>
+              </a:rPr>
+            </a:br>
+            <a:r>
+              <a:rPr kumimoji="0" lang="en-US" altLang="en-US" sz="1800" b="0" i="0" u="none" strike="noStrike" cap="none" normalizeH="0" baseline="0">
+                <a:ln>
+                  <a:noFill/>
+                </a:ln>
+                <a:solidFill>
+                  <a:srgbClr val="A9B7C6"/>
+                </a:solidFill>
+                <a:effectLst/>
+                <a:latin typeface="JetBrains Mono"/>
+              </a:rPr>
+              <a:t>    </a:t>
+            </a:r>
+            <a:r>
+              <a:rPr kumimoji="0" lang="en-US" altLang="en-US" sz="1800" b="0" i="0" u="none" strike="noStrike" cap="none" normalizeH="0" baseline="0">
+                <a:ln>
+                  <a:noFill/>
+                </a:ln>
+                <a:solidFill>
+                  <a:srgbClr val="CC7832"/>
+                </a:solidFill>
+                <a:effectLst/>
+                <a:latin typeface="JetBrains Mono"/>
+              </a:rPr>
+              <a:t>private </a:t>
+            </a:r>
+            <a:r>
+              <a:rPr kumimoji="0" lang="en-US" altLang="en-US" sz="1800" b="0" i="0" u="none" strike="noStrike" cap="none" normalizeH="0" baseline="0">
+                <a:ln>
+                  <a:noFill/>
+                </a:ln>
+                <a:solidFill>
+                  <a:srgbClr val="A9B7C6"/>
+                </a:solidFill>
+                <a:effectLst/>
+                <a:latin typeface="JetBrains Mono"/>
+              </a:rPr>
+              <a:t>String </a:t>
+            </a:r>
+            <a:r>
+              <a:rPr kumimoji="0" lang="en-US" altLang="en-US" sz="1800" b="0" i="0" u="none" strike="noStrike" cap="none" normalizeH="0" baseline="0">
+                <a:ln>
+                  <a:noFill/>
+                </a:ln>
+                <a:solidFill>
+                  <a:srgbClr val="9876AA"/>
+                </a:solidFill>
+                <a:effectLst/>
+                <a:latin typeface="JetBrains Mono"/>
+              </a:rPr>
+              <a:t>name</a:t>
+            </a:r>
+            <a:r>
+              <a:rPr kumimoji="0" lang="en-US" altLang="en-US" sz="1800" b="0" i="0" u="none" strike="noStrike" cap="none" normalizeH="0" baseline="0">
+                <a:ln>
+                  <a:noFill/>
+                </a:ln>
+                <a:solidFill>
+                  <a:srgbClr val="CC7832"/>
+                </a:solidFill>
+                <a:effectLst/>
+                <a:latin typeface="JetBrains Mono"/>
+              </a:rPr>
+              <a:t>;</a:t>
+            </a:r>
+            <a:br>
+              <a:rPr kumimoji="0" lang="en-US" altLang="en-US" sz="1800" b="0" i="0" u="none" strike="noStrike" cap="none" normalizeH="0" baseline="0">
+                <a:ln>
+                  <a:noFill/>
+                </a:ln>
+                <a:solidFill>
+                  <a:srgbClr val="CC7832"/>
+                </a:solidFill>
+                <a:effectLst/>
+                <a:latin typeface="JetBrains Mono"/>
+              </a:rPr>
+            </a:br>
+            <a:r>
+              <a:rPr kumimoji="0" lang="en-US" altLang="en-US" sz="1800" b="0" i="0" u="none" strike="noStrike" cap="none" normalizeH="0" baseline="0">
+                <a:ln>
+                  <a:noFill/>
+                </a:ln>
+                <a:solidFill>
+                  <a:srgbClr val="CC7832"/>
+                </a:solidFill>
+                <a:effectLst/>
+                <a:latin typeface="JetBrains Mono"/>
+              </a:rPr>
+              <a:t>    private double </a:t>
+            </a:r>
+            <a:r>
+              <a:rPr kumimoji="0" lang="en-US" altLang="en-US" sz="1800" b="0" i="0" u="none" strike="noStrike" cap="none" normalizeH="0" baseline="0">
+                <a:ln>
+                  <a:noFill/>
+                </a:ln>
+                <a:solidFill>
+                  <a:srgbClr val="9876AA"/>
+                </a:solidFill>
+                <a:effectLst/>
+                <a:latin typeface="JetBrains Mono"/>
+              </a:rPr>
+              <a:t>area</a:t>
+            </a:r>
+            <a:r>
+              <a:rPr kumimoji="0" lang="en-US" altLang="en-US" sz="1800" b="0" i="0" u="none" strike="noStrike" cap="none" normalizeH="0" baseline="0">
+                <a:ln>
+                  <a:noFill/>
+                </a:ln>
+                <a:solidFill>
+                  <a:srgbClr val="CC7832"/>
+                </a:solidFill>
+                <a:effectLst/>
+                <a:latin typeface="JetBrains Mono"/>
+              </a:rPr>
+              <a:t>;</a:t>
+            </a:r>
+            <a:br>
+              <a:rPr kumimoji="0" lang="en-US" altLang="en-US" sz="1800" b="0" i="0" u="none" strike="noStrike" cap="none" normalizeH="0" baseline="0">
+                <a:ln>
+                  <a:noFill/>
+                </a:ln>
+                <a:solidFill>
+                  <a:srgbClr val="CC7832"/>
+                </a:solidFill>
+                <a:effectLst/>
+                <a:latin typeface="JetBrains Mono"/>
+              </a:rPr>
+            </a:br>
+            <a:r>
+              <a:rPr kumimoji="0" lang="en-US" altLang="en-US" sz="1800" b="0" i="0" u="none" strike="noStrike" cap="none" normalizeH="0" baseline="0">
+                <a:ln>
+                  <a:noFill/>
+                </a:ln>
+                <a:solidFill>
+                  <a:srgbClr val="CC7832"/>
+                </a:solidFill>
+                <a:effectLst/>
+                <a:latin typeface="JetBrains Mono"/>
+              </a:rPr>
+              <a:t>    static boolean </a:t>
+            </a:r>
+            <a:r>
+              <a:rPr kumimoji="0" lang="en-US" altLang="en-US" sz="1800" b="0" i="1" u="none" strike="noStrike" cap="none" normalizeH="0" baseline="0">
+                <a:ln>
+                  <a:noFill/>
+                </a:ln>
+                <a:solidFill>
+                  <a:srgbClr val="9876AA"/>
+                </a:solidFill>
+                <a:effectLst/>
+                <a:latin typeface="JetBrains Mono"/>
+              </a:rPr>
+              <a:t>compareData</a:t>
+            </a:r>
+            <a:r>
+              <a:rPr kumimoji="0" lang="en-US" altLang="en-US" sz="1800" b="0" i="0" u="none" strike="noStrike" cap="none" normalizeH="0" baseline="0">
+                <a:ln>
+                  <a:noFill/>
+                </a:ln>
+                <a:solidFill>
+                  <a:srgbClr val="CC7832"/>
+                </a:solidFill>
+                <a:effectLst/>
+                <a:latin typeface="JetBrains Mono"/>
+              </a:rPr>
+              <a:t>;</a:t>
+            </a:r>
+            <a:br>
+              <a:rPr kumimoji="0" lang="en-US" altLang="en-US" sz="1800" b="0" i="0" u="none" strike="noStrike" cap="none" normalizeH="0" baseline="0">
+                <a:ln>
+                  <a:noFill/>
+                </a:ln>
+                <a:solidFill>
+                  <a:srgbClr val="CC7832"/>
+                </a:solidFill>
+                <a:effectLst/>
+                <a:latin typeface="JetBrains Mono"/>
+              </a:rPr>
+            </a:br>
+            <a:r>
+              <a:rPr kumimoji="0" lang="en-US" altLang="en-US" sz="1800" b="0" i="0" u="none" strike="noStrike" cap="none" normalizeH="0" baseline="0">
+                <a:ln>
+                  <a:noFill/>
+                </a:ln>
+                <a:solidFill>
+                  <a:srgbClr val="CC7832"/>
+                </a:solidFill>
+                <a:effectLst/>
+                <a:latin typeface="JetBrains Mono"/>
+              </a:rPr>
+              <a:t>    public </a:t>
+            </a:r>
+            <a:r>
+              <a:rPr kumimoji="0" lang="en-US" altLang="en-US" sz="1800" b="0" i="0" u="none" strike="noStrike" cap="none" normalizeH="0" baseline="0">
+                <a:ln>
+                  <a:noFill/>
+                </a:ln>
+                <a:solidFill>
+                  <a:srgbClr val="FFC66D"/>
+                </a:solidFill>
+                <a:effectLst/>
+                <a:latin typeface="JetBrains Mono"/>
+              </a:rPr>
+              <a:t>Country</a:t>
+            </a:r>
+            <a:r>
+              <a:rPr kumimoji="0" lang="en-US" altLang="en-US" sz="1800" b="0" i="0" u="none" strike="noStrike" cap="none" normalizeH="0" baseline="0">
+                <a:ln>
+                  <a:noFill/>
+                </a:ln>
+                <a:solidFill>
+                  <a:srgbClr val="A9B7C6"/>
+                </a:solidFill>
+                <a:effectLst/>
+                <a:latin typeface="JetBrains Mono"/>
+              </a:rPr>
+              <a:t>(String name</a:t>
+            </a:r>
+            <a:r>
+              <a:rPr kumimoji="0" lang="en-US" altLang="en-US" sz="1800" b="0" i="0" u="none" strike="noStrike" cap="none" normalizeH="0" baseline="0">
+                <a:ln>
+                  <a:noFill/>
+                </a:ln>
+                <a:solidFill>
+                  <a:srgbClr val="CC7832"/>
+                </a:solidFill>
+                <a:effectLst/>
+                <a:latin typeface="JetBrains Mono"/>
+              </a:rPr>
+              <a:t>, double </a:t>
+            </a:r>
+            <a:r>
+              <a:rPr kumimoji="0" lang="en-US" altLang="en-US" sz="1800" b="0" i="0" u="none" strike="noStrike" cap="none" normalizeH="0" baseline="0">
+                <a:ln>
+                  <a:noFill/>
+                </a:ln>
+                <a:solidFill>
+                  <a:srgbClr val="A9B7C6"/>
+                </a:solidFill>
+                <a:effectLst/>
+                <a:latin typeface="JetBrains Mono"/>
+              </a:rPr>
+              <a:t>area){</a:t>
+            </a:r>
+            <a:br>
+              <a:rPr kumimoji="0" lang="en-US" altLang="en-US" sz="1800" b="0" i="0" u="none" strike="noStrike" cap="none" normalizeH="0" baseline="0">
+                <a:ln>
+                  <a:noFill/>
+                </a:ln>
+                <a:solidFill>
+                  <a:srgbClr val="A9B7C6"/>
+                </a:solidFill>
+                <a:effectLst/>
+                <a:latin typeface="JetBrains Mono"/>
+              </a:rPr>
+            </a:br>
+            <a:r>
+              <a:rPr kumimoji="0" lang="en-US" altLang="en-US" sz="1800" b="0" i="0" u="none" strike="noStrike" cap="none" normalizeH="0" baseline="0">
+                <a:ln>
+                  <a:noFill/>
+                </a:ln>
+                <a:solidFill>
+                  <a:srgbClr val="A9B7C6"/>
+                </a:solidFill>
+                <a:effectLst/>
+                <a:latin typeface="JetBrains Mono"/>
+              </a:rPr>
+              <a:t>        </a:t>
+            </a:r>
+            <a:r>
+              <a:rPr kumimoji="0" lang="en-US" altLang="en-US" sz="1800" b="0" i="0" u="none" strike="noStrike" cap="none" normalizeH="0" baseline="0">
+                <a:ln>
+                  <a:noFill/>
+                </a:ln>
+                <a:solidFill>
+                  <a:srgbClr val="CC7832"/>
+                </a:solidFill>
+                <a:effectLst/>
+                <a:latin typeface="JetBrains Mono"/>
+              </a:rPr>
+              <a:t>this</a:t>
+            </a:r>
+            <a:r>
+              <a:rPr kumimoji="0" lang="en-US" altLang="en-US" sz="1800" b="0" i="0" u="none" strike="noStrike" cap="none" normalizeH="0" baseline="0">
+                <a:ln>
+                  <a:noFill/>
+                </a:ln>
+                <a:solidFill>
+                  <a:srgbClr val="A9B7C6"/>
+                </a:solidFill>
+                <a:effectLst/>
+                <a:latin typeface="JetBrains Mono"/>
+              </a:rPr>
+              <a:t>.</a:t>
+            </a:r>
+            <a:r>
+              <a:rPr kumimoji="0" lang="en-US" altLang="en-US" sz="1800" b="0" i="0" u="none" strike="noStrike" cap="none" normalizeH="0" baseline="0">
+                <a:ln>
+                  <a:noFill/>
+                </a:ln>
+                <a:solidFill>
+                  <a:srgbClr val="9876AA"/>
+                </a:solidFill>
+                <a:effectLst/>
+                <a:latin typeface="JetBrains Mono"/>
+              </a:rPr>
+              <a:t>name </a:t>
+            </a:r>
+            <a:r>
+              <a:rPr kumimoji="0" lang="en-US" altLang="en-US" sz="1800" b="0" i="0" u="none" strike="noStrike" cap="none" normalizeH="0" baseline="0">
+                <a:ln>
+                  <a:noFill/>
+                </a:ln>
+                <a:solidFill>
+                  <a:srgbClr val="A9B7C6"/>
+                </a:solidFill>
+                <a:effectLst/>
+                <a:latin typeface="JetBrains Mono"/>
+              </a:rPr>
+              <a:t>= name</a:t>
+            </a:r>
+            <a:r>
+              <a:rPr kumimoji="0" lang="en-US" altLang="en-US" sz="1800" b="0" i="0" u="none" strike="noStrike" cap="none" normalizeH="0" baseline="0">
+                <a:ln>
+                  <a:noFill/>
+                </a:ln>
+                <a:solidFill>
+                  <a:srgbClr val="CC7832"/>
+                </a:solidFill>
+                <a:effectLst/>
+                <a:latin typeface="JetBrains Mono"/>
+              </a:rPr>
+              <a:t>;</a:t>
+            </a:r>
+            <a:br>
+              <a:rPr kumimoji="0" lang="en-US" altLang="en-US" sz="1800" b="0" i="0" u="none" strike="noStrike" cap="none" normalizeH="0" baseline="0">
+                <a:ln>
+                  <a:noFill/>
+                </a:ln>
+                <a:solidFill>
+                  <a:srgbClr val="CC7832"/>
+                </a:solidFill>
+                <a:effectLst/>
+                <a:latin typeface="JetBrains Mono"/>
+              </a:rPr>
+            </a:br>
+            <a:r>
+              <a:rPr kumimoji="0" lang="en-US" altLang="en-US" sz="1800" b="0" i="0" u="none" strike="noStrike" cap="none" normalizeH="0" baseline="0">
+                <a:ln>
+                  <a:noFill/>
+                </a:ln>
+                <a:solidFill>
+                  <a:srgbClr val="CC7832"/>
+                </a:solidFill>
+                <a:effectLst/>
+                <a:latin typeface="JetBrains Mono"/>
+              </a:rPr>
+              <a:t>        this</a:t>
+            </a:r>
+            <a:r>
+              <a:rPr kumimoji="0" lang="en-US" altLang="en-US" sz="1800" b="0" i="0" u="none" strike="noStrike" cap="none" normalizeH="0" baseline="0">
+                <a:ln>
+                  <a:noFill/>
+                </a:ln>
+                <a:solidFill>
+                  <a:srgbClr val="A9B7C6"/>
+                </a:solidFill>
+                <a:effectLst/>
+                <a:latin typeface="JetBrains Mono"/>
+              </a:rPr>
+              <a:t>.</a:t>
+            </a:r>
+            <a:r>
+              <a:rPr kumimoji="0" lang="en-US" altLang="en-US" sz="1800" b="0" i="0" u="none" strike="noStrike" cap="none" normalizeH="0" baseline="0">
+                <a:ln>
+                  <a:noFill/>
+                </a:ln>
+                <a:solidFill>
+                  <a:srgbClr val="9876AA"/>
+                </a:solidFill>
+                <a:effectLst/>
+                <a:latin typeface="JetBrains Mono"/>
+              </a:rPr>
+              <a:t>area </a:t>
+            </a:r>
+            <a:r>
+              <a:rPr kumimoji="0" lang="en-US" altLang="en-US" sz="1800" b="0" i="0" u="none" strike="noStrike" cap="none" normalizeH="0" baseline="0">
+                <a:ln>
+                  <a:noFill/>
+                </a:ln>
+                <a:solidFill>
+                  <a:srgbClr val="A9B7C6"/>
+                </a:solidFill>
+                <a:effectLst/>
+                <a:latin typeface="JetBrains Mono"/>
+              </a:rPr>
+              <a:t>= area</a:t>
+            </a:r>
+            <a:r>
+              <a:rPr kumimoji="0" lang="en-US" altLang="en-US" sz="1800" b="0" i="0" u="none" strike="noStrike" cap="none" normalizeH="0" baseline="0">
+                <a:ln>
+                  <a:noFill/>
+                </a:ln>
+                <a:solidFill>
+                  <a:srgbClr val="CC7832"/>
+                </a:solidFill>
+                <a:effectLst/>
+                <a:latin typeface="JetBrains Mono"/>
+              </a:rPr>
+              <a:t>;</a:t>
+            </a:r>
+            <a:br>
+              <a:rPr kumimoji="0" lang="en-US" altLang="en-US" sz="1800" b="0" i="0" u="none" strike="noStrike" cap="none" normalizeH="0" baseline="0">
+                <a:ln>
+                  <a:noFill/>
+                </a:ln>
+                <a:solidFill>
+                  <a:srgbClr val="CC7832"/>
+                </a:solidFill>
+                <a:effectLst/>
+                <a:latin typeface="JetBrains Mono"/>
+              </a:rPr>
+            </a:br>
+            <a:r>
+              <a:rPr kumimoji="0" lang="en-US" altLang="en-US" sz="1800" b="0" i="0" u="none" strike="noStrike" cap="none" normalizeH="0" baseline="0">
+                <a:ln>
+                  <a:noFill/>
+                </a:ln>
+                <a:solidFill>
+                  <a:srgbClr val="CC7832"/>
+                </a:solidFill>
+                <a:effectLst/>
+                <a:latin typeface="JetBrains Mono"/>
+              </a:rPr>
+              <a:t>    </a:t>
+            </a:r>
+            <a:r>
+              <a:rPr kumimoji="0" lang="en-US" altLang="en-US" sz="1800" b="0" i="0" u="none" strike="noStrike" cap="none" normalizeH="0" baseline="0">
+                <a:ln>
+                  <a:noFill/>
+                </a:ln>
+                <a:solidFill>
+                  <a:srgbClr val="A9B7C6"/>
+                </a:solidFill>
+                <a:effectLst/>
+                <a:latin typeface="JetBrains Mono"/>
+              </a:rPr>
+              <a:t>}</a:t>
+            </a:r>
+            <a:br>
+              <a:rPr kumimoji="0" lang="en-US" altLang="en-US" sz="1800" b="0" i="0" u="none" strike="noStrike" cap="none" normalizeH="0" baseline="0">
+                <a:ln>
+                  <a:noFill/>
+                </a:ln>
+                <a:solidFill>
+                  <a:srgbClr val="A9B7C6"/>
+                </a:solidFill>
+                <a:effectLst/>
+                <a:latin typeface="JetBrains Mono"/>
+              </a:rPr>
+            </a:br>
+            <a:r>
+              <a:rPr kumimoji="0" lang="en-US" altLang="en-US" sz="1800" b="0" i="0" u="none" strike="noStrike" cap="none" normalizeH="0" baseline="0">
+                <a:ln>
+                  <a:noFill/>
+                </a:ln>
+                <a:solidFill>
+                  <a:srgbClr val="A9B7C6"/>
+                </a:solidFill>
+                <a:effectLst/>
+                <a:latin typeface="JetBrains Mono"/>
+              </a:rPr>
+              <a:t>    </a:t>
+            </a:r>
+            <a:r>
+              <a:rPr kumimoji="0" lang="en-US" altLang="en-US" sz="1800" b="0" i="0" u="none" strike="noStrike" cap="none" normalizeH="0" baseline="0">
+                <a:ln>
+                  <a:noFill/>
+                </a:ln>
+                <a:solidFill>
+                  <a:srgbClr val="CC7832"/>
+                </a:solidFill>
+                <a:effectLst/>
+                <a:latin typeface="JetBrains Mono"/>
+              </a:rPr>
+              <a:t>public double </a:t>
+            </a:r>
+            <a:r>
+              <a:rPr kumimoji="0" lang="en-US" altLang="en-US" sz="1800" b="0" i="0" u="none" strike="noStrike" cap="none" normalizeH="0" baseline="0">
+                <a:ln>
+                  <a:noFill/>
+                </a:ln>
+                <a:solidFill>
+                  <a:srgbClr val="FFC66D"/>
+                </a:solidFill>
+                <a:effectLst/>
+                <a:latin typeface="JetBrains Mono"/>
+              </a:rPr>
+              <a:t>getArea</a:t>
+            </a:r>
+            <a:r>
+              <a:rPr kumimoji="0" lang="en-US" altLang="en-US" sz="1800" b="0" i="0" u="none" strike="noStrike" cap="none" normalizeH="0" baseline="0">
+                <a:ln>
+                  <a:noFill/>
+                </a:ln>
+                <a:solidFill>
+                  <a:srgbClr val="A9B7C6"/>
+                </a:solidFill>
+                <a:effectLst/>
+                <a:latin typeface="JetBrains Mono"/>
+              </a:rPr>
+              <a:t>(){</a:t>
+            </a:r>
+            <a:br>
+              <a:rPr kumimoji="0" lang="en-US" altLang="en-US" sz="1800" b="0" i="0" u="none" strike="noStrike" cap="none" normalizeH="0" baseline="0">
+                <a:ln>
+                  <a:noFill/>
+                </a:ln>
+                <a:solidFill>
+                  <a:srgbClr val="A9B7C6"/>
+                </a:solidFill>
+                <a:effectLst/>
+                <a:latin typeface="JetBrains Mono"/>
+              </a:rPr>
+            </a:br>
+            <a:r>
+              <a:rPr kumimoji="0" lang="en-US" altLang="en-US" sz="1800" b="0" i="0" u="none" strike="noStrike" cap="none" normalizeH="0" baseline="0">
+                <a:ln>
+                  <a:noFill/>
+                </a:ln>
+                <a:solidFill>
+                  <a:srgbClr val="A9B7C6"/>
+                </a:solidFill>
+                <a:effectLst/>
+                <a:latin typeface="JetBrains Mono"/>
+              </a:rPr>
+              <a:t>        </a:t>
+            </a:r>
+            <a:r>
+              <a:rPr kumimoji="0" lang="en-US" altLang="en-US" sz="1800" b="0" i="0" u="none" strike="noStrike" cap="none" normalizeH="0" baseline="0">
+                <a:ln>
+                  <a:noFill/>
+                </a:ln>
+                <a:solidFill>
+                  <a:srgbClr val="CC7832"/>
+                </a:solidFill>
+                <a:effectLst/>
+                <a:latin typeface="JetBrains Mono"/>
+              </a:rPr>
+              <a:t>return </a:t>
+            </a:r>
+            <a:r>
+              <a:rPr kumimoji="0" lang="en-US" altLang="en-US" sz="1800" b="0" i="0" u="none" strike="noStrike" cap="none" normalizeH="0" baseline="0">
+                <a:ln>
+                  <a:noFill/>
+                </a:ln>
+                <a:solidFill>
+                  <a:srgbClr val="9876AA"/>
+                </a:solidFill>
+                <a:effectLst/>
+                <a:latin typeface="JetBrains Mono"/>
+              </a:rPr>
+              <a:t>area</a:t>
+            </a:r>
+            <a:r>
+              <a:rPr kumimoji="0" lang="en-US" altLang="en-US" sz="1800" b="0" i="0" u="none" strike="noStrike" cap="none" normalizeH="0" baseline="0">
+                <a:ln>
+                  <a:noFill/>
+                </a:ln>
+                <a:solidFill>
+                  <a:srgbClr val="CC7832"/>
+                </a:solidFill>
+                <a:effectLst/>
+                <a:latin typeface="JetBrains Mono"/>
+              </a:rPr>
+              <a:t>;</a:t>
+            </a:r>
+            <a:br>
+              <a:rPr kumimoji="0" lang="en-US" altLang="en-US" sz="1800" b="0" i="0" u="none" strike="noStrike" cap="none" normalizeH="0" baseline="0">
+                <a:ln>
+                  <a:noFill/>
+                </a:ln>
+                <a:solidFill>
+                  <a:srgbClr val="CC7832"/>
+                </a:solidFill>
+                <a:effectLst/>
+                <a:latin typeface="JetBrains Mono"/>
+              </a:rPr>
+            </a:br>
+            <a:r>
+              <a:rPr kumimoji="0" lang="en-US" altLang="en-US" sz="1800" b="0" i="0" u="none" strike="noStrike" cap="none" normalizeH="0" baseline="0">
+                <a:ln>
+                  <a:noFill/>
+                </a:ln>
+                <a:solidFill>
+                  <a:srgbClr val="CC7832"/>
+                </a:solidFill>
+                <a:effectLst/>
+                <a:latin typeface="JetBrains Mono"/>
+              </a:rPr>
+              <a:t>    </a:t>
+            </a:r>
+            <a:r>
+              <a:rPr kumimoji="0" lang="en-US" altLang="en-US" sz="1800" b="0" i="0" u="none" strike="noStrike" cap="none" normalizeH="0" baseline="0">
+                <a:ln>
+                  <a:noFill/>
+                </a:ln>
+                <a:solidFill>
+                  <a:srgbClr val="A9B7C6"/>
+                </a:solidFill>
+                <a:effectLst/>
+                <a:latin typeface="JetBrains Mono"/>
+              </a:rPr>
+              <a:t>}</a:t>
+            </a:r>
+            <a:br>
+              <a:rPr kumimoji="0" lang="en-US" altLang="en-US" sz="1800" b="0" i="0" u="none" strike="noStrike" cap="none" normalizeH="0" baseline="0">
+                <a:ln>
+                  <a:noFill/>
+                </a:ln>
+                <a:solidFill>
+                  <a:srgbClr val="A9B7C6"/>
+                </a:solidFill>
+                <a:effectLst/>
+                <a:latin typeface="JetBrains Mono"/>
+              </a:rPr>
+            </a:br>
+            <a:r>
+              <a:rPr kumimoji="0" lang="en-US" altLang="en-US" sz="1800" b="0" i="0" u="none" strike="noStrike" cap="none" normalizeH="0" baseline="0">
+                <a:ln>
+                  <a:noFill/>
+                </a:ln>
+                <a:solidFill>
+                  <a:srgbClr val="A9B7C6"/>
+                </a:solidFill>
+                <a:effectLst/>
+                <a:latin typeface="JetBrains Mono"/>
+              </a:rPr>
+              <a:t>    </a:t>
+            </a:r>
+            <a:r>
+              <a:rPr kumimoji="0" lang="en-US" altLang="en-US" sz="1800" b="0" i="0" u="none" strike="noStrike" cap="none" normalizeH="0" baseline="0">
+                <a:ln>
+                  <a:noFill/>
+                </a:ln>
+                <a:solidFill>
+                  <a:srgbClr val="CC7832"/>
+                </a:solidFill>
+                <a:effectLst/>
+                <a:latin typeface="JetBrains Mono"/>
+              </a:rPr>
+              <a:t>public </a:t>
+            </a:r>
+            <a:r>
+              <a:rPr kumimoji="0" lang="en-US" altLang="en-US" sz="1800" b="0" i="0" u="none" strike="noStrike" cap="none" normalizeH="0" baseline="0">
+                <a:ln>
+                  <a:noFill/>
+                </a:ln>
+                <a:solidFill>
+                  <a:srgbClr val="A9B7C6"/>
+                </a:solidFill>
+                <a:effectLst/>
+                <a:latin typeface="JetBrains Mono"/>
+              </a:rPr>
+              <a:t>String </a:t>
+            </a:r>
+            <a:r>
+              <a:rPr kumimoji="0" lang="en-US" altLang="en-US" sz="1800" b="0" i="0" u="none" strike="noStrike" cap="none" normalizeH="0" baseline="0">
+                <a:ln>
+                  <a:noFill/>
+                </a:ln>
+                <a:solidFill>
+                  <a:srgbClr val="FFC66D"/>
+                </a:solidFill>
+                <a:effectLst/>
+                <a:latin typeface="JetBrains Mono"/>
+              </a:rPr>
+              <a:t>getName</a:t>
+            </a:r>
+            <a:r>
+              <a:rPr kumimoji="0" lang="en-US" altLang="en-US" sz="1800" b="0" i="0" u="none" strike="noStrike" cap="none" normalizeH="0" baseline="0">
+                <a:ln>
+                  <a:noFill/>
+                </a:ln>
+                <a:solidFill>
+                  <a:srgbClr val="A9B7C6"/>
+                </a:solidFill>
+                <a:effectLst/>
+                <a:latin typeface="JetBrains Mono"/>
+              </a:rPr>
+              <a:t>(){ </a:t>
+            </a:r>
+            <a:r>
+              <a:rPr kumimoji="0" lang="en-US" altLang="en-US" sz="1800" b="0" i="0" u="none" strike="noStrike" cap="none" normalizeH="0" baseline="0">
+                <a:ln>
+                  <a:noFill/>
+                </a:ln>
+                <a:solidFill>
+                  <a:srgbClr val="CC7832"/>
+                </a:solidFill>
+                <a:effectLst/>
+                <a:latin typeface="JetBrains Mono"/>
+              </a:rPr>
+              <a:t>return </a:t>
+            </a:r>
+            <a:r>
+              <a:rPr kumimoji="0" lang="en-US" altLang="en-US" sz="1800" b="0" i="0" u="none" strike="noStrike" cap="none" normalizeH="0" baseline="0">
+                <a:ln>
+                  <a:noFill/>
+                </a:ln>
+                <a:solidFill>
+                  <a:srgbClr val="9876AA"/>
+                </a:solidFill>
+                <a:effectLst/>
+                <a:latin typeface="JetBrains Mono"/>
+              </a:rPr>
+              <a:t>name</a:t>
+            </a:r>
+            <a:r>
+              <a:rPr kumimoji="0" lang="en-US" altLang="en-US" sz="1800" b="0" i="0" u="none" strike="noStrike" cap="none" normalizeH="0" baseline="0">
+                <a:ln>
+                  <a:noFill/>
+                </a:ln>
+                <a:solidFill>
+                  <a:srgbClr val="CC7832"/>
+                </a:solidFill>
+                <a:effectLst/>
+                <a:latin typeface="JetBrains Mono"/>
+              </a:rPr>
+              <a:t>; </a:t>
+            </a:r>
+            <a:r>
+              <a:rPr kumimoji="0" lang="en-US" altLang="en-US" sz="1800" b="0" i="0" u="none" strike="noStrike" cap="none" normalizeH="0" baseline="0">
+                <a:ln>
+                  <a:noFill/>
+                </a:ln>
+                <a:solidFill>
+                  <a:srgbClr val="A9B7C6"/>
+                </a:solidFill>
+                <a:effectLst/>
+                <a:latin typeface="JetBrains Mono"/>
+              </a:rPr>
+              <a:t>}</a:t>
+            </a:r>
+            <a:br>
+              <a:rPr kumimoji="0" lang="en-US" altLang="en-US" sz="1800" b="0" i="0" u="none" strike="noStrike" cap="none" normalizeH="0" baseline="0">
+                <a:ln>
+                  <a:noFill/>
+                </a:ln>
+                <a:solidFill>
+                  <a:srgbClr val="A9B7C6"/>
+                </a:solidFill>
+                <a:effectLst/>
+                <a:latin typeface="JetBrains Mono"/>
+              </a:rPr>
+            </a:br>
+            <a:r>
+              <a:rPr kumimoji="0" lang="en-US" altLang="en-US" sz="1800" b="0" i="0" u="none" strike="noStrike" cap="none" normalizeH="0" baseline="0">
+                <a:ln>
+                  <a:noFill/>
+                </a:ln>
+                <a:solidFill>
+                  <a:srgbClr val="A9B7C6"/>
+                </a:solidFill>
+                <a:effectLst/>
+                <a:latin typeface="JetBrains Mono"/>
+              </a:rPr>
+              <a:t>    </a:t>
+            </a:r>
+            <a:r>
+              <a:rPr kumimoji="0" lang="en-US" altLang="en-US" sz="1800" b="0" i="0" u="none" strike="noStrike" cap="none" normalizeH="0" baseline="0">
+                <a:ln>
+                  <a:noFill/>
+                </a:ln>
+                <a:solidFill>
+                  <a:srgbClr val="BBB529"/>
+                </a:solidFill>
+                <a:effectLst/>
+                <a:latin typeface="JetBrains Mono"/>
+              </a:rPr>
+              <a:t>@Override</a:t>
+            </a:r>
+            <a:br>
+              <a:rPr kumimoji="0" lang="en-US" altLang="en-US" sz="1800" b="0" i="0" u="none" strike="noStrike" cap="none" normalizeH="0" baseline="0">
+                <a:ln>
+                  <a:noFill/>
+                </a:ln>
+                <a:solidFill>
+                  <a:srgbClr val="BBB529"/>
+                </a:solidFill>
+                <a:effectLst/>
+                <a:latin typeface="JetBrains Mono"/>
+              </a:rPr>
+            </a:br>
+            <a:r>
+              <a:rPr kumimoji="0" lang="en-US" altLang="en-US" sz="1800" b="0" i="0" u="none" strike="noStrike" cap="none" normalizeH="0" baseline="0">
+                <a:ln>
+                  <a:noFill/>
+                </a:ln>
+                <a:solidFill>
+                  <a:srgbClr val="BBB529"/>
+                </a:solidFill>
+                <a:effectLst/>
+                <a:latin typeface="JetBrains Mono"/>
+              </a:rPr>
+              <a:t>    </a:t>
+            </a:r>
+            <a:r>
+              <a:rPr kumimoji="0" lang="en-US" altLang="en-US" sz="1800" b="0" i="0" u="none" strike="noStrike" cap="none" normalizeH="0" baseline="0">
+                <a:ln>
+                  <a:noFill/>
+                </a:ln>
+                <a:solidFill>
+                  <a:srgbClr val="CC7832"/>
+                </a:solidFill>
+                <a:effectLst/>
+                <a:latin typeface="JetBrains Mono"/>
+              </a:rPr>
+              <a:t>public int </a:t>
+            </a:r>
+            <a:r>
+              <a:rPr kumimoji="0" lang="en-US" altLang="en-US" sz="1800" b="0" i="0" u="none" strike="noStrike" cap="none" normalizeH="0" baseline="0">
+                <a:ln>
+                  <a:noFill/>
+                </a:ln>
+                <a:solidFill>
+                  <a:srgbClr val="FFC66D"/>
+                </a:solidFill>
+                <a:effectLst/>
+                <a:latin typeface="JetBrains Mono"/>
+              </a:rPr>
+              <a:t>compareTo</a:t>
+            </a:r>
+            <a:r>
+              <a:rPr kumimoji="0" lang="en-US" altLang="en-US" sz="1800" b="0" i="0" u="none" strike="noStrike" cap="none" normalizeH="0" baseline="0">
+                <a:ln>
+                  <a:noFill/>
+                </a:ln>
+                <a:solidFill>
+                  <a:srgbClr val="A9B7C6"/>
+                </a:solidFill>
+                <a:effectLst/>
+                <a:latin typeface="JetBrains Mono"/>
+              </a:rPr>
+              <a:t>(Country o) {</a:t>
+            </a:r>
+            <a:br>
+              <a:rPr kumimoji="0" lang="en-US" altLang="en-US" sz="1800" b="0" i="0" u="none" strike="noStrike" cap="none" normalizeH="0" baseline="0">
+                <a:ln>
+                  <a:noFill/>
+                </a:ln>
+                <a:solidFill>
+                  <a:srgbClr val="A9B7C6"/>
+                </a:solidFill>
+                <a:effectLst/>
+                <a:latin typeface="JetBrains Mono"/>
+              </a:rPr>
+            </a:br>
+            <a:r>
+              <a:rPr kumimoji="0" lang="en-US" altLang="en-US" sz="1800" b="0" i="0" u="none" strike="noStrike" cap="none" normalizeH="0" baseline="0">
+                <a:ln>
+                  <a:noFill/>
+                </a:ln>
+                <a:solidFill>
+                  <a:srgbClr val="A9B7C6"/>
+                </a:solidFill>
+                <a:effectLst/>
+                <a:latin typeface="JetBrains Mono"/>
+              </a:rPr>
+              <a:t>        </a:t>
+            </a:r>
+            <a:r>
+              <a:rPr kumimoji="0" lang="en-US" altLang="en-US" sz="1800" b="0" i="0" u="none" strike="noStrike" cap="none" normalizeH="0" baseline="0">
+                <a:ln>
+                  <a:noFill/>
+                </a:ln>
+                <a:solidFill>
+                  <a:srgbClr val="808080"/>
+                </a:solidFill>
+                <a:effectLst/>
+                <a:latin typeface="JetBrains Mono"/>
+              </a:rPr>
+              <a:t>//needs to be implemented</a:t>
+            </a:r>
+            <a:br>
+              <a:rPr kumimoji="0" lang="en-US" altLang="en-US" sz="1800" b="0" i="0" u="none" strike="noStrike" cap="none" normalizeH="0" baseline="0">
+                <a:ln>
+                  <a:noFill/>
+                </a:ln>
+                <a:solidFill>
+                  <a:srgbClr val="808080"/>
+                </a:solidFill>
+                <a:effectLst/>
+                <a:latin typeface="JetBrains Mono"/>
+              </a:rPr>
+            </a:br>
+            <a:r>
+              <a:rPr kumimoji="0" lang="en-US" altLang="en-US" sz="1800" b="0" i="0" u="none" strike="noStrike" cap="none" normalizeH="0" baseline="0">
+                <a:ln>
+                  <a:noFill/>
+                </a:ln>
+                <a:solidFill>
+                  <a:srgbClr val="808080"/>
+                </a:solidFill>
+                <a:effectLst/>
+                <a:latin typeface="JetBrains Mono"/>
+              </a:rPr>
+              <a:t>    </a:t>
+            </a:r>
+            <a:r>
+              <a:rPr kumimoji="0" lang="en-US" altLang="en-US" sz="1800" b="0" i="0" u="none" strike="noStrike" cap="none" normalizeH="0" baseline="0">
+                <a:ln>
+                  <a:noFill/>
+                </a:ln>
+                <a:solidFill>
+                  <a:srgbClr val="A9B7C6"/>
+                </a:solidFill>
+                <a:effectLst/>
+                <a:latin typeface="JetBrains Mono"/>
+              </a:rPr>
+              <a:t>}</a:t>
+            </a:r>
+            <a:br>
+              <a:rPr kumimoji="0" lang="en-US" altLang="en-US" sz="1800" b="0" i="0" u="none" strike="noStrike" cap="none" normalizeH="0" baseline="0">
+                <a:ln>
+                  <a:noFill/>
+                </a:ln>
+                <a:solidFill>
+                  <a:srgbClr val="A9B7C6"/>
+                </a:solidFill>
+                <a:effectLst/>
+                <a:latin typeface="JetBrains Mono"/>
+              </a:rPr>
+            </a:br>
+            <a:r>
+              <a:rPr kumimoji="0" lang="en-US" altLang="en-US" sz="1800" b="0" i="0" u="none" strike="noStrike" cap="none" normalizeH="0" baseline="0">
+                <a:ln>
+                  <a:noFill/>
+                </a:ln>
+                <a:solidFill>
+                  <a:srgbClr val="A9B7C6"/>
+                </a:solidFill>
+                <a:effectLst/>
+                <a:latin typeface="JetBrains Mono"/>
+              </a:rPr>
+              <a:t>    </a:t>
+            </a:r>
+            <a:r>
+              <a:rPr kumimoji="0" lang="en-US" altLang="en-US" sz="1800" b="0" i="0" u="none" strike="noStrike" cap="none" normalizeH="0" baseline="0">
+                <a:ln>
+                  <a:noFill/>
+                </a:ln>
+                <a:solidFill>
+                  <a:srgbClr val="BBB529"/>
+                </a:solidFill>
+                <a:effectLst/>
+                <a:latin typeface="JetBrains Mono"/>
+              </a:rPr>
+              <a:t>@Override</a:t>
+            </a:r>
+            <a:br>
+              <a:rPr kumimoji="0" lang="en-US" altLang="en-US" sz="1800" b="0" i="0" u="none" strike="noStrike" cap="none" normalizeH="0" baseline="0">
+                <a:ln>
+                  <a:noFill/>
+                </a:ln>
+                <a:solidFill>
+                  <a:srgbClr val="BBB529"/>
+                </a:solidFill>
+                <a:effectLst/>
+                <a:latin typeface="JetBrains Mono"/>
+              </a:rPr>
+            </a:br>
+            <a:r>
+              <a:rPr kumimoji="0" lang="en-US" altLang="en-US" sz="1800" b="0" i="0" u="none" strike="noStrike" cap="none" normalizeH="0" baseline="0">
+                <a:ln>
+                  <a:noFill/>
+                </a:ln>
+                <a:solidFill>
+                  <a:srgbClr val="BBB529"/>
+                </a:solidFill>
+                <a:effectLst/>
+                <a:latin typeface="JetBrains Mono"/>
+              </a:rPr>
+              <a:t>    </a:t>
+            </a:r>
+            <a:r>
+              <a:rPr kumimoji="0" lang="en-US" altLang="en-US" sz="1800" b="0" i="0" u="none" strike="noStrike" cap="none" normalizeH="0" baseline="0">
+                <a:ln>
+                  <a:noFill/>
+                </a:ln>
+                <a:solidFill>
+                  <a:srgbClr val="CC7832"/>
+                </a:solidFill>
+                <a:effectLst/>
+                <a:latin typeface="JetBrains Mono"/>
+              </a:rPr>
+              <a:t>public boolean </a:t>
+            </a:r>
+            <a:r>
+              <a:rPr kumimoji="0" lang="en-US" altLang="en-US" sz="1800" b="0" i="0" u="none" strike="noStrike" cap="none" normalizeH="0" baseline="0">
+                <a:ln>
+                  <a:noFill/>
+                </a:ln>
+                <a:solidFill>
+                  <a:srgbClr val="FFC66D"/>
+                </a:solidFill>
+                <a:effectLst/>
+                <a:latin typeface="JetBrains Mono"/>
+              </a:rPr>
+              <a:t>equals</a:t>
+            </a:r>
+            <a:r>
+              <a:rPr kumimoji="0" lang="en-US" altLang="en-US" sz="1800" b="0" i="0" u="none" strike="noStrike" cap="none" normalizeH="0" baseline="0">
+                <a:ln>
+                  <a:noFill/>
+                </a:ln>
+                <a:solidFill>
+                  <a:srgbClr val="A9B7C6"/>
+                </a:solidFill>
+                <a:effectLst/>
+                <a:latin typeface="JetBrains Mono"/>
+              </a:rPr>
+              <a:t>(Object obj) {</a:t>
+            </a:r>
+            <a:br>
+              <a:rPr kumimoji="0" lang="en-US" altLang="en-US" sz="1800" b="0" i="0" u="none" strike="noStrike" cap="none" normalizeH="0" baseline="0">
+                <a:ln>
+                  <a:noFill/>
+                </a:ln>
+                <a:solidFill>
+                  <a:srgbClr val="A9B7C6"/>
+                </a:solidFill>
+                <a:effectLst/>
+                <a:latin typeface="JetBrains Mono"/>
+              </a:rPr>
+            </a:br>
+            <a:r>
+              <a:rPr kumimoji="0" lang="en-US" altLang="en-US" sz="1800" b="0" i="0" u="none" strike="noStrike" cap="none" normalizeH="0" baseline="0">
+                <a:ln>
+                  <a:noFill/>
+                </a:ln>
+                <a:solidFill>
+                  <a:srgbClr val="A9B7C6"/>
+                </a:solidFill>
+                <a:effectLst/>
+                <a:latin typeface="JetBrains Mono"/>
+              </a:rPr>
+              <a:t>        </a:t>
+            </a:r>
+            <a:r>
+              <a:rPr kumimoji="0" lang="en-US" altLang="en-US" sz="1800" b="0" i="0" u="none" strike="noStrike" cap="none" normalizeH="0" baseline="0">
+                <a:ln>
+                  <a:noFill/>
+                </a:ln>
+                <a:solidFill>
+                  <a:srgbClr val="808080"/>
+                </a:solidFill>
+                <a:effectLst/>
+                <a:latin typeface="JetBrains Mono"/>
+              </a:rPr>
+              <a:t>//needs to be implemented</a:t>
+            </a:r>
+            <a:br>
+              <a:rPr kumimoji="0" lang="en-US" altLang="en-US" sz="1800" b="0" i="0" u="none" strike="noStrike" cap="none" normalizeH="0" baseline="0">
+                <a:ln>
+                  <a:noFill/>
+                </a:ln>
+                <a:solidFill>
+                  <a:srgbClr val="808080"/>
+                </a:solidFill>
+                <a:effectLst/>
+                <a:latin typeface="JetBrains Mono"/>
+              </a:rPr>
+            </a:br>
+            <a:r>
+              <a:rPr kumimoji="0" lang="en-US" altLang="en-US" sz="1800" b="0" i="0" u="none" strike="noStrike" cap="none" normalizeH="0" baseline="0">
+                <a:ln>
+                  <a:noFill/>
+                </a:ln>
+                <a:solidFill>
+                  <a:srgbClr val="808080"/>
+                </a:solidFill>
+                <a:effectLst/>
+                <a:latin typeface="JetBrains Mono"/>
+              </a:rPr>
+              <a:t>    </a:t>
+            </a:r>
+            <a:r>
+              <a:rPr kumimoji="0" lang="en-US" altLang="en-US" sz="1800" b="0" i="0" u="none" strike="noStrike" cap="none" normalizeH="0" baseline="0">
+                <a:ln>
+                  <a:noFill/>
+                </a:ln>
+                <a:solidFill>
+                  <a:srgbClr val="A9B7C6"/>
+                </a:solidFill>
+                <a:effectLst/>
+                <a:latin typeface="JetBrains Mono"/>
+              </a:rPr>
+              <a:t>}</a:t>
+            </a:r>
+            <a:br>
+              <a:rPr kumimoji="0" lang="en-US" altLang="en-US" sz="1800" b="0" i="0" u="none" strike="noStrike" cap="none" normalizeH="0" baseline="0">
+                <a:ln>
+                  <a:noFill/>
+                </a:ln>
+                <a:solidFill>
+                  <a:srgbClr val="A9B7C6"/>
+                </a:solidFill>
+                <a:effectLst/>
+                <a:latin typeface="JetBrains Mono"/>
+              </a:rPr>
+            </a:br>
+            <a:r>
+              <a:rPr kumimoji="0" lang="en-US" altLang="en-US" sz="1800" b="0" i="0" u="none" strike="noStrike" cap="none" normalizeH="0" baseline="0">
+                <a:ln>
+                  <a:noFill/>
+                </a:ln>
+                <a:solidFill>
+                  <a:srgbClr val="A9B7C6"/>
+                </a:solidFill>
+                <a:effectLst/>
+                <a:latin typeface="JetBrains Mono"/>
+              </a:rPr>
+              <a:t>    </a:t>
+            </a:r>
+            <a:r>
+              <a:rPr kumimoji="0" lang="en-US" altLang="en-US" sz="1800" b="0" i="0" u="none" strike="noStrike" cap="none" normalizeH="0" baseline="0">
+                <a:ln>
+                  <a:noFill/>
+                </a:ln>
+                <a:solidFill>
+                  <a:srgbClr val="CC7832"/>
+                </a:solidFill>
+                <a:effectLst/>
+                <a:latin typeface="JetBrains Mono"/>
+              </a:rPr>
+              <a:t>public </a:t>
+            </a:r>
+            <a:r>
+              <a:rPr kumimoji="0" lang="en-US" altLang="en-US" sz="1800" b="0" i="0" u="none" strike="noStrike" cap="none" normalizeH="0" baseline="0">
+                <a:ln>
+                  <a:noFill/>
+                </a:ln>
+                <a:solidFill>
+                  <a:srgbClr val="A9B7C6"/>
+                </a:solidFill>
+                <a:effectLst/>
+                <a:latin typeface="JetBrains Mono"/>
+              </a:rPr>
+              <a:t>String </a:t>
+            </a:r>
+            <a:r>
+              <a:rPr kumimoji="0" lang="en-US" altLang="en-US" sz="1800" b="0" i="0" u="none" strike="noStrike" cap="none" normalizeH="0" baseline="0">
+                <a:ln>
+                  <a:noFill/>
+                </a:ln>
+                <a:solidFill>
+                  <a:srgbClr val="FFC66D"/>
+                </a:solidFill>
+                <a:effectLst/>
+                <a:latin typeface="JetBrains Mono"/>
+              </a:rPr>
+              <a:t>toString</a:t>
+            </a:r>
+            <a:r>
+              <a:rPr kumimoji="0" lang="en-US" altLang="en-US" sz="1800" b="0" i="0" u="none" strike="noStrike" cap="none" normalizeH="0" baseline="0">
+                <a:ln>
+                  <a:noFill/>
+                </a:ln>
+                <a:solidFill>
+                  <a:srgbClr val="A9B7C6"/>
+                </a:solidFill>
+                <a:effectLst/>
+                <a:latin typeface="JetBrains Mono"/>
+              </a:rPr>
+              <a:t>(){</a:t>
+            </a:r>
+            <a:br>
+              <a:rPr kumimoji="0" lang="en-US" altLang="en-US" sz="1800" b="0" i="0" u="none" strike="noStrike" cap="none" normalizeH="0" baseline="0">
+                <a:ln>
+                  <a:noFill/>
+                </a:ln>
+                <a:solidFill>
+                  <a:srgbClr val="A9B7C6"/>
+                </a:solidFill>
+                <a:effectLst/>
+                <a:latin typeface="JetBrains Mono"/>
+              </a:rPr>
+            </a:br>
+            <a:r>
+              <a:rPr kumimoji="0" lang="en-US" altLang="en-US" sz="1800" b="0" i="0" u="none" strike="noStrike" cap="none" normalizeH="0" baseline="0">
+                <a:ln>
+                  <a:noFill/>
+                </a:ln>
+                <a:solidFill>
+                  <a:srgbClr val="A9B7C6"/>
+                </a:solidFill>
+                <a:effectLst/>
+                <a:latin typeface="JetBrains Mono"/>
+              </a:rPr>
+              <a:t>        </a:t>
+            </a:r>
+            <a:r>
+              <a:rPr kumimoji="0" lang="en-US" altLang="en-US" sz="1800" b="0" i="0" u="none" strike="noStrike" cap="none" normalizeH="0" baseline="0">
+                <a:ln>
+                  <a:noFill/>
+                </a:ln>
+                <a:solidFill>
+                  <a:srgbClr val="CC7832"/>
+                </a:solidFill>
+                <a:effectLst/>
+                <a:latin typeface="JetBrains Mono"/>
+              </a:rPr>
+              <a:t>return </a:t>
+            </a:r>
+            <a:r>
+              <a:rPr kumimoji="0" lang="en-US" altLang="en-US" sz="1800" b="0" i="0" u="none" strike="noStrike" cap="none" normalizeH="0" baseline="0">
+                <a:ln>
+                  <a:noFill/>
+                </a:ln>
+                <a:solidFill>
+                  <a:srgbClr val="6A8759"/>
+                </a:solidFill>
+                <a:effectLst/>
+                <a:latin typeface="JetBrains Mono"/>
+              </a:rPr>
+              <a:t>"name: " </a:t>
+            </a:r>
+            <a:r>
+              <a:rPr kumimoji="0" lang="en-US" altLang="en-US" sz="1800" b="0" i="0" u="none" strike="noStrike" cap="none" normalizeH="0" baseline="0">
+                <a:ln>
+                  <a:noFill/>
+                </a:ln>
+                <a:solidFill>
+                  <a:srgbClr val="A9B7C6"/>
+                </a:solidFill>
+                <a:effectLst/>
+                <a:latin typeface="JetBrains Mono"/>
+              </a:rPr>
+              <a:t>+ </a:t>
+            </a:r>
+            <a:r>
+              <a:rPr kumimoji="0" lang="en-US" altLang="en-US" sz="1800" b="0" i="0" u="none" strike="noStrike" cap="none" normalizeH="0" baseline="0">
+                <a:ln>
+                  <a:noFill/>
+                </a:ln>
+                <a:solidFill>
+                  <a:srgbClr val="9876AA"/>
+                </a:solidFill>
+                <a:effectLst/>
+                <a:latin typeface="JetBrains Mono"/>
+              </a:rPr>
+              <a:t>name </a:t>
+            </a:r>
+            <a:r>
+              <a:rPr kumimoji="0" lang="en-US" altLang="en-US" sz="1800" b="0" i="0" u="none" strike="noStrike" cap="none" normalizeH="0" baseline="0">
+                <a:ln>
+                  <a:noFill/>
+                </a:ln>
+                <a:solidFill>
+                  <a:srgbClr val="A9B7C6"/>
+                </a:solidFill>
+                <a:effectLst/>
+                <a:latin typeface="JetBrains Mono"/>
+              </a:rPr>
+              <a:t>+ </a:t>
+            </a:r>
+            <a:r>
+              <a:rPr kumimoji="0" lang="en-US" altLang="en-US" sz="1800" b="0" i="0" u="none" strike="noStrike" cap="none" normalizeH="0" baseline="0">
+                <a:ln>
+                  <a:noFill/>
+                </a:ln>
+                <a:solidFill>
+                  <a:srgbClr val="6A8759"/>
+                </a:solidFill>
+                <a:effectLst/>
+                <a:latin typeface="JetBrains Mono"/>
+              </a:rPr>
+              <a:t>" area: " </a:t>
+            </a:r>
+            <a:r>
+              <a:rPr kumimoji="0" lang="en-US" altLang="en-US" sz="1800" b="0" i="0" u="none" strike="noStrike" cap="none" normalizeH="0" baseline="0">
+                <a:ln>
+                  <a:noFill/>
+                </a:ln>
+                <a:solidFill>
+                  <a:srgbClr val="A9B7C6"/>
+                </a:solidFill>
+                <a:effectLst/>
+                <a:latin typeface="JetBrains Mono"/>
+              </a:rPr>
+              <a:t>+ </a:t>
+            </a:r>
+            <a:r>
+              <a:rPr kumimoji="0" lang="en-US" altLang="en-US" sz="1800" b="0" i="0" u="none" strike="noStrike" cap="none" normalizeH="0" baseline="0">
+                <a:ln>
+                  <a:noFill/>
+                </a:ln>
+                <a:solidFill>
+                  <a:srgbClr val="9876AA"/>
+                </a:solidFill>
+                <a:effectLst/>
+                <a:latin typeface="JetBrains Mono"/>
+              </a:rPr>
+              <a:t>area</a:t>
+            </a:r>
+            <a:r>
+              <a:rPr kumimoji="0" lang="en-US" altLang="en-US" sz="1800" b="0" i="0" u="none" strike="noStrike" cap="none" normalizeH="0" baseline="0">
+                <a:ln>
+                  <a:noFill/>
+                </a:ln>
+                <a:solidFill>
+                  <a:srgbClr val="CC7832"/>
+                </a:solidFill>
+                <a:effectLst/>
+                <a:latin typeface="JetBrains Mono"/>
+              </a:rPr>
+              <a:t>;</a:t>
+            </a:r>
+            <a:br>
+              <a:rPr kumimoji="0" lang="en-US" altLang="en-US" sz="1800" b="0" i="0" u="none" strike="noStrike" cap="none" normalizeH="0" baseline="0">
+                <a:ln>
+                  <a:noFill/>
+                </a:ln>
+                <a:solidFill>
+                  <a:srgbClr val="CC7832"/>
+                </a:solidFill>
+                <a:effectLst/>
+                <a:latin typeface="JetBrains Mono"/>
+              </a:rPr>
+            </a:br>
+            <a:r>
+              <a:rPr kumimoji="0" lang="en-US" altLang="en-US" sz="1800" b="0" i="0" u="none" strike="noStrike" cap="none" normalizeH="0" baseline="0">
+                <a:ln>
+                  <a:noFill/>
+                </a:ln>
+                <a:solidFill>
+                  <a:srgbClr val="CC7832"/>
+                </a:solidFill>
+                <a:effectLst/>
+                <a:latin typeface="JetBrains Mono"/>
+              </a:rPr>
+              <a:t>    </a:t>
+            </a:r>
+            <a:r>
+              <a:rPr kumimoji="0" lang="en-US" altLang="en-US" sz="1800" b="0" i="0" u="none" strike="noStrike" cap="none" normalizeH="0" baseline="0">
+                <a:ln>
+                  <a:noFill/>
+                </a:ln>
+                <a:solidFill>
+                  <a:srgbClr val="A9B7C6"/>
+                </a:solidFill>
+                <a:effectLst/>
+                <a:latin typeface="JetBrains Mono"/>
+              </a:rPr>
+              <a:t>}</a:t>
+            </a:r>
+            <a:br>
+              <a:rPr kumimoji="0" lang="en-US" altLang="en-US" sz="1800" b="0" i="0" u="none" strike="noStrike" cap="none" normalizeH="0" baseline="0">
+                <a:ln>
+                  <a:noFill/>
+                </a:ln>
+                <a:solidFill>
+                  <a:srgbClr val="A9B7C6"/>
+                </a:solidFill>
+                <a:effectLst/>
+                <a:latin typeface="JetBrains Mono"/>
+              </a:rPr>
+            </a:br>
+            <a:r>
+              <a:rPr kumimoji="0" lang="en-US" altLang="en-US" sz="1800" b="0" i="0" u="none" strike="noStrike" cap="none" normalizeH="0" baseline="0">
+                <a:ln>
+                  <a:noFill/>
+                </a:ln>
+                <a:solidFill>
+                  <a:srgbClr val="A9B7C6"/>
+                </a:solidFill>
+                <a:effectLst/>
+                <a:latin typeface="JetBrains Mono"/>
+              </a:rPr>
+              <a:t>}</a:t>
+            </a:r>
+            <a:endParaRPr kumimoji="0" lang="en-US" altLang="en-US" sz="1800" b="0" i="0" u="none" strike="noStrike" cap="none" normalizeH="0" baseline="0">
+              <a:ln>
+                <a:noFill/>
+              </a:ln>
+              <a:solidFill>
+                <a:schemeClr val="tx1"/>
+              </a:solidFill>
+              <a:effectLst/>
+              <a:latin typeface="Arial" panose="020B0604020202020204" pitchFamily="34" charset="0"/>
+            </a:endParaRPr>
+          </a:p>
+        </p:txBody>
+      </p:sp>
+    </p:spTree>
+    <p:extLst>
+      <p:ext uri="{BB962C8B-B14F-4D97-AF65-F5344CB8AC3E}">
+        <p14:creationId xmlns:p14="http://schemas.microsoft.com/office/powerpoint/2010/main" val="1035711711"/>
+      </p:ext>
+    </p:extLst>
+  </p:cSld>
+  <p:clrMapOvr>
+    <a:masterClrMapping/>
+  </p:clrMapOvr>
+  <mc:AlternateContent xmlns:mc="http://schemas.openxmlformats.org/markup-compatibility/2006" xmlns:p14="http://schemas.microsoft.com/office/powerpoint/2010/main">
+    <mc:Choice Requires="p14">
+      <p:transition p14:dur="300">
+        <p:fade/>
+      </p:transition>
+    </mc:Choice>
+    <mc:Fallback xmlns="">
+      <p:transition>
+        <p:fade/>
+      </p:transition>
+    </mc:Fallback>
+  </mc:AlternateContent>
+</p:sld>
+</file>
+
+<file path=ppt/slides/slide11.xml><?xml version="1.0" encoding="utf-8"?>
+<p:sld xmlns:a="http://schemas.openxmlformats.org/drawingml/2006/main" xmlns:r="http://schemas.openxmlformats.org/officeDocument/2006/relationships" xmlns:p="http://schemas.openxmlformats.org/presentationml/2006/main">
+  <p:cSld>
+    <p:spTree>
+      <p:nvGrpSpPr>
+        <p:cNvPr id="1" name=""/>
+        <p:cNvGrpSpPr/>
+        <p:nvPr/>
+      </p:nvGrpSpPr>
+      <p:grpSpPr>
+        <a:xfrm>
+          <a:off x="0" y="0"/>
+          <a:ext cx="0" cy="0"/>
+          <a:chOff x="0" y="0"/>
+          <a:chExt cx="0" cy="0"/>
+        </a:xfrm>
+      </p:grpSpPr>
+      <p:sp>
+        <p:nvSpPr>
+          <p:cNvPr id="2" name="Title 1">
+            <a:extLst>
+              <a:ext uri="{FF2B5EF4-FFF2-40B4-BE49-F238E27FC236}">
+                <a16:creationId xmlns:a16="http://schemas.microsoft.com/office/drawing/2014/main" id="{0A758FF7-8D14-DF4E-A32F-9B533CE1BFA8}"/>
+              </a:ext>
+            </a:extLst>
+          </p:cNvPr>
+          <p:cNvSpPr>
+            <a:spLocks noGrp="1"/>
+          </p:cNvSpPr>
+          <p:nvPr>
+            <p:ph type="title"/>
+          </p:nvPr>
+        </p:nvSpPr>
         <p:spPr>
           <a:xfrm>
             <a:off x="372893" y="76246"/>
@@ -10369,7 +11975,7 @@
         </p:spPr>
         <p:txBody>
           <a:bodyPr>
-            <a:normAutofit fontScale="85000" lnSpcReduction="20000"/>
+            <a:normAutofit fontScale="77500" lnSpcReduction="20000"/>
           </a:bodyPr>
           <a:lstStyle/>
           <a:p>
@@ -10430,6 +12036,21 @@
             <a:r>
               <a:rPr lang="en-US" dirty="0"/>
               <a:t>Help Desk Closes on the *due date* of the last assignment (not late window)</a:t>
+            </a:r>
+          </a:p>
+          <a:p>
+            <a:pPr lvl="2"/>
+            <a:r>
+              <a:rPr lang="en-US" dirty="0"/>
+              <a:t>HELP DESK CLOSES - December 9</a:t>
+            </a:r>
+            <a:r>
+              <a:rPr lang="en-US" baseline="30000" dirty="0"/>
+              <a:t>th</a:t>
+            </a:r>
+            <a:r>
+              <a:rPr lang="en-US" dirty="0"/>
+              <a:t>! </a:t>
             </a:r>
           </a:p>
           <a:p>
@@ -15908,8 +17529,8 @@
         </p:nvSpPr>
         <p:spPr>
           <a:xfrm>
-            <a:off x="628075" y="1776683"/>
-            <a:ext cx="9099021" cy="1453988"/>
+            <a:off x="628075" y="1529405"/>
+            <a:ext cx="9099021" cy="1940211"/>
           </a:xfrm>
         </p:spPr>
         <p:txBody>
@@ -15925,6 +17546,12 @@
             <a:r>
               <a:rPr lang="en-US" dirty="0"/>
               <a:t>if next element is less, swap, and keep doing it</a:t>
+            </a:r>
+          </a:p>
+          <a:p>
+            <a:r>
+              <a:rPr lang="en-US" dirty="0"/>
+              <a:t>if the next element is more, start moving that element up</a:t>
             </a:r>
           </a:p>
           <a:p>
@@ -17050,6 +18677,547 @@
           <p:cNvPr id="2" name="Title 1">
             <a:extLst>
               <a:ext uri="{FF2B5EF4-FFF2-40B4-BE49-F238E27FC236}">
+                <a16:creationId xmlns:a16="http://schemas.microsoft.com/office/drawing/2014/main" id="{19F613E4-61AD-3C4B-801C-D08A6B51D9D9}"/>
+              </a:ext>
+            </a:extLst>
+          </p:cNvPr>
+          <p:cNvSpPr>
+            <a:spLocks noGrp="1"/>
+          </p:cNvSpPr>
+          <p:nvPr>
+            <p:ph type="title"/>
+          </p:nvPr>
+        </p:nvSpPr>
+        <p:spPr/>
+        <p:txBody>
+          <a:bodyPr/>
+          <a:lstStyle/>
+          <a:p>
+            <a:r>
+              <a:rPr lang="en-US" dirty="0"/>
+              <a:t>Practice 1</a:t>
+            </a:r>
+          </a:p>
+        </p:txBody>
+      </p:sp>
+      <p:sp>
+        <p:nvSpPr>
+          <p:cNvPr id="3" name="Text Placeholder 2">
+            <a:extLst>
+              <a:ext uri="{FF2B5EF4-FFF2-40B4-BE49-F238E27FC236}">
+                <a16:creationId xmlns:a16="http://schemas.microsoft.com/office/drawing/2014/main" id="{F1E14A84-8C89-5E48-83FD-7BE731D80955}"/>
+              </a:ext>
+            </a:extLst>
+          </p:cNvPr>
+          <p:cNvSpPr>
+            <a:spLocks noGrp="1"/>
+          </p:cNvSpPr>
+          <p:nvPr>
+            <p:ph type="body" sz="quarter" idx="10"/>
+          </p:nvPr>
+        </p:nvSpPr>
+        <p:spPr>
+          <a:xfrm>
+            <a:off x="628075" y="1776683"/>
+            <a:ext cx="12561453" cy="481350"/>
+          </a:xfrm>
+        </p:spPr>
+        <p:txBody>
+          <a:bodyPr/>
+          <a:lstStyle/>
+          <a:p>
+            <a:r>
+              <a:rPr lang="en-US" dirty="0"/>
+              <a:t>Given the following list write each ‘step’ (array) of the bubble sort</a:t>
+            </a:r>
+          </a:p>
+        </p:txBody>
+      </p:sp>
+      <p:sp>
+        <p:nvSpPr>
+          <p:cNvPr id="4" name="TextBox 3">
+            <a:extLst>
+              <a:ext uri="{FF2B5EF4-FFF2-40B4-BE49-F238E27FC236}">
+                <a16:creationId xmlns:a16="http://schemas.microsoft.com/office/drawing/2014/main" id="{4ADB71FC-D3C5-BB4F-82AA-5600F3C2BE14}"/>
+              </a:ext>
+            </a:extLst>
+          </p:cNvPr>
+          <p:cNvSpPr txBox="1"/>
+          <p:nvPr/>
+        </p:nvSpPr>
+        <p:spPr>
+          <a:xfrm>
+            <a:off x="4753114" y="2370939"/>
+            <a:ext cx="2300630" cy="400110"/>
+          </a:xfrm>
+          <a:prstGeom prst="rect">
+            <a:avLst/>
+          </a:prstGeom>
+          <a:noFill/>
+        </p:spPr>
+        <p:txBody>
+          <a:bodyPr wrap="none" rtlCol="0">
+            <a:spAutoFit/>
+          </a:bodyPr>
+          <a:lstStyle/>
+          <a:p>
+            <a:r>
+              <a:rPr lang="en-US" dirty="0">
+                <a:latin typeface="Consolas" panose="020B0609020204030204" pitchFamily="49" charset="0"/>
+                <a:cs typeface="Consolas" panose="020B0609020204030204" pitchFamily="49" charset="0"/>
+              </a:rPr>
+              <a:t>[3, 2, 5, 1, 8]</a:t>
+            </a:r>
+          </a:p>
+        </p:txBody>
+      </p:sp>
+      <p:sp>
+        <p:nvSpPr>
+          <p:cNvPr id="5" name="TextBox 4">
+            <a:extLst>
+              <a:ext uri="{FF2B5EF4-FFF2-40B4-BE49-F238E27FC236}">
+                <a16:creationId xmlns:a16="http://schemas.microsoft.com/office/drawing/2014/main" id="{2B958510-0F2B-EE4F-BF65-527683594EC4}"/>
+              </a:ext>
+            </a:extLst>
+          </p:cNvPr>
+          <p:cNvSpPr txBox="1"/>
+          <p:nvPr/>
+        </p:nvSpPr>
+        <p:spPr>
+          <a:xfrm>
+            <a:off x="1304359" y="3486090"/>
+            <a:ext cx="2300630" cy="400110"/>
+          </a:xfrm>
+          <a:prstGeom prst="rect">
+            <a:avLst/>
+          </a:prstGeom>
+          <a:noFill/>
+        </p:spPr>
+        <p:txBody>
+          <a:bodyPr wrap="none" rtlCol="0">
+            <a:spAutoFit/>
+          </a:bodyPr>
+          <a:lstStyle/>
+          <a:p>
+            <a:r>
+              <a:rPr lang="en-US" dirty="0">
+                <a:latin typeface="Consolas" panose="020B0609020204030204" pitchFamily="49" charset="0"/>
+                <a:cs typeface="Consolas" panose="020B0609020204030204" pitchFamily="49" charset="0"/>
+              </a:rPr>
+              <a:t>[2, 3, 5, 1, 8]</a:t>
+            </a:r>
+          </a:p>
+        </p:txBody>
+      </p:sp>
+      <p:sp>
+        <p:nvSpPr>
+          <p:cNvPr id="6" name="TextBox 5">
+            <a:extLst>
+              <a:ext uri="{FF2B5EF4-FFF2-40B4-BE49-F238E27FC236}">
+                <a16:creationId xmlns:a16="http://schemas.microsoft.com/office/drawing/2014/main" id="{1434C16A-ED46-944B-A558-855AC5BC12AB}"/>
+              </a:ext>
+            </a:extLst>
+          </p:cNvPr>
+          <p:cNvSpPr txBox="1"/>
+          <p:nvPr/>
+        </p:nvSpPr>
+        <p:spPr>
+          <a:xfrm>
+            <a:off x="1304359" y="3886200"/>
+            <a:ext cx="2300630" cy="400110"/>
+          </a:xfrm>
+          <a:prstGeom prst="rect">
+            <a:avLst/>
+          </a:prstGeom>
+          <a:noFill/>
+        </p:spPr>
+        <p:txBody>
+          <a:bodyPr wrap="none" rtlCol="0">
+            <a:spAutoFit/>
+          </a:bodyPr>
+          <a:lstStyle/>
+          <a:p>
+            <a:r>
+              <a:rPr lang="en-US" dirty="0">
+                <a:latin typeface="Consolas" panose="020B0609020204030204" pitchFamily="49" charset="0"/>
+                <a:cs typeface="Consolas" panose="020B0609020204030204" pitchFamily="49" charset="0"/>
+              </a:rPr>
+              <a:t>[2, 3, 1, 5, 8]</a:t>
+            </a:r>
+          </a:p>
+        </p:txBody>
+      </p:sp>
+      <p:sp>
+        <p:nvSpPr>
+          <p:cNvPr id="7" name="TextBox 6">
+            <a:extLst>
+              <a:ext uri="{FF2B5EF4-FFF2-40B4-BE49-F238E27FC236}">
+                <a16:creationId xmlns:a16="http://schemas.microsoft.com/office/drawing/2014/main" id="{2E60760C-F470-A544-BE16-86A47D66D228}"/>
+              </a:ext>
+            </a:extLst>
+          </p:cNvPr>
+          <p:cNvSpPr txBox="1"/>
+          <p:nvPr/>
+        </p:nvSpPr>
+        <p:spPr>
+          <a:xfrm>
+            <a:off x="1304359" y="4289132"/>
+            <a:ext cx="2300630" cy="400110"/>
+          </a:xfrm>
+          <a:prstGeom prst="rect">
+            <a:avLst/>
+          </a:prstGeom>
+          <a:noFill/>
+        </p:spPr>
+        <p:txBody>
+          <a:bodyPr wrap="none" rtlCol="0">
+            <a:spAutoFit/>
+          </a:bodyPr>
+          <a:lstStyle/>
+          <a:p>
+            <a:r>
+              <a:rPr lang="en-US" dirty="0">
+                <a:latin typeface="Consolas" panose="020B0609020204030204" pitchFamily="49" charset="0"/>
+                <a:cs typeface="Consolas" panose="020B0609020204030204" pitchFamily="49" charset="0"/>
+              </a:rPr>
+              <a:t>[2, 1, 3, 5, 8]</a:t>
+            </a:r>
+          </a:p>
+        </p:txBody>
+      </p:sp>
+      <p:sp>
+        <p:nvSpPr>
+          <p:cNvPr id="8" name="TextBox 7">
+            <a:extLst>
+              <a:ext uri="{FF2B5EF4-FFF2-40B4-BE49-F238E27FC236}">
+                <a16:creationId xmlns:a16="http://schemas.microsoft.com/office/drawing/2014/main" id="{53D5B0F2-2DA9-6840-85B7-22700D70E0A5}"/>
+              </a:ext>
+            </a:extLst>
+          </p:cNvPr>
+          <p:cNvSpPr txBox="1"/>
+          <p:nvPr/>
+        </p:nvSpPr>
+        <p:spPr>
+          <a:xfrm>
+            <a:off x="1304359" y="4714147"/>
+            <a:ext cx="2300630" cy="400110"/>
+          </a:xfrm>
+          <a:prstGeom prst="rect">
+            <a:avLst/>
+          </a:prstGeom>
+          <a:noFill/>
+        </p:spPr>
+        <p:txBody>
+          <a:bodyPr wrap="none" rtlCol="0">
+            <a:spAutoFit/>
+          </a:bodyPr>
+          <a:lstStyle/>
+          <a:p>
+            <a:r>
+              <a:rPr lang="en-US" dirty="0">
+                <a:latin typeface="Consolas" panose="020B0609020204030204" pitchFamily="49" charset="0"/>
+                <a:cs typeface="Consolas" panose="020B0609020204030204" pitchFamily="49" charset="0"/>
+              </a:rPr>
+              <a:t>[1, 2, 3, 5, 8]</a:t>
+            </a:r>
+          </a:p>
+        </p:txBody>
+      </p:sp>
+    </p:spTree>
+    <p:extLst>
+      <p:ext uri="{BB962C8B-B14F-4D97-AF65-F5344CB8AC3E}">
+        <p14:creationId xmlns:p14="http://schemas.microsoft.com/office/powerpoint/2010/main" val="1979774323"/>
+      </p:ext>
+    </p:extLst>
+  </p:cSld>
+  <p:clrMapOvr>
+    <a:masterClrMapping/>
+  </p:clrMapOvr>
+  <mc:AlternateContent xmlns:mc="http://schemas.openxmlformats.org/markup-compatibility/2006" xmlns:p14="http://schemas.microsoft.com/office/powerpoint/2010/main">
+    <mc:Choice Requires="p14">
+      <p:transition p14:dur="300">
+        <p:fade/>
+      </p:transition>
+    </mc:Choice>
+    <mc:Fallback xmlns="">
+      <p:transition>
+        <p:fade/>
+      </p:transition>
+    </mc:Fallback>
+  </mc:AlternateContent>
+  <p:timing>
+    <p:tnLst>
+      <p:par>
+        <p:cTn id="1" dur="indefinite" restart="never" nodeType="tmRoot">
+          <p:childTnLst>
+            <p:seq concurrent="1" nextAc="seek">
+              <p:cTn id="2" dur="indefinite" nodeType="mainSeq">
+                <p:childTnLst>
+                  <p:par>
+                    <p:cTn id="3" fill="hold">
+                      <p:stCondLst>
+                        <p:cond delay="indefinite"/>
+                      </p:stCondLst>
+                      <p:childTnLst>
+                        <p:par>
+                          <p:cTn id="4" fill="hold">
+                            <p:stCondLst>
+                              <p:cond delay="0"/>
+                            </p:stCondLst>
+                            <p:childTnLst>
+                              <p:par>
+                                <p:cTn id="5" presetID="9" presetClass="entr" presetSubtype="0" fill="hold" grpId="0" nodeType="clickEffect">
+                                  <p:stCondLst>
+                                    <p:cond delay="0"/>
+                                  </p:stCondLst>
+                                  <p:childTnLst>
+                                    <p:set>
+                                      <p:cBhvr>
+                                        <p:cTn id="6" dur="1" fill="hold">
+                                          <p:stCondLst>
+                                            <p:cond delay="0"/>
+                                          </p:stCondLst>
+                                        </p:cTn>
+                                        <p:tgtEl>
+                                          <p:spTgt spid="5"/>
+                                        </p:tgtEl>
+                                        <p:attrNameLst>
+                                          <p:attrName>style.visibility</p:attrName>
+                                        </p:attrNameLst>
+                                      </p:cBhvr>
+                                      <p:to>
+                                        <p:strVal val="visible"/>
+                                      </p:to>
+                                    </p:set>
+                                    <p:animEffect transition="in" filter="dissolve">
+                                      <p:cBhvr>
+                                        <p:cTn id="7" dur="500"/>
+                                        <p:tgtEl>
+                                          <p:spTgt spid="5"/>
+                                        </p:tgtEl>
+                                      </p:cBhvr>
+                                    </p:animEffect>
+                                  </p:childTnLst>
+                                </p:cTn>
+                              </p:par>
+                            </p:childTnLst>
+                          </p:cTn>
+                        </p:par>
+                      </p:childTnLst>
+                    </p:cTn>
+                  </p:par>
+                  <p:par>
+                    <p:cTn id="8" fill="hold">
+                      <p:stCondLst>
+                        <p:cond delay="indefinite"/>
+                      </p:stCondLst>
+                      <p:childTnLst>
+                        <p:par>
+                          <p:cTn id="9" fill="hold">
+                            <p:stCondLst>
+                              <p:cond delay="0"/>
+                            </p:stCondLst>
+                            <p:childTnLst>
+                              <p:par>
+                                <p:cTn id="10" presetID="9" presetClass="entr" presetSubtype="0" fill="hold" grpId="0" nodeType="clickEffect">
+                                  <p:stCondLst>
+                                    <p:cond delay="0"/>
+                                  </p:stCondLst>
+                                  <p:childTnLst>
+                                    <p:set>
+                                      <p:cBhvr>
+                                        <p:cTn id="11" dur="1" fill="hold">
+                                          <p:stCondLst>
+                                            <p:cond delay="0"/>
+                                          </p:stCondLst>
+                                        </p:cTn>
+                                        <p:tgtEl>
+                                          <p:spTgt spid="6"/>
+                                        </p:tgtEl>
+                                        <p:attrNameLst>
+                                          <p:attrName>style.visibility</p:attrName>
+                                        </p:attrNameLst>
+                                      </p:cBhvr>
+                                      <p:to>
+                                        <p:strVal val="visible"/>
+                                      </p:to>
+                                    </p:set>
+                                    <p:animEffect transition="in" filter="dissolve">
+                                      <p:cBhvr>
+                                        <p:cTn id="12" dur="500"/>
+                                        <p:tgtEl>
+                                          <p:spTgt spid="6"/>
+                                        </p:tgtEl>
+                                      </p:cBhvr>
+                                    </p:animEffect>
+                                  </p:childTnLst>
+                                </p:cTn>
+                              </p:par>
+                            </p:childTnLst>
+                          </p:cTn>
+                        </p:par>
+                      </p:childTnLst>
+                    </p:cTn>
+                  </p:par>
+                  <p:par>
+                    <p:cTn id="13" fill="hold">
+                      <p:stCondLst>
+                        <p:cond delay="indefinite"/>
+                      </p:stCondLst>
+                      <p:childTnLst>
+                        <p:par>
+                          <p:cTn id="14" fill="hold">
+                            <p:stCondLst>
+                              <p:cond delay="0"/>
+                            </p:stCondLst>
+                            <p:childTnLst>
+                              <p:par>
+                                <p:cTn id="15" presetID="9" presetClass="entr" presetSubtype="0" fill="hold" grpId="0" nodeType="clickEffect">
+                                  <p:stCondLst>
+                                    <p:cond delay="0"/>
+                                  </p:stCondLst>
+                                  <p:childTnLst>
+                                    <p:set>
+                                      <p:cBhvr>
+                                        <p:cTn id="16" dur="1" fill="hold">
+                                          <p:stCondLst>
+                                            <p:cond delay="0"/>
+                                          </p:stCondLst>
+                                        </p:cTn>
+                                        <p:tgtEl>
+                                          <p:spTgt spid="7"/>
+                                        </p:tgtEl>
+                                        <p:attrNameLst>
+                                          <p:attrName>style.visibility</p:attrName>
+                                        </p:attrNameLst>
+                                      </p:cBhvr>
+                                      <p:to>
+                                        <p:strVal val="visible"/>
+                                      </p:to>
+                                    </p:set>
+                                    <p:animEffect transition="in" filter="dissolve">
+                                      <p:cBhvr>
+                                        <p:cTn id="17" dur="500"/>
+                                        <p:tgtEl>
+                                          <p:spTgt spid="7"/>
+                                        </p:tgtEl>
+                                      </p:cBhvr>
+                                    </p:animEffect>
+                                  </p:childTnLst>
+                                </p:cTn>
+                              </p:par>
+                            </p:childTnLst>
+                          </p:cTn>
+                        </p:par>
+                      </p:childTnLst>
+                    </p:cTn>
+                  </p:par>
+                  <p:par>
+                    <p:cTn id="18" fill="hold">
+                      <p:stCondLst>
+                        <p:cond delay="indefinite"/>
+                      </p:stCondLst>
+                      <p:childTnLst>
+                        <p:par>
+                          <p:cTn id="19" fill="hold">
+                            <p:stCondLst>
+                              <p:cond delay="0"/>
+                            </p:stCondLst>
+                            <p:childTnLst>
+                              <p:par>
+                                <p:cTn id="20" presetID="9" presetClass="entr" presetSubtype="0" fill="hold" grpId="0" nodeType="clickEffect">
+                                  <p:stCondLst>
+                                    <p:cond delay="0"/>
+                                  </p:stCondLst>
+                                  <p:childTnLst>
+                                    <p:set>
+                                      <p:cBhvr>
+                                        <p:cTn id="21" dur="1" fill="hold">
+                                          <p:stCondLst>
+                                            <p:cond delay="0"/>
+                                          </p:stCondLst>
+                                        </p:cTn>
+                                        <p:tgtEl>
+                                          <p:spTgt spid="8"/>
+                                        </p:tgtEl>
+                                        <p:attrNameLst>
+                                          <p:attrName>style.visibility</p:attrName>
+                                        </p:attrNameLst>
+                                      </p:cBhvr>
+                                      <p:to>
+                                        <p:strVal val="visible"/>
+                                      </p:to>
+                                    </p:set>
+                                    <p:animEffect transition="in" filter="dissolve">
+                                      <p:cBhvr>
+                                        <p:cTn id="22" dur="500"/>
+                                        <p:tgtEl>
+                                          <p:spTgt spid="8"/>
+                                        </p:tgtEl>
+                                      </p:cBhvr>
+                                    </p:animEffect>
+                                  </p:childTnLst>
+                                </p:cTn>
+                              </p:par>
+                            </p:childTnLst>
+                          </p:cTn>
+                        </p:par>
+                      </p:childTnLst>
+                    </p:cTn>
+                  </p:par>
+                </p:childTnLst>
+              </p:cTn>
+              <p:prevCondLst>
+                <p:cond evt="onPrev" delay="0">
+                  <p:tgtEl>
+                    <p:sldTgt/>
+                  </p:tgtEl>
+                </p:cond>
+              </p:prevCondLst>
+              <p:nextCondLst>
+                <p:cond evt="onNext" delay="0">
+                  <p:tgtEl>
+                    <p:sldTgt/>
+                  </p:tgtEl>
+                </p:cond>
+              </p:nextCondLst>
+            </p:seq>
+          </p:childTnLst>
+        </p:cTn>
+      </p:par>
+    </p:tnLst>
+    <p:bldLst>
+      <p:bldP spid="5" grpId="0"/>
+      <p:bldP spid="6" grpId="0"/>
+      <p:bldP spid="7" grpId="0"/>
+      <p:bldP spid="8" grpId="0"/>
+    </p:bldLst>
+  </p:timing>
+</p:sld>
+</file>
+
+<file path=ppt/slides/slide7.xml><?xml version="1.0" encoding="utf-8"?>
+<p:sld xmlns:a="http://schemas.openxmlformats.org/drawingml/2006/main" xmlns:r="http://schemas.openxmlformats.org/officeDocument/2006/relationships" xmlns:p="http://schemas.openxmlformats.org/presentationml/2006/main">
+  <p:cSld>
+    <p:spTree>
+      <p:nvGrpSpPr>
+        <p:cNvPr id="1" name=""/>
+        <p:cNvGrpSpPr/>
+        <p:nvPr/>
+      </p:nvGrpSpPr>
+      <p:grpSpPr>
+        <a:xfrm>
+          <a:off x="0" y="0"/>
+          <a:ext cx="0" cy="0"/>
+          <a:chOff x="0" y="0"/>
+          <a:chExt cx="0" cy="0"/>
+        </a:xfrm>
+      </p:grpSpPr>
+      <p:sp>
+        <p:nvSpPr>
+          <p:cNvPr id="2" name="Title 1">
+            <a:extLst>
+              <a:ext uri="{FF2B5EF4-FFF2-40B4-BE49-F238E27FC236}">
                 <a16:creationId xmlns:a16="http://schemas.microsoft.com/office/drawing/2014/main" id="{9134D3DE-9E05-8342-993B-72CB3CA586F1}"/>
               </a:ext>
             </a:extLst>
@@ -18162,7 +20330,7 @@
 </p:sld>
 </file>
 
-<file path=ppt/slides/slide7.xml><?xml version="1.0" encoding="utf-8"?>
+<file path=ppt/slides/slide8.xml><?xml version="1.0" encoding="utf-8"?>
 <p:sld xmlns:a="http://schemas.openxmlformats.org/drawingml/2006/main" xmlns:r="http://schemas.openxmlformats.org/officeDocument/2006/relationships" xmlns:p="http://schemas.openxmlformats.org/presentationml/2006/main">
   <p:cSld>
     <p:spTree>
@@ -18362,7 +20530,7 @@
 </p:sld>
 </file>
 
-<file path=ppt/slides/slide8.xml><?xml version="1.0" encoding="utf-8"?>
+<file path=ppt/slides/slide9.xml><?xml version="1.0" encoding="utf-8"?>
 <p:sld xmlns:a="http://schemas.openxmlformats.org/drawingml/2006/main" xmlns:r="http://schemas.openxmlformats.org/officeDocument/2006/relationships" xmlns:p="http://schemas.openxmlformats.org/presentationml/2006/main">
   <p:cSld>
     <p:spTree>
@@ -19284,1611 +21452,6 @@
     <p:extLst>
       <p:ext uri="{BB962C8B-B14F-4D97-AF65-F5344CB8AC3E}">
         <p14:creationId xmlns:p14="http://schemas.microsoft.com/office/powerpoint/2010/main" val="2436844951"/>
-      </p:ext>
-    </p:extLst>
-  </p:cSld>
-  <p:clrMapOvr>
-    <a:masterClrMapping/>
-  </p:clrMapOvr>
-  <mc:AlternateContent xmlns:mc="http://schemas.openxmlformats.org/markup-compatibility/2006" xmlns:p14="http://schemas.microsoft.com/office/powerpoint/2010/main">
-    <mc:Choice Requires="p14">
-      <p:transition p14:dur="300">
-        <p:fade/>
-      </p:transition>
-    </mc:Choice>
-    <mc:Fallback xmlns="">
-      <p:transition>
-        <p:fade/>
-      </p:transition>
-    </mc:Fallback>
-  </mc:AlternateContent>
-</p:sld>
-</file>
-
-<file path=ppt/slides/slide9.xml><?xml version="1.0" encoding="utf-8"?>
-<p:sld xmlns:a="http://schemas.openxmlformats.org/drawingml/2006/main" xmlns:r="http://schemas.openxmlformats.org/officeDocument/2006/relationships" xmlns:p="http://schemas.openxmlformats.org/presentationml/2006/main">
-  <p:cSld>
-    <p:spTree>
-      <p:nvGrpSpPr>
-        <p:cNvPr id="1" name=""/>
-        <p:cNvGrpSpPr/>
-        <p:nvPr/>
-      </p:nvGrpSpPr>
-      <p:grpSpPr>
-        <a:xfrm>
-          <a:off x="0" y="0"/>
-          <a:ext cx="0" cy="0"/>
-          <a:chOff x="0" y="0"/>
-          <a:chExt cx="0" cy="0"/>
-        </a:xfrm>
-      </p:grpSpPr>
-      <p:sp>
-        <p:nvSpPr>
-          <p:cNvPr id="2" name="Title 1">
-            <a:extLst>
-              <a:ext uri="{FF2B5EF4-FFF2-40B4-BE49-F238E27FC236}">
-                <a16:creationId xmlns:a16="http://schemas.microsoft.com/office/drawing/2014/main" id="{0A758FF7-8D14-DF4E-A32F-9B533CE1BFA8}"/>
-              </a:ext>
-            </a:extLst>
-          </p:cNvPr>
-          <p:cNvSpPr>
-            <a:spLocks noGrp="1"/>
-          </p:cNvSpPr>
-          <p:nvPr>
-            <p:ph type="title"/>
-          </p:nvPr>
-        </p:nvSpPr>
-        <p:spPr/>
-        <p:txBody>
-          <a:bodyPr/>
-          <a:lstStyle/>
-          <a:p>
-            <a:r>
-              <a:rPr lang="en-US" dirty="0"/>
-              <a:t>Country</a:t>
-            </a:r>
-          </a:p>
-        </p:txBody>
-      </p:sp>
-      <p:sp>
-        <p:nvSpPr>
-          <p:cNvPr id="6" name="Rectangle 1">
-            <a:extLst>
-              <a:ext uri="{FF2B5EF4-FFF2-40B4-BE49-F238E27FC236}">
-                <a16:creationId xmlns:a16="http://schemas.microsoft.com/office/drawing/2014/main" id="{8ED0C47D-BC17-44BF-B794-1EBF50A776A9}"/>
-              </a:ext>
-            </a:extLst>
-          </p:cNvPr>
-          <p:cNvSpPr>
-            <a:spLocks noChangeArrowheads="1"/>
-          </p:cNvSpPr>
-          <p:nvPr/>
-        </p:nvSpPr>
-        <p:spPr bwMode="auto">
-          <a:xfrm>
-            <a:off x="3880884" y="422081"/>
-            <a:ext cx="7464056" cy="6740307"/>
-          </a:xfrm>
-          <a:prstGeom prst="rect">
-            <a:avLst/>
-          </a:prstGeom>
-          <a:solidFill>
-            <a:srgbClr val="2B2B2B"/>
-          </a:solidFill>
-          <a:ln>
-            <a:noFill/>
-          </a:ln>
-          <a:effectLst/>
-          <a:extLst>
-            <a:ext uri="{91240B29-F687-4F45-9708-019B960494DF}">
-              <a14:hiddenLine xmlns:a14="http://schemas.microsoft.com/office/drawing/2010/main" w="9525">
-                <a:solidFill>
-                  <a:schemeClr val="tx1"/>
-                </a:solidFill>
-                <a:miter lim="800000"/>
-                <a:headEnd/>
-                <a:tailEnd/>
-              </a14:hiddenLine>
-            </a:ext>
-            <a:ext uri="{AF507438-7753-43E0-B8FC-AC1667EBCBE1}">
-              <a14:hiddenEffects xmlns:a14="http://schemas.microsoft.com/office/drawing/2010/main">
-                <a:effectLst>
-                  <a:outerShdw dist="35921" dir="2700000" algn="ctr" rotWithShape="0">
-                    <a:schemeClr val="bg2"/>
-                  </a:outerShdw>
-                </a:effectLst>
-              </a14:hiddenEffects>
-            </a:ext>
-          </a:extLst>
-        </p:spPr>
-        <p:txBody>
-          <a:bodyPr vert="horz" wrap="square" lIns="91440" tIns="45720" rIns="91440" bIns="45720" numCol="1" anchor="ctr" anchorCtr="0" compatLnSpc="1">
-            <a:prstTxWarp prst="textNoShape">
-              <a:avLst/>
-            </a:prstTxWarp>
-            <a:spAutoFit/>
-          </a:bodyPr>
-          <a:lstStyle/>
-          <a:p>
-            <a:pPr marL="0" marR="0" lvl="0" indent="0" algn="l" defTabSz="914400" rtl="0" eaLnBrk="0" fontAlgn="base" latinLnBrk="0" hangingPunct="0">
-              <a:lnSpc>
-                <a:spcPct val="100000"/>
-              </a:lnSpc>
-              <a:spcBef>
-                <a:spcPct val="0"/>
-              </a:spcBef>
-              <a:spcAft>
-                <a:spcPct val="0"/>
-              </a:spcAft>
-              <a:buClrTx/>
-              <a:buSzTx/>
-              <a:buFontTx/>
-              <a:buNone/>
-              <a:tabLst/>
-            </a:pPr>
-            <a:r>
-              <a:rPr kumimoji="0" lang="en-US" altLang="en-US" sz="1800" b="0" i="0" u="none" strike="noStrike" cap="none" normalizeH="0" baseline="0">
-                <a:ln>
-                  <a:noFill/>
-                </a:ln>
-                <a:solidFill>
-                  <a:srgbClr val="CC7832"/>
-                </a:solidFill>
-                <a:effectLst/>
-                <a:latin typeface="JetBrains Mono"/>
-              </a:rPr>
-              <a:t>public class </a:t>
-            </a:r>
-            <a:r>
-              <a:rPr kumimoji="0" lang="en-US" altLang="en-US" sz="1800" b="0" i="0" u="none" strike="noStrike" cap="none" normalizeH="0" baseline="0">
-                <a:ln>
-                  <a:noFill/>
-                </a:ln>
-                <a:solidFill>
-                  <a:srgbClr val="A9B7C6"/>
-                </a:solidFill>
-                <a:effectLst/>
-                <a:latin typeface="JetBrains Mono"/>
-              </a:rPr>
-              <a:t>Country </a:t>
-            </a:r>
-            <a:r>
-              <a:rPr kumimoji="0" lang="en-US" altLang="en-US" sz="1800" b="0" i="0" u="none" strike="noStrike" cap="none" normalizeH="0" baseline="0">
-                <a:ln>
-                  <a:noFill/>
-                </a:ln>
-                <a:solidFill>
-                  <a:srgbClr val="CC7832"/>
-                </a:solidFill>
-                <a:effectLst/>
-                <a:latin typeface="JetBrains Mono"/>
-              </a:rPr>
-              <a:t>implements </a:t>
-            </a:r>
-            <a:r>
-              <a:rPr kumimoji="0" lang="en-US" altLang="en-US" sz="1800" b="0" i="0" u="none" strike="noStrike" cap="none" normalizeH="0" baseline="0">
-                <a:ln>
-                  <a:noFill/>
-                </a:ln>
-                <a:solidFill>
-                  <a:srgbClr val="A9B7C6"/>
-                </a:solidFill>
-                <a:effectLst/>
-                <a:latin typeface="JetBrains Mono"/>
-              </a:rPr>
-              <a:t>Comparable&lt;Country&gt;{</a:t>
-            </a:r>
-            <a:br>
-              <a:rPr kumimoji="0" lang="en-US" altLang="en-US" sz="1800" b="0" i="0" u="none" strike="noStrike" cap="none" normalizeH="0" baseline="0">
-                <a:ln>
-                  <a:noFill/>
-                </a:ln>
-                <a:solidFill>
-                  <a:srgbClr val="A9B7C6"/>
-                </a:solidFill>
-                <a:effectLst/>
-                <a:latin typeface="JetBrains Mono"/>
-              </a:rPr>
-            </a:br>
-            <a:r>
-              <a:rPr kumimoji="0" lang="en-US" altLang="en-US" sz="1800" b="0" i="0" u="none" strike="noStrike" cap="none" normalizeH="0" baseline="0">
-                <a:ln>
-                  <a:noFill/>
-                </a:ln>
-                <a:solidFill>
-                  <a:srgbClr val="A9B7C6"/>
-                </a:solidFill>
-                <a:effectLst/>
-                <a:latin typeface="JetBrains Mono"/>
-              </a:rPr>
-              <a:t>    </a:t>
-            </a:r>
-            <a:r>
-              <a:rPr kumimoji="0" lang="en-US" altLang="en-US" sz="1800" b="0" i="0" u="none" strike="noStrike" cap="none" normalizeH="0" baseline="0">
-                <a:ln>
-                  <a:noFill/>
-                </a:ln>
-                <a:solidFill>
-                  <a:srgbClr val="CC7832"/>
-                </a:solidFill>
-                <a:effectLst/>
-                <a:latin typeface="JetBrains Mono"/>
-              </a:rPr>
-              <a:t>private </a:t>
-            </a:r>
-            <a:r>
-              <a:rPr kumimoji="0" lang="en-US" altLang="en-US" sz="1800" b="0" i="0" u="none" strike="noStrike" cap="none" normalizeH="0" baseline="0">
-                <a:ln>
-                  <a:noFill/>
-                </a:ln>
-                <a:solidFill>
-                  <a:srgbClr val="A9B7C6"/>
-                </a:solidFill>
-                <a:effectLst/>
-                <a:latin typeface="JetBrains Mono"/>
-              </a:rPr>
-              <a:t>String </a:t>
-            </a:r>
-            <a:r>
-              <a:rPr kumimoji="0" lang="en-US" altLang="en-US" sz="1800" b="0" i="0" u="none" strike="noStrike" cap="none" normalizeH="0" baseline="0">
-                <a:ln>
-                  <a:noFill/>
-                </a:ln>
-                <a:solidFill>
-                  <a:srgbClr val="9876AA"/>
-                </a:solidFill>
-                <a:effectLst/>
-                <a:latin typeface="JetBrains Mono"/>
-              </a:rPr>
-              <a:t>name</a:t>
-            </a:r>
-            <a:r>
-              <a:rPr kumimoji="0" lang="en-US" altLang="en-US" sz="1800" b="0" i="0" u="none" strike="noStrike" cap="none" normalizeH="0" baseline="0">
-                <a:ln>
-                  <a:noFill/>
-                </a:ln>
-                <a:solidFill>
-                  <a:srgbClr val="CC7832"/>
-                </a:solidFill>
-                <a:effectLst/>
-                <a:latin typeface="JetBrains Mono"/>
-              </a:rPr>
-              <a:t>;</a:t>
-            </a:r>
-            <a:br>
-              <a:rPr kumimoji="0" lang="en-US" altLang="en-US" sz="1800" b="0" i="0" u="none" strike="noStrike" cap="none" normalizeH="0" baseline="0">
-                <a:ln>
-                  <a:noFill/>
-                </a:ln>
-                <a:solidFill>
-                  <a:srgbClr val="CC7832"/>
-                </a:solidFill>
-                <a:effectLst/>
-                <a:latin typeface="JetBrains Mono"/>
-              </a:rPr>
-            </a:br>
-            <a:r>
-              <a:rPr kumimoji="0" lang="en-US" altLang="en-US" sz="1800" b="0" i="0" u="none" strike="noStrike" cap="none" normalizeH="0" baseline="0">
-                <a:ln>
-                  <a:noFill/>
-                </a:ln>
-                <a:solidFill>
-                  <a:srgbClr val="CC7832"/>
-                </a:solidFill>
-                <a:effectLst/>
-                <a:latin typeface="JetBrains Mono"/>
-              </a:rPr>
-              <a:t>    private double </a:t>
-            </a:r>
-            <a:r>
-              <a:rPr kumimoji="0" lang="en-US" altLang="en-US" sz="1800" b="0" i="0" u="none" strike="noStrike" cap="none" normalizeH="0" baseline="0">
-                <a:ln>
-                  <a:noFill/>
-                </a:ln>
-                <a:solidFill>
-                  <a:srgbClr val="9876AA"/>
-                </a:solidFill>
-                <a:effectLst/>
-                <a:latin typeface="JetBrains Mono"/>
-              </a:rPr>
-              <a:t>area</a:t>
-            </a:r>
-            <a:r>
-              <a:rPr kumimoji="0" lang="en-US" altLang="en-US" sz="1800" b="0" i="0" u="none" strike="noStrike" cap="none" normalizeH="0" baseline="0">
-                <a:ln>
-                  <a:noFill/>
-                </a:ln>
-                <a:solidFill>
-                  <a:srgbClr val="CC7832"/>
-                </a:solidFill>
-                <a:effectLst/>
-                <a:latin typeface="JetBrains Mono"/>
-              </a:rPr>
-              <a:t>;</a:t>
-            </a:r>
-            <a:br>
-              <a:rPr kumimoji="0" lang="en-US" altLang="en-US" sz="1800" b="0" i="0" u="none" strike="noStrike" cap="none" normalizeH="0" baseline="0">
-                <a:ln>
-                  <a:noFill/>
-                </a:ln>
-                <a:solidFill>
-                  <a:srgbClr val="CC7832"/>
-                </a:solidFill>
-                <a:effectLst/>
-                <a:latin typeface="JetBrains Mono"/>
-              </a:rPr>
-            </a:br>
-            <a:r>
-              <a:rPr kumimoji="0" lang="en-US" altLang="en-US" sz="1800" b="0" i="0" u="none" strike="noStrike" cap="none" normalizeH="0" baseline="0">
-                <a:ln>
-                  <a:noFill/>
-                </a:ln>
-                <a:solidFill>
-                  <a:srgbClr val="CC7832"/>
-                </a:solidFill>
-                <a:effectLst/>
-                <a:latin typeface="JetBrains Mono"/>
-              </a:rPr>
-              <a:t>    static boolean </a:t>
-            </a:r>
-            <a:r>
-              <a:rPr kumimoji="0" lang="en-US" altLang="en-US" sz="1800" b="0" i="1" u="none" strike="noStrike" cap="none" normalizeH="0" baseline="0">
-                <a:ln>
-                  <a:noFill/>
-                </a:ln>
-                <a:solidFill>
-                  <a:srgbClr val="9876AA"/>
-                </a:solidFill>
-                <a:effectLst/>
-                <a:latin typeface="JetBrains Mono"/>
-              </a:rPr>
-              <a:t>compareData</a:t>
-            </a:r>
-            <a:r>
-              <a:rPr kumimoji="0" lang="en-US" altLang="en-US" sz="1800" b="0" i="0" u="none" strike="noStrike" cap="none" normalizeH="0" baseline="0">
-                <a:ln>
-                  <a:noFill/>
-                </a:ln>
-                <a:solidFill>
-                  <a:srgbClr val="CC7832"/>
-                </a:solidFill>
-                <a:effectLst/>
-                <a:latin typeface="JetBrains Mono"/>
-              </a:rPr>
-              <a:t>;</a:t>
-            </a:r>
-            <a:br>
-              <a:rPr kumimoji="0" lang="en-US" altLang="en-US" sz="1800" b="0" i="0" u="none" strike="noStrike" cap="none" normalizeH="0" baseline="0">
-                <a:ln>
-                  <a:noFill/>
-                </a:ln>
-                <a:solidFill>
-                  <a:srgbClr val="CC7832"/>
-                </a:solidFill>
-                <a:effectLst/>
-                <a:latin typeface="JetBrains Mono"/>
-              </a:rPr>
-            </a:br>
-            <a:r>
-              <a:rPr kumimoji="0" lang="en-US" altLang="en-US" sz="1800" b="0" i="0" u="none" strike="noStrike" cap="none" normalizeH="0" baseline="0">
-                <a:ln>
-                  <a:noFill/>
-                </a:ln>
-                <a:solidFill>
-                  <a:srgbClr val="CC7832"/>
-                </a:solidFill>
-                <a:effectLst/>
-                <a:latin typeface="JetBrains Mono"/>
-              </a:rPr>
-              <a:t>    public </a:t>
-            </a:r>
-            <a:r>
-              <a:rPr kumimoji="0" lang="en-US" altLang="en-US" sz="1800" b="0" i="0" u="none" strike="noStrike" cap="none" normalizeH="0" baseline="0">
-                <a:ln>
-                  <a:noFill/>
-                </a:ln>
-                <a:solidFill>
-                  <a:srgbClr val="FFC66D"/>
-                </a:solidFill>
-                <a:effectLst/>
-                <a:latin typeface="JetBrains Mono"/>
-              </a:rPr>
-              <a:t>Country</a:t>
-            </a:r>
-            <a:r>
-              <a:rPr kumimoji="0" lang="en-US" altLang="en-US" sz="1800" b="0" i="0" u="none" strike="noStrike" cap="none" normalizeH="0" baseline="0">
-                <a:ln>
-                  <a:noFill/>
-                </a:ln>
-                <a:solidFill>
-                  <a:srgbClr val="A9B7C6"/>
-                </a:solidFill>
-                <a:effectLst/>
-                <a:latin typeface="JetBrains Mono"/>
-              </a:rPr>
-              <a:t>(String name</a:t>
-            </a:r>
-            <a:r>
-              <a:rPr kumimoji="0" lang="en-US" altLang="en-US" sz="1800" b="0" i="0" u="none" strike="noStrike" cap="none" normalizeH="0" baseline="0">
-                <a:ln>
-                  <a:noFill/>
-                </a:ln>
-                <a:solidFill>
-                  <a:srgbClr val="CC7832"/>
-                </a:solidFill>
-                <a:effectLst/>
-                <a:latin typeface="JetBrains Mono"/>
-              </a:rPr>
-              <a:t>, double </a:t>
-            </a:r>
-            <a:r>
-              <a:rPr kumimoji="0" lang="en-US" altLang="en-US" sz="1800" b="0" i="0" u="none" strike="noStrike" cap="none" normalizeH="0" baseline="0">
-                <a:ln>
-                  <a:noFill/>
-                </a:ln>
-                <a:solidFill>
-                  <a:srgbClr val="A9B7C6"/>
-                </a:solidFill>
-                <a:effectLst/>
-                <a:latin typeface="JetBrains Mono"/>
-              </a:rPr>
-              <a:t>area){</a:t>
-            </a:r>
-            <a:br>
-              <a:rPr kumimoji="0" lang="en-US" altLang="en-US" sz="1800" b="0" i="0" u="none" strike="noStrike" cap="none" normalizeH="0" baseline="0">
-                <a:ln>
-                  <a:noFill/>
-                </a:ln>
-                <a:solidFill>
-                  <a:srgbClr val="A9B7C6"/>
-                </a:solidFill>
-                <a:effectLst/>
-                <a:latin typeface="JetBrains Mono"/>
-              </a:rPr>
-            </a:br>
-            <a:r>
-              <a:rPr kumimoji="0" lang="en-US" altLang="en-US" sz="1800" b="0" i="0" u="none" strike="noStrike" cap="none" normalizeH="0" baseline="0">
-                <a:ln>
-                  <a:noFill/>
-                </a:ln>
-                <a:solidFill>
-                  <a:srgbClr val="A9B7C6"/>
-                </a:solidFill>
-                <a:effectLst/>
-                <a:latin typeface="JetBrains Mono"/>
-              </a:rPr>
-              <a:t>        </a:t>
-            </a:r>
-            <a:r>
-              <a:rPr kumimoji="0" lang="en-US" altLang="en-US" sz="1800" b="0" i="0" u="none" strike="noStrike" cap="none" normalizeH="0" baseline="0">
-                <a:ln>
-                  <a:noFill/>
-                </a:ln>
-                <a:solidFill>
-                  <a:srgbClr val="CC7832"/>
-                </a:solidFill>
-                <a:effectLst/>
-                <a:latin typeface="JetBrains Mono"/>
-              </a:rPr>
-              <a:t>this</a:t>
-            </a:r>
-            <a:r>
-              <a:rPr kumimoji="0" lang="en-US" altLang="en-US" sz="1800" b="0" i="0" u="none" strike="noStrike" cap="none" normalizeH="0" baseline="0">
-                <a:ln>
-                  <a:noFill/>
-                </a:ln>
-                <a:solidFill>
-                  <a:srgbClr val="A9B7C6"/>
-                </a:solidFill>
-                <a:effectLst/>
-                <a:latin typeface="JetBrains Mono"/>
-              </a:rPr>
-              <a:t>.</a:t>
-            </a:r>
-            <a:r>
-              <a:rPr kumimoji="0" lang="en-US" altLang="en-US" sz="1800" b="0" i="0" u="none" strike="noStrike" cap="none" normalizeH="0" baseline="0">
-                <a:ln>
-                  <a:noFill/>
-                </a:ln>
-                <a:solidFill>
-                  <a:srgbClr val="9876AA"/>
-                </a:solidFill>
-                <a:effectLst/>
-                <a:latin typeface="JetBrains Mono"/>
-              </a:rPr>
-              <a:t>name </a:t>
-            </a:r>
-            <a:r>
-              <a:rPr kumimoji="0" lang="en-US" altLang="en-US" sz="1800" b="0" i="0" u="none" strike="noStrike" cap="none" normalizeH="0" baseline="0">
-                <a:ln>
-                  <a:noFill/>
-                </a:ln>
-                <a:solidFill>
-                  <a:srgbClr val="A9B7C6"/>
-                </a:solidFill>
-                <a:effectLst/>
-                <a:latin typeface="JetBrains Mono"/>
-              </a:rPr>
-              <a:t>= name</a:t>
-            </a:r>
-            <a:r>
-              <a:rPr kumimoji="0" lang="en-US" altLang="en-US" sz="1800" b="0" i="0" u="none" strike="noStrike" cap="none" normalizeH="0" baseline="0">
-                <a:ln>
-                  <a:noFill/>
-                </a:ln>
-                <a:solidFill>
-                  <a:srgbClr val="CC7832"/>
-                </a:solidFill>
-                <a:effectLst/>
-                <a:latin typeface="JetBrains Mono"/>
-              </a:rPr>
-              <a:t>;</a:t>
-            </a:r>
-            <a:br>
-              <a:rPr kumimoji="0" lang="en-US" altLang="en-US" sz="1800" b="0" i="0" u="none" strike="noStrike" cap="none" normalizeH="0" baseline="0">
-                <a:ln>
-                  <a:noFill/>
-                </a:ln>
-                <a:solidFill>
-                  <a:srgbClr val="CC7832"/>
-                </a:solidFill>
-                <a:effectLst/>
-                <a:latin typeface="JetBrains Mono"/>
-              </a:rPr>
-            </a:br>
-            <a:r>
-              <a:rPr kumimoji="0" lang="en-US" altLang="en-US" sz="1800" b="0" i="0" u="none" strike="noStrike" cap="none" normalizeH="0" baseline="0">
-                <a:ln>
-                  <a:noFill/>
-                </a:ln>
-                <a:solidFill>
-                  <a:srgbClr val="CC7832"/>
-                </a:solidFill>
-                <a:effectLst/>
-                <a:latin typeface="JetBrains Mono"/>
-              </a:rPr>
-              <a:t>        this</a:t>
-            </a:r>
-            <a:r>
-              <a:rPr kumimoji="0" lang="en-US" altLang="en-US" sz="1800" b="0" i="0" u="none" strike="noStrike" cap="none" normalizeH="0" baseline="0">
-                <a:ln>
-                  <a:noFill/>
-                </a:ln>
-                <a:solidFill>
-                  <a:srgbClr val="A9B7C6"/>
-                </a:solidFill>
-                <a:effectLst/>
-                <a:latin typeface="JetBrains Mono"/>
-              </a:rPr>
-              <a:t>.</a:t>
-            </a:r>
-            <a:r>
-              <a:rPr kumimoji="0" lang="en-US" altLang="en-US" sz="1800" b="0" i="0" u="none" strike="noStrike" cap="none" normalizeH="0" baseline="0">
-                <a:ln>
-                  <a:noFill/>
-                </a:ln>
-                <a:solidFill>
-                  <a:srgbClr val="9876AA"/>
-                </a:solidFill>
-                <a:effectLst/>
-                <a:latin typeface="JetBrains Mono"/>
-              </a:rPr>
-              <a:t>area </a:t>
-            </a:r>
-            <a:r>
-              <a:rPr kumimoji="0" lang="en-US" altLang="en-US" sz="1800" b="0" i="0" u="none" strike="noStrike" cap="none" normalizeH="0" baseline="0">
-                <a:ln>
-                  <a:noFill/>
-                </a:ln>
-                <a:solidFill>
-                  <a:srgbClr val="A9B7C6"/>
-                </a:solidFill>
-                <a:effectLst/>
-                <a:latin typeface="JetBrains Mono"/>
-              </a:rPr>
-              <a:t>= area</a:t>
-            </a:r>
-            <a:r>
-              <a:rPr kumimoji="0" lang="en-US" altLang="en-US" sz="1800" b="0" i="0" u="none" strike="noStrike" cap="none" normalizeH="0" baseline="0">
-                <a:ln>
-                  <a:noFill/>
-                </a:ln>
-                <a:solidFill>
-                  <a:srgbClr val="CC7832"/>
-                </a:solidFill>
-                <a:effectLst/>
-                <a:latin typeface="JetBrains Mono"/>
-              </a:rPr>
-              <a:t>;</a:t>
-            </a:r>
-            <a:br>
-              <a:rPr kumimoji="0" lang="en-US" altLang="en-US" sz="1800" b="0" i="0" u="none" strike="noStrike" cap="none" normalizeH="0" baseline="0">
-                <a:ln>
-                  <a:noFill/>
-                </a:ln>
-                <a:solidFill>
-                  <a:srgbClr val="CC7832"/>
-                </a:solidFill>
-                <a:effectLst/>
-                <a:latin typeface="JetBrains Mono"/>
-              </a:rPr>
-            </a:br>
-            <a:r>
-              <a:rPr kumimoji="0" lang="en-US" altLang="en-US" sz="1800" b="0" i="0" u="none" strike="noStrike" cap="none" normalizeH="0" baseline="0">
-                <a:ln>
-                  <a:noFill/>
-                </a:ln>
-                <a:solidFill>
-                  <a:srgbClr val="CC7832"/>
-                </a:solidFill>
-                <a:effectLst/>
-                <a:latin typeface="JetBrains Mono"/>
-              </a:rPr>
-              <a:t>    </a:t>
-            </a:r>
-            <a:r>
-              <a:rPr kumimoji="0" lang="en-US" altLang="en-US" sz="1800" b="0" i="0" u="none" strike="noStrike" cap="none" normalizeH="0" baseline="0">
-                <a:ln>
-                  <a:noFill/>
-                </a:ln>
-                <a:solidFill>
-                  <a:srgbClr val="A9B7C6"/>
-                </a:solidFill>
-                <a:effectLst/>
-                <a:latin typeface="JetBrains Mono"/>
-              </a:rPr>
-              <a:t>}</a:t>
-            </a:r>
-            <a:br>
-              <a:rPr kumimoji="0" lang="en-US" altLang="en-US" sz="1800" b="0" i="0" u="none" strike="noStrike" cap="none" normalizeH="0" baseline="0">
-                <a:ln>
-                  <a:noFill/>
-                </a:ln>
-                <a:solidFill>
-                  <a:srgbClr val="A9B7C6"/>
-                </a:solidFill>
-                <a:effectLst/>
-                <a:latin typeface="JetBrains Mono"/>
-              </a:rPr>
-            </a:br>
-            <a:r>
-              <a:rPr kumimoji="0" lang="en-US" altLang="en-US" sz="1800" b="0" i="0" u="none" strike="noStrike" cap="none" normalizeH="0" baseline="0">
-                <a:ln>
-                  <a:noFill/>
-                </a:ln>
-                <a:solidFill>
-                  <a:srgbClr val="A9B7C6"/>
-                </a:solidFill>
-                <a:effectLst/>
-                <a:latin typeface="JetBrains Mono"/>
-              </a:rPr>
-              <a:t>    </a:t>
-            </a:r>
-            <a:r>
-              <a:rPr kumimoji="0" lang="en-US" altLang="en-US" sz="1800" b="0" i="0" u="none" strike="noStrike" cap="none" normalizeH="0" baseline="0">
-                <a:ln>
-                  <a:noFill/>
-                </a:ln>
-                <a:solidFill>
-                  <a:srgbClr val="CC7832"/>
-                </a:solidFill>
-                <a:effectLst/>
-                <a:latin typeface="JetBrains Mono"/>
-              </a:rPr>
-              <a:t>public double </a:t>
-            </a:r>
-            <a:r>
-              <a:rPr kumimoji="0" lang="en-US" altLang="en-US" sz="1800" b="0" i="0" u="none" strike="noStrike" cap="none" normalizeH="0" baseline="0">
-                <a:ln>
-                  <a:noFill/>
-                </a:ln>
-                <a:solidFill>
-                  <a:srgbClr val="FFC66D"/>
-                </a:solidFill>
-                <a:effectLst/>
-                <a:latin typeface="JetBrains Mono"/>
-              </a:rPr>
-              <a:t>getArea</a:t>
-            </a:r>
-            <a:r>
-              <a:rPr kumimoji="0" lang="en-US" altLang="en-US" sz="1800" b="0" i="0" u="none" strike="noStrike" cap="none" normalizeH="0" baseline="0">
-                <a:ln>
-                  <a:noFill/>
-                </a:ln>
-                <a:solidFill>
-                  <a:srgbClr val="A9B7C6"/>
-                </a:solidFill>
-                <a:effectLst/>
-                <a:latin typeface="JetBrains Mono"/>
-              </a:rPr>
-              <a:t>(){</a:t>
-            </a:r>
-            <a:br>
-              <a:rPr kumimoji="0" lang="en-US" altLang="en-US" sz="1800" b="0" i="0" u="none" strike="noStrike" cap="none" normalizeH="0" baseline="0">
-                <a:ln>
-                  <a:noFill/>
-                </a:ln>
-                <a:solidFill>
-                  <a:srgbClr val="A9B7C6"/>
-                </a:solidFill>
-                <a:effectLst/>
-                <a:latin typeface="JetBrains Mono"/>
-              </a:rPr>
-            </a:br>
-            <a:r>
-              <a:rPr kumimoji="0" lang="en-US" altLang="en-US" sz="1800" b="0" i="0" u="none" strike="noStrike" cap="none" normalizeH="0" baseline="0">
-                <a:ln>
-                  <a:noFill/>
-                </a:ln>
-                <a:solidFill>
-                  <a:srgbClr val="A9B7C6"/>
-                </a:solidFill>
-                <a:effectLst/>
-                <a:latin typeface="JetBrains Mono"/>
-              </a:rPr>
-              <a:t>        </a:t>
-            </a:r>
-            <a:r>
-              <a:rPr kumimoji="0" lang="en-US" altLang="en-US" sz="1800" b="0" i="0" u="none" strike="noStrike" cap="none" normalizeH="0" baseline="0">
-                <a:ln>
-                  <a:noFill/>
-                </a:ln>
-                <a:solidFill>
-                  <a:srgbClr val="CC7832"/>
-                </a:solidFill>
-                <a:effectLst/>
-                <a:latin typeface="JetBrains Mono"/>
-              </a:rPr>
-              <a:t>return </a:t>
-            </a:r>
-            <a:r>
-              <a:rPr kumimoji="0" lang="en-US" altLang="en-US" sz="1800" b="0" i="0" u="none" strike="noStrike" cap="none" normalizeH="0" baseline="0">
-                <a:ln>
-                  <a:noFill/>
-                </a:ln>
-                <a:solidFill>
-                  <a:srgbClr val="9876AA"/>
-                </a:solidFill>
-                <a:effectLst/>
-                <a:latin typeface="JetBrains Mono"/>
-              </a:rPr>
-              <a:t>area</a:t>
-            </a:r>
-            <a:r>
-              <a:rPr kumimoji="0" lang="en-US" altLang="en-US" sz="1800" b="0" i="0" u="none" strike="noStrike" cap="none" normalizeH="0" baseline="0">
-                <a:ln>
-                  <a:noFill/>
-                </a:ln>
-                <a:solidFill>
-                  <a:srgbClr val="CC7832"/>
-                </a:solidFill>
-                <a:effectLst/>
-                <a:latin typeface="JetBrains Mono"/>
-              </a:rPr>
-              <a:t>;</a:t>
-            </a:r>
-            <a:br>
-              <a:rPr kumimoji="0" lang="en-US" altLang="en-US" sz="1800" b="0" i="0" u="none" strike="noStrike" cap="none" normalizeH="0" baseline="0">
-                <a:ln>
-                  <a:noFill/>
-                </a:ln>
-                <a:solidFill>
-                  <a:srgbClr val="CC7832"/>
-                </a:solidFill>
-                <a:effectLst/>
-                <a:latin typeface="JetBrains Mono"/>
-              </a:rPr>
-            </a:br>
-            <a:r>
-              <a:rPr kumimoji="0" lang="en-US" altLang="en-US" sz="1800" b="0" i="0" u="none" strike="noStrike" cap="none" normalizeH="0" baseline="0">
-                <a:ln>
-                  <a:noFill/>
-                </a:ln>
-                <a:solidFill>
-                  <a:srgbClr val="CC7832"/>
-                </a:solidFill>
-                <a:effectLst/>
-                <a:latin typeface="JetBrains Mono"/>
-              </a:rPr>
-              <a:t>    </a:t>
-            </a:r>
-            <a:r>
-              <a:rPr kumimoji="0" lang="en-US" altLang="en-US" sz="1800" b="0" i="0" u="none" strike="noStrike" cap="none" normalizeH="0" baseline="0">
-                <a:ln>
-                  <a:noFill/>
-                </a:ln>
-                <a:solidFill>
-                  <a:srgbClr val="A9B7C6"/>
-                </a:solidFill>
-                <a:effectLst/>
-                <a:latin typeface="JetBrains Mono"/>
-              </a:rPr>
-              <a:t>}</a:t>
-            </a:r>
-            <a:br>
-              <a:rPr kumimoji="0" lang="en-US" altLang="en-US" sz="1800" b="0" i="0" u="none" strike="noStrike" cap="none" normalizeH="0" baseline="0">
-                <a:ln>
-                  <a:noFill/>
-                </a:ln>
-                <a:solidFill>
-                  <a:srgbClr val="A9B7C6"/>
-                </a:solidFill>
-                <a:effectLst/>
-                <a:latin typeface="JetBrains Mono"/>
-              </a:rPr>
-            </a:br>
-            <a:r>
-              <a:rPr kumimoji="0" lang="en-US" altLang="en-US" sz="1800" b="0" i="0" u="none" strike="noStrike" cap="none" normalizeH="0" baseline="0">
-                <a:ln>
-                  <a:noFill/>
-                </a:ln>
-                <a:solidFill>
-                  <a:srgbClr val="A9B7C6"/>
-                </a:solidFill>
-                <a:effectLst/>
-                <a:latin typeface="JetBrains Mono"/>
-              </a:rPr>
-              <a:t>    </a:t>
-            </a:r>
-            <a:r>
-              <a:rPr kumimoji="0" lang="en-US" altLang="en-US" sz="1800" b="0" i="0" u="none" strike="noStrike" cap="none" normalizeH="0" baseline="0">
-                <a:ln>
-                  <a:noFill/>
-                </a:ln>
-                <a:solidFill>
-                  <a:srgbClr val="CC7832"/>
-                </a:solidFill>
-                <a:effectLst/>
-                <a:latin typeface="JetBrains Mono"/>
-              </a:rPr>
-              <a:t>public </a:t>
-            </a:r>
-            <a:r>
-              <a:rPr kumimoji="0" lang="en-US" altLang="en-US" sz="1800" b="0" i="0" u="none" strike="noStrike" cap="none" normalizeH="0" baseline="0">
-                <a:ln>
-                  <a:noFill/>
-                </a:ln>
-                <a:solidFill>
-                  <a:srgbClr val="A9B7C6"/>
-                </a:solidFill>
-                <a:effectLst/>
-                <a:latin typeface="JetBrains Mono"/>
-              </a:rPr>
-              <a:t>String </a:t>
-            </a:r>
-            <a:r>
-              <a:rPr kumimoji="0" lang="en-US" altLang="en-US" sz="1800" b="0" i="0" u="none" strike="noStrike" cap="none" normalizeH="0" baseline="0">
-                <a:ln>
-                  <a:noFill/>
-                </a:ln>
-                <a:solidFill>
-                  <a:srgbClr val="FFC66D"/>
-                </a:solidFill>
-                <a:effectLst/>
-                <a:latin typeface="JetBrains Mono"/>
-              </a:rPr>
-              <a:t>getName</a:t>
-            </a:r>
-            <a:r>
-              <a:rPr kumimoji="0" lang="en-US" altLang="en-US" sz="1800" b="0" i="0" u="none" strike="noStrike" cap="none" normalizeH="0" baseline="0">
-                <a:ln>
-                  <a:noFill/>
-                </a:ln>
-                <a:solidFill>
-                  <a:srgbClr val="A9B7C6"/>
-                </a:solidFill>
-                <a:effectLst/>
-                <a:latin typeface="JetBrains Mono"/>
-              </a:rPr>
-              <a:t>(){ </a:t>
-            </a:r>
-            <a:r>
-              <a:rPr kumimoji="0" lang="en-US" altLang="en-US" sz="1800" b="0" i="0" u="none" strike="noStrike" cap="none" normalizeH="0" baseline="0">
-                <a:ln>
-                  <a:noFill/>
-                </a:ln>
-                <a:solidFill>
-                  <a:srgbClr val="CC7832"/>
-                </a:solidFill>
-                <a:effectLst/>
-                <a:latin typeface="JetBrains Mono"/>
-              </a:rPr>
-              <a:t>return </a:t>
-            </a:r>
-            <a:r>
-              <a:rPr kumimoji="0" lang="en-US" altLang="en-US" sz="1800" b="0" i="0" u="none" strike="noStrike" cap="none" normalizeH="0" baseline="0">
-                <a:ln>
-                  <a:noFill/>
-                </a:ln>
-                <a:solidFill>
-                  <a:srgbClr val="9876AA"/>
-                </a:solidFill>
-                <a:effectLst/>
-                <a:latin typeface="JetBrains Mono"/>
-              </a:rPr>
-              <a:t>name</a:t>
-            </a:r>
-            <a:r>
-              <a:rPr kumimoji="0" lang="en-US" altLang="en-US" sz="1800" b="0" i="0" u="none" strike="noStrike" cap="none" normalizeH="0" baseline="0">
-                <a:ln>
-                  <a:noFill/>
-                </a:ln>
-                <a:solidFill>
-                  <a:srgbClr val="CC7832"/>
-                </a:solidFill>
-                <a:effectLst/>
-                <a:latin typeface="JetBrains Mono"/>
-              </a:rPr>
-              <a:t>; </a:t>
-            </a:r>
-            <a:r>
-              <a:rPr kumimoji="0" lang="en-US" altLang="en-US" sz="1800" b="0" i="0" u="none" strike="noStrike" cap="none" normalizeH="0" baseline="0">
-                <a:ln>
-                  <a:noFill/>
-                </a:ln>
-                <a:solidFill>
-                  <a:srgbClr val="A9B7C6"/>
-                </a:solidFill>
-                <a:effectLst/>
-                <a:latin typeface="JetBrains Mono"/>
-              </a:rPr>
-              <a:t>}</a:t>
-            </a:r>
-            <a:br>
-              <a:rPr kumimoji="0" lang="en-US" altLang="en-US" sz="1800" b="0" i="0" u="none" strike="noStrike" cap="none" normalizeH="0" baseline="0">
-                <a:ln>
-                  <a:noFill/>
-                </a:ln>
-                <a:solidFill>
-                  <a:srgbClr val="A9B7C6"/>
-                </a:solidFill>
-                <a:effectLst/>
-                <a:latin typeface="JetBrains Mono"/>
-              </a:rPr>
-            </a:br>
-            <a:r>
-              <a:rPr kumimoji="0" lang="en-US" altLang="en-US" sz="1800" b="0" i="0" u="none" strike="noStrike" cap="none" normalizeH="0" baseline="0">
-                <a:ln>
-                  <a:noFill/>
-                </a:ln>
-                <a:solidFill>
-                  <a:srgbClr val="A9B7C6"/>
-                </a:solidFill>
-                <a:effectLst/>
-                <a:latin typeface="JetBrains Mono"/>
-              </a:rPr>
-              <a:t>    </a:t>
-            </a:r>
-            <a:r>
-              <a:rPr kumimoji="0" lang="en-US" altLang="en-US" sz="1800" b="0" i="0" u="none" strike="noStrike" cap="none" normalizeH="0" baseline="0">
-                <a:ln>
-                  <a:noFill/>
-                </a:ln>
-                <a:solidFill>
-                  <a:srgbClr val="BBB529"/>
-                </a:solidFill>
-                <a:effectLst/>
-                <a:latin typeface="JetBrains Mono"/>
-              </a:rPr>
-              <a:t>@Override</a:t>
-            </a:r>
-            <a:br>
-              <a:rPr kumimoji="0" lang="en-US" altLang="en-US" sz="1800" b="0" i="0" u="none" strike="noStrike" cap="none" normalizeH="0" baseline="0">
-                <a:ln>
-                  <a:noFill/>
-                </a:ln>
-                <a:solidFill>
-                  <a:srgbClr val="BBB529"/>
-                </a:solidFill>
-                <a:effectLst/>
-                <a:latin typeface="JetBrains Mono"/>
-              </a:rPr>
-            </a:br>
-            <a:r>
-              <a:rPr kumimoji="0" lang="en-US" altLang="en-US" sz="1800" b="0" i="0" u="none" strike="noStrike" cap="none" normalizeH="0" baseline="0">
-                <a:ln>
-                  <a:noFill/>
-                </a:ln>
-                <a:solidFill>
-                  <a:srgbClr val="BBB529"/>
-                </a:solidFill>
-                <a:effectLst/>
-                <a:latin typeface="JetBrains Mono"/>
-              </a:rPr>
-              <a:t>    </a:t>
-            </a:r>
-            <a:r>
-              <a:rPr kumimoji="0" lang="en-US" altLang="en-US" sz="1800" b="0" i="0" u="none" strike="noStrike" cap="none" normalizeH="0" baseline="0">
-                <a:ln>
-                  <a:noFill/>
-                </a:ln>
-                <a:solidFill>
-                  <a:srgbClr val="CC7832"/>
-                </a:solidFill>
-                <a:effectLst/>
-                <a:latin typeface="JetBrains Mono"/>
-              </a:rPr>
-              <a:t>public int </a:t>
-            </a:r>
-            <a:r>
-              <a:rPr kumimoji="0" lang="en-US" altLang="en-US" sz="1800" b="0" i="0" u="none" strike="noStrike" cap="none" normalizeH="0" baseline="0">
-                <a:ln>
-                  <a:noFill/>
-                </a:ln>
-                <a:solidFill>
-                  <a:srgbClr val="FFC66D"/>
-                </a:solidFill>
-                <a:effectLst/>
-                <a:latin typeface="JetBrains Mono"/>
-              </a:rPr>
-              <a:t>compareTo</a:t>
-            </a:r>
-            <a:r>
-              <a:rPr kumimoji="0" lang="en-US" altLang="en-US" sz="1800" b="0" i="0" u="none" strike="noStrike" cap="none" normalizeH="0" baseline="0">
-                <a:ln>
-                  <a:noFill/>
-                </a:ln>
-                <a:solidFill>
-                  <a:srgbClr val="A9B7C6"/>
-                </a:solidFill>
-                <a:effectLst/>
-                <a:latin typeface="JetBrains Mono"/>
-              </a:rPr>
-              <a:t>(Country o) {</a:t>
-            </a:r>
-            <a:br>
-              <a:rPr kumimoji="0" lang="en-US" altLang="en-US" sz="1800" b="0" i="0" u="none" strike="noStrike" cap="none" normalizeH="0" baseline="0">
-                <a:ln>
-                  <a:noFill/>
-                </a:ln>
-                <a:solidFill>
-                  <a:srgbClr val="A9B7C6"/>
-                </a:solidFill>
-                <a:effectLst/>
-                <a:latin typeface="JetBrains Mono"/>
-              </a:rPr>
-            </a:br>
-            <a:r>
-              <a:rPr kumimoji="0" lang="en-US" altLang="en-US" sz="1800" b="0" i="0" u="none" strike="noStrike" cap="none" normalizeH="0" baseline="0">
-                <a:ln>
-                  <a:noFill/>
-                </a:ln>
-                <a:solidFill>
-                  <a:srgbClr val="A9B7C6"/>
-                </a:solidFill>
-                <a:effectLst/>
-                <a:latin typeface="JetBrains Mono"/>
-              </a:rPr>
-              <a:t>        </a:t>
-            </a:r>
-            <a:r>
-              <a:rPr kumimoji="0" lang="en-US" altLang="en-US" sz="1800" b="0" i="0" u="none" strike="noStrike" cap="none" normalizeH="0" baseline="0">
-                <a:ln>
-                  <a:noFill/>
-                </a:ln>
-                <a:solidFill>
-                  <a:srgbClr val="808080"/>
-                </a:solidFill>
-                <a:effectLst/>
-                <a:latin typeface="JetBrains Mono"/>
-              </a:rPr>
-              <a:t>//needs to be implemented</a:t>
-            </a:r>
-            <a:br>
-              <a:rPr kumimoji="0" lang="en-US" altLang="en-US" sz="1800" b="0" i="0" u="none" strike="noStrike" cap="none" normalizeH="0" baseline="0">
-                <a:ln>
-                  <a:noFill/>
-                </a:ln>
-                <a:solidFill>
-                  <a:srgbClr val="808080"/>
-                </a:solidFill>
-                <a:effectLst/>
-                <a:latin typeface="JetBrains Mono"/>
-              </a:rPr>
-            </a:br>
-            <a:r>
-              <a:rPr kumimoji="0" lang="en-US" altLang="en-US" sz="1800" b="0" i="0" u="none" strike="noStrike" cap="none" normalizeH="0" baseline="0">
-                <a:ln>
-                  <a:noFill/>
-                </a:ln>
-                <a:solidFill>
-                  <a:srgbClr val="808080"/>
-                </a:solidFill>
-                <a:effectLst/>
-                <a:latin typeface="JetBrains Mono"/>
-              </a:rPr>
-              <a:t>    </a:t>
-            </a:r>
-            <a:r>
-              <a:rPr kumimoji="0" lang="en-US" altLang="en-US" sz="1800" b="0" i="0" u="none" strike="noStrike" cap="none" normalizeH="0" baseline="0">
-                <a:ln>
-                  <a:noFill/>
-                </a:ln>
-                <a:solidFill>
-                  <a:srgbClr val="A9B7C6"/>
-                </a:solidFill>
-                <a:effectLst/>
-                <a:latin typeface="JetBrains Mono"/>
-              </a:rPr>
-              <a:t>}</a:t>
-            </a:r>
-            <a:br>
-              <a:rPr kumimoji="0" lang="en-US" altLang="en-US" sz="1800" b="0" i="0" u="none" strike="noStrike" cap="none" normalizeH="0" baseline="0">
-                <a:ln>
-                  <a:noFill/>
-                </a:ln>
-                <a:solidFill>
-                  <a:srgbClr val="A9B7C6"/>
-                </a:solidFill>
-                <a:effectLst/>
-                <a:latin typeface="JetBrains Mono"/>
-              </a:rPr>
-            </a:br>
-            <a:r>
-              <a:rPr kumimoji="0" lang="en-US" altLang="en-US" sz="1800" b="0" i="0" u="none" strike="noStrike" cap="none" normalizeH="0" baseline="0">
-                <a:ln>
-                  <a:noFill/>
-                </a:ln>
-                <a:solidFill>
-                  <a:srgbClr val="A9B7C6"/>
-                </a:solidFill>
-                <a:effectLst/>
-                <a:latin typeface="JetBrains Mono"/>
-              </a:rPr>
-              <a:t>    </a:t>
-            </a:r>
-            <a:r>
-              <a:rPr kumimoji="0" lang="en-US" altLang="en-US" sz="1800" b="0" i="0" u="none" strike="noStrike" cap="none" normalizeH="0" baseline="0">
-                <a:ln>
-                  <a:noFill/>
-                </a:ln>
-                <a:solidFill>
-                  <a:srgbClr val="BBB529"/>
-                </a:solidFill>
-                <a:effectLst/>
-                <a:latin typeface="JetBrains Mono"/>
-              </a:rPr>
-              <a:t>@Override</a:t>
-            </a:r>
-            <a:br>
-              <a:rPr kumimoji="0" lang="en-US" altLang="en-US" sz="1800" b="0" i="0" u="none" strike="noStrike" cap="none" normalizeH="0" baseline="0">
-                <a:ln>
-                  <a:noFill/>
-                </a:ln>
-                <a:solidFill>
-                  <a:srgbClr val="BBB529"/>
-                </a:solidFill>
-                <a:effectLst/>
-                <a:latin typeface="JetBrains Mono"/>
-              </a:rPr>
-            </a:br>
-            <a:r>
-              <a:rPr kumimoji="0" lang="en-US" altLang="en-US" sz="1800" b="0" i="0" u="none" strike="noStrike" cap="none" normalizeH="0" baseline="0">
-                <a:ln>
-                  <a:noFill/>
-                </a:ln>
-                <a:solidFill>
-                  <a:srgbClr val="BBB529"/>
-                </a:solidFill>
-                <a:effectLst/>
-                <a:latin typeface="JetBrains Mono"/>
-              </a:rPr>
-              <a:t>    </a:t>
-            </a:r>
-            <a:r>
-              <a:rPr kumimoji="0" lang="en-US" altLang="en-US" sz="1800" b="0" i="0" u="none" strike="noStrike" cap="none" normalizeH="0" baseline="0">
-                <a:ln>
-                  <a:noFill/>
-                </a:ln>
-                <a:solidFill>
-                  <a:srgbClr val="CC7832"/>
-                </a:solidFill>
-                <a:effectLst/>
-                <a:latin typeface="JetBrains Mono"/>
-              </a:rPr>
-              <a:t>public boolean </a:t>
-            </a:r>
-            <a:r>
-              <a:rPr kumimoji="0" lang="en-US" altLang="en-US" sz="1800" b="0" i="0" u="none" strike="noStrike" cap="none" normalizeH="0" baseline="0">
-                <a:ln>
-                  <a:noFill/>
-                </a:ln>
-                <a:solidFill>
-                  <a:srgbClr val="FFC66D"/>
-                </a:solidFill>
-                <a:effectLst/>
-                <a:latin typeface="JetBrains Mono"/>
-              </a:rPr>
-              <a:t>equals</a:t>
-            </a:r>
-            <a:r>
-              <a:rPr kumimoji="0" lang="en-US" altLang="en-US" sz="1800" b="0" i="0" u="none" strike="noStrike" cap="none" normalizeH="0" baseline="0">
-                <a:ln>
-                  <a:noFill/>
-                </a:ln>
-                <a:solidFill>
-                  <a:srgbClr val="A9B7C6"/>
-                </a:solidFill>
-                <a:effectLst/>
-                <a:latin typeface="JetBrains Mono"/>
-              </a:rPr>
-              <a:t>(Object obj) {</a:t>
-            </a:r>
-            <a:br>
-              <a:rPr kumimoji="0" lang="en-US" altLang="en-US" sz="1800" b="0" i="0" u="none" strike="noStrike" cap="none" normalizeH="0" baseline="0">
-                <a:ln>
-                  <a:noFill/>
-                </a:ln>
-                <a:solidFill>
-                  <a:srgbClr val="A9B7C6"/>
-                </a:solidFill>
-                <a:effectLst/>
-                <a:latin typeface="JetBrains Mono"/>
-              </a:rPr>
-            </a:br>
-            <a:r>
-              <a:rPr kumimoji="0" lang="en-US" altLang="en-US" sz="1800" b="0" i="0" u="none" strike="noStrike" cap="none" normalizeH="0" baseline="0">
-                <a:ln>
-                  <a:noFill/>
-                </a:ln>
-                <a:solidFill>
-                  <a:srgbClr val="A9B7C6"/>
-                </a:solidFill>
-                <a:effectLst/>
-                <a:latin typeface="JetBrains Mono"/>
-              </a:rPr>
-              <a:t>        </a:t>
-            </a:r>
-            <a:r>
-              <a:rPr kumimoji="0" lang="en-US" altLang="en-US" sz="1800" b="0" i="0" u="none" strike="noStrike" cap="none" normalizeH="0" baseline="0">
-                <a:ln>
-                  <a:noFill/>
-                </a:ln>
-                <a:solidFill>
-                  <a:srgbClr val="808080"/>
-                </a:solidFill>
-                <a:effectLst/>
-                <a:latin typeface="JetBrains Mono"/>
-              </a:rPr>
-              <a:t>//needs to be implemented</a:t>
-            </a:r>
-            <a:br>
-              <a:rPr kumimoji="0" lang="en-US" altLang="en-US" sz="1800" b="0" i="0" u="none" strike="noStrike" cap="none" normalizeH="0" baseline="0">
-                <a:ln>
-                  <a:noFill/>
-                </a:ln>
-                <a:solidFill>
-                  <a:srgbClr val="808080"/>
-                </a:solidFill>
-                <a:effectLst/>
-                <a:latin typeface="JetBrains Mono"/>
-              </a:rPr>
-            </a:br>
-            <a:r>
-              <a:rPr kumimoji="0" lang="en-US" altLang="en-US" sz="1800" b="0" i="0" u="none" strike="noStrike" cap="none" normalizeH="0" baseline="0">
-                <a:ln>
-                  <a:noFill/>
-                </a:ln>
-                <a:solidFill>
-                  <a:srgbClr val="808080"/>
-                </a:solidFill>
-                <a:effectLst/>
-                <a:latin typeface="JetBrains Mono"/>
-              </a:rPr>
-              <a:t>    </a:t>
-            </a:r>
-            <a:r>
-              <a:rPr kumimoji="0" lang="en-US" altLang="en-US" sz="1800" b="0" i="0" u="none" strike="noStrike" cap="none" normalizeH="0" baseline="0">
-                <a:ln>
-                  <a:noFill/>
-                </a:ln>
-                <a:solidFill>
-                  <a:srgbClr val="A9B7C6"/>
-                </a:solidFill>
-                <a:effectLst/>
-                <a:latin typeface="JetBrains Mono"/>
-              </a:rPr>
-              <a:t>}</a:t>
-            </a:r>
-            <a:br>
-              <a:rPr kumimoji="0" lang="en-US" altLang="en-US" sz="1800" b="0" i="0" u="none" strike="noStrike" cap="none" normalizeH="0" baseline="0">
-                <a:ln>
-                  <a:noFill/>
-                </a:ln>
-                <a:solidFill>
-                  <a:srgbClr val="A9B7C6"/>
-                </a:solidFill>
-                <a:effectLst/>
-                <a:latin typeface="JetBrains Mono"/>
-              </a:rPr>
-            </a:br>
-            <a:r>
-              <a:rPr kumimoji="0" lang="en-US" altLang="en-US" sz="1800" b="0" i="0" u="none" strike="noStrike" cap="none" normalizeH="0" baseline="0">
-                <a:ln>
-                  <a:noFill/>
-                </a:ln>
-                <a:solidFill>
-                  <a:srgbClr val="A9B7C6"/>
-                </a:solidFill>
-                <a:effectLst/>
-                <a:latin typeface="JetBrains Mono"/>
-              </a:rPr>
-              <a:t>    </a:t>
-            </a:r>
-            <a:r>
-              <a:rPr kumimoji="0" lang="en-US" altLang="en-US" sz="1800" b="0" i="0" u="none" strike="noStrike" cap="none" normalizeH="0" baseline="0">
-                <a:ln>
-                  <a:noFill/>
-                </a:ln>
-                <a:solidFill>
-                  <a:srgbClr val="CC7832"/>
-                </a:solidFill>
-                <a:effectLst/>
-                <a:latin typeface="JetBrains Mono"/>
-              </a:rPr>
-              <a:t>public </a:t>
-            </a:r>
-            <a:r>
-              <a:rPr kumimoji="0" lang="en-US" altLang="en-US" sz="1800" b="0" i="0" u="none" strike="noStrike" cap="none" normalizeH="0" baseline="0">
-                <a:ln>
-                  <a:noFill/>
-                </a:ln>
-                <a:solidFill>
-                  <a:srgbClr val="A9B7C6"/>
-                </a:solidFill>
-                <a:effectLst/>
-                <a:latin typeface="JetBrains Mono"/>
-              </a:rPr>
-              <a:t>String </a:t>
-            </a:r>
-            <a:r>
-              <a:rPr kumimoji="0" lang="en-US" altLang="en-US" sz="1800" b="0" i="0" u="none" strike="noStrike" cap="none" normalizeH="0" baseline="0">
-                <a:ln>
-                  <a:noFill/>
-                </a:ln>
-                <a:solidFill>
-                  <a:srgbClr val="FFC66D"/>
-                </a:solidFill>
-                <a:effectLst/>
-                <a:latin typeface="JetBrains Mono"/>
-              </a:rPr>
-              <a:t>toString</a:t>
-            </a:r>
-            <a:r>
-              <a:rPr kumimoji="0" lang="en-US" altLang="en-US" sz="1800" b="0" i="0" u="none" strike="noStrike" cap="none" normalizeH="0" baseline="0">
-                <a:ln>
-                  <a:noFill/>
-                </a:ln>
-                <a:solidFill>
-                  <a:srgbClr val="A9B7C6"/>
-                </a:solidFill>
-                <a:effectLst/>
-                <a:latin typeface="JetBrains Mono"/>
-              </a:rPr>
-              <a:t>(){</a:t>
-            </a:r>
-            <a:br>
-              <a:rPr kumimoji="0" lang="en-US" altLang="en-US" sz="1800" b="0" i="0" u="none" strike="noStrike" cap="none" normalizeH="0" baseline="0">
-                <a:ln>
-                  <a:noFill/>
-                </a:ln>
-                <a:solidFill>
-                  <a:srgbClr val="A9B7C6"/>
-                </a:solidFill>
-                <a:effectLst/>
-                <a:latin typeface="JetBrains Mono"/>
-              </a:rPr>
-            </a:br>
-            <a:r>
-              <a:rPr kumimoji="0" lang="en-US" altLang="en-US" sz="1800" b="0" i="0" u="none" strike="noStrike" cap="none" normalizeH="0" baseline="0">
-                <a:ln>
-                  <a:noFill/>
-                </a:ln>
-                <a:solidFill>
-                  <a:srgbClr val="A9B7C6"/>
-                </a:solidFill>
-                <a:effectLst/>
-                <a:latin typeface="JetBrains Mono"/>
-              </a:rPr>
-              <a:t>        </a:t>
-            </a:r>
-            <a:r>
-              <a:rPr kumimoji="0" lang="en-US" altLang="en-US" sz="1800" b="0" i="0" u="none" strike="noStrike" cap="none" normalizeH="0" baseline="0">
-                <a:ln>
-                  <a:noFill/>
-                </a:ln>
-                <a:solidFill>
-                  <a:srgbClr val="CC7832"/>
-                </a:solidFill>
-                <a:effectLst/>
-                <a:latin typeface="JetBrains Mono"/>
-              </a:rPr>
-              <a:t>return </a:t>
-            </a:r>
-            <a:r>
-              <a:rPr kumimoji="0" lang="en-US" altLang="en-US" sz="1800" b="0" i="0" u="none" strike="noStrike" cap="none" normalizeH="0" baseline="0">
-                <a:ln>
-                  <a:noFill/>
-                </a:ln>
-                <a:solidFill>
-                  <a:srgbClr val="6A8759"/>
-                </a:solidFill>
-                <a:effectLst/>
-                <a:latin typeface="JetBrains Mono"/>
-              </a:rPr>
-              <a:t>"name: " </a:t>
-            </a:r>
-            <a:r>
-              <a:rPr kumimoji="0" lang="en-US" altLang="en-US" sz="1800" b="0" i="0" u="none" strike="noStrike" cap="none" normalizeH="0" baseline="0">
-                <a:ln>
-                  <a:noFill/>
-                </a:ln>
-                <a:solidFill>
-                  <a:srgbClr val="A9B7C6"/>
-                </a:solidFill>
-                <a:effectLst/>
-                <a:latin typeface="JetBrains Mono"/>
-              </a:rPr>
-              <a:t>+ </a:t>
-            </a:r>
-            <a:r>
-              <a:rPr kumimoji="0" lang="en-US" altLang="en-US" sz="1800" b="0" i="0" u="none" strike="noStrike" cap="none" normalizeH="0" baseline="0">
-                <a:ln>
-                  <a:noFill/>
-                </a:ln>
-                <a:solidFill>
-                  <a:srgbClr val="9876AA"/>
-                </a:solidFill>
-                <a:effectLst/>
-                <a:latin typeface="JetBrains Mono"/>
-              </a:rPr>
-              <a:t>name </a:t>
-            </a:r>
-            <a:r>
-              <a:rPr kumimoji="0" lang="en-US" altLang="en-US" sz="1800" b="0" i="0" u="none" strike="noStrike" cap="none" normalizeH="0" baseline="0">
-                <a:ln>
-                  <a:noFill/>
-                </a:ln>
-                <a:solidFill>
-                  <a:srgbClr val="A9B7C6"/>
-                </a:solidFill>
-                <a:effectLst/>
-                <a:latin typeface="JetBrains Mono"/>
-              </a:rPr>
-              <a:t>+ </a:t>
-            </a:r>
-            <a:r>
-              <a:rPr kumimoji="0" lang="en-US" altLang="en-US" sz="1800" b="0" i="0" u="none" strike="noStrike" cap="none" normalizeH="0" baseline="0">
-                <a:ln>
-                  <a:noFill/>
-                </a:ln>
-                <a:solidFill>
-                  <a:srgbClr val="6A8759"/>
-                </a:solidFill>
-                <a:effectLst/>
-                <a:latin typeface="JetBrains Mono"/>
-              </a:rPr>
-              <a:t>" area: " </a:t>
-            </a:r>
-            <a:r>
-              <a:rPr kumimoji="0" lang="en-US" altLang="en-US" sz="1800" b="0" i="0" u="none" strike="noStrike" cap="none" normalizeH="0" baseline="0">
-                <a:ln>
-                  <a:noFill/>
-                </a:ln>
-                <a:solidFill>
-                  <a:srgbClr val="A9B7C6"/>
-                </a:solidFill>
-                <a:effectLst/>
-                <a:latin typeface="JetBrains Mono"/>
-              </a:rPr>
-              <a:t>+ </a:t>
-            </a:r>
-            <a:r>
-              <a:rPr kumimoji="0" lang="en-US" altLang="en-US" sz="1800" b="0" i="0" u="none" strike="noStrike" cap="none" normalizeH="0" baseline="0">
-                <a:ln>
-                  <a:noFill/>
-                </a:ln>
-                <a:solidFill>
-                  <a:srgbClr val="9876AA"/>
-                </a:solidFill>
-                <a:effectLst/>
-                <a:latin typeface="JetBrains Mono"/>
-              </a:rPr>
-              <a:t>area</a:t>
-            </a:r>
-            <a:r>
-              <a:rPr kumimoji="0" lang="en-US" altLang="en-US" sz="1800" b="0" i="0" u="none" strike="noStrike" cap="none" normalizeH="0" baseline="0">
-                <a:ln>
-                  <a:noFill/>
-                </a:ln>
-                <a:solidFill>
-                  <a:srgbClr val="CC7832"/>
-                </a:solidFill>
-                <a:effectLst/>
-                <a:latin typeface="JetBrains Mono"/>
-              </a:rPr>
-              <a:t>;</a:t>
-            </a:r>
-            <a:br>
-              <a:rPr kumimoji="0" lang="en-US" altLang="en-US" sz="1800" b="0" i="0" u="none" strike="noStrike" cap="none" normalizeH="0" baseline="0">
-                <a:ln>
-                  <a:noFill/>
-                </a:ln>
-                <a:solidFill>
-                  <a:srgbClr val="CC7832"/>
-                </a:solidFill>
-                <a:effectLst/>
-                <a:latin typeface="JetBrains Mono"/>
-              </a:rPr>
-            </a:br>
-            <a:r>
-              <a:rPr kumimoji="0" lang="en-US" altLang="en-US" sz="1800" b="0" i="0" u="none" strike="noStrike" cap="none" normalizeH="0" baseline="0">
-                <a:ln>
-                  <a:noFill/>
-                </a:ln>
-                <a:solidFill>
-                  <a:srgbClr val="CC7832"/>
-                </a:solidFill>
-                <a:effectLst/>
-                <a:latin typeface="JetBrains Mono"/>
-              </a:rPr>
-              <a:t>    </a:t>
-            </a:r>
-            <a:r>
-              <a:rPr kumimoji="0" lang="en-US" altLang="en-US" sz="1800" b="0" i="0" u="none" strike="noStrike" cap="none" normalizeH="0" baseline="0">
-                <a:ln>
-                  <a:noFill/>
-                </a:ln>
-                <a:solidFill>
-                  <a:srgbClr val="A9B7C6"/>
-                </a:solidFill>
-                <a:effectLst/>
-                <a:latin typeface="JetBrains Mono"/>
-              </a:rPr>
-              <a:t>}</a:t>
-            </a:r>
-            <a:br>
-              <a:rPr kumimoji="0" lang="en-US" altLang="en-US" sz="1800" b="0" i="0" u="none" strike="noStrike" cap="none" normalizeH="0" baseline="0">
-                <a:ln>
-                  <a:noFill/>
-                </a:ln>
-                <a:solidFill>
-                  <a:srgbClr val="A9B7C6"/>
-                </a:solidFill>
-                <a:effectLst/>
-                <a:latin typeface="JetBrains Mono"/>
-              </a:rPr>
-            </a:br>
-            <a:r>
-              <a:rPr kumimoji="0" lang="en-US" altLang="en-US" sz="1800" b="0" i="0" u="none" strike="noStrike" cap="none" normalizeH="0" baseline="0">
-                <a:ln>
-                  <a:noFill/>
-                </a:ln>
-                <a:solidFill>
-                  <a:srgbClr val="A9B7C6"/>
-                </a:solidFill>
-                <a:effectLst/>
-                <a:latin typeface="JetBrains Mono"/>
-              </a:rPr>
-              <a:t>}</a:t>
-            </a:r>
-            <a:endParaRPr kumimoji="0" lang="en-US" altLang="en-US" sz="1800" b="0" i="0" u="none" strike="noStrike" cap="none" normalizeH="0" baseline="0">
-              <a:ln>
-                <a:noFill/>
-              </a:ln>
-              <a:solidFill>
-                <a:schemeClr val="tx1"/>
-              </a:solidFill>
-              <a:effectLst/>
-              <a:latin typeface="Arial" panose="020B0604020202020204" pitchFamily="34" charset="0"/>
-            </a:endParaRPr>
-          </a:p>
-        </p:txBody>
-      </p:sp>
-    </p:spTree>
-    <p:extLst>
-      <p:ext uri="{BB962C8B-B14F-4D97-AF65-F5344CB8AC3E}">
-        <p14:creationId xmlns:p14="http://schemas.microsoft.com/office/powerpoint/2010/main" val="1035711711"/>
       </p:ext>
     </p:extLst>
   </p:cSld>
